--- a/Dependency.pptx
+++ b/Dependency.pptx
@@ -2359,6 +2359,45 @@
         </a:p>
       </dgm:t>
     </dgm:pt>
+    <dgm:pt modelId="{BD2D708B-01FA-433F-AE19-3CC53BAE9197}">
+      <dgm:prSet phldrT="[Text]">
+        <dgm:style>
+          <a:lnRef idx="2">
+            <a:schemeClr val="accent1">
+              <a:shade val="50000"/>
+            </a:schemeClr>
+          </a:lnRef>
+          <a:fillRef idx="1">
+            <a:schemeClr val="accent1"/>
+          </a:fillRef>
+          <a:effectRef idx="0">
+            <a:schemeClr val="accent1"/>
+          </a:effectRef>
+          <a:fontRef idx="minor">
+            <a:schemeClr val="lt1"/>
+          </a:fontRef>
+        </dgm:style>
+      </dgm:prSet>
+      <dgm:spPr/>
+      <dgm:t>
+        <a:bodyPr/>
+        <a:lstStyle/>
+        <a:p>
+          <a:r>
+            <a:rPr lang="en-US" dirty="0"/>
+            <a:t>Mutation</a:t>
+          </a:r>
+        </a:p>
+      </dgm:t>
+    </dgm:pt>
+    <dgm:pt modelId="{F3CBD7FE-6733-4F61-8078-4C17E2C59FA0}" type="parTrans" cxnId="{9C22D3ED-40C2-4F30-A13F-14FE7629F1E1}">
+      <dgm:prSet/>
+      <dgm:spPr/>
+    </dgm:pt>
+    <dgm:pt modelId="{8218B3AB-AE33-40CD-809D-FEE396A258D8}" type="sibTrans" cxnId="{9C22D3ED-40C2-4F30-A13F-14FE7629F1E1}">
+      <dgm:prSet/>
+      <dgm:spPr/>
+    </dgm:pt>
     <dgm:pt modelId="{7ED9CDDD-840D-4C18-9899-ACE37F4DDC37}" type="pres">
       <dgm:prSet presAssocID="{37BD702E-660E-4277-8183-4DD6AE9D2A57}" presName="mainComposite" presStyleCnt="0">
         <dgm:presLayoutVars>
@@ -2402,7 +2441,7 @@
       <dgm:spPr/>
     </dgm:pt>
     <dgm:pt modelId="{CE587749-E02B-4C36-AC47-F892C1C83148}" type="pres">
-      <dgm:prSet presAssocID="{32059DA7-F49A-4E3F-870B-AC3CE0F102E7}" presName="Name19" presStyleLbl="parChTrans1D2" presStyleIdx="0" presStyleCnt="1"/>
+      <dgm:prSet presAssocID="{32059DA7-F49A-4E3F-870B-AC3CE0F102E7}" presName="Name19" presStyleLbl="parChTrans1D2" presStyleIdx="0" presStyleCnt="2"/>
       <dgm:spPr/>
     </dgm:pt>
     <dgm:pt modelId="{4E73DCC7-BE68-4726-B4BD-16FCD2C7FBF9}" type="pres">
@@ -2410,7 +2449,7 @@
       <dgm:spPr/>
     </dgm:pt>
     <dgm:pt modelId="{54ECE007-5200-4912-A1FD-BF0315CF7644}" type="pres">
-      <dgm:prSet presAssocID="{F40F37A4-E834-421F-B37A-B06D1A2A609D}" presName="level2Shape" presStyleLbl="node2" presStyleIdx="0" presStyleCnt="1"/>
+      <dgm:prSet presAssocID="{F40F37A4-E834-421F-B37A-B06D1A2A609D}" presName="level2Shape" presStyleLbl="node2" presStyleIdx="0" presStyleCnt="2"/>
       <dgm:spPr/>
     </dgm:pt>
     <dgm:pt modelId="{0FA64999-60D6-43E8-B855-83D90896CE56}" type="pres">
@@ -2639,6 +2678,22 @@
     </dgm:pt>
     <dgm:pt modelId="{5355CEBB-62F1-41C2-B352-DF134B8242DB}" type="pres">
       <dgm:prSet presAssocID="{11F0B3AA-A575-4DE1-8D57-2BF099F82E44}" presName="hierChild3" presStyleCnt="0"/>
+      <dgm:spPr/>
+    </dgm:pt>
+    <dgm:pt modelId="{B573DE39-5322-4A35-93A6-4B2AAB201E47}" type="pres">
+      <dgm:prSet presAssocID="{F3CBD7FE-6733-4F61-8078-4C17E2C59FA0}" presName="Name19" presStyleLbl="parChTrans1D2" presStyleIdx="1" presStyleCnt="2"/>
+      <dgm:spPr/>
+    </dgm:pt>
+    <dgm:pt modelId="{246C3660-F483-46D1-BC1B-61126649B4C8}" type="pres">
+      <dgm:prSet presAssocID="{BD2D708B-01FA-433F-AE19-3CC53BAE9197}" presName="Name21" presStyleCnt="0"/>
+      <dgm:spPr/>
+    </dgm:pt>
+    <dgm:pt modelId="{143F9E9A-7769-47F3-A371-6AD9954F5817}" type="pres">
+      <dgm:prSet presAssocID="{BD2D708B-01FA-433F-AE19-3CC53BAE9197}" presName="level2Shape" presStyleLbl="node2" presStyleIdx="1" presStyleCnt="2"/>
+      <dgm:spPr/>
+    </dgm:pt>
+    <dgm:pt modelId="{5B16AF47-68DE-4907-BCEA-CD8690C80E31}" type="pres">
+      <dgm:prSet presAssocID="{BD2D708B-01FA-433F-AE19-3CC53BAE9197}" presName="hierChild3" presStyleCnt="0"/>
       <dgm:spPr/>
     </dgm:pt>
     <dgm:pt modelId="{A5849D2C-DFE8-494A-BDD4-2063850ACD6E}" type="pres">
@@ -2652,6 +2707,7 @@
     <dgm:cxn modelId="{ACCA4A1D-351D-4F10-904F-706EA64BBA4D}" type="presOf" srcId="{B6E7A50B-1706-4C4A-A689-A952F09B11F3}" destId="{0908737E-DD38-4EE0-9B4A-625CAFE1773C}" srcOrd="0" destOrd="0" presId="urn:microsoft.com/office/officeart/2005/8/layout/hierarchy6"/>
     <dgm:cxn modelId="{F82F9A28-089E-41D0-A9F7-D937DD116DFE}" type="presOf" srcId="{37BD702E-660E-4277-8183-4DD6AE9D2A57}" destId="{7ED9CDDD-840D-4C18-9899-ACE37F4DDC37}" srcOrd="0" destOrd="0" presId="urn:microsoft.com/office/officeart/2005/8/layout/hierarchy6"/>
     <dgm:cxn modelId="{80C4BE29-BD85-4030-BE9D-D2013B83E23A}" srcId="{A5C0DAAC-7BB7-44AF-BF6E-B7724E5CB042}" destId="{90B9C273-A126-4A38-91F3-8AFBBF8204A3}" srcOrd="2" destOrd="0" parTransId="{65440E03-D6E6-4B62-8A88-F56A637FD9EF}" sibTransId="{F5DDAE3D-3114-4CCE-868C-CE8BE241D912}"/>
+    <dgm:cxn modelId="{81A2CA30-C7CA-4986-BBA9-2BE71838BFCD}" type="presOf" srcId="{BD2D708B-01FA-433F-AE19-3CC53BAE9197}" destId="{143F9E9A-7769-47F3-A371-6AD9954F5817}" srcOrd="0" destOrd="0" presId="urn:microsoft.com/office/officeart/2005/8/layout/hierarchy6"/>
     <dgm:cxn modelId="{7817C531-9D7C-4C0E-B322-5253DA389B7D}" srcId="{E675E2EE-8FD6-476B-822F-5D9D06608ED4}" destId="{B6E7A50B-1706-4C4A-A689-A952F09B11F3}" srcOrd="0" destOrd="0" parTransId="{66BED8D8-A980-4160-BF52-FACD71E1F8B3}" sibTransId="{2736B5D7-AA3B-4FA4-B3CA-0871E014D363}"/>
     <dgm:cxn modelId="{3BF7C536-4954-4E74-8517-0F35D2693BED}" srcId="{58D659C0-4B4C-4C39-B852-22F17E85264F}" destId="{3C85EAEF-1D5B-478C-B055-82CF2DDA1D4F}" srcOrd="0" destOrd="0" parTransId="{DE0EDB48-1216-4858-9D75-4511B8B35269}" sibTransId="{2C1ABECA-0B5F-4415-8634-0CA998BA5FDD}"/>
     <dgm:cxn modelId="{18C12B60-B09E-49F4-8663-CCA3341DAD67}" srcId="{F40F37A4-E834-421F-B37A-B06D1A2A609D}" destId="{E675E2EE-8FD6-476B-822F-5D9D06608ED4}" srcOrd="0" destOrd="0" parTransId="{9BA6D5BB-12C8-4E41-B5BF-3D15C0EA204C}" sibTransId="{FC8F17E5-1C04-4D8A-B997-628E1E601F8F}"/>
@@ -2662,6 +2718,7 @@
     <dgm:cxn modelId="{C30EBA4E-1643-4BE6-AD42-25B1FFD9B82F}" type="presOf" srcId="{479C5ADC-02C3-43F8-A7BF-2D70E50216E1}" destId="{133A6E63-98A4-480E-9AA3-D83E97B0CBC1}" srcOrd="0" destOrd="0" presId="urn:microsoft.com/office/officeart/2005/8/layout/hierarchy6"/>
     <dgm:cxn modelId="{AFECF551-14F9-4F1D-AE38-215520E1EE45}" type="presOf" srcId="{3731E423-901E-4632-A8B9-B1F76E89C755}" destId="{3440CED6-C4DD-45FE-9FCC-875B769D8F03}" srcOrd="0" destOrd="0" presId="urn:microsoft.com/office/officeart/2005/8/layout/hierarchy6"/>
     <dgm:cxn modelId="{5CDF3757-B511-42A8-8D80-165DD976FFAE}" type="presOf" srcId="{7CF83EAE-65EC-4242-8737-6C9E0CA36CF5}" destId="{1CBDEE89-1CDB-4CC2-8B6D-E864872057F8}" srcOrd="0" destOrd="0" presId="urn:microsoft.com/office/officeart/2005/8/layout/hierarchy6"/>
+    <dgm:cxn modelId="{6FB06D58-A089-4AE4-B99C-777E654E9057}" type="presOf" srcId="{F3CBD7FE-6733-4F61-8078-4C17E2C59FA0}" destId="{B573DE39-5322-4A35-93A6-4B2AAB201E47}" srcOrd="0" destOrd="0" presId="urn:microsoft.com/office/officeart/2005/8/layout/hierarchy6"/>
     <dgm:cxn modelId="{5F558C5A-1EA7-4F6E-B4BF-9BD8F1001DCB}" type="presOf" srcId="{0C7190CD-B68D-4FB4-BFFC-3E6EBEE642CC}" destId="{5A0D5B08-B718-4CC4-9D81-B8226629A3F7}" srcOrd="0" destOrd="0" presId="urn:microsoft.com/office/officeart/2005/8/layout/hierarchy6"/>
     <dgm:cxn modelId="{9FE72A7F-DF4E-4886-A084-FA3491277224}" type="presOf" srcId="{3DDFE6A6-9495-4A58-A54C-769DE0AC01D3}" destId="{1F0516DB-4506-4E4C-BB9C-2D9319462B0F}" srcOrd="0" destOrd="0" presId="urn:microsoft.com/office/officeart/2005/8/layout/hierarchy6"/>
     <dgm:cxn modelId="{6176A585-2367-44AD-9112-088EC02A91D9}" type="presOf" srcId="{392E2751-9789-4239-8DB5-2AC7E308CF41}" destId="{62B83292-F4CA-4309-9EF0-EDF9A3B60EA6}" srcOrd="0" destOrd="0" presId="urn:microsoft.com/office/officeart/2005/8/layout/hierarchy6"/>
@@ -2694,6 +2751,7 @@
     <dgm:cxn modelId="{AF0C2BE9-35B5-410D-A4FB-ABD4F8D3F223}" srcId="{3DDFE6A6-9495-4A58-A54C-769DE0AC01D3}" destId="{85EC1DB4-DAE0-469F-BD3A-7027D9ED8C94}" srcOrd="1" destOrd="0" parTransId="{5347BAC4-D5FA-459D-AAEB-D8E23E949A0C}" sibTransId="{9BC6318B-656D-4693-9949-D7CFB76EF3AD}"/>
     <dgm:cxn modelId="{64B51AEA-B443-49A4-A328-462515F779CB}" srcId="{F40F37A4-E834-421F-B37A-B06D1A2A609D}" destId="{A5C0DAAC-7BB7-44AF-BF6E-B7724E5CB042}" srcOrd="2" destOrd="0" parTransId="{3731E423-901E-4632-A8B9-B1F76E89C755}" sibTransId="{B6FEE1E5-DDB2-42D9-8273-0FC8246E361D}"/>
     <dgm:cxn modelId="{E39CC7EA-1E59-4D09-B8FD-8D9344470412}" srcId="{A5C0DAAC-7BB7-44AF-BF6E-B7724E5CB042}" destId="{91E799B6-5D76-4B91-A862-BBD048C88ACC}" srcOrd="1" destOrd="0" parTransId="{392E2751-9789-4239-8DB5-2AC7E308CF41}" sibTransId="{401CBB94-0FA2-4CD2-B9C2-868A03BB6FEE}"/>
+    <dgm:cxn modelId="{9C22D3ED-40C2-4F30-A13F-14FE7629F1E1}" srcId="{E07F6448-8900-4AC5-A46C-B58AF4266010}" destId="{BD2D708B-01FA-433F-AE19-3CC53BAE9197}" srcOrd="1" destOrd="0" parTransId="{F3CBD7FE-6733-4F61-8078-4C17E2C59FA0}" sibTransId="{8218B3AB-AE33-40CD-809D-FEE396A258D8}"/>
     <dgm:cxn modelId="{A05136F6-7B8A-4C96-A80D-3B9D43B19456}" type="presOf" srcId="{91E799B6-5D76-4B91-A862-BBD048C88ACC}" destId="{385B6E0B-5E68-4D32-8072-77CCFC5039EF}" srcOrd="0" destOrd="0" presId="urn:microsoft.com/office/officeart/2005/8/layout/hierarchy6"/>
     <dgm:cxn modelId="{89A6BE56-98FB-4725-90E9-7AF9086BDE86}" type="presParOf" srcId="{7ED9CDDD-840D-4C18-9899-ACE37F4DDC37}" destId="{397EB7B9-5D2F-47FA-B595-876ADE2E4141}" srcOrd="0" destOrd="0" presId="urn:microsoft.com/office/officeart/2005/8/layout/hierarchy6"/>
     <dgm:cxn modelId="{153FDBC7-3779-4865-80B2-694CD8DAFBAC}" type="presParOf" srcId="{397EB7B9-5D2F-47FA-B595-876ADE2E4141}" destId="{FBA3965F-2068-4CA2-B9CD-18E570C42BF2}" srcOrd="0" destOrd="0" presId="urn:microsoft.com/office/officeart/2005/8/layout/hierarchy6"/>
@@ -2760,6 +2818,10 @@
     <dgm:cxn modelId="{176904A3-80CF-4A3F-A38D-7A2DDFF0B47F}" type="presParOf" srcId="{FEB30B28-754D-4784-AB89-B5FCD4BD169B}" destId="{492A0B20-D678-48CF-BFB0-446BA1C7CBCB}" srcOrd="3" destOrd="0" presId="urn:microsoft.com/office/officeart/2005/8/layout/hierarchy6"/>
     <dgm:cxn modelId="{6F153802-B34F-4FA4-800A-24AB70A728B9}" type="presParOf" srcId="{492A0B20-D678-48CF-BFB0-446BA1C7CBCB}" destId="{0FCFD615-0BD6-4A3C-BF78-FC74C6B5E786}" srcOrd="0" destOrd="0" presId="urn:microsoft.com/office/officeart/2005/8/layout/hierarchy6"/>
     <dgm:cxn modelId="{4813E9AC-4C60-4C77-98FF-FC482509C674}" type="presParOf" srcId="{492A0B20-D678-48CF-BFB0-446BA1C7CBCB}" destId="{5355CEBB-62F1-41C2-B352-DF134B8242DB}" srcOrd="1" destOrd="0" presId="urn:microsoft.com/office/officeart/2005/8/layout/hierarchy6"/>
+    <dgm:cxn modelId="{175ED50B-70BF-4263-898C-E7CDEEB0A1EC}" type="presParOf" srcId="{E8871870-0A9F-4700-8EBD-DCF96289AD9E}" destId="{B573DE39-5322-4A35-93A6-4B2AAB201E47}" srcOrd="2" destOrd="0" presId="urn:microsoft.com/office/officeart/2005/8/layout/hierarchy6"/>
+    <dgm:cxn modelId="{F36DBC5E-3A3F-4193-AD78-9B867223ED09}" type="presParOf" srcId="{E8871870-0A9F-4700-8EBD-DCF96289AD9E}" destId="{246C3660-F483-46D1-BC1B-61126649B4C8}" srcOrd="3" destOrd="0" presId="urn:microsoft.com/office/officeart/2005/8/layout/hierarchy6"/>
+    <dgm:cxn modelId="{30EEFB60-B25F-4E4F-9345-76D96BE77065}" type="presParOf" srcId="{246C3660-F483-46D1-BC1B-61126649B4C8}" destId="{143F9E9A-7769-47F3-A371-6AD9954F5817}" srcOrd="0" destOrd="0" presId="urn:microsoft.com/office/officeart/2005/8/layout/hierarchy6"/>
+    <dgm:cxn modelId="{F66F6771-473D-45B2-A88D-72EA2F2C152A}" type="presParOf" srcId="{246C3660-F483-46D1-BC1B-61126649B4C8}" destId="{5B16AF47-68DE-4907-BCEA-CD8690C80E31}" srcOrd="1" destOrd="0" presId="urn:microsoft.com/office/officeart/2005/8/layout/hierarchy6"/>
     <dgm:cxn modelId="{2642CDA5-B4B5-4233-80B9-7085826FFA23}" type="presParOf" srcId="{7ED9CDDD-840D-4C18-9899-ACE37F4DDC37}" destId="{A5849D2C-DFE8-494A-BDD4-2063850ACD6E}" srcOrd="1" destOrd="0" presId="urn:microsoft.com/office/officeart/2005/8/layout/hierarchy6"/>
   </dgm:cxnLst>
   <dgm:bg/>
@@ -2839,324 +2901,6 @@
         </a:p>
       </dgm:t>
     </dgm:pt>
-    <dgm:pt modelId="{F40F37A4-E834-421F-B37A-B06D1A2A609D}">
-      <dgm:prSet phldrT="[Text]">
-        <dgm:style>
-          <a:lnRef idx="3">
-            <a:schemeClr val="lt1"/>
-          </a:lnRef>
-          <a:fillRef idx="1">
-            <a:schemeClr val="accent1"/>
-          </a:fillRef>
-          <a:effectRef idx="1">
-            <a:schemeClr val="accent1"/>
-          </a:effectRef>
-          <a:fontRef idx="minor">
-            <a:schemeClr val="lt1"/>
-          </a:fontRef>
-        </dgm:style>
-      </dgm:prSet>
-      <dgm:spPr/>
-      <dgm:t>
-        <a:bodyPr/>
-        <a:lstStyle/>
-        <a:p>
-          <a:r>
-            <a:rPr lang="en-US" dirty="0"/>
-            <a:t>Neat (CNS)</a:t>
-          </a:r>
-        </a:p>
-      </dgm:t>
-    </dgm:pt>
-    <dgm:pt modelId="{32059DA7-F49A-4E3F-870B-AC3CE0F102E7}" type="parTrans" cxnId="{87D24612-27B7-43F1-91E3-91E9A9453C80}">
-      <dgm:prSet/>
-      <dgm:spPr/>
-      <dgm:t>
-        <a:bodyPr/>
-        <a:lstStyle/>
-        <a:p>
-          <a:endParaRPr lang="en-US"/>
-        </a:p>
-      </dgm:t>
-    </dgm:pt>
-    <dgm:pt modelId="{44D88DBE-C92B-46BF-95A9-D674A2CFE7B3}" type="sibTrans" cxnId="{87D24612-27B7-43F1-91E3-91E9A9453C80}">
-      <dgm:prSet/>
-      <dgm:spPr/>
-      <dgm:t>
-        <a:bodyPr/>
-        <a:lstStyle/>
-        <a:p>
-          <a:endParaRPr lang="en-US"/>
-        </a:p>
-      </dgm:t>
-    </dgm:pt>
-    <dgm:pt modelId="{E675E2EE-8FD6-476B-822F-5D9D06608ED4}">
-      <dgm:prSet phldrT="[Text]"/>
-      <dgm:spPr/>
-      <dgm:t>
-        <a:bodyPr/>
-        <a:lstStyle/>
-        <a:p>
-          <a:r>
-            <a:rPr lang="en-US" dirty="0"/>
-            <a:t>Nodes</a:t>
-          </a:r>
-        </a:p>
-      </dgm:t>
-    </dgm:pt>
-    <dgm:pt modelId="{9BA6D5BB-12C8-4E41-B5BF-3D15C0EA204C}" type="parTrans" cxnId="{18C12B60-B09E-49F4-8663-CCA3341DAD67}">
-      <dgm:prSet/>
-      <dgm:spPr/>
-      <dgm:t>
-        <a:bodyPr/>
-        <a:lstStyle/>
-        <a:p>
-          <a:endParaRPr lang="en-US"/>
-        </a:p>
-      </dgm:t>
-    </dgm:pt>
-    <dgm:pt modelId="{FC8F17E5-1C04-4D8A-B997-628E1E601F8F}" type="sibTrans" cxnId="{18C12B60-B09E-49F4-8663-CCA3341DAD67}">
-      <dgm:prSet/>
-      <dgm:spPr/>
-      <dgm:t>
-        <a:bodyPr/>
-        <a:lstStyle/>
-        <a:p>
-          <a:endParaRPr lang="en-US"/>
-        </a:p>
-      </dgm:t>
-    </dgm:pt>
-    <dgm:pt modelId="{3DDFE6A6-9495-4A58-A54C-769DE0AC01D3}">
-      <dgm:prSet phldrT="[Text]"/>
-      <dgm:spPr/>
-      <dgm:t>
-        <a:bodyPr/>
-        <a:lstStyle/>
-        <a:p>
-          <a:r>
-            <a:rPr lang="en-US" dirty="0"/>
-            <a:t>Connections</a:t>
-          </a:r>
-        </a:p>
-      </dgm:t>
-    </dgm:pt>
-    <dgm:pt modelId="{7CF83EAE-65EC-4242-8737-6C9E0CA36CF5}" type="parTrans" cxnId="{3075F7DD-0C3C-4B57-B42E-C30FFEB6D224}">
-      <dgm:prSet/>
-      <dgm:spPr/>
-      <dgm:t>
-        <a:bodyPr/>
-        <a:lstStyle/>
-        <a:p>
-          <a:endParaRPr lang="en-US"/>
-        </a:p>
-      </dgm:t>
-    </dgm:pt>
-    <dgm:pt modelId="{4179F2A4-E039-4DC6-9FDA-4A5F2BD84472}" type="sibTrans" cxnId="{3075F7DD-0C3C-4B57-B42E-C30FFEB6D224}">
-      <dgm:prSet/>
-      <dgm:spPr/>
-      <dgm:t>
-        <a:bodyPr/>
-        <a:lstStyle/>
-        <a:p>
-          <a:endParaRPr lang="en-US"/>
-        </a:p>
-      </dgm:t>
-    </dgm:pt>
-    <dgm:pt modelId="{479C5ADC-02C3-43F8-A7BF-2D70E50216E1}">
-      <dgm:prSet phldrT="[Text]"/>
-      <dgm:spPr/>
-      <dgm:t>
-        <a:bodyPr/>
-        <a:lstStyle/>
-        <a:p>
-          <a:r>
-            <a:rPr lang="en-US" dirty="0"/>
-            <a:t>From</a:t>
-          </a:r>
-        </a:p>
-      </dgm:t>
-    </dgm:pt>
-    <dgm:pt modelId="{81E97124-5E29-4B8F-B72E-0FB42EB221B8}" type="parTrans" cxnId="{E94964C2-3E34-4B37-95FB-0867D0A7247F}">
-      <dgm:prSet/>
-      <dgm:spPr/>
-      <dgm:t>
-        <a:bodyPr/>
-        <a:lstStyle/>
-        <a:p>
-          <a:endParaRPr lang="en-US"/>
-        </a:p>
-      </dgm:t>
-    </dgm:pt>
-    <dgm:pt modelId="{FF9DC315-0A0B-4ADB-9FC1-00664668182C}" type="sibTrans" cxnId="{E94964C2-3E34-4B37-95FB-0867D0A7247F}">
-      <dgm:prSet/>
-      <dgm:spPr/>
-      <dgm:t>
-        <a:bodyPr/>
-        <a:lstStyle/>
-        <a:p>
-          <a:endParaRPr lang="en-US"/>
-        </a:p>
-      </dgm:t>
-    </dgm:pt>
-    <dgm:pt modelId="{85EC1DB4-DAE0-469F-BD3A-7027D9ED8C94}">
-      <dgm:prSet phldrT="[Text]"/>
-      <dgm:spPr/>
-      <dgm:t>
-        <a:bodyPr/>
-        <a:lstStyle/>
-        <a:p>
-          <a:r>
-            <a:rPr lang="en-US" dirty="0"/>
-            <a:t>To</a:t>
-          </a:r>
-        </a:p>
-      </dgm:t>
-    </dgm:pt>
-    <dgm:pt modelId="{5347BAC4-D5FA-459D-AAEB-D8E23E949A0C}" type="parTrans" cxnId="{AF0C2BE9-35B5-410D-A4FB-ABD4F8D3F223}">
-      <dgm:prSet/>
-      <dgm:spPr/>
-      <dgm:t>
-        <a:bodyPr/>
-        <a:lstStyle/>
-        <a:p>
-          <a:endParaRPr lang="en-US"/>
-        </a:p>
-      </dgm:t>
-    </dgm:pt>
-    <dgm:pt modelId="{9BC6318B-656D-4693-9949-D7CFB76EF3AD}" type="sibTrans" cxnId="{AF0C2BE9-35B5-410D-A4FB-ABD4F8D3F223}">
-      <dgm:prSet/>
-      <dgm:spPr/>
-      <dgm:t>
-        <a:bodyPr/>
-        <a:lstStyle/>
-        <a:p>
-          <a:endParaRPr lang="en-US"/>
-        </a:p>
-      </dgm:t>
-    </dgm:pt>
-    <dgm:pt modelId="{0C7190CD-B68D-4FB4-BFFC-3E6EBEE642CC}">
-      <dgm:prSet phldrT="[Text]"/>
-      <dgm:spPr/>
-      <dgm:t>
-        <a:bodyPr/>
-        <a:lstStyle/>
-        <a:p>
-          <a:r>
-            <a:rPr lang="en-US" dirty="0"/>
-            <a:t>Weight</a:t>
-          </a:r>
-        </a:p>
-      </dgm:t>
-    </dgm:pt>
-    <dgm:pt modelId="{DE0B6D90-D678-4B97-964D-149FD0F25122}" type="parTrans" cxnId="{8B78B761-94BD-435F-A213-ABCC14A95067}">
-      <dgm:prSet/>
-      <dgm:spPr/>
-      <dgm:t>
-        <a:bodyPr/>
-        <a:lstStyle/>
-        <a:p>
-          <a:endParaRPr lang="en-US"/>
-        </a:p>
-      </dgm:t>
-    </dgm:pt>
-    <dgm:pt modelId="{D302B0DF-89E1-4D0E-A3DB-11D7709CA015}" type="sibTrans" cxnId="{8B78B761-94BD-435F-A213-ABCC14A95067}">
-      <dgm:prSet/>
-      <dgm:spPr/>
-      <dgm:t>
-        <a:bodyPr/>
-        <a:lstStyle/>
-        <a:p>
-          <a:endParaRPr lang="en-US"/>
-        </a:p>
-      </dgm:t>
-    </dgm:pt>
-    <dgm:pt modelId="{B6E7A50B-1706-4C4A-A689-A952F09B11F3}">
-      <dgm:prSet phldrT="[Text]"/>
-      <dgm:spPr/>
-      <dgm:t>
-        <a:bodyPr/>
-        <a:lstStyle/>
-        <a:p>
-          <a:r>
-            <a:rPr lang="en-US" dirty="0"/>
-            <a:t>Innovation Number</a:t>
-          </a:r>
-        </a:p>
-      </dgm:t>
-    </dgm:pt>
-    <dgm:pt modelId="{66BED8D8-A980-4160-BF52-FACD71E1F8B3}" type="parTrans" cxnId="{7817C531-9D7C-4C0E-B322-5253DA389B7D}">
-      <dgm:prSet/>
-      <dgm:spPr/>
-      <dgm:t>
-        <a:bodyPr/>
-        <a:lstStyle/>
-        <a:p>
-          <a:endParaRPr lang="en-US"/>
-        </a:p>
-      </dgm:t>
-    </dgm:pt>
-    <dgm:pt modelId="{2736B5D7-AA3B-4FA4-B3CA-0871E014D363}" type="sibTrans" cxnId="{7817C531-9D7C-4C0E-B322-5253DA389B7D}">
-      <dgm:prSet/>
-      <dgm:spPr/>
-      <dgm:t>
-        <a:bodyPr/>
-        <a:lstStyle/>
-        <a:p>
-          <a:endParaRPr lang="en-US"/>
-        </a:p>
-      </dgm:t>
-    </dgm:pt>
-    <dgm:pt modelId="{EC7E22AD-8497-4271-A094-EB855CAF8D03}">
-      <dgm:prSet phldrT="[Text]">
-        <dgm:style>
-          <a:lnRef idx="3">
-            <a:schemeClr val="lt1"/>
-          </a:lnRef>
-          <a:fillRef idx="1">
-            <a:schemeClr val="accent1"/>
-          </a:fillRef>
-          <a:effectRef idx="1">
-            <a:schemeClr val="accent1"/>
-          </a:effectRef>
-          <a:fontRef idx="minor">
-            <a:schemeClr val="lt1"/>
-          </a:fontRef>
-        </dgm:style>
-      </dgm:prSet>
-      <dgm:spPr/>
-      <dgm:t>
-        <a:bodyPr/>
-        <a:lstStyle/>
-        <a:p>
-          <a:r>
-            <a:rPr lang="en-US" dirty="0"/>
-            <a:t>Score</a:t>
-          </a:r>
-        </a:p>
-      </dgm:t>
-    </dgm:pt>
-    <dgm:pt modelId="{27163995-E443-4CF5-ADCB-5DC780AC490A}" type="parTrans" cxnId="{F103CCB4-A396-4F1B-AA6B-5E3CD1BF9707}">
-      <dgm:prSet/>
-      <dgm:spPr/>
-      <dgm:t>
-        <a:bodyPr/>
-        <a:lstStyle/>
-        <a:p>
-          <a:endParaRPr lang="en-US"/>
-        </a:p>
-      </dgm:t>
-    </dgm:pt>
-    <dgm:pt modelId="{6B1897A4-862B-48DD-8464-8EDC4F074F29}" type="sibTrans" cxnId="{F103CCB4-A396-4F1B-AA6B-5E3CD1BF9707}">
-      <dgm:prSet/>
-      <dgm:spPr/>
-      <dgm:t>
-        <a:bodyPr/>
-        <a:lstStyle/>
-        <a:p>
-          <a:endParaRPr lang="en-US"/>
-        </a:p>
-      </dgm:t>
-    </dgm:pt>
     <dgm:pt modelId="{054378D9-2749-49D1-A461-37C6B2A4F149}">
       <dgm:prSet phldrT="[Text]">
         <dgm:style>
@@ -3210,57 +2954,6 @@
         </a:p>
       </dgm:t>
     </dgm:pt>
-    <dgm:pt modelId="{AF8F4353-BDE9-435C-9401-1037751CC43C}">
-      <dgm:prSet phldrT="[Text]">
-        <dgm:style>
-          <a:lnRef idx="3">
-            <a:schemeClr val="lt1"/>
-          </a:lnRef>
-          <a:fillRef idx="1">
-            <a:schemeClr val="accent1"/>
-          </a:fillRef>
-          <a:effectRef idx="1">
-            <a:schemeClr val="accent1"/>
-          </a:effectRef>
-          <a:fontRef idx="minor">
-            <a:schemeClr val="lt1"/>
-          </a:fontRef>
-        </dgm:style>
-      </dgm:prSet>
-      <dgm:spPr/>
-      <dgm:t>
-        <a:bodyPr/>
-        <a:lstStyle/>
-        <a:p>
-          <a:r>
-            <a:rPr lang="en-US" dirty="0"/>
-            <a:t>Calculator</a:t>
-          </a:r>
-        </a:p>
-      </dgm:t>
-    </dgm:pt>
-    <dgm:pt modelId="{B8D6C74F-94DF-4627-B8A6-43F11E525A72}" type="parTrans" cxnId="{DD4E7437-782A-46D3-A153-079AF1F1A33A}">
-      <dgm:prSet/>
-      <dgm:spPr/>
-      <dgm:t>
-        <a:bodyPr/>
-        <a:lstStyle/>
-        <a:p>
-          <a:endParaRPr lang="en-US"/>
-        </a:p>
-      </dgm:t>
-    </dgm:pt>
-    <dgm:pt modelId="{8869AD8C-D0EE-4FB4-83DB-4A91A7CAECD0}" type="sibTrans" cxnId="{DD4E7437-782A-46D3-A153-079AF1F1A33A}">
-      <dgm:prSet/>
-      <dgm:spPr/>
-      <dgm:t>
-        <a:bodyPr/>
-        <a:lstStyle/>
-        <a:p>
-          <a:endParaRPr lang="en-US"/>
-        </a:p>
-      </dgm:t>
-    </dgm:pt>
     <dgm:pt modelId="{6F25421D-FE4E-4EF4-831F-7D9FBCF8D5C1}">
       <dgm:prSet phldrT="[Text]">
         <dgm:style>
@@ -3314,7 +3007,7 @@
         </a:p>
       </dgm:t>
     </dgm:pt>
-    <dgm:pt modelId="{95F08D92-BBB8-4924-AB52-E913F8087AF7}">
+    <dgm:pt modelId="{FF90D0A9-5799-4B75-A241-7A7F6C206EAF}">
       <dgm:prSet phldrT="[Text]">
         <dgm:style>
           <a:lnRef idx="3">
@@ -3338,12 +3031,12 @@
         <a:p>
           <a:r>
             <a:rPr lang="en-US" dirty="0"/>
-            <a:t>Representative</a:t>
+            <a:t>Neat (CNS)</a:t>
           </a:r>
         </a:p>
       </dgm:t>
     </dgm:pt>
-    <dgm:pt modelId="{5CDEB60E-8EC1-4249-A336-B06F397B1917}" type="parTrans" cxnId="{1CC8B64F-44E9-45E4-A4E7-D653E590D560}">
+    <dgm:pt modelId="{30E08811-507D-4E58-BE89-625FE523E650}" type="parTrans" cxnId="{E893065A-6801-45A9-A44E-9B8D4310C215}">
       <dgm:prSet/>
       <dgm:spPr/>
       <dgm:t>
@@ -3354,7 +3047,7 @@
         </a:p>
       </dgm:t>
     </dgm:pt>
-    <dgm:pt modelId="{1A4314A0-1CF4-49EC-BE25-2933345C3D08}" type="sibTrans" cxnId="{1CC8B64F-44E9-45E4-A4E7-D653E590D560}">
+    <dgm:pt modelId="{BA86245B-E92F-4C79-A344-54A7477A15BF}" type="sibTrans" cxnId="{E893065A-6801-45A9-A44E-9B8D4310C215}">
       <dgm:prSet/>
       <dgm:spPr/>
       <dgm:t>
@@ -3364,6 +3057,415 @@
           <a:endParaRPr lang="en-US"/>
         </a:p>
       </dgm:t>
+    </dgm:pt>
+    <dgm:pt modelId="{03E595A6-C9F5-4584-B0DE-AF722B72D9BA}">
+      <dgm:prSet phldrT="[Text]"/>
+      <dgm:spPr/>
+      <dgm:t>
+        <a:bodyPr/>
+        <a:lstStyle/>
+        <a:p>
+          <a:r>
+            <a:rPr lang="en-US" dirty="0"/>
+            <a:t>Nodes</a:t>
+          </a:r>
+        </a:p>
+      </dgm:t>
+    </dgm:pt>
+    <dgm:pt modelId="{866FBE40-BB11-41FB-8227-13CB57534ACF}" type="parTrans" cxnId="{3D82E3EC-E29B-45D7-92B1-C817DDC8F3E3}">
+      <dgm:prSet/>
+      <dgm:spPr/>
+      <dgm:t>
+        <a:bodyPr/>
+        <a:lstStyle/>
+        <a:p>
+          <a:endParaRPr lang="en-US"/>
+        </a:p>
+      </dgm:t>
+    </dgm:pt>
+    <dgm:pt modelId="{EF348EF7-9CB1-4AC4-8271-2BE7DC3AF9AA}" type="sibTrans" cxnId="{3D82E3EC-E29B-45D7-92B1-C817DDC8F3E3}">
+      <dgm:prSet/>
+      <dgm:spPr/>
+      <dgm:t>
+        <a:bodyPr/>
+        <a:lstStyle/>
+        <a:p>
+          <a:endParaRPr lang="en-US"/>
+        </a:p>
+      </dgm:t>
+    </dgm:pt>
+    <dgm:pt modelId="{604A60B7-3578-4D62-9D02-9140DAB6227F}">
+      <dgm:prSet phldrT="[Text]"/>
+      <dgm:spPr/>
+      <dgm:t>
+        <a:bodyPr/>
+        <a:lstStyle/>
+        <a:p>
+          <a:r>
+            <a:rPr lang="en-US" dirty="0"/>
+            <a:t>Innovation Number</a:t>
+          </a:r>
+        </a:p>
+      </dgm:t>
+    </dgm:pt>
+    <dgm:pt modelId="{BE9C3469-69F7-4136-80B9-ADE0DEFAA2D3}" type="parTrans" cxnId="{83F71514-1CE1-43BC-B04E-276CD3D81AE2}">
+      <dgm:prSet/>
+      <dgm:spPr/>
+      <dgm:t>
+        <a:bodyPr/>
+        <a:lstStyle/>
+        <a:p>
+          <a:endParaRPr lang="en-US"/>
+        </a:p>
+      </dgm:t>
+    </dgm:pt>
+    <dgm:pt modelId="{66236A48-4E0A-494F-8685-B9175B97B179}" type="sibTrans" cxnId="{83F71514-1CE1-43BC-B04E-276CD3D81AE2}">
+      <dgm:prSet/>
+      <dgm:spPr/>
+      <dgm:t>
+        <a:bodyPr/>
+        <a:lstStyle/>
+        <a:p>
+          <a:endParaRPr lang="en-US"/>
+        </a:p>
+      </dgm:t>
+    </dgm:pt>
+    <dgm:pt modelId="{B8D402BE-11AD-492E-8DCA-335122B6E152}">
+      <dgm:prSet phldrT="[Text]"/>
+      <dgm:spPr/>
+      <dgm:t>
+        <a:bodyPr/>
+        <a:lstStyle/>
+        <a:p>
+          <a:r>
+            <a:rPr lang="en-US" dirty="0"/>
+            <a:t>Connections</a:t>
+          </a:r>
+        </a:p>
+      </dgm:t>
+    </dgm:pt>
+    <dgm:pt modelId="{50736BEE-6405-448F-8251-4C344CDBC5C7}" type="parTrans" cxnId="{78C5C27C-5099-4612-BA8F-CB8A97A3DA00}">
+      <dgm:prSet/>
+      <dgm:spPr/>
+      <dgm:t>
+        <a:bodyPr/>
+        <a:lstStyle/>
+        <a:p>
+          <a:endParaRPr lang="en-US"/>
+        </a:p>
+      </dgm:t>
+    </dgm:pt>
+    <dgm:pt modelId="{EE3EF4A2-0304-4D80-B5D7-00EB06835FFD}" type="sibTrans" cxnId="{78C5C27C-5099-4612-BA8F-CB8A97A3DA00}">
+      <dgm:prSet/>
+      <dgm:spPr/>
+      <dgm:t>
+        <a:bodyPr/>
+        <a:lstStyle/>
+        <a:p>
+          <a:endParaRPr lang="en-US"/>
+        </a:p>
+      </dgm:t>
+    </dgm:pt>
+    <dgm:pt modelId="{B8EAB49C-ABE4-4BB4-B883-272A6285DEA5}">
+      <dgm:prSet phldrT="[Text]"/>
+      <dgm:spPr/>
+      <dgm:t>
+        <a:bodyPr/>
+        <a:lstStyle/>
+        <a:p>
+          <a:r>
+            <a:rPr lang="en-US" dirty="0"/>
+            <a:t>From</a:t>
+          </a:r>
+        </a:p>
+      </dgm:t>
+    </dgm:pt>
+    <dgm:pt modelId="{F6C33896-FE7C-4BCC-9736-628EC409AECB}" type="parTrans" cxnId="{84C46F0D-3E15-4496-BD58-85B3900B9377}">
+      <dgm:prSet/>
+      <dgm:spPr/>
+      <dgm:t>
+        <a:bodyPr/>
+        <a:lstStyle/>
+        <a:p>
+          <a:endParaRPr lang="en-US"/>
+        </a:p>
+      </dgm:t>
+    </dgm:pt>
+    <dgm:pt modelId="{28172D54-A46E-4E11-99F0-89299CF0DF65}" type="sibTrans" cxnId="{84C46F0D-3E15-4496-BD58-85B3900B9377}">
+      <dgm:prSet/>
+      <dgm:spPr/>
+      <dgm:t>
+        <a:bodyPr/>
+        <a:lstStyle/>
+        <a:p>
+          <a:endParaRPr lang="en-US"/>
+        </a:p>
+      </dgm:t>
+    </dgm:pt>
+    <dgm:pt modelId="{6B597C5D-609A-421A-86E0-B5E09758FB6B}">
+      <dgm:prSet phldrT="[Text]"/>
+      <dgm:spPr/>
+      <dgm:t>
+        <a:bodyPr/>
+        <a:lstStyle/>
+        <a:p>
+          <a:r>
+            <a:rPr lang="en-US" dirty="0"/>
+            <a:t>To</a:t>
+          </a:r>
+        </a:p>
+      </dgm:t>
+    </dgm:pt>
+    <dgm:pt modelId="{F598EC38-BB44-461C-8459-250B2FEAB346}" type="parTrans" cxnId="{E26EDAE5-42BE-4C76-802B-DF75247664D8}">
+      <dgm:prSet/>
+      <dgm:spPr/>
+      <dgm:t>
+        <a:bodyPr/>
+        <a:lstStyle/>
+        <a:p>
+          <a:endParaRPr lang="en-US"/>
+        </a:p>
+      </dgm:t>
+    </dgm:pt>
+    <dgm:pt modelId="{B47BDD78-E820-4B03-A256-F8BA9F62943D}" type="sibTrans" cxnId="{E26EDAE5-42BE-4C76-802B-DF75247664D8}">
+      <dgm:prSet/>
+      <dgm:spPr/>
+      <dgm:t>
+        <a:bodyPr/>
+        <a:lstStyle/>
+        <a:p>
+          <a:endParaRPr lang="en-US"/>
+        </a:p>
+      </dgm:t>
+    </dgm:pt>
+    <dgm:pt modelId="{1F6555BE-D702-4F09-AE56-5B620E1BA045}">
+      <dgm:prSet phldrT="[Text]"/>
+      <dgm:spPr/>
+      <dgm:t>
+        <a:bodyPr/>
+        <a:lstStyle/>
+        <a:p>
+          <a:r>
+            <a:rPr lang="en-US" dirty="0"/>
+            <a:t>Weight</a:t>
+          </a:r>
+          <a:endParaRPr lang="en-US"/>
+        </a:p>
+      </dgm:t>
+    </dgm:pt>
+    <dgm:pt modelId="{AD459252-5CCB-4BA1-B446-7FD6ABB9589C}" type="parTrans" cxnId="{8473EFEF-555C-4365-BB2F-C196B0AF220C}">
+      <dgm:prSet/>
+      <dgm:spPr/>
+      <dgm:t>
+        <a:bodyPr/>
+        <a:lstStyle/>
+        <a:p>
+          <a:endParaRPr lang="en-US"/>
+        </a:p>
+      </dgm:t>
+    </dgm:pt>
+    <dgm:pt modelId="{F453C540-A928-4F68-AAB1-D77E25F94882}" type="sibTrans" cxnId="{8473EFEF-555C-4365-BB2F-C196B0AF220C}">
+      <dgm:prSet/>
+      <dgm:spPr/>
+      <dgm:t>
+        <a:bodyPr/>
+        <a:lstStyle/>
+        <a:p>
+          <a:endParaRPr lang="en-US"/>
+        </a:p>
+      </dgm:t>
+    </dgm:pt>
+    <dgm:pt modelId="{9452BB44-BD98-440D-9793-794D80160618}">
+      <dgm:prSet phldrT="[Text]">
+        <dgm:style>
+          <a:lnRef idx="3">
+            <a:schemeClr val="lt1"/>
+          </a:lnRef>
+          <a:fillRef idx="1">
+            <a:schemeClr val="accent1"/>
+          </a:fillRef>
+          <a:effectRef idx="1">
+            <a:schemeClr val="accent1"/>
+          </a:effectRef>
+          <a:fontRef idx="minor">
+            <a:schemeClr val="lt1"/>
+          </a:fontRef>
+        </dgm:style>
+      </dgm:prSet>
+      <dgm:spPr/>
+      <dgm:t>
+        <a:bodyPr/>
+        <a:lstStyle/>
+        <a:p>
+          <a:r>
+            <a:rPr lang="en-US"/>
+            <a:t>Representative</a:t>
+          </a:r>
+          <a:endParaRPr lang="en-US" dirty="0"/>
+        </a:p>
+      </dgm:t>
+    </dgm:pt>
+    <dgm:pt modelId="{17DEC2F4-8614-4C90-8D28-0D477284B485}" type="parTrans" cxnId="{07577536-A3E3-4184-9F54-6A5B3D99B659}">
+      <dgm:prSet/>
+      <dgm:spPr/>
+      <dgm:t>
+        <a:bodyPr/>
+        <a:lstStyle/>
+        <a:p>
+          <a:endParaRPr lang="en-US"/>
+        </a:p>
+      </dgm:t>
+    </dgm:pt>
+    <dgm:pt modelId="{C810A5E7-643E-4252-9732-89B41F374EE0}" type="sibTrans" cxnId="{07577536-A3E3-4184-9F54-6A5B3D99B659}">
+      <dgm:prSet/>
+      <dgm:spPr/>
+      <dgm:t>
+        <a:bodyPr/>
+        <a:lstStyle/>
+        <a:p>
+          <a:endParaRPr lang="en-US"/>
+        </a:p>
+      </dgm:t>
+    </dgm:pt>
+    <dgm:pt modelId="{D4306519-F590-49FA-BCA0-E14EAA6DD927}">
+      <dgm:prSet phldrT="[Text]">
+        <dgm:style>
+          <a:lnRef idx="3">
+            <a:schemeClr val="lt1"/>
+          </a:lnRef>
+          <a:fillRef idx="1">
+            <a:schemeClr val="accent1"/>
+          </a:fillRef>
+          <a:effectRef idx="1">
+            <a:schemeClr val="accent1"/>
+          </a:effectRef>
+          <a:fontRef idx="minor">
+            <a:schemeClr val="lt1"/>
+          </a:fontRef>
+        </dgm:style>
+      </dgm:prSet>
+      <dgm:spPr/>
+      <dgm:t>
+        <a:bodyPr/>
+        <a:lstStyle/>
+        <a:p>
+          <a:r>
+            <a:rPr lang="en-US"/>
+            <a:t>Score</a:t>
+          </a:r>
+          <a:endParaRPr lang="en-US" dirty="0"/>
+        </a:p>
+      </dgm:t>
+    </dgm:pt>
+    <dgm:pt modelId="{705612D1-7896-4C44-9760-808D65B816EE}" type="parTrans" cxnId="{588F3921-3FED-4F9A-97A4-C05ED7F251A9}">
+      <dgm:prSet/>
+      <dgm:spPr/>
+      <dgm:t>
+        <a:bodyPr/>
+        <a:lstStyle/>
+        <a:p>
+          <a:endParaRPr lang="en-US"/>
+        </a:p>
+      </dgm:t>
+    </dgm:pt>
+    <dgm:pt modelId="{C598BFC8-A029-4855-9511-6F499F7124F5}" type="sibTrans" cxnId="{588F3921-3FED-4F9A-97A4-C05ED7F251A9}">
+      <dgm:prSet/>
+      <dgm:spPr/>
+      <dgm:t>
+        <a:bodyPr/>
+        <a:lstStyle/>
+        <a:p>
+          <a:endParaRPr lang="en-US"/>
+        </a:p>
+      </dgm:t>
+    </dgm:pt>
+    <dgm:pt modelId="{E960504A-0299-4614-8EBD-BE626F6EAC77}">
+      <dgm:prSet phldrT="[Text]">
+        <dgm:style>
+          <a:lnRef idx="3">
+            <a:schemeClr val="lt1"/>
+          </a:lnRef>
+          <a:fillRef idx="1">
+            <a:schemeClr val="accent1"/>
+          </a:fillRef>
+          <a:effectRef idx="1">
+            <a:schemeClr val="accent1"/>
+          </a:effectRef>
+          <a:fontRef idx="minor">
+            <a:schemeClr val="lt1"/>
+          </a:fontRef>
+        </dgm:style>
+      </dgm:prSet>
+      <dgm:spPr/>
+      <dgm:t>
+        <a:bodyPr/>
+        <a:lstStyle/>
+        <a:p>
+          <a:r>
+            <a:rPr lang="en-US" dirty="0"/>
+            <a:t>Calculator</a:t>
+          </a:r>
+        </a:p>
+      </dgm:t>
+    </dgm:pt>
+    <dgm:pt modelId="{17B3E8F5-642E-453B-AA65-DECA12BFEF7A}" type="parTrans" cxnId="{A9B3C162-525E-40DF-946B-485C89D8820F}">
+      <dgm:prSet/>
+      <dgm:spPr/>
+      <dgm:t>
+        <a:bodyPr/>
+        <a:lstStyle/>
+        <a:p>
+          <a:endParaRPr lang="en-US"/>
+        </a:p>
+      </dgm:t>
+    </dgm:pt>
+    <dgm:pt modelId="{10BF754F-D3CC-459F-9D30-43750D58AFA5}" type="sibTrans" cxnId="{A9B3C162-525E-40DF-946B-485C89D8820F}">
+      <dgm:prSet/>
+      <dgm:spPr/>
+      <dgm:t>
+        <a:bodyPr/>
+        <a:lstStyle/>
+        <a:p>
+          <a:endParaRPr lang="en-US"/>
+        </a:p>
+      </dgm:t>
+    </dgm:pt>
+    <dgm:pt modelId="{01655F1E-6D0F-40CA-AF2E-9374397295D0}">
+      <dgm:prSet phldrT="[Text]">
+        <dgm:style>
+          <a:lnRef idx="3">
+            <a:schemeClr val="lt1"/>
+          </a:lnRef>
+          <a:fillRef idx="1">
+            <a:schemeClr val="accent1"/>
+          </a:fillRef>
+          <a:effectRef idx="1">
+            <a:schemeClr val="accent1"/>
+          </a:effectRef>
+          <a:fontRef idx="minor">
+            <a:schemeClr val="lt1"/>
+          </a:fontRef>
+        </dgm:style>
+      </dgm:prSet>
+      <dgm:spPr/>
+      <dgm:t>
+        <a:bodyPr/>
+        <a:lstStyle/>
+        <a:p>
+          <a:r>
+            <a:rPr lang="en-US" dirty="0"/>
+            <a:t>Mutation</a:t>
+          </a:r>
+        </a:p>
+      </dgm:t>
+    </dgm:pt>
+    <dgm:pt modelId="{866FF2BE-6DA3-4BFF-A425-6D8AEDC2788C}" type="parTrans" cxnId="{1286D603-B0D0-4B63-838A-14DCE4DC7963}">
+      <dgm:prSet/>
+      <dgm:spPr/>
+    </dgm:pt>
+    <dgm:pt modelId="{7FD19241-5EF1-4DD8-991C-3AD41F8A9F93}" type="sibTrans" cxnId="{1286D603-B0D0-4B63-838A-14DCE4DC7963}">
+      <dgm:prSet/>
+      <dgm:spPr/>
     </dgm:pt>
     <dgm:pt modelId="{C7AC09FA-285B-4A53-92AF-67E5F1838A26}" type="pres">
       <dgm:prSet presAssocID="{37BD702E-660E-4277-8183-4DD6AE9D2A57}" presName="mainComposite" presStyleCnt="0">
@@ -3423,20 +3525,20 @@
       <dgm:prSet presAssocID="{6F25421D-FE4E-4EF4-831F-7D9FBCF8D5C1}" presName="hierChild3" presStyleCnt="0"/>
       <dgm:spPr/>
     </dgm:pt>
-    <dgm:pt modelId="{984FFA6B-DFEA-45A2-BBC1-9E6E25231559}" type="pres">
-      <dgm:prSet presAssocID="{5CDEB60E-8EC1-4249-A336-B06F397B1917}" presName="Name19" presStyleLbl="parChTrans1D3" presStyleIdx="0" presStyleCnt="2"/>
-      <dgm:spPr/>
-    </dgm:pt>
-    <dgm:pt modelId="{96E134DE-9EFC-48F1-9B7B-0701EB3F94CE}" type="pres">
-      <dgm:prSet presAssocID="{95F08D92-BBB8-4924-AB52-E913F8087AF7}" presName="Name21" presStyleCnt="0"/>
-      <dgm:spPr/>
-    </dgm:pt>
-    <dgm:pt modelId="{745E60A5-96EB-4C9B-A54A-6A2C34E89AA8}" type="pres">
-      <dgm:prSet presAssocID="{95F08D92-BBB8-4924-AB52-E913F8087AF7}" presName="level2Shape" presStyleLbl="node3" presStyleIdx="0" presStyleCnt="2"/>
-      <dgm:spPr/>
-    </dgm:pt>
-    <dgm:pt modelId="{F8B16ECD-8E07-4D62-BB3B-4A3BD3F20C87}" type="pres">
-      <dgm:prSet presAssocID="{95F08D92-BBB8-4924-AB52-E913F8087AF7}" presName="hierChild3" presStyleCnt="0"/>
+    <dgm:pt modelId="{17B3F5FB-71A9-4286-A8A2-DD389165186D}" type="pres">
+      <dgm:prSet presAssocID="{17DEC2F4-8614-4C90-8D28-0D477284B485}" presName="Name19" presStyleLbl="parChTrans1D3" presStyleIdx="0" presStyleCnt="2"/>
+      <dgm:spPr/>
+    </dgm:pt>
+    <dgm:pt modelId="{053E02EF-5EE4-4894-86BC-76648310A1C6}" type="pres">
+      <dgm:prSet presAssocID="{9452BB44-BD98-440D-9793-794D80160618}" presName="Name21" presStyleCnt="0"/>
+      <dgm:spPr/>
+    </dgm:pt>
+    <dgm:pt modelId="{A86792A7-B2E4-4A69-BA2F-295CC4C6D9E4}" type="pres">
+      <dgm:prSet presAssocID="{9452BB44-BD98-440D-9793-794D80160618}" presName="level2Shape" presStyleLbl="node3" presStyleIdx="0" presStyleCnt="2"/>
+      <dgm:spPr/>
+    </dgm:pt>
+    <dgm:pt modelId="{7CCFE0F6-D88D-41B1-A1B4-FA195E47E336}" type="pres">
+      <dgm:prSet presAssocID="{9452BB44-BD98-440D-9793-794D80160618}" presName="hierChild3" presStyleCnt="0"/>
       <dgm:spPr/>
     </dgm:pt>
     <dgm:pt modelId="{74C05282-5E7E-4F7F-91FC-14FE553BFA24}" type="pres">
@@ -3455,148 +3557,164 @@
       <dgm:prSet presAssocID="{E07F6448-8900-4AC5-A46C-B58AF4266010}" presName="hierChild3" presStyleCnt="0"/>
       <dgm:spPr/>
     </dgm:pt>
-    <dgm:pt modelId="{B03FAA65-1940-44F0-B740-50E65D18FEE0}" type="pres">
-      <dgm:prSet presAssocID="{27163995-E443-4CF5-ADCB-5DC780AC490A}" presName="Name19" presStyleLbl="parChTrans1D4" presStyleIdx="0" presStyleCnt="9"/>
-      <dgm:spPr/>
-    </dgm:pt>
-    <dgm:pt modelId="{67DB9098-70DF-4433-B979-6D1F4306A2E3}" type="pres">
-      <dgm:prSet presAssocID="{EC7E22AD-8497-4271-A094-EB855CAF8D03}" presName="Name21" presStyleCnt="0"/>
-      <dgm:spPr/>
-    </dgm:pt>
-    <dgm:pt modelId="{CD5162E7-5AED-4014-BF64-2E07DBCB0D48}" type="pres">
-      <dgm:prSet presAssocID="{EC7E22AD-8497-4271-A094-EB855CAF8D03}" presName="level2Shape" presStyleLbl="node4" presStyleIdx="0" presStyleCnt="9"/>
-      <dgm:spPr/>
-    </dgm:pt>
-    <dgm:pt modelId="{A2A9B929-E8A8-4F85-AA86-59CEA1C22AFF}" type="pres">
-      <dgm:prSet presAssocID="{EC7E22AD-8497-4271-A094-EB855CAF8D03}" presName="hierChild3" presStyleCnt="0"/>
-      <dgm:spPr/>
-    </dgm:pt>
-    <dgm:pt modelId="{54E4160A-4883-43C7-A186-EE2473CAF138}" type="pres">
-      <dgm:prSet presAssocID="{32059DA7-F49A-4E3F-870B-AC3CE0F102E7}" presName="Name19" presStyleLbl="parChTrans1D4" presStyleIdx="1" presStyleCnt="9"/>
-      <dgm:spPr/>
-    </dgm:pt>
-    <dgm:pt modelId="{107E9CDC-00B9-4220-BC98-A084B8889F5B}" type="pres">
-      <dgm:prSet presAssocID="{F40F37A4-E834-421F-B37A-B06D1A2A609D}" presName="Name21" presStyleCnt="0"/>
-      <dgm:spPr/>
-    </dgm:pt>
-    <dgm:pt modelId="{ACBF187D-B298-493B-9378-A49660CFA4F5}" type="pres">
-      <dgm:prSet presAssocID="{F40F37A4-E834-421F-B37A-B06D1A2A609D}" presName="level2Shape" presStyleLbl="node4" presStyleIdx="1" presStyleCnt="9"/>
-      <dgm:spPr/>
-    </dgm:pt>
-    <dgm:pt modelId="{9DD586F1-A7C2-47FF-BECC-3F287A99A1BF}" type="pres">
-      <dgm:prSet presAssocID="{F40F37A4-E834-421F-B37A-B06D1A2A609D}" presName="hierChild3" presStyleCnt="0"/>
-      <dgm:spPr/>
-    </dgm:pt>
-    <dgm:pt modelId="{E2731B07-784D-463C-8DC4-CADA2C2A364D}" type="pres">
-      <dgm:prSet presAssocID="{9BA6D5BB-12C8-4E41-B5BF-3D15C0EA204C}" presName="Name19" presStyleLbl="parChTrans1D4" presStyleIdx="2" presStyleCnt="9"/>
-      <dgm:spPr/>
-    </dgm:pt>
-    <dgm:pt modelId="{F9262D2C-0C3F-497B-9842-43BB7CDEBF14}" type="pres">
-      <dgm:prSet presAssocID="{E675E2EE-8FD6-476B-822F-5D9D06608ED4}" presName="Name21" presStyleCnt="0"/>
-      <dgm:spPr/>
-    </dgm:pt>
-    <dgm:pt modelId="{551C8D97-06B8-4608-80B9-77A87D830D79}" type="pres">
-      <dgm:prSet presAssocID="{E675E2EE-8FD6-476B-822F-5D9D06608ED4}" presName="level2Shape" presStyleLbl="node4" presStyleIdx="2" presStyleCnt="9"/>
-      <dgm:spPr/>
-    </dgm:pt>
-    <dgm:pt modelId="{5F29B618-93A1-46AD-9AED-BB6F180A7AD2}" type="pres">
-      <dgm:prSet presAssocID="{E675E2EE-8FD6-476B-822F-5D9D06608ED4}" presName="hierChild3" presStyleCnt="0"/>
-      <dgm:spPr/>
-    </dgm:pt>
-    <dgm:pt modelId="{735B1600-0AE0-4C52-86D5-3DDECAA76BD6}" type="pres">
-      <dgm:prSet presAssocID="{66BED8D8-A980-4160-BF52-FACD71E1F8B3}" presName="Name19" presStyleLbl="parChTrans1D4" presStyleIdx="3" presStyleCnt="9"/>
-      <dgm:spPr/>
-    </dgm:pt>
-    <dgm:pt modelId="{9A9CCD97-85E7-4D3D-9D41-6F4795AFD8C3}" type="pres">
-      <dgm:prSet presAssocID="{B6E7A50B-1706-4C4A-A689-A952F09B11F3}" presName="Name21" presStyleCnt="0"/>
-      <dgm:spPr/>
-    </dgm:pt>
-    <dgm:pt modelId="{CDC29FCC-57FC-4F6C-8E70-B4E2349A3756}" type="pres">
-      <dgm:prSet presAssocID="{B6E7A50B-1706-4C4A-A689-A952F09B11F3}" presName="level2Shape" presStyleLbl="node4" presStyleIdx="3" presStyleCnt="9"/>
-      <dgm:spPr/>
-    </dgm:pt>
-    <dgm:pt modelId="{649C4606-882A-43CE-BBF8-CC45F33DD3AF}" type="pres">
-      <dgm:prSet presAssocID="{B6E7A50B-1706-4C4A-A689-A952F09B11F3}" presName="hierChild3" presStyleCnt="0"/>
-      <dgm:spPr/>
-    </dgm:pt>
-    <dgm:pt modelId="{C6E14239-B2CF-4077-812C-740451983D9A}" type="pres">
-      <dgm:prSet presAssocID="{7CF83EAE-65EC-4242-8737-6C9E0CA36CF5}" presName="Name19" presStyleLbl="parChTrans1D4" presStyleIdx="4" presStyleCnt="9"/>
-      <dgm:spPr/>
-    </dgm:pt>
-    <dgm:pt modelId="{5DE04D59-0FAC-4C9B-9692-65A7B475CAB7}" type="pres">
-      <dgm:prSet presAssocID="{3DDFE6A6-9495-4A58-A54C-769DE0AC01D3}" presName="Name21" presStyleCnt="0"/>
-      <dgm:spPr/>
-    </dgm:pt>
-    <dgm:pt modelId="{5735EDF4-A7AD-4B64-80AA-677EA9DB7719}" type="pres">
-      <dgm:prSet presAssocID="{3DDFE6A6-9495-4A58-A54C-769DE0AC01D3}" presName="level2Shape" presStyleLbl="node4" presStyleIdx="4" presStyleCnt="9"/>
-      <dgm:spPr/>
-    </dgm:pt>
-    <dgm:pt modelId="{C99FD1D1-9035-4927-BECD-C05BC3D5B8CC}" type="pres">
-      <dgm:prSet presAssocID="{3DDFE6A6-9495-4A58-A54C-769DE0AC01D3}" presName="hierChild3" presStyleCnt="0"/>
-      <dgm:spPr/>
-    </dgm:pt>
-    <dgm:pt modelId="{6705D97B-8B73-4679-92E4-71989C165130}" type="pres">
-      <dgm:prSet presAssocID="{81E97124-5E29-4B8F-B72E-0FB42EB221B8}" presName="Name19" presStyleLbl="parChTrans1D4" presStyleIdx="5" presStyleCnt="9"/>
-      <dgm:spPr/>
-    </dgm:pt>
-    <dgm:pt modelId="{BFEC2E7D-9853-4B7E-B947-B6FDB27E1C38}" type="pres">
-      <dgm:prSet presAssocID="{479C5ADC-02C3-43F8-A7BF-2D70E50216E1}" presName="Name21" presStyleCnt="0"/>
-      <dgm:spPr/>
-    </dgm:pt>
-    <dgm:pt modelId="{6AEF3283-EA6E-4F08-AFE8-7FF6C24E2A7B}" type="pres">
-      <dgm:prSet presAssocID="{479C5ADC-02C3-43F8-A7BF-2D70E50216E1}" presName="level2Shape" presStyleLbl="node4" presStyleIdx="5" presStyleCnt="9"/>
-      <dgm:spPr/>
-    </dgm:pt>
-    <dgm:pt modelId="{8CEFA90B-BC1E-4217-B730-92B6E4ED6BB5}" type="pres">
-      <dgm:prSet presAssocID="{479C5ADC-02C3-43F8-A7BF-2D70E50216E1}" presName="hierChild3" presStyleCnt="0"/>
-      <dgm:spPr/>
-    </dgm:pt>
-    <dgm:pt modelId="{253CD09B-7E9D-40E5-AB03-11BE59B622B2}" type="pres">
-      <dgm:prSet presAssocID="{5347BAC4-D5FA-459D-AAEB-D8E23E949A0C}" presName="Name19" presStyleLbl="parChTrans1D4" presStyleIdx="6" presStyleCnt="9"/>
-      <dgm:spPr/>
-    </dgm:pt>
-    <dgm:pt modelId="{4755E259-42FF-469B-8092-827FFAE5DF25}" type="pres">
-      <dgm:prSet presAssocID="{85EC1DB4-DAE0-469F-BD3A-7027D9ED8C94}" presName="Name21" presStyleCnt="0"/>
-      <dgm:spPr/>
-    </dgm:pt>
-    <dgm:pt modelId="{A18A2D01-0B50-4405-9140-F2AAEF04944F}" type="pres">
-      <dgm:prSet presAssocID="{85EC1DB4-DAE0-469F-BD3A-7027D9ED8C94}" presName="level2Shape" presStyleLbl="node4" presStyleIdx="6" presStyleCnt="9"/>
-      <dgm:spPr/>
-    </dgm:pt>
-    <dgm:pt modelId="{8BF533CA-77C6-4BE8-856E-AF2B07FFD314}" type="pres">
-      <dgm:prSet presAssocID="{85EC1DB4-DAE0-469F-BD3A-7027D9ED8C94}" presName="hierChild3" presStyleCnt="0"/>
-      <dgm:spPr/>
-    </dgm:pt>
-    <dgm:pt modelId="{665E678F-4DCB-4E14-963E-95414606FD48}" type="pres">
-      <dgm:prSet presAssocID="{DE0B6D90-D678-4B97-964D-149FD0F25122}" presName="Name19" presStyleLbl="parChTrans1D4" presStyleIdx="7" presStyleCnt="9"/>
-      <dgm:spPr/>
-    </dgm:pt>
-    <dgm:pt modelId="{FC1B5340-6A08-4CD8-898A-2A310479AD4A}" type="pres">
-      <dgm:prSet presAssocID="{0C7190CD-B68D-4FB4-BFFC-3E6EBEE642CC}" presName="Name21" presStyleCnt="0"/>
-      <dgm:spPr/>
-    </dgm:pt>
-    <dgm:pt modelId="{017A3CFE-8238-4539-AE99-3A0F86C1C581}" type="pres">
-      <dgm:prSet presAssocID="{0C7190CD-B68D-4FB4-BFFC-3E6EBEE642CC}" presName="level2Shape" presStyleLbl="node4" presStyleIdx="7" presStyleCnt="9"/>
-      <dgm:spPr/>
-    </dgm:pt>
-    <dgm:pt modelId="{40BB7641-EE04-4234-AFE8-B422C80646D2}" type="pres">
-      <dgm:prSet presAssocID="{0C7190CD-B68D-4FB4-BFFC-3E6EBEE642CC}" presName="hierChild3" presStyleCnt="0"/>
-      <dgm:spPr/>
-    </dgm:pt>
-    <dgm:pt modelId="{3CA6FFD6-160A-4145-B246-D10609F9ABF0}" type="pres">
-      <dgm:prSet presAssocID="{B8D6C74F-94DF-4627-B8A6-43F11E525A72}" presName="Name19" presStyleLbl="parChTrans1D4" presStyleIdx="8" presStyleCnt="9"/>
-      <dgm:spPr/>
-    </dgm:pt>
-    <dgm:pt modelId="{ACB65C7F-C219-49D3-AB52-D4520C0C5216}" type="pres">
-      <dgm:prSet presAssocID="{AF8F4353-BDE9-435C-9401-1037751CC43C}" presName="Name21" presStyleCnt="0"/>
-      <dgm:spPr/>
-    </dgm:pt>
-    <dgm:pt modelId="{4AD56071-6DAD-45C9-A9CE-9A2C75C8F850}" type="pres">
-      <dgm:prSet presAssocID="{AF8F4353-BDE9-435C-9401-1037751CC43C}" presName="level2Shape" presStyleLbl="node4" presStyleIdx="8" presStyleCnt="9"/>
-      <dgm:spPr/>
-    </dgm:pt>
-    <dgm:pt modelId="{01AF02C9-D8D7-4FF9-9ECA-DFA95C5DD89E}" type="pres">
-      <dgm:prSet presAssocID="{AF8F4353-BDE9-435C-9401-1037751CC43C}" presName="hierChild3" presStyleCnt="0"/>
+    <dgm:pt modelId="{03F7C53C-6D4E-4829-909F-323AB91B1296}" type="pres">
+      <dgm:prSet presAssocID="{705612D1-7896-4C44-9760-808D65B816EE}" presName="Name19" presStyleLbl="parChTrans1D4" presStyleIdx="0" presStyleCnt="10"/>
+      <dgm:spPr/>
+    </dgm:pt>
+    <dgm:pt modelId="{34718241-C172-4CE6-8EF3-CE623537E20D}" type="pres">
+      <dgm:prSet presAssocID="{D4306519-F590-49FA-BCA0-E14EAA6DD927}" presName="Name21" presStyleCnt="0"/>
+      <dgm:spPr/>
+    </dgm:pt>
+    <dgm:pt modelId="{0ED10509-3646-4A3A-BD1F-1FC9EA9BC892}" type="pres">
+      <dgm:prSet presAssocID="{D4306519-F590-49FA-BCA0-E14EAA6DD927}" presName="level2Shape" presStyleLbl="node4" presStyleIdx="0" presStyleCnt="10"/>
+      <dgm:spPr/>
+    </dgm:pt>
+    <dgm:pt modelId="{8310FC2B-5B2D-4F51-9CA5-B1218E9CC6B6}" type="pres">
+      <dgm:prSet presAssocID="{D4306519-F590-49FA-BCA0-E14EAA6DD927}" presName="hierChild3" presStyleCnt="0"/>
+      <dgm:spPr/>
+    </dgm:pt>
+    <dgm:pt modelId="{806F9B24-236B-4F64-BA4A-9CA41091028D}" type="pres">
+      <dgm:prSet presAssocID="{17B3E8F5-642E-453B-AA65-DECA12BFEF7A}" presName="Name19" presStyleLbl="parChTrans1D4" presStyleIdx="1" presStyleCnt="10"/>
+      <dgm:spPr/>
+    </dgm:pt>
+    <dgm:pt modelId="{7498D7CB-EEDF-4026-B978-ADD0ECF2BC44}" type="pres">
+      <dgm:prSet presAssocID="{E960504A-0299-4614-8EBD-BE626F6EAC77}" presName="Name21" presStyleCnt="0"/>
+      <dgm:spPr/>
+    </dgm:pt>
+    <dgm:pt modelId="{974B4D1A-519E-4F92-8D77-7280D2BA813B}" type="pres">
+      <dgm:prSet presAssocID="{E960504A-0299-4614-8EBD-BE626F6EAC77}" presName="level2Shape" presStyleLbl="node4" presStyleIdx="1" presStyleCnt="10"/>
+      <dgm:spPr/>
+    </dgm:pt>
+    <dgm:pt modelId="{6A797896-B2B7-45A5-9A95-26F43D2A9D44}" type="pres">
+      <dgm:prSet presAssocID="{E960504A-0299-4614-8EBD-BE626F6EAC77}" presName="hierChild3" presStyleCnt="0"/>
+      <dgm:spPr/>
+    </dgm:pt>
+    <dgm:pt modelId="{EF214BF8-97E4-495C-A81E-D90058BB819F}" type="pres">
+      <dgm:prSet presAssocID="{866FF2BE-6DA3-4BFF-A425-6D8AEDC2788C}" presName="Name19" presStyleLbl="parChTrans1D4" presStyleIdx="2" presStyleCnt="10"/>
+      <dgm:spPr/>
+    </dgm:pt>
+    <dgm:pt modelId="{C460B427-624A-4E66-B901-F89BAFF63F29}" type="pres">
+      <dgm:prSet presAssocID="{01655F1E-6D0F-40CA-AF2E-9374397295D0}" presName="Name21" presStyleCnt="0"/>
+      <dgm:spPr/>
+    </dgm:pt>
+    <dgm:pt modelId="{5B664757-A1C4-46D2-99E1-C008CF2D30E4}" type="pres">
+      <dgm:prSet presAssocID="{01655F1E-6D0F-40CA-AF2E-9374397295D0}" presName="level2Shape" presStyleLbl="node4" presStyleIdx="2" presStyleCnt="10"/>
+      <dgm:spPr/>
+    </dgm:pt>
+    <dgm:pt modelId="{D076B563-76F0-4DF3-9F85-786FBDDCF3E7}" type="pres">
+      <dgm:prSet presAssocID="{01655F1E-6D0F-40CA-AF2E-9374397295D0}" presName="hierChild3" presStyleCnt="0"/>
+      <dgm:spPr/>
+    </dgm:pt>
+    <dgm:pt modelId="{A90C518B-8860-46BC-95CD-F72AFFCFF895}" type="pres">
+      <dgm:prSet presAssocID="{30E08811-507D-4E58-BE89-625FE523E650}" presName="Name19" presStyleLbl="parChTrans1D4" presStyleIdx="3" presStyleCnt="10"/>
+      <dgm:spPr/>
+    </dgm:pt>
+    <dgm:pt modelId="{ED59822C-E2D1-4176-8121-6A31A6111372}" type="pres">
+      <dgm:prSet presAssocID="{FF90D0A9-5799-4B75-A241-7A7F6C206EAF}" presName="Name21" presStyleCnt="0"/>
+      <dgm:spPr/>
+    </dgm:pt>
+    <dgm:pt modelId="{270509E6-01AB-430D-9105-E235618AA76E}" type="pres">
+      <dgm:prSet presAssocID="{FF90D0A9-5799-4B75-A241-7A7F6C206EAF}" presName="level2Shape" presStyleLbl="node4" presStyleIdx="3" presStyleCnt="10"/>
+      <dgm:spPr/>
+    </dgm:pt>
+    <dgm:pt modelId="{E00CCC82-EE3A-4751-8E50-267DAC25B875}" type="pres">
+      <dgm:prSet presAssocID="{FF90D0A9-5799-4B75-A241-7A7F6C206EAF}" presName="hierChild3" presStyleCnt="0"/>
+      <dgm:spPr/>
+    </dgm:pt>
+    <dgm:pt modelId="{EDCC23CE-2473-490A-B607-794B4163372A}" type="pres">
+      <dgm:prSet presAssocID="{866FBE40-BB11-41FB-8227-13CB57534ACF}" presName="Name19" presStyleLbl="parChTrans1D4" presStyleIdx="4" presStyleCnt="10"/>
+      <dgm:spPr/>
+    </dgm:pt>
+    <dgm:pt modelId="{24322948-074B-44B6-896F-46F662452E47}" type="pres">
+      <dgm:prSet presAssocID="{03E595A6-C9F5-4584-B0DE-AF722B72D9BA}" presName="Name21" presStyleCnt="0"/>
+      <dgm:spPr/>
+    </dgm:pt>
+    <dgm:pt modelId="{08538414-C536-4829-920E-230292877389}" type="pres">
+      <dgm:prSet presAssocID="{03E595A6-C9F5-4584-B0DE-AF722B72D9BA}" presName="level2Shape" presStyleLbl="node4" presStyleIdx="4" presStyleCnt="10"/>
+      <dgm:spPr/>
+    </dgm:pt>
+    <dgm:pt modelId="{006A7682-D8F1-453C-9632-898385E50BFD}" type="pres">
+      <dgm:prSet presAssocID="{03E595A6-C9F5-4584-B0DE-AF722B72D9BA}" presName="hierChild3" presStyleCnt="0"/>
+      <dgm:spPr/>
+    </dgm:pt>
+    <dgm:pt modelId="{864A409B-14BC-492B-8E30-CCBE9EFC3697}" type="pres">
+      <dgm:prSet presAssocID="{BE9C3469-69F7-4136-80B9-ADE0DEFAA2D3}" presName="Name19" presStyleLbl="parChTrans1D4" presStyleIdx="5" presStyleCnt="10"/>
+      <dgm:spPr/>
+    </dgm:pt>
+    <dgm:pt modelId="{2292103E-E175-468A-92F3-E5CC334423CB}" type="pres">
+      <dgm:prSet presAssocID="{604A60B7-3578-4D62-9D02-9140DAB6227F}" presName="Name21" presStyleCnt="0"/>
+      <dgm:spPr/>
+    </dgm:pt>
+    <dgm:pt modelId="{88AAC106-EBB7-4C25-95AE-F8316817CDCA}" type="pres">
+      <dgm:prSet presAssocID="{604A60B7-3578-4D62-9D02-9140DAB6227F}" presName="level2Shape" presStyleLbl="node4" presStyleIdx="5" presStyleCnt="10"/>
+      <dgm:spPr/>
+    </dgm:pt>
+    <dgm:pt modelId="{5F3E8B95-7231-4D62-B87E-9CFC65285D78}" type="pres">
+      <dgm:prSet presAssocID="{604A60B7-3578-4D62-9D02-9140DAB6227F}" presName="hierChild3" presStyleCnt="0"/>
+      <dgm:spPr/>
+    </dgm:pt>
+    <dgm:pt modelId="{1231E146-B097-45D0-999A-D39F0040D400}" type="pres">
+      <dgm:prSet presAssocID="{50736BEE-6405-448F-8251-4C344CDBC5C7}" presName="Name19" presStyleLbl="parChTrans1D4" presStyleIdx="6" presStyleCnt="10"/>
+      <dgm:spPr/>
+    </dgm:pt>
+    <dgm:pt modelId="{0E7BBB43-4E5B-4281-9298-2F6F8A4B43BA}" type="pres">
+      <dgm:prSet presAssocID="{B8D402BE-11AD-492E-8DCA-335122B6E152}" presName="Name21" presStyleCnt="0"/>
+      <dgm:spPr/>
+    </dgm:pt>
+    <dgm:pt modelId="{536B2380-1EF4-4C8E-BE51-39379B52DB89}" type="pres">
+      <dgm:prSet presAssocID="{B8D402BE-11AD-492E-8DCA-335122B6E152}" presName="level2Shape" presStyleLbl="node4" presStyleIdx="6" presStyleCnt="10"/>
+      <dgm:spPr/>
+    </dgm:pt>
+    <dgm:pt modelId="{FEFAED3C-6F5A-490E-BDA8-C8700379DE13}" type="pres">
+      <dgm:prSet presAssocID="{B8D402BE-11AD-492E-8DCA-335122B6E152}" presName="hierChild3" presStyleCnt="0"/>
+      <dgm:spPr/>
+    </dgm:pt>
+    <dgm:pt modelId="{76E06DBF-7832-4049-8F84-70DA68FC4BA3}" type="pres">
+      <dgm:prSet presAssocID="{F6C33896-FE7C-4BCC-9736-628EC409AECB}" presName="Name19" presStyleLbl="parChTrans1D4" presStyleIdx="7" presStyleCnt="10"/>
+      <dgm:spPr/>
+    </dgm:pt>
+    <dgm:pt modelId="{B5C8E100-1E67-492D-8794-25A1F531AF1A}" type="pres">
+      <dgm:prSet presAssocID="{B8EAB49C-ABE4-4BB4-B883-272A6285DEA5}" presName="Name21" presStyleCnt="0"/>
+      <dgm:spPr/>
+    </dgm:pt>
+    <dgm:pt modelId="{898A83C1-449F-4097-9AB6-AC61BDED5285}" type="pres">
+      <dgm:prSet presAssocID="{B8EAB49C-ABE4-4BB4-B883-272A6285DEA5}" presName="level2Shape" presStyleLbl="node4" presStyleIdx="7" presStyleCnt="10"/>
+      <dgm:spPr/>
+    </dgm:pt>
+    <dgm:pt modelId="{9531A339-D7DF-4937-A6C9-A9182732695A}" type="pres">
+      <dgm:prSet presAssocID="{B8EAB49C-ABE4-4BB4-B883-272A6285DEA5}" presName="hierChild3" presStyleCnt="0"/>
+      <dgm:spPr/>
+    </dgm:pt>
+    <dgm:pt modelId="{990F566E-3690-42F2-8AFE-3A97963B6870}" type="pres">
+      <dgm:prSet presAssocID="{F598EC38-BB44-461C-8459-250B2FEAB346}" presName="Name19" presStyleLbl="parChTrans1D4" presStyleIdx="8" presStyleCnt="10"/>
+      <dgm:spPr/>
+    </dgm:pt>
+    <dgm:pt modelId="{C35C5970-8587-44EE-8935-3C46952EBF0F}" type="pres">
+      <dgm:prSet presAssocID="{6B597C5D-609A-421A-86E0-B5E09758FB6B}" presName="Name21" presStyleCnt="0"/>
+      <dgm:spPr/>
+    </dgm:pt>
+    <dgm:pt modelId="{F4745300-4DE8-45C4-BA5B-E69A357A5ECD}" type="pres">
+      <dgm:prSet presAssocID="{6B597C5D-609A-421A-86E0-B5E09758FB6B}" presName="level2Shape" presStyleLbl="node4" presStyleIdx="8" presStyleCnt="10"/>
+      <dgm:spPr/>
+    </dgm:pt>
+    <dgm:pt modelId="{7EE276E2-6A0D-46B0-9A2A-FB8DA2B9434E}" type="pres">
+      <dgm:prSet presAssocID="{6B597C5D-609A-421A-86E0-B5E09758FB6B}" presName="hierChild3" presStyleCnt="0"/>
+      <dgm:spPr/>
+    </dgm:pt>
+    <dgm:pt modelId="{3BC9BB75-2BB8-4FA1-8BED-59E9C8C1489E}" type="pres">
+      <dgm:prSet presAssocID="{AD459252-5CCB-4BA1-B446-7FD6ABB9589C}" presName="Name19" presStyleLbl="parChTrans1D4" presStyleIdx="9" presStyleCnt="10"/>
+      <dgm:spPr/>
+    </dgm:pt>
+    <dgm:pt modelId="{9E78B80E-0EA6-43B7-A62D-233300ADB4C9}" type="pres">
+      <dgm:prSet presAssocID="{1F6555BE-D702-4F09-AE56-5B620E1BA045}" presName="Name21" presStyleCnt="0"/>
+      <dgm:spPr/>
+    </dgm:pt>
+    <dgm:pt modelId="{2E761711-A85E-4AB5-81D7-02001DD2FB6E}" type="pres">
+      <dgm:prSet presAssocID="{1F6555BE-D702-4F09-AE56-5B620E1BA045}" presName="level2Shape" presStyleLbl="node4" presStyleIdx="9" presStyleCnt="10"/>
+      <dgm:spPr/>
+    </dgm:pt>
+    <dgm:pt modelId="{A470777A-C8F5-494F-BCD4-8294A379C492}" type="pres">
+      <dgm:prSet presAssocID="{1F6555BE-D702-4F09-AE56-5B620E1BA045}" presName="hierChild3" presStyleCnt="0"/>
       <dgm:spPr/>
     </dgm:pt>
     <dgm:pt modelId="{8689255B-5BA2-4B1C-BB00-6AC5301505FD}" type="pres">
@@ -3605,45 +3723,48 @@
     </dgm:pt>
   </dgm:ptLst>
   <dgm:cxnLst>
-    <dgm:cxn modelId="{AA35CE10-4AEA-426A-8679-9715727CD948}" type="presOf" srcId="{B6E7A50B-1706-4C4A-A689-A952F09B11F3}" destId="{CDC29FCC-57FC-4F6C-8E70-B4E2349A3756}" srcOrd="0" destOrd="0" presId="urn:microsoft.com/office/officeart/2005/8/layout/hierarchy6"/>
-    <dgm:cxn modelId="{A3704012-C8C7-4119-9F06-2AC8A8D2A5A1}" type="presOf" srcId="{66BED8D8-A980-4160-BF52-FACD71E1F8B3}" destId="{735B1600-0AE0-4C52-86D5-3DDECAA76BD6}" srcOrd="0" destOrd="0" presId="urn:microsoft.com/office/officeart/2005/8/layout/hierarchy6"/>
-    <dgm:cxn modelId="{87D24612-27B7-43F1-91E3-91E9A9453C80}" srcId="{E07F6448-8900-4AC5-A46C-B58AF4266010}" destId="{F40F37A4-E834-421F-B37A-B06D1A2A609D}" srcOrd="1" destOrd="0" parTransId="{32059DA7-F49A-4E3F-870B-AC3CE0F102E7}" sibTransId="{44D88DBE-C92B-46BF-95A9-D674A2CFE7B3}"/>
-    <dgm:cxn modelId="{1DD16623-9126-4957-A9A8-3145E0F0D967}" type="presOf" srcId="{3DDFE6A6-9495-4A58-A54C-769DE0AC01D3}" destId="{5735EDF4-A7AD-4B64-80AA-677EA9DB7719}" srcOrd="0" destOrd="0" presId="urn:microsoft.com/office/officeart/2005/8/layout/hierarchy6"/>
+    <dgm:cxn modelId="{7FAE1500-E469-481A-ADC7-3689EFD651E2}" type="presOf" srcId="{9452BB44-BD98-440D-9793-794D80160618}" destId="{A86792A7-B2E4-4A69-BA2F-295CC4C6D9E4}" srcOrd="0" destOrd="0" presId="urn:microsoft.com/office/officeart/2005/8/layout/hierarchy6"/>
+    <dgm:cxn modelId="{1286D603-B0D0-4B63-838A-14DCE4DC7963}" srcId="{E07F6448-8900-4AC5-A46C-B58AF4266010}" destId="{01655F1E-6D0F-40CA-AF2E-9374397295D0}" srcOrd="2" destOrd="0" parTransId="{866FF2BE-6DA3-4BFF-A425-6D8AEDC2788C}" sibTransId="{7FD19241-5EF1-4DD8-991C-3AD41F8A9F93}"/>
+    <dgm:cxn modelId="{84C46F0D-3E15-4496-BD58-85B3900B9377}" srcId="{B8D402BE-11AD-492E-8DCA-335122B6E152}" destId="{B8EAB49C-ABE4-4BB4-B883-272A6285DEA5}" srcOrd="0" destOrd="0" parTransId="{F6C33896-FE7C-4BCC-9736-628EC409AECB}" sibTransId="{28172D54-A46E-4E11-99F0-89299CF0DF65}"/>
+    <dgm:cxn modelId="{946D7710-0E6E-4A5C-9D05-3E530B64CA55}" type="presOf" srcId="{03E595A6-C9F5-4584-B0DE-AF722B72D9BA}" destId="{08538414-C536-4829-920E-230292877389}" srcOrd="0" destOrd="0" presId="urn:microsoft.com/office/officeart/2005/8/layout/hierarchy6"/>
+    <dgm:cxn modelId="{83F71514-1CE1-43BC-B04E-276CD3D81AE2}" srcId="{03E595A6-C9F5-4584-B0DE-AF722B72D9BA}" destId="{604A60B7-3578-4D62-9D02-9140DAB6227F}" srcOrd="0" destOrd="0" parTransId="{BE9C3469-69F7-4136-80B9-ADE0DEFAA2D3}" sibTransId="{66236A48-4E0A-494F-8685-B9175B97B179}"/>
+    <dgm:cxn modelId="{2BF54D15-1C93-4DD6-AD10-CD51FC125707}" type="presOf" srcId="{B8EAB49C-ABE4-4BB4-B883-272A6285DEA5}" destId="{898A83C1-449F-4097-9AB6-AC61BDED5285}" srcOrd="0" destOrd="0" presId="urn:microsoft.com/office/officeart/2005/8/layout/hierarchy6"/>
+    <dgm:cxn modelId="{588F3921-3FED-4F9A-97A4-C05ED7F251A9}" srcId="{E07F6448-8900-4AC5-A46C-B58AF4266010}" destId="{D4306519-F590-49FA-BCA0-E14EAA6DD927}" srcOrd="0" destOrd="0" parTransId="{705612D1-7896-4C44-9760-808D65B816EE}" sibTransId="{C598BFC8-A029-4855-9511-6F499F7124F5}"/>
+    <dgm:cxn modelId="{812D4027-ECDB-4E04-8938-3686C06C1309}" type="presOf" srcId="{B8D402BE-11AD-492E-8DCA-335122B6E152}" destId="{536B2380-1EF4-4C8E-BE51-39379B52DB89}" srcOrd="0" destOrd="0" presId="urn:microsoft.com/office/officeart/2005/8/layout/hierarchy6"/>
     <dgm:cxn modelId="{6718052F-AA91-4768-8DB1-1E8ACDE05112}" srcId="{37BD702E-660E-4277-8183-4DD6AE9D2A57}" destId="{054378D9-2749-49D1-A461-37C6B2A4F149}" srcOrd="0" destOrd="0" parTransId="{259D8CF3-64D7-4D83-B9DD-2DC13AB66FB8}" sibTransId="{D4853387-648A-4DF7-9090-F8433906A8D7}"/>
-    <dgm:cxn modelId="{7817C531-9D7C-4C0E-B322-5253DA389B7D}" srcId="{E675E2EE-8FD6-476B-822F-5D9D06608ED4}" destId="{B6E7A50B-1706-4C4A-A689-A952F09B11F3}" srcOrd="0" destOrd="0" parTransId="{66BED8D8-A980-4160-BF52-FACD71E1F8B3}" sibTransId="{2736B5D7-AA3B-4FA4-B3CA-0871E014D363}"/>
     <dgm:cxn modelId="{849EB333-4CDA-4386-888D-A57722D1E09C}" type="presOf" srcId="{37BD702E-660E-4277-8183-4DD6AE9D2A57}" destId="{C7AC09FA-285B-4A53-92AF-67E5F1838A26}" srcOrd="0" destOrd="0" presId="urn:microsoft.com/office/officeart/2005/8/layout/hierarchy6"/>
-    <dgm:cxn modelId="{DD4E7437-782A-46D3-A153-079AF1F1A33A}" srcId="{E07F6448-8900-4AC5-A46C-B58AF4266010}" destId="{AF8F4353-BDE9-435C-9401-1037751CC43C}" srcOrd="2" destOrd="0" parTransId="{B8D6C74F-94DF-4627-B8A6-43F11E525A72}" sibTransId="{8869AD8C-D0EE-4FB4-83DB-4A91A7CAECD0}"/>
-    <dgm:cxn modelId="{924C6239-39EE-461D-98DE-8A04BB7064A3}" type="presOf" srcId="{32059DA7-F49A-4E3F-870B-AC3CE0F102E7}" destId="{54E4160A-4883-43C7-A186-EE2473CAF138}" srcOrd="0" destOrd="0" presId="urn:microsoft.com/office/officeart/2005/8/layout/hierarchy6"/>
-    <dgm:cxn modelId="{5D83B539-1B4D-404B-A5F5-E416D24E7856}" type="presOf" srcId="{991CA309-93EE-4443-B27A-BE85E58236D6}" destId="{74C05282-5E7E-4F7F-91FC-14FE553BFA24}" srcOrd="0" destOrd="0" presId="urn:microsoft.com/office/officeart/2005/8/layout/hierarchy6"/>
-    <dgm:cxn modelId="{AE2FFA3B-457E-4259-9245-AC4F8CC1EE30}" type="presOf" srcId="{DE0B6D90-D678-4B97-964D-149FD0F25122}" destId="{665E678F-4DCB-4E14-963E-95414606FD48}" srcOrd="0" destOrd="0" presId="urn:microsoft.com/office/officeart/2005/8/layout/hierarchy6"/>
-    <dgm:cxn modelId="{18C12B60-B09E-49F4-8663-CCA3341DAD67}" srcId="{F40F37A4-E834-421F-B37A-B06D1A2A609D}" destId="{E675E2EE-8FD6-476B-822F-5D9D06608ED4}" srcOrd="0" destOrd="0" parTransId="{9BA6D5BB-12C8-4E41-B5BF-3D15C0EA204C}" sibTransId="{FC8F17E5-1C04-4D8A-B997-628E1E601F8F}"/>
-    <dgm:cxn modelId="{8B78B761-94BD-435F-A213-ABCC14A95067}" srcId="{3DDFE6A6-9495-4A58-A54C-769DE0AC01D3}" destId="{0C7190CD-B68D-4FB4-BFFC-3E6EBEE642CC}" srcOrd="2" destOrd="0" parTransId="{DE0B6D90-D678-4B97-964D-149FD0F25122}" sibTransId="{D302B0DF-89E1-4D0E-A3DB-11D7709CA015}"/>
+    <dgm:cxn modelId="{863B1536-9D71-4753-ADFB-63F9E45C401A}" type="presOf" srcId="{705612D1-7896-4C44-9760-808D65B816EE}" destId="{03F7C53C-6D4E-4829-909F-323AB91B1296}" srcOrd="0" destOrd="0" presId="urn:microsoft.com/office/officeart/2005/8/layout/hierarchy6"/>
+    <dgm:cxn modelId="{07577536-A3E3-4184-9F54-6A5B3D99B659}" srcId="{6F25421D-FE4E-4EF4-831F-7D9FBCF8D5C1}" destId="{9452BB44-BD98-440D-9793-794D80160618}" srcOrd="0" destOrd="0" parTransId="{17DEC2F4-8614-4C90-8D28-0D477284B485}" sibTransId="{C810A5E7-643E-4252-9732-89B41F374EE0}"/>
+    <dgm:cxn modelId="{04F98F3B-FCCF-48DA-A9B9-50CD73C87C9B}" type="presOf" srcId="{1F6555BE-D702-4F09-AE56-5B620E1BA045}" destId="{2E761711-A85E-4AB5-81D7-02001DD2FB6E}" srcOrd="0" destOrd="0" presId="urn:microsoft.com/office/officeart/2005/8/layout/hierarchy6"/>
+    <dgm:cxn modelId="{147FCE3F-D127-47B1-80EE-B331D42BE1FC}" type="presOf" srcId="{17DEC2F4-8614-4C90-8D28-0D477284B485}" destId="{17B3F5FB-71A9-4286-A8A2-DD389165186D}" srcOrd="0" destOrd="0" presId="urn:microsoft.com/office/officeart/2005/8/layout/hierarchy6"/>
+    <dgm:cxn modelId="{B102165C-18AE-47CF-A19D-74F6D82C22C3}" type="presOf" srcId="{866FBE40-BB11-41FB-8227-13CB57534ACF}" destId="{EDCC23CE-2473-490A-B607-794B4163372A}" srcOrd="0" destOrd="0" presId="urn:microsoft.com/office/officeart/2005/8/layout/hierarchy6"/>
+    <dgm:cxn modelId="{2A46D25D-7632-4B6C-89FE-86F12C838410}" type="presOf" srcId="{604A60B7-3578-4D62-9D02-9140DAB6227F}" destId="{88AAC106-EBB7-4C25-95AE-F8316817CDCA}" srcOrd="0" destOrd="0" presId="urn:microsoft.com/office/officeart/2005/8/layout/hierarchy6"/>
+    <dgm:cxn modelId="{A9B3C162-525E-40DF-946B-485C89D8820F}" srcId="{E07F6448-8900-4AC5-A46C-B58AF4266010}" destId="{E960504A-0299-4614-8EBD-BE626F6EAC77}" srcOrd="1" destOrd="0" parTransId="{17B3E8F5-642E-453B-AA65-DECA12BFEF7A}" sibTransId="{10BF754F-D3CC-459F-9D30-43750D58AFA5}"/>
     <dgm:cxn modelId="{C0369263-A5AF-4A38-9830-762E2897672A}" srcId="{6F25421D-FE4E-4EF4-831F-7D9FBCF8D5C1}" destId="{E07F6448-8900-4AC5-A46C-B58AF4266010}" srcOrd="1" destOrd="0" parTransId="{991CA309-93EE-4443-B27A-BE85E58236D6}" sibTransId="{EE7E490B-6FEA-4587-8FF2-84870701CFD1}"/>
-    <dgm:cxn modelId="{EA7CFF47-F54E-4B18-B2DA-F38FDA6B49A9}" type="presOf" srcId="{E07F6448-8900-4AC5-A46C-B58AF4266010}" destId="{301CFCC0-A3C2-4D25-A3AB-A5812BCE6116}" srcOrd="0" destOrd="0" presId="urn:microsoft.com/office/officeart/2005/8/layout/hierarchy6"/>
-    <dgm:cxn modelId="{5D4ED54A-AA28-4C97-9D1F-328CE46248FB}" type="presOf" srcId="{AF8F4353-BDE9-435C-9401-1037751CC43C}" destId="{4AD56071-6DAD-45C9-A9CE-9A2C75C8F850}" srcOrd="0" destOrd="0" presId="urn:microsoft.com/office/officeart/2005/8/layout/hierarchy6"/>
+    <dgm:cxn modelId="{5A366449-CC4F-41B6-AF53-8F150DEB300B}" type="presOf" srcId="{D4306519-F590-49FA-BCA0-E14EAA6DD927}" destId="{0ED10509-3646-4A3A-BD1F-1FC9EA9BC892}" srcOrd="0" destOrd="0" presId="urn:microsoft.com/office/officeart/2005/8/layout/hierarchy6"/>
     <dgm:cxn modelId="{2FB5636D-78C4-48ED-AAFB-A5F09FE8A1EA}" type="presOf" srcId="{6F25421D-FE4E-4EF4-831F-7D9FBCF8D5C1}" destId="{1C410DC4-DE26-4848-8CEB-1F788D0EA855}" srcOrd="0" destOrd="0" presId="urn:microsoft.com/office/officeart/2005/8/layout/hierarchy6"/>
-    <dgm:cxn modelId="{CBF4786E-1FD2-4418-8C28-F00336DDAC5F}" type="presOf" srcId="{479C5ADC-02C3-43F8-A7BF-2D70E50216E1}" destId="{6AEF3283-EA6E-4F08-AFE8-7FF6C24E2A7B}" srcOrd="0" destOrd="0" presId="urn:microsoft.com/office/officeart/2005/8/layout/hierarchy6"/>
-    <dgm:cxn modelId="{A0A27C4E-4A65-45F9-96EC-15DC21BD1C76}" type="presOf" srcId="{5347BAC4-D5FA-459D-AAEB-D8E23E949A0C}" destId="{253CD09B-7E9D-40E5-AB03-11BE59B622B2}" srcOrd="0" destOrd="0" presId="urn:microsoft.com/office/officeart/2005/8/layout/hierarchy6"/>
-    <dgm:cxn modelId="{4C60AA6F-4BF5-4703-B9B7-799CC7F9ECFA}" type="presOf" srcId="{7CF83EAE-65EC-4242-8737-6C9E0CA36CF5}" destId="{C6E14239-B2CF-4077-812C-740451983D9A}" srcOrd="0" destOrd="0" presId="urn:microsoft.com/office/officeart/2005/8/layout/hierarchy6"/>
-    <dgm:cxn modelId="{1CC8B64F-44E9-45E4-A4E7-D653E590D560}" srcId="{6F25421D-FE4E-4EF4-831F-7D9FBCF8D5C1}" destId="{95F08D92-BBB8-4924-AB52-E913F8087AF7}" srcOrd="0" destOrd="0" parTransId="{5CDEB60E-8EC1-4249-A336-B06F397B1917}" sibTransId="{1A4314A0-1CF4-49EC-BE25-2933345C3D08}"/>
-    <dgm:cxn modelId="{7E03E14F-9B2C-417B-A66F-214E5FE6808E}" type="presOf" srcId="{E675E2EE-8FD6-476B-822F-5D9D06608ED4}" destId="{551C8D97-06B8-4608-80B9-77A87D830D79}" srcOrd="0" destOrd="0" presId="urn:microsoft.com/office/officeart/2005/8/layout/hierarchy6"/>
-    <dgm:cxn modelId="{4F594071-E7CD-419E-8FA6-55F88753FA54}" type="presOf" srcId="{EC7E22AD-8497-4271-A094-EB855CAF8D03}" destId="{CD5162E7-5AED-4014-BF64-2E07DBCB0D48}" srcOrd="0" destOrd="0" presId="urn:microsoft.com/office/officeart/2005/8/layout/hierarchy6"/>
+    <dgm:cxn modelId="{8EBC6A4D-01E7-474C-AE0B-A312D1FC8521}" type="presOf" srcId="{50736BEE-6405-448F-8251-4C344CDBC5C7}" destId="{1231E146-B097-45D0-999A-D39F0040D400}" srcOrd="0" destOrd="0" presId="urn:microsoft.com/office/officeart/2005/8/layout/hierarchy6"/>
+    <dgm:cxn modelId="{E7253872-CEED-42EF-BC52-A921594FF8BE}" type="presOf" srcId="{FF90D0A9-5799-4B75-A241-7A7F6C206EAF}" destId="{270509E6-01AB-430D-9105-E235618AA76E}" srcOrd="0" destOrd="0" presId="urn:microsoft.com/office/officeart/2005/8/layout/hierarchy6"/>
+    <dgm:cxn modelId="{0DF06673-0993-4B8D-8424-F87658D27767}" type="presOf" srcId="{F6C33896-FE7C-4BCC-9736-628EC409AECB}" destId="{76E06DBF-7832-4049-8F84-70DA68FC4BA3}" srcOrd="0" destOrd="0" presId="urn:microsoft.com/office/officeart/2005/8/layout/hierarchy6"/>
+    <dgm:cxn modelId="{E4883654-FC4C-436B-86B6-AF6B72E66E40}" type="presOf" srcId="{866FF2BE-6DA3-4BFF-A425-6D8AEDC2788C}" destId="{EF214BF8-97E4-495C-A81E-D90058BB819F}" srcOrd="0" destOrd="0" presId="urn:microsoft.com/office/officeart/2005/8/layout/hierarchy6"/>
+    <dgm:cxn modelId="{64BECD54-29B1-494E-AEFB-68AA2A4AAAEE}" type="presOf" srcId="{BE9C3469-69F7-4136-80B9-ADE0DEFAA2D3}" destId="{864A409B-14BC-492B-8E30-CCBE9EFC3697}" srcOrd="0" destOrd="0" presId="urn:microsoft.com/office/officeart/2005/8/layout/hierarchy6"/>
     <dgm:cxn modelId="{87CDC757-9A42-457E-8F83-104DCCE519DA}" srcId="{054378D9-2749-49D1-A461-37C6B2A4F149}" destId="{6F25421D-FE4E-4EF4-831F-7D9FBCF8D5C1}" srcOrd="0" destOrd="0" parTransId="{767B0127-3FB7-49C0-941C-7FC559308A72}" sibTransId="{AEA97A94-36AC-4054-B671-173FFB244580}"/>
-    <dgm:cxn modelId="{FBADD358-53B8-4A36-9C2C-B912317E3892}" type="presOf" srcId="{F40F37A4-E834-421F-B37A-B06D1A2A609D}" destId="{ACBF187D-B298-493B-9378-A49660CFA4F5}" srcOrd="0" destOrd="0" presId="urn:microsoft.com/office/officeart/2005/8/layout/hierarchy6"/>
+    <dgm:cxn modelId="{E893065A-6801-45A9-A44E-9B8D4310C215}" srcId="{E07F6448-8900-4AC5-A46C-B58AF4266010}" destId="{FF90D0A9-5799-4B75-A241-7A7F6C206EAF}" srcOrd="3" destOrd="0" parTransId="{30E08811-507D-4E58-BE89-625FE523E650}" sibTransId="{BA86245B-E92F-4C79-A344-54A7477A15BF}"/>
+    <dgm:cxn modelId="{ABD8447A-D6CE-4844-86DE-968D9D5AA5D7}" type="presOf" srcId="{991CA309-93EE-4443-B27A-BE85E58236D6}" destId="{74C05282-5E7E-4F7F-91FC-14FE553BFA24}" srcOrd="0" destOrd="0" presId="urn:microsoft.com/office/officeart/2005/8/layout/hierarchy6"/>
+    <dgm:cxn modelId="{5B4B247C-C247-4E8B-80E2-A4D5C253F587}" type="presOf" srcId="{AD459252-5CCB-4BA1-B446-7FD6ABB9589C}" destId="{3BC9BB75-2BB8-4FA1-8BED-59E9C8C1489E}" srcOrd="0" destOrd="0" presId="urn:microsoft.com/office/officeart/2005/8/layout/hierarchy6"/>
+    <dgm:cxn modelId="{78C5C27C-5099-4612-BA8F-CB8A97A3DA00}" srcId="{FF90D0A9-5799-4B75-A241-7A7F6C206EAF}" destId="{B8D402BE-11AD-492E-8DCA-335122B6E152}" srcOrd="1" destOrd="0" parTransId="{50736BEE-6405-448F-8251-4C344CDBC5C7}" sibTransId="{EE3EF4A2-0304-4D80-B5D7-00EB06835FFD}"/>
     <dgm:cxn modelId="{EAAAA58A-A63E-4C97-AC66-0739190C3EA1}" type="presOf" srcId="{054378D9-2749-49D1-A461-37C6B2A4F149}" destId="{2822A21A-804E-4E59-AEB4-28B90FDF416D}" srcOrd="0" destOrd="0" presId="urn:microsoft.com/office/officeart/2005/8/layout/hierarchy6"/>
-    <dgm:cxn modelId="{CF65A8AA-022E-4742-A945-08FB7D4CDA47}" type="presOf" srcId="{27163995-E443-4CF5-ADCB-5DC780AC490A}" destId="{B03FAA65-1940-44F0-B740-50E65D18FEE0}" srcOrd="0" destOrd="0" presId="urn:microsoft.com/office/officeart/2005/8/layout/hierarchy6"/>
-    <dgm:cxn modelId="{CB4F16B1-7C93-4397-B9CA-845CFBC86A16}" type="presOf" srcId="{0C7190CD-B68D-4FB4-BFFC-3E6EBEE642CC}" destId="{017A3CFE-8238-4539-AE99-3A0F86C1C581}" srcOrd="0" destOrd="0" presId="urn:microsoft.com/office/officeart/2005/8/layout/hierarchy6"/>
-    <dgm:cxn modelId="{F103CCB4-A396-4F1B-AA6B-5E3CD1BF9707}" srcId="{E07F6448-8900-4AC5-A46C-B58AF4266010}" destId="{EC7E22AD-8497-4271-A094-EB855CAF8D03}" srcOrd="0" destOrd="0" parTransId="{27163995-E443-4CF5-ADCB-5DC780AC490A}" sibTransId="{6B1897A4-862B-48DD-8464-8EDC4F074F29}"/>
-    <dgm:cxn modelId="{E94964C2-3E34-4B37-95FB-0867D0A7247F}" srcId="{3DDFE6A6-9495-4A58-A54C-769DE0AC01D3}" destId="{479C5ADC-02C3-43F8-A7BF-2D70E50216E1}" srcOrd="0" destOrd="0" parTransId="{81E97124-5E29-4B8F-B72E-0FB42EB221B8}" sibTransId="{FF9DC315-0A0B-4ADB-9FC1-00664668182C}"/>
-    <dgm:cxn modelId="{C9E57BC4-C7A2-455D-8FE9-C62F728A2FDE}" type="presOf" srcId="{5CDEB60E-8EC1-4249-A336-B06F397B1917}" destId="{984FFA6B-DFEA-45A2-BBC1-9E6E25231559}" srcOrd="0" destOrd="0" presId="urn:microsoft.com/office/officeart/2005/8/layout/hierarchy6"/>
+    <dgm:cxn modelId="{1C0C8CA0-94A4-4B9A-89A6-B5B952A0473B}" type="presOf" srcId="{6B597C5D-609A-421A-86E0-B5E09758FB6B}" destId="{F4745300-4DE8-45C4-BA5B-E69A357A5ECD}" srcOrd="0" destOrd="0" presId="urn:microsoft.com/office/officeart/2005/8/layout/hierarchy6"/>
+    <dgm:cxn modelId="{39430AA7-77FF-4607-8EBD-A3C0AD430A90}" type="presOf" srcId="{30E08811-507D-4E58-BE89-625FE523E650}" destId="{A90C518B-8860-46BC-95CD-F72AFFCFF895}" srcOrd="0" destOrd="0" presId="urn:microsoft.com/office/officeart/2005/8/layout/hierarchy6"/>
+    <dgm:cxn modelId="{B5B262AE-C8B0-47F2-832E-38317727B0ED}" type="presOf" srcId="{F598EC38-BB44-461C-8459-250B2FEAB346}" destId="{990F566E-3690-42F2-8AFE-3A97963B6870}" srcOrd="0" destOrd="0" presId="urn:microsoft.com/office/officeart/2005/8/layout/hierarchy6"/>
+    <dgm:cxn modelId="{C019D4C0-531B-461B-8193-736A9C73EFE9}" type="presOf" srcId="{17B3E8F5-642E-453B-AA65-DECA12BFEF7A}" destId="{806F9B24-236B-4F64-BA4A-9CA41091028D}" srcOrd="0" destOrd="0" presId="urn:microsoft.com/office/officeart/2005/8/layout/hierarchy6"/>
+    <dgm:cxn modelId="{EE27D0C2-6295-44FB-ACD9-3D8BCEC02D5B}" type="presOf" srcId="{E07F6448-8900-4AC5-A46C-B58AF4266010}" destId="{301CFCC0-A3C2-4D25-A3AB-A5812BCE6116}" srcOrd="0" destOrd="0" presId="urn:microsoft.com/office/officeart/2005/8/layout/hierarchy6"/>
     <dgm:cxn modelId="{0B4300D1-4CB0-4FD3-9619-6BB8E1D6FAF2}" type="presOf" srcId="{767B0127-3FB7-49C0-941C-7FC559308A72}" destId="{7C950FBD-90BC-4A27-B227-A079DE2321D3}" srcOrd="0" destOrd="0" presId="urn:microsoft.com/office/officeart/2005/8/layout/hierarchy6"/>
-    <dgm:cxn modelId="{92248FD2-7920-405B-BD1F-38828AC6D78B}" type="presOf" srcId="{95F08D92-BBB8-4924-AB52-E913F8087AF7}" destId="{745E60A5-96EB-4C9B-A54A-6A2C34E89AA8}" srcOrd="0" destOrd="0" presId="urn:microsoft.com/office/officeart/2005/8/layout/hierarchy6"/>
-    <dgm:cxn modelId="{BD8957D7-294F-42C0-AC2F-4F9FE833D9AF}" type="presOf" srcId="{9BA6D5BB-12C8-4E41-B5BF-3D15C0EA204C}" destId="{E2731B07-784D-463C-8DC4-CADA2C2A364D}" srcOrd="0" destOrd="0" presId="urn:microsoft.com/office/officeart/2005/8/layout/hierarchy6"/>
-    <dgm:cxn modelId="{3075F7DD-0C3C-4B57-B42E-C30FFEB6D224}" srcId="{F40F37A4-E834-421F-B37A-B06D1A2A609D}" destId="{3DDFE6A6-9495-4A58-A54C-769DE0AC01D3}" srcOrd="1" destOrd="0" parTransId="{7CF83EAE-65EC-4242-8737-6C9E0CA36CF5}" sibTransId="{4179F2A4-E039-4DC6-9FDA-4A5F2BD84472}"/>
-    <dgm:cxn modelId="{D1A203E6-F47A-442C-B122-B9BFA2F48E1D}" type="presOf" srcId="{85EC1DB4-DAE0-469F-BD3A-7027D9ED8C94}" destId="{A18A2D01-0B50-4405-9140-F2AAEF04944F}" srcOrd="0" destOrd="0" presId="urn:microsoft.com/office/officeart/2005/8/layout/hierarchy6"/>
-    <dgm:cxn modelId="{AF0C2BE9-35B5-410D-A4FB-ABD4F8D3F223}" srcId="{3DDFE6A6-9495-4A58-A54C-769DE0AC01D3}" destId="{85EC1DB4-DAE0-469F-BD3A-7027D9ED8C94}" srcOrd="1" destOrd="0" parTransId="{5347BAC4-D5FA-459D-AAEB-D8E23E949A0C}" sibTransId="{9BC6318B-656D-4693-9949-D7CFB76EF3AD}"/>
-    <dgm:cxn modelId="{259AEEF3-0BA4-4C1D-9C2B-B9859D9B3E2C}" type="presOf" srcId="{B8D6C74F-94DF-4627-B8A6-43F11E525A72}" destId="{3CA6FFD6-160A-4145-B246-D10609F9ABF0}" srcOrd="0" destOrd="0" presId="urn:microsoft.com/office/officeart/2005/8/layout/hierarchy6"/>
-    <dgm:cxn modelId="{084FAEF9-1524-4353-BF26-EF8718DC1344}" type="presOf" srcId="{81E97124-5E29-4B8F-B72E-0FB42EB221B8}" destId="{6705D97B-8B73-4679-92E4-71989C165130}" srcOrd="0" destOrd="0" presId="urn:microsoft.com/office/officeart/2005/8/layout/hierarchy6"/>
+    <dgm:cxn modelId="{5E233AD5-AC18-4BD8-A159-FCEDCDDC09E0}" type="presOf" srcId="{E960504A-0299-4614-8EBD-BE626F6EAC77}" destId="{974B4D1A-519E-4F92-8D77-7280D2BA813B}" srcOrd="0" destOrd="0" presId="urn:microsoft.com/office/officeart/2005/8/layout/hierarchy6"/>
+    <dgm:cxn modelId="{E26EDAE5-42BE-4C76-802B-DF75247664D8}" srcId="{B8D402BE-11AD-492E-8DCA-335122B6E152}" destId="{6B597C5D-609A-421A-86E0-B5E09758FB6B}" srcOrd="1" destOrd="0" parTransId="{F598EC38-BB44-461C-8459-250B2FEAB346}" sibTransId="{B47BDD78-E820-4B03-A256-F8BA9F62943D}"/>
+    <dgm:cxn modelId="{1EFFB6E6-20B3-4205-8756-DC61931024EA}" type="presOf" srcId="{01655F1E-6D0F-40CA-AF2E-9374397295D0}" destId="{5B664757-A1C4-46D2-99E1-C008CF2D30E4}" srcOrd="0" destOrd="0" presId="urn:microsoft.com/office/officeart/2005/8/layout/hierarchy6"/>
+    <dgm:cxn modelId="{3D82E3EC-E29B-45D7-92B1-C817DDC8F3E3}" srcId="{FF90D0A9-5799-4B75-A241-7A7F6C206EAF}" destId="{03E595A6-C9F5-4584-B0DE-AF722B72D9BA}" srcOrd="0" destOrd="0" parTransId="{866FBE40-BB11-41FB-8227-13CB57534ACF}" sibTransId="{EF348EF7-9CB1-4AC4-8271-2BE7DC3AF9AA}"/>
+    <dgm:cxn modelId="{8473EFEF-555C-4365-BB2F-C196B0AF220C}" srcId="{B8D402BE-11AD-492E-8DCA-335122B6E152}" destId="{1F6555BE-D702-4F09-AE56-5B620E1BA045}" srcOrd="2" destOrd="0" parTransId="{AD459252-5CCB-4BA1-B446-7FD6ABB9589C}" sibTransId="{F453C540-A928-4F68-AAB1-D77E25F94882}"/>
     <dgm:cxn modelId="{D05D2B24-B32C-49CC-ACB2-D553E53100AA}" type="presParOf" srcId="{C7AC09FA-285B-4A53-92AF-67E5F1838A26}" destId="{94436D4B-103B-4271-A68D-0E0C125B6827}" srcOrd="0" destOrd="0" presId="urn:microsoft.com/office/officeart/2005/8/layout/hierarchy6"/>
     <dgm:cxn modelId="{4A151422-D08B-4876-A98C-39A57CDDACA8}" type="presParOf" srcId="{94436D4B-103B-4271-A68D-0E0C125B6827}" destId="{933E3AA3-2AF3-4EE6-AE55-5A53E30FB16D}" srcOrd="0" destOrd="0" presId="urn:microsoft.com/office/officeart/2005/8/layout/hierarchy6"/>
     <dgm:cxn modelId="{D49C2E83-1BC0-4B89-849D-05F36E13B894}" type="presParOf" srcId="{933E3AA3-2AF3-4EE6-AE55-5A53E30FB16D}" destId="{616C74C7-72D5-4F68-AD31-EF0F3D090B69}" srcOrd="0" destOrd="0" presId="urn:microsoft.com/office/officeart/2005/8/layout/hierarchy6"/>
@@ -3653,50 +3774,54 @@
     <dgm:cxn modelId="{56275B75-5A10-4DD9-8F8A-DAAF93EA3F6F}" type="presParOf" srcId="{E283B180-0170-40DC-9C66-43F25FC7E0D9}" destId="{31463D65-F611-491D-ABB3-504BDFBFC329}" srcOrd="1" destOrd="0" presId="urn:microsoft.com/office/officeart/2005/8/layout/hierarchy6"/>
     <dgm:cxn modelId="{2F8B202F-6D8B-4EC9-99AA-66A994E69D48}" type="presParOf" srcId="{31463D65-F611-491D-ABB3-504BDFBFC329}" destId="{1C410DC4-DE26-4848-8CEB-1F788D0EA855}" srcOrd="0" destOrd="0" presId="urn:microsoft.com/office/officeart/2005/8/layout/hierarchy6"/>
     <dgm:cxn modelId="{AC191251-F309-40B1-B00B-3ACFF8D25633}" type="presParOf" srcId="{31463D65-F611-491D-ABB3-504BDFBFC329}" destId="{3804B618-E1CF-46EE-B776-2584621C7CFF}" srcOrd="1" destOrd="0" presId="urn:microsoft.com/office/officeart/2005/8/layout/hierarchy6"/>
-    <dgm:cxn modelId="{7527C798-8FE1-4ECE-9667-911681CB2CFE}" type="presParOf" srcId="{3804B618-E1CF-46EE-B776-2584621C7CFF}" destId="{984FFA6B-DFEA-45A2-BBC1-9E6E25231559}" srcOrd="0" destOrd="0" presId="urn:microsoft.com/office/officeart/2005/8/layout/hierarchy6"/>
-    <dgm:cxn modelId="{9481B9AD-7C0B-4201-A68C-6F5C42B55C5A}" type="presParOf" srcId="{3804B618-E1CF-46EE-B776-2584621C7CFF}" destId="{96E134DE-9EFC-48F1-9B7B-0701EB3F94CE}" srcOrd="1" destOrd="0" presId="urn:microsoft.com/office/officeart/2005/8/layout/hierarchy6"/>
-    <dgm:cxn modelId="{4FF1980F-4DBE-4AD9-AEBF-4277D8C07E36}" type="presParOf" srcId="{96E134DE-9EFC-48F1-9B7B-0701EB3F94CE}" destId="{745E60A5-96EB-4C9B-A54A-6A2C34E89AA8}" srcOrd="0" destOrd="0" presId="urn:microsoft.com/office/officeart/2005/8/layout/hierarchy6"/>
-    <dgm:cxn modelId="{266B2323-96CF-4256-A077-A943FE8534E8}" type="presParOf" srcId="{96E134DE-9EFC-48F1-9B7B-0701EB3F94CE}" destId="{F8B16ECD-8E07-4D62-BB3B-4A3BD3F20C87}" srcOrd="1" destOrd="0" presId="urn:microsoft.com/office/officeart/2005/8/layout/hierarchy6"/>
-    <dgm:cxn modelId="{01ADB32D-0E51-4B26-89A5-FC5D14614FF3}" type="presParOf" srcId="{3804B618-E1CF-46EE-B776-2584621C7CFF}" destId="{74C05282-5E7E-4F7F-91FC-14FE553BFA24}" srcOrd="2" destOrd="0" presId="urn:microsoft.com/office/officeart/2005/8/layout/hierarchy6"/>
-    <dgm:cxn modelId="{D2B9AF29-B071-48DD-8074-DC2BDAD63CE4}" type="presParOf" srcId="{3804B618-E1CF-46EE-B776-2584621C7CFF}" destId="{C445A209-01C2-4180-87AF-322E10EE9690}" srcOrd="3" destOrd="0" presId="urn:microsoft.com/office/officeart/2005/8/layout/hierarchy6"/>
-    <dgm:cxn modelId="{CBACC843-68A3-44A1-8368-33C3D5CBB5D0}" type="presParOf" srcId="{C445A209-01C2-4180-87AF-322E10EE9690}" destId="{301CFCC0-A3C2-4D25-A3AB-A5812BCE6116}" srcOrd="0" destOrd="0" presId="urn:microsoft.com/office/officeart/2005/8/layout/hierarchy6"/>
-    <dgm:cxn modelId="{F6B82DF9-9151-4036-980D-E14699A94C0C}" type="presParOf" srcId="{C445A209-01C2-4180-87AF-322E10EE9690}" destId="{052DF241-59DA-42A6-A33C-731E6015A814}" srcOrd="1" destOrd="0" presId="urn:microsoft.com/office/officeart/2005/8/layout/hierarchy6"/>
-    <dgm:cxn modelId="{0EC9841F-C33D-4EC7-91AD-436A2B512FA0}" type="presParOf" srcId="{052DF241-59DA-42A6-A33C-731E6015A814}" destId="{B03FAA65-1940-44F0-B740-50E65D18FEE0}" srcOrd="0" destOrd="0" presId="urn:microsoft.com/office/officeart/2005/8/layout/hierarchy6"/>
-    <dgm:cxn modelId="{A22F14EF-D877-421C-9D6E-3E93067E359A}" type="presParOf" srcId="{052DF241-59DA-42A6-A33C-731E6015A814}" destId="{67DB9098-70DF-4433-B979-6D1F4306A2E3}" srcOrd="1" destOrd="0" presId="urn:microsoft.com/office/officeart/2005/8/layout/hierarchy6"/>
-    <dgm:cxn modelId="{5C336EB8-3AEC-4F85-9B23-151847B07C93}" type="presParOf" srcId="{67DB9098-70DF-4433-B979-6D1F4306A2E3}" destId="{CD5162E7-5AED-4014-BF64-2E07DBCB0D48}" srcOrd="0" destOrd="0" presId="urn:microsoft.com/office/officeart/2005/8/layout/hierarchy6"/>
-    <dgm:cxn modelId="{EE382DF3-C8A1-4118-BC61-1F85E90F473C}" type="presParOf" srcId="{67DB9098-70DF-4433-B979-6D1F4306A2E3}" destId="{A2A9B929-E8A8-4F85-AA86-59CEA1C22AFF}" srcOrd="1" destOrd="0" presId="urn:microsoft.com/office/officeart/2005/8/layout/hierarchy6"/>
-    <dgm:cxn modelId="{57F62918-7962-4921-8ACD-B91D7A657137}" type="presParOf" srcId="{052DF241-59DA-42A6-A33C-731E6015A814}" destId="{54E4160A-4883-43C7-A186-EE2473CAF138}" srcOrd="2" destOrd="0" presId="urn:microsoft.com/office/officeart/2005/8/layout/hierarchy6"/>
-    <dgm:cxn modelId="{74B2050A-F5FB-4712-9EBE-6B5083535222}" type="presParOf" srcId="{052DF241-59DA-42A6-A33C-731E6015A814}" destId="{107E9CDC-00B9-4220-BC98-A084B8889F5B}" srcOrd="3" destOrd="0" presId="urn:microsoft.com/office/officeart/2005/8/layout/hierarchy6"/>
-    <dgm:cxn modelId="{1D313C4B-9750-4D3D-A1E3-70D5D88AE0CC}" type="presParOf" srcId="{107E9CDC-00B9-4220-BC98-A084B8889F5B}" destId="{ACBF187D-B298-493B-9378-A49660CFA4F5}" srcOrd="0" destOrd="0" presId="urn:microsoft.com/office/officeart/2005/8/layout/hierarchy6"/>
-    <dgm:cxn modelId="{5A173A85-9686-4AB0-9EB7-40F1ACEF4D85}" type="presParOf" srcId="{107E9CDC-00B9-4220-BC98-A084B8889F5B}" destId="{9DD586F1-A7C2-47FF-BECC-3F287A99A1BF}" srcOrd="1" destOrd="0" presId="urn:microsoft.com/office/officeart/2005/8/layout/hierarchy6"/>
-    <dgm:cxn modelId="{A7C17CF6-F9F4-4C3D-ADA7-7DBD0C7AD7BB}" type="presParOf" srcId="{9DD586F1-A7C2-47FF-BECC-3F287A99A1BF}" destId="{E2731B07-784D-463C-8DC4-CADA2C2A364D}" srcOrd="0" destOrd="0" presId="urn:microsoft.com/office/officeart/2005/8/layout/hierarchy6"/>
-    <dgm:cxn modelId="{5589FDDD-9262-4FAC-8F14-4224F355FBAF}" type="presParOf" srcId="{9DD586F1-A7C2-47FF-BECC-3F287A99A1BF}" destId="{F9262D2C-0C3F-497B-9842-43BB7CDEBF14}" srcOrd="1" destOrd="0" presId="urn:microsoft.com/office/officeart/2005/8/layout/hierarchy6"/>
-    <dgm:cxn modelId="{778CFA02-B5B7-4267-A00C-76FD1D3FA4B3}" type="presParOf" srcId="{F9262D2C-0C3F-497B-9842-43BB7CDEBF14}" destId="{551C8D97-06B8-4608-80B9-77A87D830D79}" srcOrd="0" destOrd="0" presId="urn:microsoft.com/office/officeart/2005/8/layout/hierarchy6"/>
-    <dgm:cxn modelId="{5E77DE5C-CB54-4E58-807E-13B52FB44570}" type="presParOf" srcId="{F9262D2C-0C3F-497B-9842-43BB7CDEBF14}" destId="{5F29B618-93A1-46AD-9AED-BB6F180A7AD2}" srcOrd="1" destOrd="0" presId="urn:microsoft.com/office/officeart/2005/8/layout/hierarchy6"/>
-    <dgm:cxn modelId="{D5908BFA-6953-4CB6-8E52-81073210920F}" type="presParOf" srcId="{5F29B618-93A1-46AD-9AED-BB6F180A7AD2}" destId="{735B1600-0AE0-4C52-86D5-3DDECAA76BD6}" srcOrd="0" destOrd="0" presId="urn:microsoft.com/office/officeart/2005/8/layout/hierarchy6"/>
-    <dgm:cxn modelId="{7D09E5F4-B91E-42CB-926A-7B6F0BB55839}" type="presParOf" srcId="{5F29B618-93A1-46AD-9AED-BB6F180A7AD2}" destId="{9A9CCD97-85E7-4D3D-9D41-6F4795AFD8C3}" srcOrd="1" destOrd="0" presId="urn:microsoft.com/office/officeart/2005/8/layout/hierarchy6"/>
-    <dgm:cxn modelId="{5795B81D-E86C-4616-A82E-BBF4B5457ED3}" type="presParOf" srcId="{9A9CCD97-85E7-4D3D-9D41-6F4795AFD8C3}" destId="{CDC29FCC-57FC-4F6C-8E70-B4E2349A3756}" srcOrd="0" destOrd="0" presId="urn:microsoft.com/office/officeart/2005/8/layout/hierarchy6"/>
-    <dgm:cxn modelId="{23E9810E-DD9F-4750-8DB1-A00F7B74A692}" type="presParOf" srcId="{9A9CCD97-85E7-4D3D-9D41-6F4795AFD8C3}" destId="{649C4606-882A-43CE-BBF8-CC45F33DD3AF}" srcOrd="1" destOrd="0" presId="urn:microsoft.com/office/officeart/2005/8/layout/hierarchy6"/>
-    <dgm:cxn modelId="{E95D2045-FCDC-41F2-BCC5-CBAB878C6714}" type="presParOf" srcId="{9DD586F1-A7C2-47FF-BECC-3F287A99A1BF}" destId="{C6E14239-B2CF-4077-812C-740451983D9A}" srcOrd="2" destOrd="0" presId="urn:microsoft.com/office/officeart/2005/8/layout/hierarchy6"/>
-    <dgm:cxn modelId="{E0F0F55A-0D9F-46E6-BEA1-4137BAF561A2}" type="presParOf" srcId="{9DD586F1-A7C2-47FF-BECC-3F287A99A1BF}" destId="{5DE04D59-0FAC-4C9B-9692-65A7B475CAB7}" srcOrd="3" destOrd="0" presId="urn:microsoft.com/office/officeart/2005/8/layout/hierarchy6"/>
-    <dgm:cxn modelId="{C9B1CA10-61F0-476F-9FF7-0BA05D421103}" type="presParOf" srcId="{5DE04D59-0FAC-4C9B-9692-65A7B475CAB7}" destId="{5735EDF4-A7AD-4B64-80AA-677EA9DB7719}" srcOrd="0" destOrd="0" presId="urn:microsoft.com/office/officeart/2005/8/layout/hierarchy6"/>
-    <dgm:cxn modelId="{06D7F8D5-660B-41BE-A0B6-72D1BCD527B7}" type="presParOf" srcId="{5DE04D59-0FAC-4C9B-9692-65A7B475CAB7}" destId="{C99FD1D1-9035-4927-BECD-C05BC3D5B8CC}" srcOrd="1" destOrd="0" presId="urn:microsoft.com/office/officeart/2005/8/layout/hierarchy6"/>
-    <dgm:cxn modelId="{A9A7E62D-241F-4269-B1F9-4A2D732CD784}" type="presParOf" srcId="{C99FD1D1-9035-4927-BECD-C05BC3D5B8CC}" destId="{6705D97B-8B73-4679-92E4-71989C165130}" srcOrd="0" destOrd="0" presId="urn:microsoft.com/office/officeart/2005/8/layout/hierarchy6"/>
-    <dgm:cxn modelId="{02545B3F-6DFF-4FCD-80E2-DD88E0B38AAC}" type="presParOf" srcId="{C99FD1D1-9035-4927-BECD-C05BC3D5B8CC}" destId="{BFEC2E7D-9853-4B7E-B947-B6FDB27E1C38}" srcOrd="1" destOrd="0" presId="urn:microsoft.com/office/officeart/2005/8/layout/hierarchy6"/>
-    <dgm:cxn modelId="{1039CBB2-8B9B-4D7E-9392-22DF421730DF}" type="presParOf" srcId="{BFEC2E7D-9853-4B7E-B947-B6FDB27E1C38}" destId="{6AEF3283-EA6E-4F08-AFE8-7FF6C24E2A7B}" srcOrd="0" destOrd="0" presId="urn:microsoft.com/office/officeart/2005/8/layout/hierarchy6"/>
-    <dgm:cxn modelId="{D42BC957-712B-4BEC-BD1C-8F2F1C9E2461}" type="presParOf" srcId="{BFEC2E7D-9853-4B7E-B947-B6FDB27E1C38}" destId="{8CEFA90B-BC1E-4217-B730-92B6E4ED6BB5}" srcOrd="1" destOrd="0" presId="urn:microsoft.com/office/officeart/2005/8/layout/hierarchy6"/>
-    <dgm:cxn modelId="{F1C8D1B9-BAAC-4218-BD1B-A4EC40785CA3}" type="presParOf" srcId="{C99FD1D1-9035-4927-BECD-C05BC3D5B8CC}" destId="{253CD09B-7E9D-40E5-AB03-11BE59B622B2}" srcOrd="2" destOrd="0" presId="urn:microsoft.com/office/officeart/2005/8/layout/hierarchy6"/>
-    <dgm:cxn modelId="{EF0106EE-239F-4928-ADA2-28643C36F2D7}" type="presParOf" srcId="{C99FD1D1-9035-4927-BECD-C05BC3D5B8CC}" destId="{4755E259-42FF-469B-8092-827FFAE5DF25}" srcOrd="3" destOrd="0" presId="urn:microsoft.com/office/officeart/2005/8/layout/hierarchy6"/>
-    <dgm:cxn modelId="{593CD6A7-75A8-4433-A292-9BD59EE22726}" type="presParOf" srcId="{4755E259-42FF-469B-8092-827FFAE5DF25}" destId="{A18A2D01-0B50-4405-9140-F2AAEF04944F}" srcOrd="0" destOrd="0" presId="urn:microsoft.com/office/officeart/2005/8/layout/hierarchy6"/>
-    <dgm:cxn modelId="{09AC6197-F1D2-4D53-8830-56B6CC2FD912}" type="presParOf" srcId="{4755E259-42FF-469B-8092-827FFAE5DF25}" destId="{8BF533CA-77C6-4BE8-856E-AF2B07FFD314}" srcOrd="1" destOrd="0" presId="urn:microsoft.com/office/officeart/2005/8/layout/hierarchy6"/>
-    <dgm:cxn modelId="{0D3589D5-BB59-40BF-A94A-9CCEC7B7A90B}" type="presParOf" srcId="{C99FD1D1-9035-4927-BECD-C05BC3D5B8CC}" destId="{665E678F-4DCB-4E14-963E-95414606FD48}" srcOrd="4" destOrd="0" presId="urn:microsoft.com/office/officeart/2005/8/layout/hierarchy6"/>
-    <dgm:cxn modelId="{A342C607-457E-459A-8FCF-D39081819A65}" type="presParOf" srcId="{C99FD1D1-9035-4927-BECD-C05BC3D5B8CC}" destId="{FC1B5340-6A08-4CD8-898A-2A310479AD4A}" srcOrd="5" destOrd="0" presId="urn:microsoft.com/office/officeart/2005/8/layout/hierarchy6"/>
-    <dgm:cxn modelId="{CCBB709F-7F5A-47C0-9F44-DFB29DE153C4}" type="presParOf" srcId="{FC1B5340-6A08-4CD8-898A-2A310479AD4A}" destId="{017A3CFE-8238-4539-AE99-3A0F86C1C581}" srcOrd="0" destOrd="0" presId="urn:microsoft.com/office/officeart/2005/8/layout/hierarchy6"/>
-    <dgm:cxn modelId="{D6A5659C-2C0F-4764-B99B-CBEFEFB5BBED}" type="presParOf" srcId="{FC1B5340-6A08-4CD8-898A-2A310479AD4A}" destId="{40BB7641-EE04-4234-AFE8-B422C80646D2}" srcOrd="1" destOrd="0" presId="urn:microsoft.com/office/officeart/2005/8/layout/hierarchy6"/>
-    <dgm:cxn modelId="{F81875B0-CEB1-4A0A-912D-E5D79E9183C8}" type="presParOf" srcId="{052DF241-59DA-42A6-A33C-731E6015A814}" destId="{3CA6FFD6-160A-4145-B246-D10609F9ABF0}" srcOrd="4" destOrd="0" presId="urn:microsoft.com/office/officeart/2005/8/layout/hierarchy6"/>
-    <dgm:cxn modelId="{98A1CF1C-3C3D-404D-B904-FA891C802B9C}" type="presParOf" srcId="{052DF241-59DA-42A6-A33C-731E6015A814}" destId="{ACB65C7F-C219-49D3-AB52-D4520C0C5216}" srcOrd="5" destOrd="0" presId="urn:microsoft.com/office/officeart/2005/8/layout/hierarchy6"/>
-    <dgm:cxn modelId="{D0406E0C-6458-4696-B499-132330C0ED4E}" type="presParOf" srcId="{ACB65C7F-C219-49D3-AB52-D4520C0C5216}" destId="{4AD56071-6DAD-45C9-A9CE-9A2C75C8F850}" srcOrd="0" destOrd="0" presId="urn:microsoft.com/office/officeart/2005/8/layout/hierarchy6"/>
-    <dgm:cxn modelId="{5D351133-546F-4525-99A4-246B6EAD7782}" type="presParOf" srcId="{ACB65C7F-C219-49D3-AB52-D4520C0C5216}" destId="{01AF02C9-D8D7-4FF9-9ECA-DFA95C5DD89E}" srcOrd="1" destOrd="0" presId="urn:microsoft.com/office/officeart/2005/8/layout/hierarchy6"/>
+    <dgm:cxn modelId="{736978A9-28ED-4702-93D7-1665D5E5ECFC}" type="presParOf" srcId="{3804B618-E1CF-46EE-B776-2584621C7CFF}" destId="{17B3F5FB-71A9-4286-A8A2-DD389165186D}" srcOrd="0" destOrd="0" presId="urn:microsoft.com/office/officeart/2005/8/layout/hierarchy6"/>
+    <dgm:cxn modelId="{E9E37BF6-5BD3-45AC-827C-150C1A7653E3}" type="presParOf" srcId="{3804B618-E1CF-46EE-B776-2584621C7CFF}" destId="{053E02EF-5EE4-4894-86BC-76648310A1C6}" srcOrd="1" destOrd="0" presId="urn:microsoft.com/office/officeart/2005/8/layout/hierarchy6"/>
+    <dgm:cxn modelId="{94FF49D8-D583-4BF2-9DF5-839B564A10B1}" type="presParOf" srcId="{053E02EF-5EE4-4894-86BC-76648310A1C6}" destId="{A86792A7-B2E4-4A69-BA2F-295CC4C6D9E4}" srcOrd="0" destOrd="0" presId="urn:microsoft.com/office/officeart/2005/8/layout/hierarchy6"/>
+    <dgm:cxn modelId="{E28507B1-5A53-4AC0-8421-C9E5F7E622E6}" type="presParOf" srcId="{053E02EF-5EE4-4894-86BC-76648310A1C6}" destId="{7CCFE0F6-D88D-41B1-A1B4-FA195E47E336}" srcOrd="1" destOrd="0" presId="urn:microsoft.com/office/officeart/2005/8/layout/hierarchy6"/>
+    <dgm:cxn modelId="{D61AFBD4-87BC-43AD-BA22-F314E2800E42}" type="presParOf" srcId="{3804B618-E1CF-46EE-B776-2584621C7CFF}" destId="{74C05282-5E7E-4F7F-91FC-14FE553BFA24}" srcOrd="2" destOrd="0" presId="urn:microsoft.com/office/officeart/2005/8/layout/hierarchy6"/>
+    <dgm:cxn modelId="{29BCE319-39B7-40B3-9AAC-E3AF914F3B64}" type="presParOf" srcId="{3804B618-E1CF-46EE-B776-2584621C7CFF}" destId="{C445A209-01C2-4180-87AF-322E10EE9690}" srcOrd="3" destOrd="0" presId="urn:microsoft.com/office/officeart/2005/8/layout/hierarchy6"/>
+    <dgm:cxn modelId="{573B1CE7-70E1-4E89-BD18-549FEA36239F}" type="presParOf" srcId="{C445A209-01C2-4180-87AF-322E10EE9690}" destId="{301CFCC0-A3C2-4D25-A3AB-A5812BCE6116}" srcOrd="0" destOrd="0" presId="urn:microsoft.com/office/officeart/2005/8/layout/hierarchy6"/>
+    <dgm:cxn modelId="{5B55C7D9-0553-4745-B95E-59B88B3FFB54}" type="presParOf" srcId="{C445A209-01C2-4180-87AF-322E10EE9690}" destId="{052DF241-59DA-42A6-A33C-731E6015A814}" srcOrd="1" destOrd="0" presId="urn:microsoft.com/office/officeart/2005/8/layout/hierarchy6"/>
+    <dgm:cxn modelId="{08CF25C7-5825-423E-8AFF-AC79C939E9AC}" type="presParOf" srcId="{052DF241-59DA-42A6-A33C-731E6015A814}" destId="{03F7C53C-6D4E-4829-909F-323AB91B1296}" srcOrd="0" destOrd="0" presId="urn:microsoft.com/office/officeart/2005/8/layout/hierarchy6"/>
+    <dgm:cxn modelId="{213729DD-0929-4B1B-B50B-FC2E6D6549A0}" type="presParOf" srcId="{052DF241-59DA-42A6-A33C-731E6015A814}" destId="{34718241-C172-4CE6-8EF3-CE623537E20D}" srcOrd="1" destOrd="0" presId="urn:microsoft.com/office/officeart/2005/8/layout/hierarchy6"/>
+    <dgm:cxn modelId="{2DBD3DDA-DFC8-4515-8E30-3D73D3C620B6}" type="presParOf" srcId="{34718241-C172-4CE6-8EF3-CE623537E20D}" destId="{0ED10509-3646-4A3A-BD1F-1FC9EA9BC892}" srcOrd="0" destOrd="0" presId="urn:microsoft.com/office/officeart/2005/8/layout/hierarchy6"/>
+    <dgm:cxn modelId="{48A7731D-FEF8-4628-9566-10B6CF60F527}" type="presParOf" srcId="{34718241-C172-4CE6-8EF3-CE623537E20D}" destId="{8310FC2B-5B2D-4F51-9CA5-B1218E9CC6B6}" srcOrd="1" destOrd="0" presId="urn:microsoft.com/office/officeart/2005/8/layout/hierarchy6"/>
+    <dgm:cxn modelId="{CF05A497-F05A-43C0-85A6-0A209CBBD333}" type="presParOf" srcId="{052DF241-59DA-42A6-A33C-731E6015A814}" destId="{806F9B24-236B-4F64-BA4A-9CA41091028D}" srcOrd="2" destOrd="0" presId="urn:microsoft.com/office/officeart/2005/8/layout/hierarchy6"/>
+    <dgm:cxn modelId="{B21A7DD8-79BF-4370-9BA6-E5CD41D08F51}" type="presParOf" srcId="{052DF241-59DA-42A6-A33C-731E6015A814}" destId="{7498D7CB-EEDF-4026-B978-ADD0ECF2BC44}" srcOrd="3" destOrd="0" presId="urn:microsoft.com/office/officeart/2005/8/layout/hierarchy6"/>
+    <dgm:cxn modelId="{B25B981A-3598-4515-86A0-DA1191AFDB8E}" type="presParOf" srcId="{7498D7CB-EEDF-4026-B978-ADD0ECF2BC44}" destId="{974B4D1A-519E-4F92-8D77-7280D2BA813B}" srcOrd="0" destOrd="0" presId="urn:microsoft.com/office/officeart/2005/8/layout/hierarchy6"/>
+    <dgm:cxn modelId="{DCA942F6-5B73-4470-B31B-3F81BC2DEC75}" type="presParOf" srcId="{7498D7CB-EEDF-4026-B978-ADD0ECF2BC44}" destId="{6A797896-B2B7-45A5-9A95-26F43D2A9D44}" srcOrd="1" destOrd="0" presId="urn:microsoft.com/office/officeart/2005/8/layout/hierarchy6"/>
+    <dgm:cxn modelId="{B92271C6-1070-4E7D-BF78-4F2BE906F0A0}" type="presParOf" srcId="{052DF241-59DA-42A6-A33C-731E6015A814}" destId="{EF214BF8-97E4-495C-A81E-D90058BB819F}" srcOrd="4" destOrd="0" presId="urn:microsoft.com/office/officeart/2005/8/layout/hierarchy6"/>
+    <dgm:cxn modelId="{9CA9F1BE-8D39-40A5-AE43-F444BAD71127}" type="presParOf" srcId="{052DF241-59DA-42A6-A33C-731E6015A814}" destId="{C460B427-624A-4E66-B901-F89BAFF63F29}" srcOrd="5" destOrd="0" presId="urn:microsoft.com/office/officeart/2005/8/layout/hierarchy6"/>
+    <dgm:cxn modelId="{C535A6C1-454D-48FF-9CD6-2C9D2670A1A7}" type="presParOf" srcId="{C460B427-624A-4E66-B901-F89BAFF63F29}" destId="{5B664757-A1C4-46D2-99E1-C008CF2D30E4}" srcOrd="0" destOrd="0" presId="urn:microsoft.com/office/officeart/2005/8/layout/hierarchy6"/>
+    <dgm:cxn modelId="{D199630F-277C-4519-AF02-C10014F158EF}" type="presParOf" srcId="{C460B427-624A-4E66-B901-F89BAFF63F29}" destId="{D076B563-76F0-4DF3-9F85-786FBDDCF3E7}" srcOrd="1" destOrd="0" presId="urn:microsoft.com/office/officeart/2005/8/layout/hierarchy6"/>
+    <dgm:cxn modelId="{D30C956C-DED2-4D7D-88C3-138E9726C44A}" type="presParOf" srcId="{052DF241-59DA-42A6-A33C-731E6015A814}" destId="{A90C518B-8860-46BC-95CD-F72AFFCFF895}" srcOrd="6" destOrd="0" presId="urn:microsoft.com/office/officeart/2005/8/layout/hierarchy6"/>
+    <dgm:cxn modelId="{A0CACE34-EE35-4981-A8B1-3A0B1F6E535A}" type="presParOf" srcId="{052DF241-59DA-42A6-A33C-731E6015A814}" destId="{ED59822C-E2D1-4176-8121-6A31A6111372}" srcOrd="7" destOrd="0" presId="urn:microsoft.com/office/officeart/2005/8/layout/hierarchy6"/>
+    <dgm:cxn modelId="{D5B83229-73DA-4B7F-8FEA-7AFDF9B73094}" type="presParOf" srcId="{ED59822C-E2D1-4176-8121-6A31A6111372}" destId="{270509E6-01AB-430D-9105-E235618AA76E}" srcOrd="0" destOrd="0" presId="urn:microsoft.com/office/officeart/2005/8/layout/hierarchy6"/>
+    <dgm:cxn modelId="{2741E312-912F-4203-8044-37D1FB720C51}" type="presParOf" srcId="{ED59822C-E2D1-4176-8121-6A31A6111372}" destId="{E00CCC82-EE3A-4751-8E50-267DAC25B875}" srcOrd="1" destOrd="0" presId="urn:microsoft.com/office/officeart/2005/8/layout/hierarchy6"/>
+    <dgm:cxn modelId="{AA035344-CB73-4CDF-84AA-CEE6478A06F3}" type="presParOf" srcId="{E00CCC82-EE3A-4751-8E50-267DAC25B875}" destId="{EDCC23CE-2473-490A-B607-794B4163372A}" srcOrd="0" destOrd="0" presId="urn:microsoft.com/office/officeart/2005/8/layout/hierarchy6"/>
+    <dgm:cxn modelId="{461942AF-DBCC-4B2A-A1C5-91120437CD9B}" type="presParOf" srcId="{E00CCC82-EE3A-4751-8E50-267DAC25B875}" destId="{24322948-074B-44B6-896F-46F662452E47}" srcOrd="1" destOrd="0" presId="urn:microsoft.com/office/officeart/2005/8/layout/hierarchy6"/>
+    <dgm:cxn modelId="{52B1423F-286E-42A1-BDB7-E228D922E6C1}" type="presParOf" srcId="{24322948-074B-44B6-896F-46F662452E47}" destId="{08538414-C536-4829-920E-230292877389}" srcOrd="0" destOrd="0" presId="urn:microsoft.com/office/officeart/2005/8/layout/hierarchy6"/>
+    <dgm:cxn modelId="{68D63B1B-A0A7-44FC-B928-B63EE4568473}" type="presParOf" srcId="{24322948-074B-44B6-896F-46F662452E47}" destId="{006A7682-D8F1-453C-9632-898385E50BFD}" srcOrd="1" destOrd="0" presId="urn:microsoft.com/office/officeart/2005/8/layout/hierarchy6"/>
+    <dgm:cxn modelId="{07D6B2EF-567C-4090-9B58-06B111CBF433}" type="presParOf" srcId="{006A7682-D8F1-453C-9632-898385E50BFD}" destId="{864A409B-14BC-492B-8E30-CCBE9EFC3697}" srcOrd="0" destOrd="0" presId="urn:microsoft.com/office/officeart/2005/8/layout/hierarchy6"/>
+    <dgm:cxn modelId="{E84FF984-CC3A-47B0-A0D0-31CBE51E5898}" type="presParOf" srcId="{006A7682-D8F1-453C-9632-898385E50BFD}" destId="{2292103E-E175-468A-92F3-E5CC334423CB}" srcOrd="1" destOrd="0" presId="urn:microsoft.com/office/officeart/2005/8/layout/hierarchy6"/>
+    <dgm:cxn modelId="{95A1AD83-9535-441E-9F35-CFCF2F9FA99C}" type="presParOf" srcId="{2292103E-E175-468A-92F3-E5CC334423CB}" destId="{88AAC106-EBB7-4C25-95AE-F8316817CDCA}" srcOrd="0" destOrd="0" presId="urn:microsoft.com/office/officeart/2005/8/layout/hierarchy6"/>
+    <dgm:cxn modelId="{DEB56979-3C02-422D-972D-6A70A749778D}" type="presParOf" srcId="{2292103E-E175-468A-92F3-E5CC334423CB}" destId="{5F3E8B95-7231-4D62-B87E-9CFC65285D78}" srcOrd="1" destOrd="0" presId="urn:microsoft.com/office/officeart/2005/8/layout/hierarchy6"/>
+    <dgm:cxn modelId="{6D20D0D3-A0CE-4381-BE3C-BEFCBA094687}" type="presParOf" srcId="{E00CCC82-EE3A-4751-8E50-267DAC25B875}" destId="{1231E146-B097-45D0-999A-D39F0040D400}" srcOrd="2" destOrd="0" presId="urn:microsoft.com/office/officeart/2005/8/layout/hierarchy6"/>
+    <dgm:cxn modelId="{455EC853-4C2D-4349-961A-3A1EC8BDEE5A}" type="presParOf" srcId="{E00CCC82-EE3A-4751-8E50-267DAC25B875}" destId="{0E7BBB43-4E5B-4281-9298-2F6F8A4B43BA}" srcOrd="3" destOrd="0" presId="urn:microsoft.com/office/officeart/2005/8/layout/hierarchy6"/>
+    <dgm:cxn modelId="{34F1D87C-2B4E-4DFF-81CF-611F80C18660}" type="presParOf" srcId="{0E7BBB43-4E5B-4281-9298-2F6F8A4B43BA}" destId="{536B2380-1EF4-4C8E-BE51-39379B52DB89}" srcOrd="0" destOrd="0" presId="urn:microsoft.com/office/officeart/2005/8/layout/hierarchy6"/>
+    <dgm:cxn modelId="{7CFC6496-CCC3-48BA-A544-7C86AE0A21F5}" type="presParOf" srcId="{0E7BBB43-4E5B-4281-9298-2F6F8A4B43BA}" destId="{FEFAED3C-6F5A-490E-BDA8-C8700379DE13}" srcOrd="1" destOrd="0" presId="urn:microsoft.com/office/officeart/2005/8/layout/hierarchy6"/>
+    <dgm:cxn modelId="{03951B8C-6C74-459D-9121-CE1C99C0A056}" type="presParOf" srcId="{FEFAED3C-6F5A-490E-BDA8-C8700379DE13}" destId="{76E06DBF-7832-4049-8F84-70DA68FC4BA3}" srcOrd="0" destOrd="0" presId="urn:microsoft.com/office/officeart/2005/8/layout/hierarchy6"/>
+    <dgm:cxn modelId="{8B5C8087-B868-4C4D-9019-F1C3FED3911E}" type="presParOf" srcId="{FEFAED3C-6F5A-490E-BDA8-C8700379DE13}" destId="{B5C8E100-1E67-492D-8794-25A1F531AF1A}" srcOrd="1" destOrd="0" presId="urn:microsoft.com/office/officeart/2005/8/layout/hierarchy6"/>
+    <dgm:cxn modelId="{E53AA8F8-DC82-4D3A-8D66-80445D7AFD50}" type="presParOf" srcId="{B5C8E100-1E67-492D-8794-25A1F531AF1A}" destId="{898A83C1-449F-4097-9AB6-AC61BDED5285}" srcOrd="0" destOrd="0" presId="urn:microsoft.com/office/officeart/2005/8/layout/hierarchy6"/>
+    <dgm:cxn modelId="{8CF14B9E-95E9-4F2C-B43D-E72F5C343661}" type="presParOf" srcId="{B5C8E100-1E67-492D-8794-25A1F531AF1A}" destId="{9531A339-D7DF-4937-A6C9-A9182732695A}" srcOrd="1" destOrd="0" presId="urn:microsoft.com/office/officeart/2005/8/layout/hierarchy6"/>
+    <dgm:cxn modelId="{060C5060-BBEF-42C9-B03A-9584A4903EB1}" type="presParOf" srcId="{FEFAED3C-6F5A-490E-BDA8-C8700379DE13}" destId="{990F566E-3690-42F2-8AFE-3A97963B6870}" srcOrd="2" destOrd="0" presId="urn:microsoft.com/office/officeart/2005/8/layout/hierarchy6"/>
+    <dgm:cxn modelId="{0F3A310D-6C85-4B14-9BFF-E06308ED0F02}" type="presParOf" srcId="{FEFAED3C-6F5A-490E-BDA8-C8700379DE13}" destId="{C35C5970-8587-44EE-8935-3C46952EBF0F}" srcOrd="3" destOrd="0" presId="urn:microsoft.com/office/officeart/2005/8/layout/hierarchy6"/>
+    <dgm:cxn modelId="{B3BCA637-ACC5-4DCA-A831-109D79DACECD}" type="presParOf" srcId="{C35C5970-8587-44EE-8935-3C46952EBF0F}" destId="{F4745300-4DE8-45C4-BA5B-E69A357A5ECD}" srcOrd="0" destOrd="0" presId="urn:microsoft.com/office/officeart/2005/8/layout/hierarchy6"/>
+    <dgm:cxn modelId="{8FA32F89-1D48-4714-AEFF-2827BDCFCB04}" type="presParOf" srcId="{C35C5970-8587-44EE-8935-3C46952EBF0F}" destId="{7EE276E2-6A0D-46B0-9A2A-FB8DA2B9434E}" srcOrd="1" destOrd="0" presId="urn:microsoft.com/office/officeart/2005/8/layout/hierarchy6"/>
+    <dgm:cxn modelId="{20579AAA-72ED-4469-9083-A266F6162CD3}" type="presParOf" srcId="{FEFAED3C-6F5A-490E-BDA8-C8700379DE13}" destId="{3BC9BB75-2BB8-4FA1-8BED-59E9C8C1489E}" srcOrd="4" destOrd="0" presId="urn:microsoft.com/office/officeart/2005/8/layout/hierarchy6"/>
+    <dgm:cxn modelId="{C4CCE919-1C70-45BD-B476-05ECC0205298}" type="presParOf" srcId="{FEFAED3C-6F5A-490E-BDA8-C8700379DE13}" destId="{9E78B80E-0EA6-43B7-A62D-233300ADB4C9}" srcOrd="5" destOrd="0" presId="urn:microsoft.com/office/officeart/2005/8/layout/hierarchy6"/>
+    <dgm:cxn modelId="{A68EFCA7-C06F-4715-8FF4-99F04B5EC41E}" type="presParOf" srcId="{9E78B80E-0EA6-43B7-A62D-233300ADB4C9}" destId="{2E761711-A85E-4AB5-81D7-02001DD2FB6E}" srcOrd="0" destOrd="0" presId="urn:microsoft.com/office/officeart/2005/8/layout/hierarchy6"/>
+    <dgm:cxn modelId="{11C16C8D-E8F8-4FBF-AF02-6F3D1E347FFD}" type="presParOf" srcId="{9E78B80E-0EA6-43B7-A62D-233300ADB4C9}" destId="{A470777A-C8F5-494F-BCD4-8294A379C492}" srcOrd="1" destOrd="0" presId="urn:microsoft.com/office/officeart/2005/8/layout/hierarchy6"/>
     <dgm:cxn modelId="{58611F67-D8E1-415C-9AEB-55F21125B670}" type="presParOf" srcId="{C7AC09FA-285B-4A53-92AF-67E5F1838A26}" destId="{8689255B-5BA2-4B1C-BB00-6AC5301505FD}" srcOrd="1" destOrd="0" presId="urn:microsoft.com/office/officeart/2005/8/layout/hierarchy6"/>
   </dgm:cxnLst>
   <dgm:bg/>
@@ -3724,7 +3849,7 @@
       </dsp:nvSpPr>
       <dsp:spPr>
         <a:xfrm>
-          <a:off x="4985088" y="1558300"/>
+          <a:off x="5571528" y="1558300"/>
           <a:ext cx="902215" cy="601476"/>
         </a:xfrm>
         <a:prstGeom prst="roundRect">
@@ -3787,7 +3912,7 @@
         </a:p>
       </dsp:txBody>
       <dsp:txXfrm>
-        <a:off x="5002705" y="1575917"/>
+        <a:off x="5589145" y="1575917"/>
         <a:ext cx="866981" cy="566242"/>
       </dsp:txXfrm>
     </dsp:sp>
@@ -3798,8 +3923,8 @@
       </dsp:nvSpPr>
       <dsp:spPr>
         <a:xfrm>
-          <a:off x="5390476" y="2159777"/>
-          <a:ext cx="91440" cy="240590"/>
+          <a:off x="5436196" y="2159777"/>
+          <a:ext cx="586439" cy="240590"/>
         </a:xfrm>
         <a:custGeom>
           <a:avLst/>
@@ -3810,10 +3935,16 @@
           <a:pathLst>
             <a:path>
               <a:moveTo>
-                <a:pt x="45720" y="0"/>
+                <a:pt x="586439" y="0"/>
               </a:moveTo>
               <a:lnTo>
-                <a:pt x="45720" y="240590"/>
+                <a:pt x="586439" y="120295"/>
+              </a:lnTo>
+              <a:lnTo>
+                <a:pt x="0" y="120295"/>
+              </a:lnTo>
+              <a:lnTo>
+                <a:pt x="0" y="240590"/>
               </a:lnTo>
             </a:path>
           </a:pathLst>
@@ -5848,6 +5979,142 @@
         <a:ext cx="866981" cy="566242"/>
       </dsp:txXfrm>
     </dsp:sp>
+    <dsp:sp modelId="{B573DE39-5322-4A35-93A6-4B2AAB201E47}">
+      <dsp:nvSpPr>
+        <dsp:cNvPr id="0" name=""/>
+        <dsp:cNvSpPr/>
+      </dsp:nvSpPr>
+      <dsp:spPr>
+        <a:xfrm>
+          <a:off x="6022636" y="2159777"/>
+          <a:ext cx="586439" cy="240590"/>
+        </a:xfrm>
+        <a:custGeom>
+          <a:avLst/>
+          <a:gdLst/>
+          <a:ahLst/>
+          <a:cxnLst/>
+          <a:rect l="0" t="0" r="0" b="0"/>
+          <a:pathLst>
+            <a:path>
+              <a:moveTo>
+                <a:pt x="0" y="0"/>
+              </a:moveTo>
+              <a:lnTo>
+                <a:pt x="0" y="120295"/>
+              </a:lnTo>
+              <a:lnTo>
+                <a:pt x="586439" y="120295"/>
+              </a:lnTo>
+              <a:lnTo>
+                <a:pt x="586439" y="240590"/>
+              </a:lnTo>
+            </a:path>
+          </a:pathLst>
+        </a:custGeom>
+        <a:noFill/>
+        <a:ln w="12700" cap="flat" cmpd="sng" algn="ctr">
+          <a:solidFill>
+            <a:schemeClr val="accent1">
+              <a:shade val="60000"/>
+              <a:hueOff val="0"/>
+              <a:satOff val="0"/>
+              <a:lumOff val="0"/>
+              <a:alphaOff val="0"/>
+            </a:schemeClr>
+          </a:solidFill>
+          <a:prstDash val="solid"/>
+          <a:miter lim="800000"/>
+        </a:ln>
+        <a:effectLst/>
+      </dsp:spPr>
+      <dsp:style>
+        <a:lnRef idx="2">
+          <a:scrgbClr r="0" g="0" b="0"/>
+        </a:lnRef>
+        <a:fillRef idx="0">
+          <a:scrgbClr r="0" g="0" b="0"/>
+        </a:fillRef>
+        <a:effectRef idx="0">
+          <a:scrgbClr r="0" g="0" b="0"/>
+        </a:effectRef>
+        <a:fontRef idx="minor"/>
+      </dsp:style>
+    </dsp:sp>
+    <dsp:sp modelId="{143F9E9A-7769-47F3-A371-6AD9954F5817}">
+      <dsp:nvSpPr>
+        <dsp:cNvPr id="0" name=""/>
+        <dsp:cNvSpPr/>
+      </dsp:nvSpPr>
+      <dsp:spPr>
+        <a:xfrm>
+          <a:off x="6157968" y="2400368"/>
+          <a:ext cx="902215" cy="601476"/>
+        </a:xfrm>
+        <a:prstGeom prst="roundRect">
+          <a:avLst>
+            <a:gd name="adj" fmla="val 10000"/>
+          </a:avLst>
+        </a:prstGeom>
+        <a:solidFill>
+          <a:schemeClr val="accent1"/>
+        </a:solidFill>
+        <a:ln w="12700" cap="flat" cmpd="sng" algn="ctr">
+          <a:solidFill>
+            <a:schemeClr val="accent1">
+              <a:shade val="50000"/>
+            </a:schemeClr>
+          </a:solidFill>
+          <a:prstDash val="solid"/>
+          <a:miter lim="800000"/>
+        </a:ln>
+        <a:effectLst/>
+      </dsp:spPr>
+      <dsp:style>
+        <a:lnRef idx="2">
+          <a:schemeClr val="accent1">
+            <a:shade val="50000"/>
+          </a:schemeClr>
+        </a:lnRef>
+        <a:fillRef idx="1">
+          <a:schemeClr val="accent1"/>
+        </a:fillRef>
+        <a:effectRef idx="0">
+          <a:schemeClr val="accent1"/>
+        </a:effectRef>
+        <a:fontRef idx="minor">
+          <a:schemeClr val="lt1"/>
+        </a:fontRef>
+      </dsp:style>
+      <dsp:txBody>
+        <a:bodyPr spcFirstLastPara="0" vert="horz" wrap="square" lIns="30480" tIns="30480" rIns="30480" bIns="30480" numCol="1" spcCol="1270" anchor="ctr" anchorCtr="0">
+          <a:noAutofit/>
+        </a:bodyPr>
+        <a:lstStyle/>
+        <a:p>
+          <a:pPr marL="0" lvl="0" indent="0" algn="ctr" defTabSz="355600">
+            <a:lnSpc>
+              <a:spcPct val="90000"/>
+            </a:lnSpc>
+            <a:spcBef>
+              <a:spcPct val="0"/>
+            </a:spcBef>
+            <a:spcAft>
+              <a:spcPct val="35000"/>
+            </a:spcAft>
+            <a:buNone/>
+          </a:pPr>
+          <a:r>
+            <a:rPr lang="en-US" sz="800" kern="1200" dirty="0"/>
+            <a:t>Mutation</a:t>
+          </a:r>
+        </a:p>
+      </dsp:txBody>
+      <dsp:txXfrm>
+        <a:off x="6175585" y="2417985"/>
+        <a:ext cx="866981" cy="566242"/>
+      </dsp:txXfrm>
+    </dsp:sp>
   </dsp:spTree>
 </dsp:drawing>
 </file>
@@ -5867,8 +6134,8 @@
       </dsp:nvSpPr>
       <dsp:spPr>
         <a:xfrm>
-          <a:off x="950298" y="2231"/>
-          <a:ext cx="1169965" cy="779977"/>
+          <a:off x="1059983" y="949346"/>
+          <a:ext cx="814797" cy="543198"/>
         </a:xfrm>
         <a:prstGeom prst="roundRect">
           <a:avLst>
@@ -5906,12 +6173,12 @@
         </a:fontRef>
       </dsp:style>
       <dsp:txBody>
-        <a:bodyPr spcFirstLastPara="0" vert="horz" wrap="square" lIns="38100" tIns="38100" rIns="38100" bIns="38100" numCol="1" spcCol="1270" anchor="ctr" anchorCtr="0">
+        <a:bodyPr spcFirstLastPara="0" vert="horz" wrap="square" lIns="26670" tIns="26670" rIns="26670" bIns="26670" numCol="1" spcCol="1270" anchor="ctr" anchorCtr="0">
           <a:noAutofit/>
         </a:bodyPr>
         <a:lstStyle/>
         <a:p>
-          <a:pPr marL="0" lvl="0" indent="0" algn="ctr" defTabSz="444500">
+          <a:pPr marL="0" lvl="0" indent="0" algn="ctr" defTabSz="311150">
             <a:lnSpc>
               <a:spcPct val="90000"/>
             </a:lnSpc>
@@ -5924,14 +6191,14 @@
             <a:buNone/>
           </a:pPr>
           <a:r>
-            <a:rPr lang="en-US" sz="1000" kern="1200" dirty="0"/>
+            <a:rPr lang="en-US" sz="700" kern="1200" dirty="0"/>
             <a:t>Clients/Population</a:t>
           </a:r>
         </a:p>
       </dsp:txBody>
       <dsp:txXfrm>
-        <a:off x="973143" y="25076"/>
-        <a:ext cx="1124275" cy="734287"/>
+        <a:off x="1075893" y="965256"/>
+        <a:ext cx="782977" cy="511378"/>
       </dsp:txXfrm>
     </dsp:sp>
     <dsp:sp modelId="{7C950FBD-90BC-4A27-B227-A079DE2321D3}">
@@ -5941,8 +6208,8 @@
       </dsp:nvSpPr>
       <dsp:spPr>
         <a:xfrm>
-          <a:off x="1489561" y="782208"/>
-          <a:ext cx="91440" cy="311990"/>
+          <a:off x="1421661" y="1492545"/>
+          <a:ext cx="91440" cy="217279"/>
         </a:xfrm>
         <a:custGeom>
           <a:avLst/>
@@ -5956,7 +6223,7 @@
                 <a:pt x="45720" y="0"/>
               </a:moveTo>
               <a:lnTo>
-                <a:pt x="45720" y="311990"/>
+                <a:pt x="45720" y="217279"/>
               </a:lnTo>
             </a:path>
           </a:pathLst>
@@ -5997,8 +6264,8 @@
       </dsp:nvSpPr>
       <dsp:spPr>
         <a:xfrm>
-          <a:off x="950298" y="1094199"/>
-          <a:ext cx="1169965" cy="779977"/>
+          <a:off x="1059983" y="1709824"/>
+          <a:ext cx="814797" cy="543198"/>
         </a:xfrm>
         <a:prstGeom prst="roundRect">
           <a:avLst>
@@ -6036,12 +6303,12 @@
         </a:fontRef>
       </dsp:style>
       <dsp:txBody>
-        <a:bodyPr spcFirstLastPara="0" vert="horz" wrap="square" lIns="38100" tIns="38100" rIns="38100" bIns="38100" numCol="1" spcCol="1270" anchor="ctr" anchorCtr="0">
+        <a:bodyPr spcFirstLastPara="0" vert="horz" wrap="square" lIns="26670" tIns="26670" rIns="26670" bIns="26670" numCol="1" spcCol="1270" anchor="ctr" anchorCtr="0">
           <a:noAutofit/>
         </a:bodyPr>
         <a:lstStyle/>
         <a:p>
-          <a:pPr marL="0" lvl="0" indent="0" algn="ctr" defTabSz="444500">
+          <a:pPr marL="0" lvl="0" indent="0" algn="ctr" defTabSz="311150">
             <a:lnSpc>
               <a:spcPct val="90000"/>
             </a:lnSpc>
@@ -6054,25 +6321,25 @@
             <a:buNone/>
           </a:pPr>
           <a:r>
-            <a:rPr lang="en-US" sz="1000" kern="1200" dirty="0"/>
+            <a:rPr lang="en-US" sz="700" kern="1200" dirty="0"/>
             <a:t>Species</a:t>
           </a:r>
         </a:p>
       </dsp:txBody>
       <dsp:txXfrm>
-        <a:off x="973143" y="1117044"/>
-        <a:ext cx="1124275" cy="734287"/>
+        <a:off x="1075893" y="1725734"/>
+        <a:ext cx="782977" cy="511378"/>
       </dsp:txXfrm>
     </dsp:sp>
-    <dsp:sp modelId="{984FFA6B-DFEA-45A2-BBC1-9E6E25231559}">
+    <dsp:sp modelId="{17B3F5FB-71A9-4286-A8A2-DD389165186D}">
       <dsp:nvSpPr>
         <dsp:cNvPr id="0" name=""/>
         <dsp:cNvSpPr/>
       </dsp:nvSpPr>
       <dsp:spPr>
         <a:xfrm>
-          <a:off x="774803" y="1874176"/>
-          <a:ext cx="760477" cy="311990"/>
+          <a:off x="937763" y="2253022"/>
+          <a:ext cx="529618" cy="217279"/>
         </a:xfrm>
         <a:custGeom>
           <a:avLst/>
@@ -6083,16 +6350,16 @@
           <a:pathLst>
             <a:path>
               <a:moveTo>
-                <a:pt x="760477" y="0"/>
+                <a:pt x="529618" y="0"/>
               </a:moveTo>
               <a:lnTo>
-                <a:pt x="760477" y="155995"/>
+                <a:pt x="529618" y="108639"/>
               </a:lnTo>
               <a:lnTo>
-                <a:pt x="0" y="155995"/>
+                <a:pt x="0" y="108639"/>
               </a:lnTo>
               <a:lnTo>
-                <a:pt x="0" y="311990"/>
+                <a:pt x="0" y="217279"/>
               </a:lnTo>
             </a:path>
           </a:pathLst>
@@ -6126,15 +6393,15 @@
         <a:fontRef idx="minor"/>
       </dsp:style>
     </dsp:sp>
-    <dsp:sp modelId="{745E60A5-96EB-4C9B-A54A-6A2C34E89AA8}">
+    <dsp:sp modelId="{A86792A7-B2E4-4A69-BA2F-295CC4C6D9E4}">
       <dsp:nvSpPr>
         <dsp:cNvPr id="0" name=""/>
         <dsp:cNvSpPr/>
       </dsp:nvSpPr>
       <dsp:spPr>
         <a:xfrm>
-          <a:off x="189821" y="2186167"/>
-          <a:ext cx="1169965" cy="779977"/>
+          <a:off x="530364" y="2470302"/>
+          <a:ext cx="814797" cy="543198"/>
         </a:xfrm>
         <a:prstGeom prst="roundRect">
           <a:avLst>
@@ -6168,12 +6435,12 @@
         </a:fontRef>
       </dsp:style>
       <dsp:txBody>
-        <a:bodyPr spcFirstLastPara="0" vert="horz" wrap="square" lIns="38100" tIns="38100" rIns="38100" bIns="38100" numCol="1" spcCol="1270" anchor="ctr" anchorCtr="0">
+        <a:bodyPr spcFirstLastPara="0" vert="horz" wrap="square" lIns="26670" tIns="26670" rIns="26670" bIns="26670" numCol="1" spcCol="1270" anchor="ctr" anchorCtr="0">
           <a:noAutofit/>
         </a:bodyPr>
         <a:lstStyle/>
         <a:p>
-          <a:pPr marL="0" lvl="0" indent="0" algn="ctr" defTabSz="444500">
+          <a:pPr marL="0" lvl="0" indent="0" algn="ctr" defTabSz="311150">
             <a:lnSpc>
               <a:spcPct val="90000"/>
             </a:lnSpc>
@@ -6186,14 +6453,15 @@
             <a:buNone/>
           </a:pPr>
           <a:r>
-            <a:rPr lang="en-US" sz="1000" kern="1200" dirty="0"/>
+            <a:rPr lang="en-US" sz="700" kern="1200"/>
             <a:t>Representative</a:t>
           </a:r>
+          <a:endParaRPr lang="en-US" sz="700" kern="1200" dirty="0"/>
         </a:p>
       </dsp:txBody>
       <dsp:txXfrm>
-        <a:off x="212666" y="2209012"/>
-        <a:ext cx="1124275" cy="734287"/>
+        <a:off x="546274" y="2486212"/>
+        <a:ext cx="782977" cy="511378"/>
       </dsp:txXfrm>
     </dsp:sp>
     <dsp:sp modelId="{74C05282-5E7E-4F7F-91FC-14FE553BFA24}">
@@ -6203,8 +6471,8 @@
       </dsp:nvSpPr>
       <dsp:spPr>
         <a:xfrm>
-          <a:off x="1535281" y="1874176"/>
-          <a:ext cx="760477" cy="311990"/>
+          <a:off x="1467381" y="2253022"/>
+          <a:ext cx="529618" cy="217279"/>
         </a:xfrm>
         <a:custGeom>
           <a:avLst/>
@@ -6218,13 +6486,13 @@
                 <a:pt x="0" y="0"/>
               </a:moveTo>
               <a:lnTo>
-                <a:pt x="0" y="155995"/>
+                <a:pt x="0" y="108639"/>
               </a:lnTo>
               <a:lnTo>
-                <a:pt x="760477" y="155995"/>
+                <a:pt x="529618" y="108639"/>
               </a:lnTo>
               <a:lnTo>
-                <a:pt x="760477" y="311990"/>
+                <a:pt x="529618" y="217279"/>
               </a:lnTo>
             </a:path>
           </a:pathLst>
@@ -6265,8 +6533,8 @@
       </dsp:nvSpPr>
       <dsp:spPr>
         <a:xfrm>
-          <a:off x="1710776" y="2186167"/>
-          <a:ext cx="1169965" cy="779977"/>
+          <a:off x="1589601" y="2470302"/>
+          <a:ext cx="814797" cy="543198"/>
         </a:xfrm>
         <a:prstGeom prst="roundRect">
           <a:avLst>
@@ -6304,12 +6572,12 @@
         </a:fontRef>
       </dsp:style>
       <dsp:txBody>
-        <a:bodyPr spcFirstLastPara="0" vert="horz" wrap="square" lIns="38100" tIns="38100" rIns="38100" bIns="38100" numCol="1" spcCol="1270" anchor="ctr" anchorCtr="0">
+        <a:bodyPr spcFirstLastPara="0" vert="horz" wrap="square" lIns="26670" tIns="26670" rIns="26670" bIns="26670" numCol="1" spcCol="1270" anchor="ctr" anchorCtr="0">
           <a:noAutofit/>
         </a:bodyPr>
         <a:lstStyle/>
         <a:p>
-          <a:pPr marL="0" lvl="0" indent="0" algn="ctr" defTabSz="444500">
+          <a:pPr marL="0" lvl="0" indent="0" algn="ctr" defTabSz="311150">
             <a:lnSpc>
               <a:spcPct val="90000"/>
             </a:lnSpc>
@@ -6322,25 +6590,25 @@
             <a:buNone/>
           </a:pPr>
           <a:r>
-            <a:rPr lang="en-US" sz="1000" kern="1200" dirty="0"/>
+            <a:rPr lang="en-US" sz="700" kern="1200" dirty="0"/>
             <a:t>Genome</a:t>
           </a:r>
         </a:p>
       </dsp:txBody>
       <dsp:txXfrm>
-        <a:off x="1733621" y="2209012"/>
-        <a:ext cx="1124275" cy="734287"/>
+        <a:off x="1605511" y="2486212"/>
+        <a:ext cx="782977" cy="511378"/>
       </dsp:txXfrm>
     </dsp:sp>
-    <dsp:sp modelId="{B03FAA65-1940-44F0-B740-50E65D18FEE0}">
+    <dsp:sp modelId="{03F7C53C-6D4E-4829-909F-323AB91B1296}">
       <dsp:nvSpPr>
         <dsp:cNvPr id="0" name=""/>
         <dsp:cNvSpPr/>
       </dsp:nvSpPr>
       <dsp:spPr>
         <a:xfrm>
-          <a:off x="774803" y="2966145"/>
-          <a:ext cx="1520955" cy="311990"/>
+          <a:off x="408144" y="3013500"/>
+          <a:ext cx="1588855" cy="217279"/>
         </a:xfrm>
         <a:custGeom>
           <a:avLst/>
@@ -6351,16 +6619,16 @@
           <a:pathLst>
             <a:path>
               <a:moveTo>
-                <a:pt x="1520955" y="0"/>
+                <a:pt x="1588855" y="0"/>
               </a:moveTo>
               <a:lnTo>
-                <a:pt x="1520955" y="155995"/>
+                <a:pt x="1588855" y="108639"/>
               </a:lnTo>
               <a:lnTo>
-                <a:pt x="0" y="155995"/>
+                <a:pt x="0" y="108639"/>
               </a:lnTo>
               <a:lnTo>
-                <a:pt x="0" y="311990"/>
+                <a:pt x="0" y="217279"/>
               </a:lnTo>
             </a:path>
           </a:pathLst>
@@ -6394,15 +6662,15 @@
         <a:fontRef idx="minor"/>
       </dsp:style>
     </dsp:sp>
-    <dsp:sp modelId="{CD5162E7-5AED-4014-BF64-2E07DBCB0D48}">
+    <dsp:sp modelId="{0ED10509-3646-4A3A-BD1F-1FC9EA9BC892}">
       <dsp:nvSpPr>
         <dsp:cNvPr id="0" name=""/>
         <dsp:cNvSpPr/>
       </dsp:nvSpPr>
       <dsp:spPr>
         <a:xfrm>
-          <a:off x="189821" y="3278135"/>
-          <a:ext cx="1169965" cy="779977"/>
+          <a:off x="746" y="3230780"/>
+          <a:ext cx="814797" cy="543198"/>
         </a:xfrm>
         <a:prstGeom prst="roundRect">
           <a:avLst>
@@ -6436,12 +6704,12 @@
         </a:fontRef>
       </dsp:style>
       <dsp:txBody>
-        <a:bodyPr spcFirstLastPara="0" vert="horz" wrap="square" lIns="38100" tIns="38100" rIns="38100" bIns="38100" numCol="1" spcCol="1270" anchor="ctr" anchorCtr="0">
+        <a:bodyPr spcFirstLastPara="0" vert="horz" wrap="square" lIns="26670" tIns="26670" rIns="26670" bIns="26670" numCol="1" spcCol="1270" anchor="ctr" anchorCtr="0">
           <a:noAutofit/>
         </a:bodyPr>
         <a:lstStyle/>
         <a:p>
-          <a:pPr marL="0" lvl="0" indent="0" algn="ctr" defTabSz="444500">
+          <a:pPr marL="0" lvl="0" indent="0" algn="ctr" defTabSz="311150">
             <a:lnSpc>
               <a:spcPct val="90000"/>
             </a:lnSpc>
@@ -6454,25 +6722,26 @@
             <a:buNone/>
           </a:pPr>
           <a:r>
-            <a:rPr lang="en-US" sz="1000" kern="1200" dirty="0"/>
+            <a:rPr lang="en-US" sz="700" kern="1200"/>
             <a:t>Score</a:t>
           </a:r>
+          <a:endParaRPr lang="en-US" sz="700" kern="1200" dirty="0"/>
         </a:p>
       </dsp:txBody>
       <dsp:txXfrm>
-        <a:off x="212666" y="3300980"/>
-        <a:ext cx="1124275" cy="734287"/>
+        <a:off x="16656" y="3246690"/>
+        <a:ext cx="782977" cy="511378"/>
       </dsp:txXfrm>
     </dsp:sp>
-    <dsp:sp modelId="{54E4160A-4883-43C7-A186-EE2473CAF138}">
+    <dsp:sp modelId="{806F9B24-236B-4F64-BA4A-9CA41091028D}">
       <dsp:nvSpPr>
         <dsp:cNvPr id="0" name=""/>
         <dsp:cNvSpPr/>
       </dsp:nvSpPr>
       <dsp:spPr>
         <a:xfrm>
-          <a:off x="2250039" y="2966145"/>
-          <a:ext cx="91440" cy="311990"/>
+          <a:off x="1467381" y="3013500"/>
+          <a:ext cx="529618" cy="217279"/>
         </a:xfrm>
         <a:custGeom>
           <a:avLst/>
@@ -6483,10 +6752,16 @@
           <a:pathLst>
             <a:path>
               <a:moveTo>
-                <a:pt x="45720" y="0"/>
+                <a:pt x="529618" y="0"/>
               </a:moveTo>
               <a:lnTo>
-                <a:pt x="45720" y="311990"/>
+                <a:pt x="529618" y="108639"/>
+              </a:lnTo>
+              <a:lnTo>
+                <a:pt x="0" y="108639"/>
+              </a:lnTo>
+              <a:lnTo>
+                <a:pt x="0" y="217279"/>
               </a:lnTo>
             </a:path>
           </a:pathLst>
@@ -6520,15 +6795,15 @@
         <a:fontRef idx="minor"/>
       </dsp:style>
     </dsp:sp>
-    <dsp:sp modelId="{ACBF187D-B298-493B-9378-A49660CFA4F5}">
+    <dsp:sp modelId="{974B4D1A-519E-4F92-8D77-7280D2BA813B}">
       <dsp:nvSpPr>
         <dsp:cNvPr id="0" name=""/>
         <dsp:cNvSpPr/>
       </dsp:nvSpPr>
       <dsp:spPr>
         <a:xfrm>
-          <a:off x="1710776" y="3278135"/>
-          <a:ext cx="1169965" cy="779977"/>
+          <a:off x="1059983" y="3230780"/>
+          <a:ext cx="814797" cy="543198"/>
         </a:xfrm>
         <a:prstGeom prst="roundRect">
           <a:avLst>
@@ -6562,12 +6837,12 @@
         </a:fontRef>
       </dsp:style>
       <dsp:txBody>
-        <a:bodyPr spcFirstLastPara="0" vert="horz" wrap="square" lIns="38100" tIns="38100" rIns="38100" bIns="38100" numCol="1" spcCol="1270" anchor="ctr" anchorCtr="0">
+        <a:bodyPr spcFirstLastPara="0" vert="horz" wrap="square" lIns="26670" tIns="26670" rIns="26670" bIns="26670" numCol="1" spcCol="1270" anchor="ctr" anchorCtr="0">
           <a:noAutofit/>
         </a:bodyPr>
         <a:lstStyle/>
         <a:p>
-          <a:pPr marL="0" lvl="0" indent="0" algn="ctr" defTabSz="444500">
+          <a:pPr marL="0" lvl="0" indent="0" algn="ctr" defTabSz="311150">
             <a:lnSpc>
               <a:spcPct val="90000"/>
             </a:lnSpc>
@@ -6580,25 +6855,25 @@
             <a:buNone/>
           </a:pPr>
           <a:r>
-            <a:rPr lang="en-US" sz="1000" kern="1200" dirty="0"/>
-            <a:t>Neat (CNS)</a:t>
+            <a:rPr lang="en-US" sz="700" kern="1200" dirty="0"/>
+            <a:t>Calculator</a:t>
           </a:r>
         </a:p>
       </dsp:txBody>
       <dsp:txXfrm>
-        <a:off x="1733621" y="3300980"/>
-        <a:ext cx="1124275" cy="734287"/>
+        <a:off x="1075893" y="3246690"/>
+        <a:ext cx="782977" cy="511378"/>
       </dsp:txXfrm>
     </dsp:sp>
-    <dsp:sp modelId="{E2731B07-784D-463C-8DC4-CADA2C2A364D}">
+    <dsp:sp modelId="{EF214BF8-97E4-495C-A81E-D90058BB819F}">
       <dsp:nvSpPr>
         <dsp:cNvPr id="0" name=""/>
         <dsp:cNvSpPr/>
       </dsp:nvSpPr>
       <dsp:spPr>
         <a:xfrm>
-          <a:off x="774803" y="4058113"/>
-          <a:ext cx="1520955" cy="311990"/>
+          <a:off x="1997000" y="3013500"/>
+          <a:ext cx="529618" cy="217279"/>
         </a:xfrm>
         <a:custGeom>
           <a:avLst/>
@@ -6609,16 +6884,16 @@
           <a:pathLst>
             <a:path>
               <a:moveTo>
-                <a:pt x="1520955" y="0"/>
+                <a:pt x="0" y="0"/>
               </a:moveTo>
               <a:lnTo>
-                <a:pt x="1520955" y="155995"/>
+                <a:pt x="0" y="108639"/>
               </a:lnTo>
               <a:lnTo>
-                <a:pt x="0" y="155995"/>
+                <a:pt x="529618" y="108639"/>
               </a:lnTo>
               <a:lnTo>
-                <a:pt x="0" y="311990"/>
+                <a:pt x="529618" y="217279"/>
               </a:lnTo>
             </a:path>
           </a:pathLst>
@@ -6652,15 +6927,279 @@
         <a:fontRef idx="minor"/>
       </dsp:style>
     </dsp:sp>
-    <dsp:sp modelId="{551C8D97-06B8-4608-80B9-77A87D830D79}">
+    <dsp:sp modelId="{5B664757-A1C4-46D2-99E1-C008CF2D30E4}">
       <dsp:nvSpPr>
         <dsp:cNvPr id="0" name=""/>
         <dsp:cNvSpPr/>
       </dsp:nvSpPr>
       <dsp:spPr>
         <a:xfrm>
-          <a:off x="189821" y="4370104"/>
-          <a:ext cx="1169965" cy="779977"/>
+          <a:off x="2119220" y="3230780"/>
+          <a:ext cx="814797" cy="543198"/>
+        </a:xfrm>
+        <a:prstGeom prst="roundRect">
+          <a:avLst>
+            <a:gd name="adj" fmla="val 10000"/>
+          </a:avLst>
+        </a:prstGeom>
+        <a:solidFill>
+          <a:schemeClr val="accent1"/>
+        </a:solidFill>
+        <a:ln w="19050" cap="flat" cmpd="sng" algn="ctr">
+          <a:solidFill>
+            <a:schemeClr val="lt1"/>
+          </a:solidFill>
+          <a:prstDash val="solid"/>
+          <a:miter lim="800000"/>
+        </a:ln>
+        <a:effectLst/>
+      </dsp:spPr>
+      <dsp:style>
+        <a:lnRef idx="3">
+          <a:schemeClr val="lt1"/>
+        </a:lnRef>
+        <a:fillRef idx="1">
+          <a:schemeClr val="accent1"/>
+        </a:fillRef>
+        <a:effectRef idx="1">
+          <a:schemeClr val="accent1"/>
+        </a:effectRef>
+        <a:fontRef idx="minor">
+          <a:schemeClr val="lt1"/>
+        </a:fontRef>
+      </dsp:style>
+      <dsp:txBody>
+        <a:bodyPr spcFirstLastPara="0" vert="horz" wrap="square" lIns="26670" tIns="26670" rIns="26670" bIns="26670" numCol="1" spcCol="1270" anchor="ctr" anchorCtr="0">
+          <a:noAutofit/>
+        </a:bodyPr>
+        <a:lstStyle/>
+        <a:p>
+          <a:pPr marL="0" lvl="0" indent="0" algn="ctr" defTabSz="311150">
+            <a:lnSpc>
+              <a:spcPct val="90000"/>
+            </a:lnSpc>
+            <a:spcBef>
+              <a:spcPct val="0"/>
+            </a:spcBef>
+            <a:spcAft>
+              <a:spcPct val="35000"/>
+            </a:spcAft>
+            <a:buNone/>
+          </a:pPr>
+          <a:r>
+            <a:rPr lang="en-US" sz="700" kern="1200" dirty="0"/>
+            <a:t>Mutation</a:t>
+          </a:r>
+        </a:p>
+      </dsp:txBody>
+      <dsp:txXfrm>
+        <a:off x="2135130" y="3246690"/>
+        <a:ext cx="782977" cy="511378"/>
+      </dsp:txXfrm>
+    </dsp:sp>
+    <dsp:sp modelId="{A90C518B-8860-46BC-95CD-F72AFFCFF895}">
+      <dsp:nvSpPr>
+        <dsp:cNvPr id="0" name=""/>
+        <dsp:cNvSpPr/>
+      </dsp:nvSpPr>
+      <dsp:spPr>
+        <a:xfrm>
+          <a:off x="1997000" y="3013500"/>
+          <a:ext cx="1588855" cy="217279"/>
+        </a:xfrm>
+        <a:custGeom>
+          <a:avLst/>
+          <a:gdLst/>
+          <a:ahLst/>
+          <a:cxnLst/>
+          <a:rect l="0" t="0" r="0" b="0"/>
+          <a:pathLst>
+            <a:path>
+              <a:moveTo>
+                <a:pt x="0" y="0"/>
+              </a:moveTo>
+              <a:lnTo>
+                <a:pt x="0" y="108639"/>
+              </a:lnTo>
+              <a:lnTo>
+                <a:pt x="1588855" y="108639"/>
+              </a:lnTo>
+              <a:lnTo>
+                <a:pt x="1588855" y="217279"/>
+              </a:lnTo>
+            </a:path>
+          </a:pathLst>
+        </a:custGeom>
+        <a:noFill/>
+        <a:ln w="12700" cap="flat" cmpd="sng" algn="ctr">
+          <a:solidFill>
+            <a:schemeClr val="accent1">
+              <a:shade val="80000"/>
+              <a:hueOff val="0"/>
+              <a:satOff val="0"/>
+              <a:lumOff val="0"/>
+              <a:alphaOff val="0"/>
+            </a:schemeClr>
+          </a:solidFill>
+          <a:prstDash val="solid"/>
+          <a:miter lim="800000"/>
+        </a:ln>
+        <a:effectLst/>
+      </dsp:spPr>
+      <dsp:style>
+        <a:lnRef idx="2">
+          <a:scrgbClr r="0" g="0" b="0"/>
+        </a:lnRef>
+        <a:fillRef idx="0">
+          <a:scrgbClr r="0" g="0" b="0"/>
+        </a:fillRef>
+        <a:effectRef idx="0">
+          <a:scrgbClr r="0" g="0" b="0"/>
+        </a:effectRef>
+        <a:fontRef idx="minor"/>
+      </dsp:style>
+    </dsp:sp>
+    <dsp:sp modelId="{270509E6-01AB-430D-9105-E235618AA76E}">
+      <dsp:nvSpPr>
+        <dsp:cNvPr id="0" name=""/>
+        <dsp:cNvSpPr/>
+      </dsp:nvSpPr>
+      <dsp:spPr>
+        <a:xfrm>
+          <a:off x="3178457" y="3230780"/>
+          <a:ext cx="814797" cy="543198"/>
+        </a:xfrm>
+        <a:prstGeom prst="roundRect">
+          <a:avLst>
+            <a:gd name="adj" fmla="val 10000"/>
+          </a:avLst>
+        </a:prstGeom>
+        <a:solidFill>
+          <a:schemeClr val="accent1"/>
+        </a:solidFill>
+        <a:ln w="19050" cap="flat" cmpd="sng" algn="ctr">
+          <a:solidFill>
+            <a:schemeClr val="lt1"/>
+          </a:solidFill>
+          <a:prstDash val="solid"/>
+          <a:miter lim="800000"/>
+        </a:ln>
+        <a:effectLst/>
+      </dsp:spPr>
+      <dsp:style>
+        <a:lnRef idx="3">
+          <a:schemeClr val="lt1"/>
+        </a:lnRef>
+        <a:fillRef idx="1">
+          <a:schemeClr val="accent1"/>
+        </a:fillRef>
+        <a:effectRef idx="1">
+          <a:schemeClr val="accent1"/>
+        </a:effectRef>
+        <a:fontRef idx="minor">
+          <a:schemeClr val="lt1"/>
+        </a:fontRef>
+      </dsp:style>
+      <dsp:txBody>
+        <a:bodyPr spcFirstLastPara="0" vert="horz" wrap="square" lIns="26670" tIns="26670" rIns="26670" bIns="26670" numCol="1" spcCol="1270" anchor="ctr" anchorCtr="0">
+          <a:noAutofit/>
+        </a:bodyPr>
+        <a:lstStyle/>
+        <a:p>
+          <a:pPr marL="0" lvl="0" indent="0" algn="ctr" defTabSz="311150">
+            <a:lnSpc>
+              <a:spcPct val="90000"/>
+            </a:lnSpc>
+            <a:spcBef>
+              <a:spcPct val="0"/>
+            </a:spcBef>
+            <a:spcAft>
+              <a:spcPct val="35000"/>
+            </a:spcAft>
+            <a:buNone/>
+          </a:pPr>
+          <a:r>
+            <a:rPr lang="en-US" sz="700" kern="1200" dirty="0"/>
+            <a:t>Neat (CNS)</a:t>
+          </a:r>
+        </a:p>
+      </dsp:txBody>
+      <dsp:txXfrm>
+        <a:off x="3194367" y="3246690"/>
+        <a:ext cx="782977" cy="511378"/>
+      </dsp:txXfrm>
+    </dsp:sp>
+    <dsp:sp modelId="{EDCC23CE-2473-490A-B607-794B4163372A}">
+      <dsp:nvSpPr>
+        <dsp:cNvPr id="0" name=""/>
+        <dsp:cNvSpPr/>
+      </dsp:nvSpPr>
+      <dsp:spPr>
+        <a:xfrm>
+          <a:off x="2526618" y="3773978"/>
+          <a:ext cx="1059237" cy="217279"/>
+        </a:xfrm>
+        <a:custGeom>
+          <a:avLst/>
+          <a:gdLst/>
+          <a:ahLst/>
+          <a:cxnLst/>
+          <a:rect l="0" t="0" r="0" b="0"/>
+          <a:pathLst>
+            <a:path>
+              <a:moveTo>
+                <a:pt x="1059237" y="0"/>
+              </a:moveTo>
+              <a:lnTo>
+                <a:pt x="1059237" y="108639"/>
+              </a:lnTo>
+              <a:lnTo>
+                <a:pt x="0" y="108639"/>
+              </a:lnTo>
+              <a:lnTo>
+                <a:pt x="0" y="217279"/>
+              </a:lnTo>
+            </a:path>
+          </a:pathLst>
+        </a:custGeom>
+        <a:noFill/>
+        <a:ln w="12700" cap="flat" cmpd="sng" algn="ctr">
+          <a:solidFill>
+            <a:schemeClr val="accent1">
+              <a:shade val="80000"/>
+              <a:hueOff val="0"/>
+              <a:satOff val="0"/>
+              <a:lumOff val="0"/>
+              <a:alphaOff val="0"/>
+            </a:schemeClr>
+          </a:solidFill>
+          <a:prstDash val="solid"/>
+          <a:miter lim="800000"/>
+        </a:ln>
+        <a:effectLst/>
+      </dsp:spPr>
+      <dsp:style>
+        <a:lnRef idx="2">
+          <a:scrgbClr r="0" g="0" b="0"/>
+        </a:lnRef>
+        <a:fillRef idx="0">
+          <a:scrgbClr r="0" g="0" b="0"/>
+        </a:fillRef>
+        <a:effectRef idx="0">
+          <a:scrgbClr r="0" g="0" b="0"/>
+        </a:effectRef>
+        <a:fontRef idx="minor"/>
+      </dsp:style>
+    </dsp:sp>
+    <dsp:sp modelId="{08538414-C536-4829-920E-230292877389}">
+      <dsp:nvSpPr>
+        <dsp:cNvPr id="0" name=""/>
+        <dsp:cNvSpPr/>
+      </dsp:nvSpPr>
+      <dsp:spPr>
+        <a:xfrm>
+          <a:off x="2119220" y="3991258"/>
+          <a:ext cx="814797" cy="543198"/>
         </a:xfrm>
         <a:prstGeom prst="roundRect">
           <a:avLst>
@@ -6704,12 +7243,12 @@
         </a:fontRef>
       </dsp:style>
       <dsp:txBody>
-        <a:bodyPr spcFirstLastPara="0" vert="horz" wrap="square" lIns="38100" tIns="38100" rIns="38100" bIns="38100" numCol="1" spcCol="1270" anchor="ctr" anchorCtr="0">
+        <a:bodyPr spcFirstLastPara="0" vert="horz" wrap="square" lIns="26670" tIns="26670" rIns="26670" bIns="26670" numCol="1" spcCol="1270" anchor="ctr" anchorCtr="0">
           <a:noAutofit/>
         </a:bodyPr>
         <a:lstStyle/>
         <a:p>
-          <a:pPr marL="0" lvl="0" indent="0" algn="ctr" defTabSz="444500">
+          <a:pPr marL="0" lvl="0" indent="0" algn="ctr" defTabSz="311150">
             <a:lnSpc>
               <a:spcPct val="90000"/>
             </a:lnSpc>
@@ -6722,25 +7261,25 @@
             <a:buNone/>
           </a:pPr>
           <a:r>
-            <a:rPr lang="en-US" sz="1000" kern="1200" dirty="0"/>
+            <a:rPr lang="en-US" sz="700" kern="1200" dirty="0"/>
             <a:t>Nodes</a:t>
           </a:r>
         </a:p>
       </dsp:txBody>
       <dsp:txXfrm>
-        <a:off x="212666" y="4392949"/>
-        <a:ext cx="1124275" cy="734287"/>
+        <a:off x="2135130" y="4007168"/>
+        <a:ext cx="782977" cy="511378"/>
       </dsp:txXfrm>
     </dsp:sp>
-    <dsp:sp modelId="{735B1600-0AE0-4C52-86D5-3DDECAA76BD6}">
+    <dsp:sp modelId="{864A409B-14BC-492B-8E30-CCBE9EFC3697}">
       <dsp:nvSpPr>
         <dsp:cNvPr id="0" name=""/>
         <dsp:cNvSpPr/>
       </dsp:nvSpPr>
       <dsp:spPr>
         <a:xfrm>
-          <a:off x="729083" y="5150081"/>
-          <a:ext cx="91440" cy="311990"/>
+          <a:off x="2480898" y="4534456"/>
+          <a:ext cx="91440" cy="217279"/>
         </a:xfrm>
         <a:custGeom>
           <a:avLst/>
@@ -6754,7 +7293,7 @@
                 <a:pt x="45720" y="0"/>
               </a:moveTo>
               <a:lnTo>
-                <a:pt x="45720" y="311990"/>
+                <a:pt x="45720" y="217279"/>
               </a:lnTo>
             </a:path>
           </a:pathLst>
@@ -6788,15 +7327,15 @@
         <a:fontRef idx="minor"/>
       </dsp:style>
     </dsp:sp>
-    <dsp:sp modelId="{CDC29FCC-57FC-4F6C-8E70-B4E2349A3756}">
+    <dsp:sp modelId="{88AAC106-EBB7-4C25-95AE-F8316817CDCA}">
       <dsp:nvSpPr>
         <dsp:cNvPr id="0" name=""/>
         <dsp:cNvSpPr/>
       </dsp:nvSpPr>
       <dsp:spPr>
         <a:xfrm>
-          <a:off x="189821" y="5462072"/>
-          <a:ext cx="1169965" cy="779977"/>
+          <a:off x="2119220" y="4751735"/>
+          <a:ext cx="814797" cy="543198"/>
         </a:xfrm>
         <a:prstGeom prst="roundRect">
           <a:avLst>
@@ -6840,12 +7379,12 @@
         </a:fontRef>
       </dsp:style>
       <dsp:txBody>
-        <a:bodyPr spcFirstLastPara="0" vert="horz" wrap="square" lIns="38100" tIns="38100" rIns="38100" bIns="38100" numCol="1" spcCol="1270" anchor="ctr" anchorCtr="0">
+        <a:bodyPr spcFirstLastPara="0" vert="horz" wrap="square" lIns="26670" tIns="26670" rIns="26670" bIns="26670" numCol="1" spcCol="1270" anchor="ctr" anchorCtr="0">
           <a:noAutofit/>
         </a:bodyPr>
         <a:lstStyle/>
         <a:p>
-          <a:pPr marL="0" lvl="0" indent="0" algn="ctr" defTabSz="444500">
+          <a:pPr marL="0" lvl="0" indent="0" algn="ctr" defTabSz="311150">
             <a:lnSpc>
               <a:spcPct val="90000"/>
             </a:lnSpc>
@@ -6858,25 +7397,25 @@
             <a:buNone/>
           </a:pPr>
           <a:r>
-            <a:rPr lang="en-US" sz="1000" kern="1200" dirty="0"/>
+            <a:rPr lang="en-US" sz="700" kern="1200" dirty="0"/>
             <a:t>Innovation Number</a:t>
           </a:r>
         </a:p>
       </dsp:txBody>
       <dsp:txXfrm>
-        <a:off x="212666" y="5484917"/>
-        <a:ext cx="1124275" cy="734287"/>
+        <a:off x="2135130" y="4767645"/>
+        <a:ext cx="782977" cy="511378"/>
       </dsp:txXfrm>
     </dsp:sp>
-    <dsp:sp modelId="{C6E14239-B2CF-4077-812C-740451983D9A}">
+    <dsp:sp modelId="{1231E146-B097-45D0-999A-D39F0040D400}">
       <dsp:nvSpPr>
         <dsp:cNvPr id="0" name=""/>
         <dsp:cNvSpPr/>
       </dsp:nvSpPr>
       <dsp:spPr>
         <a:xfrm>
-          <a:off x="2295759" y="4058113"/>
-          <a:ext cx="1520955" cy="311990"/>
+          <a:off x="3585856" y="3773978"/>
+          <a:ext cx="1059237" cy="217279"/>
         </a:xfrm>
         <a:custGeom>
           <a:avLst/>
@@ -6890,13 +7429,13 @@
                 <a:pt x="0" y="0"/>
               </a:moveTo>
               <a:lnTo>
-                <a:pt x="0" y="155995"/>
+                <a:pt x="0" y="108639"/>
               </a:lnTo>
               <a:lnTo>
-                <a:pt x="1520955" y="155995"/>
+                <a:pt x="1059237" y="108639"/>
               </a:lnTo>
               <a:lnTo>
-                <a:pt x="1520955" y="311990"/>
+                <a:pt x="1059237" y="217279"/>
               </a:lnTo>
             </a:path>
           </a:pathLst>
@@ -6930,15 +7469,15 @@
         <a:fontRef idx="minor"/>
       </dsp:style>
     </dsp:sp>
-    <dsp:sp modelId="{5735EDF4-A7AD-4B64-80AA-677EA9DB7719}">
+    <dsp:sp modelId="{536B2380-1EF4-4C8E-BE51-39379B52DB89}">
       <dsp:nvSpPr>
         <dsp:cNvPr id="0" name=""/>
         <dsp:cNvSpPr/>
       </dsp:nvSpPr>
       <dsp:spPr>
         <a:xfrm>
-          <a:off x="3231732" y="4370104"/>
-          <a:ext cx="1169965" cy="779977"/>
+          <a:off x="4237694" y="3991258"/>
+          <a:ext cx="814797" cy="543198"/>
         </a:xfrm>
         <a:prstGeom prst="roundRect">
           <a:avLst>
@@ -6982,12 +7521,12 @@
         </a:fontRef>
       </dsp:style>
       <dsp:txBody>
-        <a:bodyPr spcFirstLastPara="0" vert="horz" wrap="square" lIns="38100" tIns="38100" rIns="38100" bIns="38100" numCol="1" spcCol="1270" anchor="ctr" anchorCtr="0">
+        <a:bodyPr spcFirstLastPara="0" vert="horz" wrap="square" lIns="26670" tIns="26670" rIns="26670" bIns="26670" numCol="1" spcCol="1270" anchor="ctr" anchorCtr="0">
           <a:noAutofit/>
         </a:bodyPr>
         <a:lstStyle/>
         <a:p>
-          <a:pPr marL="0" lvl="0" indent="0" algn="ctr" defTabSz="444500">
+          <a:pPr marL="0" lvl="0" indent="0" algn="ctr" defTabSz="311150">
             <a:lnSpc>
               <a:spcPct val="90000"/>
             </a:lnSpc>
@@ -7000,25 +7539,25 @@
             <a:buNone/>
           </a:pPr>
           <a:r>
-            <a:rPr lang="en-US" sz="1000" kern="1200" dirty="0"/>
+            <a:rPr lang="en-US" sz="700" kern="1200" dirty="0"/>
             <a:t>Connections</a:t>
           </a:r>
         </a:p>
       </dsp:txBody>
       <dsp:txXfrm>
-        <a:off x="3254577" y="4392949"/>
-        <a:ext cx="1124275" cy="734287"/>
+        <a:off x="4253604" y="4007168"/>
+        <a:ext cx="782977" cy="511378"/>
       </dsp:txXfrm>
     </dsp:sp>
-    <dsp:sp modelId="{6705D97B-8B73-4679-92E4-71989C165130}">
+    <dsp:sp modelId="{76E06DBF-7832-4049-8F84-70DA68FC4BA3}">
       <dsp:nvSpPr>
         <dsp:cNvPr id="0" name=""/>
         <dsp:cNvSpPr/>
       </dsp:nvSpPr>
       <dsp:spPr>
         <a:xfrm>
-          <a:off x="2295759" y="5150081"/>
-          <a:ext cx="1520955" cy="311990"/>
+          <a:off x="3585856" y="4534456"/>
+          <a:ext cx="1059237" cy="217279"/>
         </a:xfrm>
         <a:custGeom>
           <a:avLst/>
@@ -7029,16 +7568,16 @@
           <a:pathLst>
             <a:path>
               <a:moveTo>
-                <a:pt x="1520955" y="0"/>
+                <a:pt x="1059237" y="0"/>
               </a:moveTo>
               <a:lnTo>
-                <a:pt x="1520955" y="155995"/>
+                <a:pt x="1059237" y="108639"/>
               </a:lnTo>
               <a:lnTo>
-                <a:pt x="0" y="155995"/>
+                <a:pt x="0" y="108639"/>
               </a:lnTo>
               <a:lnTo>
-                <a:pt x="0" y="311990"/>
+                <a:pt x="0" y="217279"/>
               </a:lnTo>
             </a:path>
           </a:pathLst>
@@ -7072,15 +7611,15 @@
         <a:fontRef idx="minor"/>
       </dsp:style>
     </dsp:sp>
-    <dsp:sp modelId="{6AEF3283-EA6E-4F08-AFE8-7FF6C24E2A7B}">
+    <dsp:sp modelId="{898A83C1-449F-4097-9AB6-AC61BDED5285}">
       <dsp:nvSpPr>
         <dsp:cNvPr id="0" name=""/>
         <dsp:cNvSpPr/>
       </dsp:nvSpPr>
       <dsp:spPr>
         <a:xfrm>
-          <a:off x="1710776" y="5462072"/>
-          <a:ext cx="1169965" cy="779977"/>
+          <a:off x="3178457" y="4751735"/>
+          <a:ext cx="814797" cy="543198"/>
         </a:xfrm>
         <a:prstGeom prst="roundRect">
           <a:avLst>
@@ -7124,12 +7663,12 @@
         </a:fontRef>
       </dsp:style>
       <dsp:txBody>
-        <a:bodyPr spcFirstLastPara="0" vert="horz" wrap="square" lIns="38100" tIns="38100" rIns="38100" bIns="38100" numCol="1" spcCol="1270" anchor="ctr" anchorCtr="0">
+        <a:bodyPr spcFirstLastPara="0" vert="horz" wrap="square" lIns="26670" tIns="26670" rIns="26670" bIns="26670" numCol="1" spcCol="1270" anchor="ctr" anchorCtr="0">
           <a:noAutofit/>
         </a:bodyPr>
         <a:lstStyle/>
         <a:p>
-          <a:pPr marL="0" lvl="0" indent="0" algn="ctr" defTabSz="444500">
+          <a:pPr marL="0" lvl="0" indent="0" algn="ctr" defTabSz="311150">
             <a:lnSpc>
               <a:spcPct val="90000"/>
             </a:lnSpc>
@@ -7142,25 +7681,25 @@
             <a:buNone/>
           </a:pPr>
           <a:r>
-            <a:rPr lang="en-US" sz="1000" kern="1200" dirty="0"/>
+            <a:rPr lang="en-US" sz="700" kern="1200" dirty="0"/>
             <a:t>From</a:t>
           </a:r>
         </a:p>
       </dsp:txBody>
       <dsp:txXfrm>
-        <a:off x="1733621" y="5484917"/>
-        <a:ext cx="1124275" cy="734287"/>
+        <a:off x="3194367" y="4767645"/>
+        <a:ext cx="782977" cy="511378"/>
       </dsp:txXfrm>
     </dsp:sp>
-    <dsp:sp modelId="{253CD09B-7E9D-40E5-AB03-11BE59B622B2}">
+    <dsp:sp modelId="{990F566E-3690-42F2-8AFE-3A97963B6870}">
       <dsp:nvSpPr>
         <dsp:cNvPr id="0" name=""/>
         <dsp:cNvSpPr/>
       </dsp:nvSpPr>
       <dsp:spPr>
         <a:xfrm>
-          <a:off x="3770995" y="5150081"/>
-          <a:ext cx="91440" cy="311990"/>
+          <a:off x="4599373" y="4534456"/>
+          <a:ext cx="91440" cy="217279"/>
         </a:xfrm>
         <a:custGeom>
           <a:avLst/>
@@ -7174,7 +7713,7 @@
                 <a:pt x="45720" y="0"/>
               </a:moveTo>
               <a:lnTo>
-                <a:pt x="45720" y="311990"/>
+                <a:pt x="45720" y="217279"/>
               </a:lnTo>
             </a:path>
           </a:pathLst>
@@ -7208,15 +7747,15 @@
         <a:fontRef idx="minor"/>
       </dsp:style>
     </dsp:sp>
-    <dsp:sp modelId="{A18A2D01-0B50-4405-9140-F2AAEF04944F}">
+    <dsp:sp modelId="{F4745300-4DE8-45C4-BA5B-E69A357A5ECD}">
       <dsp:nvSpPr>
         <dsp:cNvPr id="0" name=""/>
         <dsp:cNvSpPr/>
       </dsp:nvSpPr>
       <dsp:spPr>
         <a:xfrm>
-          <a:off x="3231732" y="5462072"/>
-          <a:ext cx="1169965" cy="779977"/>
+          <a:off x="4237694" y="4751735"/>
+          <a:ext cx="814797" cy="543198"/>
         </a:xfrm>
         <a:prstGeom prst="roundRect">
           <a:avLst>
@@ -7260,12 +7799,12 @@
         </a:fontRef>
       </dsp:style>
       <dsp:txBody>
-        <a:bodyPr spcFirstLastPara="0" vert="horz" wrap="square" lIns="38100" tIns="38100" rIns="38100" bIns="38100" numCol="1" spcCol="1270" anchor="ctr" anchorCtr="0">
+        <a:bodyPr spcFirstLastPara="0" vert="horz" wrap="square" lIns="26670" tIns="26670" rIns="26670" bIns="26670" numCol="1" spcCol="1270" anchor="ctr" anchorCtr="0">
           <a:noAutofit/>
         </a:bodyPr>
         <a:lstStyle/>
         <a:p>
-          <a:pPr marL="0" lvl="0" indent="0" algn="ctr" defTabSz="444500">
+          <a:pPr marL="0" lvl="0" indent="0" algn="ctr" defTabSz="311150">
             <a:lnSpc>
               <a:spcPct val="90000"/>
             </a:lnSpc>
@@ -7278,25 +7817,25 @@
             <a:buNone/>
           </a:pPr>
           <a:r>
-            <a:rPr lang="en-US" sz="1000" kern="1200" dirty="0"/>
+            <a:rPr lang="en-US" sz="700" kern="1200" dirty="0"/>
             <a:t>To</a:t>
           </a:r>
         </a:p>
       </dsp:txBody>
       <dsp:txXfrm>
-        <a:off x="3254577" y="5484917"/>
-        <a:ext cx="1124275" cy="734287"/>
+        <a:off x="4253604" y="4767645"/>
+        <a:ext cx="782977" cy="511378"/>
       </dsp:txXfrm>
     </dsp:sp>
-    <dsp:sp modelId="{665E678F-4DCB-4E14-963E-95414606FD48}">
+    <dsp:sp modelId="{3BC9BB75-2BB8-4FA1-8BED-59E9C8C1489E}">
       <dsp:nvSpPr>
         <dsp:cNvPr id="0" name=""/>
         <dsp:cNvSpPr/>
       </dsp:nvSpPr>
       <dsp:spPr>
         <a:xfrm>
-          <a:off x="3816715" y="5150081"/>
-          <a:ext cx="1520955" cy="311990"/>
+          <a:off x="4645093" y="4534456"/>
+          <a:ext cx="1059237" cy="217279"/>
         </a:xfrm>
         <a:custGeom>
           <a:avLst/>
@@ -7310,13 +7849,13 @@
                 <a:pt x="0" y="0"/>
               </a:moveTo>
               <a:lnTo>
-                <a:pt x="0" y="155995"/>
+                <a:pt x="0" y="108639"/>
               </a:lnTo>
               <a:lnTo>
-                <a:pt x="1520955" y="155995"/>
+                <a:pt x="1059237" y="108639"/>
               </a:lnTo>
               <a:lnTo>
-                <a:pt x="1520955" y="311990"/>
+                <a:pt x="1059237" y="217279"/>
               </a:lnTo>
             </a:path>
           </a:pathLst>
@@ -7350,15 +7889,15 @@
         <a:fontRef idx="minor"/>
       </dsp:style>
     </dsp:sp>
-    <dsp:sp modelId="{017A3CFE-8238-4539-AE99-3A0F86C1C581}">
+    <dsp:sp modelId="{2E761711-A85E-4AB5-81D7-02001DD2FB6E}">
       <dsp:nvSpPr>
         <dsp:cNvPr id="0" name=""/>
         <dsp:cNvSpPr/>
       </dsp:nvSpPr>
       <dsp:spPr>
         <a:xfrm>
-          <a:off x="4752688" y="5462072"/>
-          <a:ext cx="1169965" cy="779977"/>
+          <a:off x="5296931" y="4751735"/>
+          <a:ext cx="814797" cy="543198"/>
         </a:xfrm>
         <a:prstGeom prst="roundRect">
           <a:avLst>
@@ -7402,12 +7941,12 @@
         </a:fontRef>
       </dsp:style>
       <dsp:txBody>
-        <a:bodyPr spcFirstLastPara="0" vert="horz" wrap="square" lIns="38100" tIns="38100" rIns="38100" bIns="38100" numCol="1" spcCol="1270" anchor="ctr" anchorCtr="0">
+        <a:bodyPr spcFirstLastPara="0" vert="horz" wrap="square" lIns="26670" tIns="26670" rIns="26670" bIns="26670" numCol="1" spcCol="1270" anchor="ctr" anchorCtr="0">
           <a:noAutofit/>
         </a:bodyPr>
         <a:lstStyle/>
         <a:p>
-          <a:pPr marL="0" lvl="0" indent="0" algn="ctr" defTabSz="444500">
+          <a:pPr marL="0" lvl="0" indent="0" algn="ctr" defTabSz="311150">
             <a:lnSpc>
               <a:spcPct val="90000"/>
             </a:lnSpc>
@@ -7420,146 +7959,15 @@
             <a:buNone/>
           </a:pPr>
           <a:r>
-            <a:rPr lang="en-US" sz="1000" kern="1200" dirty="0"/>
+            <a:rPr lang="en-US" sz="700" kern="1200" dirty="0"/>
             <a:t>Weight</a:t>
           </a:r>
+          <a:endParaRPr lang="en-US" sz="700" kern="1200"/>
         </a:p>
       </dsp:txBody>
       <dsp:txXfrm>
-        <a:off x="4775533" y="5484917"/>
-        <a:ext cx="1124275" cy="734287"/>
-      </dsp:txXfrm>
-    </dsp:sp>
-    <dsp:sp modelId="{3CA6FFD6-160A-4145-B246-D10609F9ABF0}">
-      <dsp:nvSpPr>
-        <dsp:cNvPr id="0" name=""/>
-        <dsp:cNvSpPr/>
-      </dsp:nvSpPr>
-      <dsp:spPr>
-        <a:xfrm>
-          <a:off x="2295759" y="2966145"/>
-          <a:ext cx="1520955" cy="311990"/>
-        </a:xfrm>
-        <a:custGeom>
-          <a:avLst/>
-          <a:gdLst/>
-          <a:ahLst/>
-          <a:cxnLst/>
-          <a:rect l="0" t="0" r="0" b="0"/>
-          <a:pathLst>
-            <a:path>
-              <a:moveTo>
-                <a:pt x="0" y="0"/>
-              </a:moveTo>
-              <a:lnTo>
-                <a:pt x="0" y="155995"/>
-              </a:lnTo>
-              <a:lnTo>
-                <a:pt x="1520955" y="155995"/>
-              </a:lnTo>
-              <a:lnTo>
-                <a:pt x="1520955" y="311990"/>
-              </a:lnTo>
-            </a:path>
-          </a:pathLst>
-        </a:custGeom>
-        <a:noFill/>
-        <a:ln w="12700" cap="flat" cmpd="sng" algn="ctr">
-          <a:solidFill>
-            <a:schemeClr val="accent1">
-              <a:shade val="80000"/>
-              <a:hueOff val="0"/>
-              <a:satOff val="0"/>
-              <a:lumOff val="0"/>
-              <a:alphaOff val="0"/>
-            </a:schemeClr>
-          </a:solidFill>
-          <a:prstDash val="solid"/>
-          <a:miter lim="800000"/>
-        </a:ln>
-        <a:effectLst/>
-      </dsp:spPr>
-      <dsp:style>
-        <a:lnRef idx="2">
-          <a:scrgbClr r="0" g="0" b="0"/>
-        </a:lnRef>
-        <a:fillRef idx="0">
-          <a:scrgbClr r="0" g="0" b="0"/>
-        </a:fillRef>
-        <a:effectRef idx="0">
-          <a:scrgbClr r="0" g="0" b="0"/>
-        </a:effectRef>
-        <a:fontRef idx="minor"/>
-      </dsp:style>
-    </dsp:sp>
-    <dsp:sp modelId="{4AD56071-6DAD-45C9-A9CE-9A2C75C8F850}">
-      <dsp:nvSpPr>
-        <dsp:cNvPr id="0" name=""/>
-        <dsp:cNvSpPr/>
-      </dsp:nvSpPr>
-      <dsp:spPr>
-        <a:xfrm>
-          <a:off x="3231732" y="3278135"/>
-          <a:ext cx="1169965" cy="779977"/>
-        </a:xfrm>
-        <a:prstGeom prst="roundRect">
-          <a:avLst>
-            <a:gd name="adj" fmla="val 10000"/>
-          </a:avLst>
-        </a:prstGeom>
-        <a:solidFill>
-          <a:schemeClr val="accent1"/>
-        </a:solidFill>
-        <a:ln w="19050" cap="flat" cmpd="sng" algn="ctr">
-          <a:solidFill>
-            <a:schemeClr val="lt1"/>
-          </a:solidFill>
-          <a:prstDash val="solid"/>
-          <a:miter lim="800000"/>
-        </a:ln>
-        <a:effectLst/>
-      </dsp:spPr>
-      <dsp:style>
-        <a:lnRef idx="3">
-          <a:schemeClr val="lt1"/>
-        </a:lnRef>
-        <a:fillRef idx="1">
-          <a:schemeClr val="accent1"/>
-        </a:fillRef>
-        <a:effectRef idx="1">
-          <a:schemeClr val="accent1"/>
-        </a:effectRef>
-        <a:fontRef idx="minor">
-          <a:schemeClr val="lt1"/>
-        </a:fontRef>
-      </dsp:style>
-      <dsp:txBody>
-        <a:bodyPr spcFirstLastPara="0" vert="horz" wrap="square" lIns="38100" tIns="38100" rIns="38100" bIns="38100" numCol="1" spcCol="1270" anchor="ctr" anchorCtr="0">
-          <a:noAutofit/>
-        </a:bodyPr>
-        <a:lstStyle/>
-        <a:p>
-          <a:pPr marL="0" lvl="0" indent="0" algn="ctr" defTabSz="444500">
-            <a:lnSpc>
-              <a:spcPct val="90000"/>
-            </a:lnSpc>
-            <a:spcBef>
-              <a:spcPct val="0"/>
-            </a:spcBef>
-            <a:spcAft>
-              <a:spcPct val="35000"/>
-            </a:spcAft>
-            <a:buNone/>
-          </a:pPr>
-          <a:r>
-            <a:rPr lang="en-US" sz="1000" kern="1200" dirty="0"/>
-            <a:t>Calculator</a:t>
-          </a:r>
-        </a:p>
-      </dsp:txBody>
-      <dsp:txXfrm>
-        <a:off x="3254577" y="3300980"/>
-        <a:ext cx="1124275" cy="734287"/>
+        <a:off x="5312841" y="4767645"/>
+        <a:ext cx="782977" cy="511378"/>
       </dsp:txXfrm>
     </dsp:sp>
   </dsp:spTree>
@@ -13883,7 +14291,7 @@
           <p:nvPr>
             <p:extLst>
               <p:ext uri="{D42A27DB-BD31-4B8C-83A1-F6EECF244321}">
-                <p14:modId xmlns:p14="http://schemas.microsoft.com/office/powerpoint/2010/main" val="280462209"/>
+                <p14:modId xmlns:p14="http://schemas.microsoft.com/office/powerpoint/2010/main" val="2045453668"/>
               </p:ext>
             </p:extLst>
           </p:nvPr>
@@ -13941,7 +14349,7 @@
           <p:nvPr>
             <p:extLst>
               <p:ext uri="{D42A27DB-BD31-4B8C-83A1-F6EECF244321}">
-                <p14:modId xmlns:p14="http://schemas.microsoft.com/office/powerpoint/2010/main" val="3227386550"/>
+                <p14:modId xmlns:p14="http://schemas.microsoft.com/office/powerpoint/2010/main" val="3193562851"/>
               </p:ext>
             </p:extLst>
           </p:nvPr>

--- a/Dependency.pptx
+++ b/Dependency.pptx
@@ -16982,7 +16982,7 @@
           <a:p>
             <a:fld id="{01AEE574-9909-4634-A770-018BF7608A2E}" type="datetimeFigureOut">
               <a:rPr lang="en-US" smtClean="0"/>
-              <a:t>2/12/2020</a:t>
+              <a:t>2/17/2020</a:t>
             </a:fld>
             <a:endParaRPr lang="en-US"/>
           </a:p>
@@ -17180,7 +17180,7 @@
           <a:p>
             <a:fld id="{01AEE574-9909-4634-A770-018BF7608A2E}" type="datetimeFigureOut">
               <a:rPr lang="en-US" smtClean="0"/>
-              <a:t>2/12/2020</a:t>
+              <a:t>2/17/2020</a:t>
             </a:fld>
             <a:endParaRPr lang="en-US"/>
           </a:p>
@@ -17388,7 +17388,7 @@
           <a:p>
             <a:fld id="{01AEE574-9909-4634-A770-018BF7608A2E}" type="datetimeFigureOut">
               <a:rPr lang="en-US" smtClean="0"/>
-              <a:t>2/12/2020</a:t>
+              <a:t>2/17/2020</a:t>
             </a:fld>
             <a:endParaRPr lang="en-US"/>
           </a:p>
@@ -17586,7 +17586,7 @@
           <a:p>
             <a:fld id="{01AEE574-9909-4634-A770-018BF7608A2E}" type="datetimeFigureOut">
               <a:rPr lang="en-US" smtClean="0"/>
-              <a:t>2/12/2020</a:t>
+              <a:t>2/17/2020</a:t>
             </a:fld>
             <a:endParaRPr lang="en-US"/>
           </a:p>
@@ -17861,7 +17861,7 @@
           <a:p>
             <a:fld id="{01AEE574-9909-4634-A770-018BF7608A2E}" type="datetimeFigureOut">
               <a:rPr lang="en-US" smtClean="0"/>
-              <a:t>2/12/2020</a:t>
+              <a:t>2/17/2020</a:t>
             </a:fld>
             <a:endParaRPr lang="en-US"/>
           </a:p>
@@ -18126,7 +18126,7 @@
           <a:p>
             <a:fld id="{01AEE574-9909-4634-A770-018BF7608A2E}" type="datetimeFigureOut">
               <a:rPr lang="en-US" smtClean="0"/>
-              <a:t>2/12/2020</a:t>
+              <a:t>2/17/2020</a:t>
             </a:fld>
             <a:endParaRPr lang="en-US"/>
           </a:p>
@@ -18538,7 +18538,7 @@
           <a:p>
             <a:fld id="{01AEE574-9909-4634-A770-018BF7608A2E}" type="datetimeFigureOut">
               <a:rPr lang="en-US" smtClean="0"/>
-              <a:t>2/12/2020</a:t>
+              <a:t>2/17/2020</a:t>
             </a:fld>
             <a:endParaRPr lang="en-US"/>
           </a:p>
@@ -18679,7 +18679,7 @@
           <a:p>
             <a:fld id="{01AEE574-9909-4634-A770-018BF7608A2E}" type="datetimeFigureOut">
               <a:rPr lang="en-US" smtClean="0"/>
-              <a:t>2/12/2020</a:t>
+              <a:t>2/17/2020</a:t>
             </a:fld>
             <a:endParaRPr lang="en-US"/>
           </a:p>
@@ -18792,7 +18792,7 @@
           <a:p>
             <a:fld id="{01AEE574-9909-4634-A770-018BF7608A2E}" type="datetimeFigureOut">
               <a:rPr lang="en-US" smtClean="0"/>
-              <a:t>2/12/2020</a:t>
+              <a:t>2/17/2020</a:t>
             </a:fld>
             <a:endParaRPr lang="en-US"/>
           </a:p>
@@ -19103,7 +19103,7 @@
           <a:p>
             <a:fld id="{01AEE574-9909-4634-A770-018BF7608A2E}" type="datetimeFigureOut">
               <a:rPr lang="en-US" smtClean="0"/>
-              <a:t>2/12/2020</a:t>
+              <a:t>2/17/2020</a:t>
             </a:fld>
             <a:endParaRPr lang="en-US"/>
           </a:p>
@@ -19391,7 +19391,7 @@
           <a:p>
             <a:fld id="{01AEE574-9909-4634-A770-018BF7608A2E}" type="datetimeFigureOut">
               <a:rPr lang="en-US" smtClean="0"/>
-              <a:t>2/12/2020</a:t>
+              <a:t>2/17/2020</a:t>
             </a:fld>
             <a:endParaRPr lang="en-US"/>
           </a:p>
@@ -19632,7 +19632,7 @@
           <a:p>
             <a:fld id="{01AEE574-9909-4634-A770-018BF7608A2E}" type="datetimeFigureOut">
               <a:rPr lang="en-US" smtClean="0"/>
-              <a:t>2/12/2020</a:t>
+              <a:t>2/17/2020</a:t>
             </a:fld>
             <a:endParaRPr lang="en-US"/>
           </a:p>
@@ -20178,7 +20178,7 @@
           <p:nvPr>
             <p:extLst>
               <p:ext uri="{D42A27DB-BD31-4B8C-83A1-F6EECF244321}">
-                <p14:modId xmlns:p14="http://schemas.microsoft.com/office/powerpoint/2010/main" val="790458150"/>
+                <p14:modId xmlns:p14="http://schemas.microsoft.com/office/powerpoint/2010/main" val="3509263883"/>
               </p:ext>
             </p:extLst>
           </p:nvPr>
@@ -20193,6 +20193,95 @@
           </a:graphicData>
         </a:graphic>
       </p:graphicFrame>
+      <p:sp>
+        <p:nvSpPr>
+          <p:cNvPr id="2" name="Rectangle 1">
+            <a:extLst>
+              <a:ext uri="{FF2B5EF4-FFF2-40B4-BE49-F238E27FC236}">
+                <a16:creationId xmlns:a16="http://schemas.microsoft.com/office/drawing/2014/main" id="{FF3B2FEC-2392-4553-9EBD-2BEC890F5312}"/>
+              </a:ext>
+            </a:extLst>
+          </p:cNvPr>
+          <p:cNvSpPr/>
+          <p:nvPr/>
+        </p:nvSpPr>
+        <p:spPr>
+          <a:xfrm>
+            <a:off x="708454" y="2248930"/>
+            <a:ext cx="10330249" cy="4431956"/>
+          </a:xfrm>
+          <a:prstGeom prst="rect">
+            <a:avLst/>
+          </a:prstGeom>
+          <a:noFill/>
+          <a:ln w="57150" cap="flat" cmpd="sng" algn="ctr">
+            <a:solidFill>
+              <a:schemeClr val="accent1"/>
+            </a:solidFill>
+            <a:prstDash val="lgDash"/>
+            <a:round/>
+            <a:headEnd type="none" w="med" len="med"/>
+            <a:tailEnd type="none" w="med" len="med"/>
+          </a:ln>
+        </p:spPr>
+        <p:style>
+          <a:lnRef idx="0">
+            <a:scrgbClr r="0" g="0" b="0"/>
+          </a:lnRef>
+          <a:fillRef idx="0">
+            <a:scrgbClr r="0" g="0" b="0"/>
+          </a:fillRef>
+          <a:effectRef idx="0">
+            <a:scrgbClr r="0" g="0" b="0"/>
+          </a:effectRef>
+          <a:fontRef idx="minor">
+            <a:schemeClr val="accent1"/>
+          </a:fontRef>
+        </p:style>
+        <p:txBody>
+          <a:bodyPr rtlCol="0" anchor="ctr"/>
+          <a:lstStyle/>
+          <a:p>
+            <a:pPr algn="ctr"/>
+            <a:endParaRPr lang="en-US"/>
+          </a:p>
+        </p:txBody>
+      </p:sp>
+      <p:sp>
+        <p:nvSpPr>
+          <p:cNvPr id="3" name="TextBox 2">
+            <a:extLst>
+              <a:ext uri="{FF2B5EF4-FFF2-40B4-BE49-F238E27FC236}">
+                <a16:creationId xmlns:a16="http://schemas.microsoft.com/office/drawing/2014/main" id="{DA448528-D943-4D71-8F6F-E825A6064DF8}"/>
+              </a:ext>
+            </a:extLst>
+          </p:cNvPr>
+          <p:cNvSpPr txBox="1"/>
+          <p:nvPr/>
+        </p:nvSpPr>
+        <p:spPr>
+          <a:xfrm>
+            <a:off x="782595" y="6246681"/>
+            <a:ext cx="1029730" cy="369332"/>
+          </a:xfrm>
+          <a:prstGeom prst="rect">
+            <a:avLst/>
+          </a:prstGeom>
+          <a:noFill/>
+        </p:spPr>
+        <p:txBody>
+          <a:bodyPr wrap="square" rtlCol="0">
+            <a:spAutoFit/>
+          </a:bodyPr>
+          <a:lstStyle/>
+          <a:p>
+            <a:r>
+              <a:rPr lang="en-US" dirty="0"/>
+              <a:t>SPECIE</a:t>
+            </a:r>
+          </a:p>
+        </p:txBody>
+      </p:sp>
     </p:spTree>
     <p:extLst>
       <p:ext uri="{BB962C8B-B14F-4D97-AF65-F5344CB8AC3E}">

--- a/Dependency.pptx
+++ b/Dependency.pptx
@@ -8,6 +8,10 @@
     <p:sldId id="256" r:id="rId2"/>
     <p:sldId id="258" r:id="rId3"/>
     <p:sldId id="259" r:id="rId4"/>
+    <p:sldId id="260" r:id="rId5"/>
+    <p:sldId id="261" r:id="rId6"/>
+    <p:sldId id="262" r:id="rId7"/>
+    <p:sldId id="263" r:id="rId8"/>
   </p:sldIdLst>
   <p:sldSz cx="12192000" cy="6858000"/>
   <p:notesSz cx="6858000" cy="9144000"/>
@@ -20295,6 +20299,246 @@
 </p:sld>
 </file>
 
+<file path=ppt/slides/slide4.xml><?xml version="1.0" encoding="utf-8"?>
+<p:sld xmlns:a="http://schemas.openxmlformats.org/drawingml/2006/main" xmlns:r="http://schemas.openxmlformats.org/officeDocument/2006/relationships" xmlns:p="http://schemas.openxmlformats.org/presentationml/2006/main">
+  <p:cSld>
+    <p:spTree>
+      <p:nvGrpSpPr>
+        <p:cNvPr id="1" name=""/>
+        <p:cNvGrpSpPr/>
+        <p:nvPr/>
+      </p:nvGrpSpPr>
+      <p:grpSpPr>
+        <a:xfrm>
+          <a:off x="0" y="0"/>
+          <a:ext cx="0" cy="0"/>
+          <a:chOff x="0" y="0"/>
+          <a:chExt cx="0" cy="0"/>
+        </a:xfrm>
+      </p:grpSpPr>
+      <p:pic>
+        <p:nvPicPr>
+          <p:cNvPr id="4" name="Picture 3">
+            <a:extLst>
+              <a:ext uri="{FF2B5EF4-FFF2-40B4-BE49-F238E27FC236}">
+                <a16:creationId xmlns:a16="http://schemas.microsoft.com/office/drawing/2014/main" id="{169009AF-3313-4660-A4EB-56593BD831E0}"/>
+              </a:ext>
+            </a:extLst>
+          </p:cNvPr>
+          <p:cNvPicPr>
+            <a:picLocks noChangeAspect="1"/>
+          </p:cNvPicPr>
+          <p:nvPr/>
+        </p:nvPicPr>
+        <p:blipFill>
+          <a:blip r:embed="rId2"/>
+          <a:stretch>
+            <a:fillRect/>
+          </a:stretch>
+        </p:blipFill>
+        <p:spPr>
+          <a:xfrm>
+            <a:off x="642098" y="0"/>
+            <a:ext cx="10907803" cy="6858000"/>
+          </a:xfrm>
+          <a:prstGeom prst="rect">
+            <a:avLst/>
+          </a:prstGeom>
+        </p:spPr>
+      </p:pic>
+    </p:spTree>
+    <p:extLst>
+      <p:ext uri="{BB962C8B-B14F-4D97-AF65-F5344CB8AC3E}">
+        <p14:creationId xmlns:p14="http://schemas.microsoft.com/office/powerpoint/2010/main" val="3128835381"/>
+      </p:ext>
+    </p:extLst>
+  </p:cSld>
+  <p:clrMapOvr>
+    <a:masterClrMapping/>
+  </p:clrMapOvr>
+</p:sld>
+</file>
+
+<file path=ppt/slides/slide5.xml><?xml version="1.0" encoding="utf-8"?>
+<p:sld xmlns:a="http://schemas.openxmlformats.org/drawingml/2006/main" xmlns:r="http://schemas.openxmlformats.org/officeDocument/2006/relationships" xmlns:p="http://schemas.openxmlformats.org/presentationml/2006/main">
+  <p:cSld>
+    <p:spTree>
+      <p:nvGrpSpPr>
+        <p:cNvPr id="1" name=""/>
+        <p:cNvGrpSpPr/>
+        <p:nvPr/>
+      </p:nvGrpSpPr>
+      <p:grpSpPr>
+        <a:xfrm>
+          <a:off x="0" y="0"/>
+          <a:ext cx="0" cy="0"/>
+          <a:chOff x="0" y="0"/>
+          <a:chExt cx="0" cy="0"/>
+        </a:xfrm>
+      </p:grpSpPr>
+      <p:pic>
+        <p:nvPicPr>
+          <p:cNvPr id="4" name="Picture 3">
+            <a:extLst>
+              <a:ext uri="{FF2B5EF4-FFF2-40B4-BE49-F238E27FC236}">
+                <a16:creationId xmlns:a16="http://schemas.microsoft.com/office/drawing/2014/main" id="{C0B1087D-0FE1-43CC-80B8-A8326C95803B}"/>
+              </a:ext>
+            </a:extLst>
+          </p:cNvPr>
+          <p:cNvPicPr>
+            <a:picLocks noChangeAspect="1"/>
+          </p:cNvPicPr>
+          <p:nvPr/>
+        </p:nvPicPr>
+        <p:blipFill>
+          <a:blip r:embed="rId2"/>
+          <a:stretch>
+            <a:fillRect/>
+          </a:stretch>
+        </p:blipFill>
+        <p:spPr>
+          <a:xfrm>
+            <a:off x="1126542" y="0"/>
+            <a:ext cx="9938916" cy="6858000"/>
+          </a:xfrm>
+          <a:prstGeom prst="rect">
+            <a:avLst/>
+          </a:prstGeom>
+        </p:spPr>
+      </p:pic>
+    </p:spTree>
+    <p:extLst>
+      <p:ext uri="{BB962C8B-B14F-4D97-AF65-F5344CB8AC3E}">
+        <p14:creationId xmlns:p14="http://schemas.microsoft.com/office/powerpoint/2010/main" val="2705781692"/>
+      </p:ext>
+    </p:extLst>
+  </p:cSld>
+  <p:clrMapOvr>
+    <a:masterClrMapping/>
+  </p:clrMapOvr>
+</p:sld>
+</file>
+
+<file path=ppt/slides/slide6.xml><?xml version="1.0" encoding="utf-8"?>
+<p:sld xmlns:a="http://schemas.openxmlformats.org/drawingml/2006/main" xmlns:r="http://schemas.openxmlformats.org/officeDocument/2006/relationships" xmlns:p="http://schemas.openxmlformats.org/presentationml/2006/main">
+  <p:cSld>
+    <p:spTree>
+      <p:nvGrpSpPr>
+        <p:cNvPr id="1" name=""/>
+        <p:cNvGrpSpPr/>
+        <p:nvPr/>
+      </p:nvGrpSpPr>
+      <p:grpSpPr>
+        <a:xfrm>
+          <a:off x="0" y="0"/>
+          <a:ext cx="0" cy="0"/>
+          <a:chOff x="0" y="0"/>
+          <a:chExt cx="0" cy="0"/>
+        </a:xfrm>
+      </p:grpSpPr>
+      <p:pic>
+        <p:nvPicPr>
+          <p:cNvPr id="4" name="Picture 3">
+            <a:extLst>
+              <a:ext uri="{FF2B5EF4-FFF2-40B4-BE49-F238E27FC236}">
+                <a16:creationId xmlns:a16="http://schemas.microsoft.com/office/drawing/2014/main" id="{86E2EC72-2339-48F0-9CAB-E01BD1D2B0F6}"/>
+              </a:ext>
+            </a:extLst>
+          </p:cNvPr>
+          <p:cNvPicPr>
+            <a:picLocks noChangeAspect="1"/>
+          </p:cNvPicPr>
+          <p:nvPr/>
+        </p:nvPicPr>
+        <p:blipFill>
+          <a:blip r:embed="rId2"/>
+          <a:stretch>
+            <a:fillRect/>
+          </a:stretch>
+        </p:blipFill>
+        <p:spPr>
+          <a:xfrm>
+            <a:off x="2454088" y="0"/>
+            <a:ext cx="7283824" cy="6858000"/>
+          </a:xfrm>
+          <a:prstGeom prst="rect">
+            <a:avLst/>
+          </a:prstGeom>
+        </p:spPr>
+      </p:pic>
+    </p:spTree>
+    <p:extLst>
+      <p:ext uri="{BB962C8B-B14F-4D97-AF65-F5344CB8AC3E}">
+        <p14:creationId xmlns:p14="http://schemas.microsoft.com/office/powerpoint/2010/main" val="3275222291"/>
+      </p:ext>
+    </p:extLst>
+  </p:cSld>
+  <p:clrMapOvr>
+    <a:masterClrMapping/>
+  </p:clrMapOvr>
+</p:sld>
+</file>
+
+<file path=ppt/slides/slide7.xml><?xml version="1.0" encoding="utf-8"?>
+<p:sld xmlns:a="http://schemas.openxmlformats.org/drawingml/2006/main" xmlns:r="http://schemas.openxmlformats.org/officeDocument/2006/relationships" xmlns:p="http://schemas.openxmlformats.org/presentationml/2006/main">
+  <p:cSld>
+    <p:spTree>
+      <p:nvGrpSpPr>
+        <p:cNvPr id="1" name=""/>
+        <p:cNvGrpSpPr/>
+        <p:nvPr/>
+      </p:nvGrpSpPr>
+      <p:grpSpPr>
+        <a:xfrm>
+          <a:off x="0" y="0"/>
+          <a:ext cx="0" cy="0"/>
+          <a:chOff x="0" y="0"/>
+          <a:chExt cx="0" cy="0"/>
+        </a:xfrm>
+      </p:grpSpPr>
+      <p:pic>
+        <p:nvPicPr>
+          <p:cNvPr id="4" name="Picture 3">
+            <a:extLst>
+              <a:ext uri="{FF2B5EF4-FFF2-40B4-BE49-F238E27FC236}">
+                <a16:creationId xmlns:a16="http://schemas.microsoft.com/office/drawing/2014/main" id="{A4D0FB8E-3733-4A54-8B55-2FEBD11258F1}"/>
+              </a:ext>
+            </a:extLst>
+          </p:cNvPr>
+          <p:cNvPicPr>
+            <a:picLocks noChangeAspect="1"/>
+          </p:cNvPicPr>
+          <p:nvPr/>
+        </p:nvPicPr>
+        <p:blipFill>
+          <a:blip r:embed="rId2"/>
+          <a:stretch>
+            <a:fillRect/>
+          </a:stretch>
+        </p:blipFill>
+        <p:spPr>
+          <a:xfrm>
+            <a:off x="1762125" y="1985962"/>
+            <a:ext cx="8667750" cy="2886075"/>
+          </a:xfrm>
+          <a:prstGeom prst="rect">
+            <a:avLst/>
+          </a:prstGeom>
+        </p:spPr>
+      </p:pic>
+    </p:spTree>
+    <p:extLst>
+      <p:ext uri="{BB962C8B-B14F-4D97-AF65-F5344CB8AC3E}">
+        <p14:creationId xmlns:p14="http://schemas.microsoft.com/office/powerpoint/2010/main" val="360116327"/>
+      </p:ext>
+    </p:extLst>
+  </p:cSld>
+  <p:clrMapOvr>
+    <a:masterClrMapping/>
+  </p:clrMapOvr>
+</p:sld>
+</file>
+
 <file path=ppt/theme/theme1.xml><?xml version="1.0" encoding="utf-8"?>
 <a:theme xmlns:a="http://schemas.openxmlformats.org/drawingml/2006/main" name="Office Theme">
   <a:themeElements>

--- a/Dependency.pptx
+++ b/Dependency.pptx
@@ -8,10 +8,11 @@
     <p:sldId id="256" r:id="rId2"/>
     <p:sldId id="258" r:id="rId3"/>
     <p:sldId id="259" r:id="rId4"/>
-    <p:sldId id="260" r:id="rId5"/>
-    <p:sldId id="261" r:id="rId6"/>
-    <p:sldId id="262" r:id="rId7"/>
-    <p:sldId id="263" r:id="rId8"/>
+    <p:sldId id="264" r:id="rId5"/>
+    <p:sldId id="260" r:id="rId6"/>
+    <p:sldId id="261" r:id="rId7"/>
+    <p:sldId id="262" r:id="rId8"/>
+    <p:sldId id="263" r:id="rId9"/>
   </p:sldIdLst>
   <p:sldSz cx="12192000" cy="6858000"/>
   <p:notesSz cx="6858000" cy="9144000"/>
@@ -2371,6 +2372,753 @@
 </dgm:colorsDef>
 </file>
 
+<file path=ppt/diagrams/colors4.xml><?xml version="1.0" encoding="utf-8"?>
+<dgm:colorsDef xmlns:dgm="http://schemas.openxmlformats.org/drawingml/2006/diagram" xmlns:a="http://schemas.openxmlformats.org/drawingml/2006/main" uniqueId="urn:microsoft.com/office/officeart/2005/8/colors/accent1_2">
+  <dgm:title val=""/>
+  <dgm:desc val=""/>
+  <dgm:catLst>
+    <dgm:cat type="accent1" pri="11200"/>
+  </dgm:catLst>
+  <dgm:styleLbl name="node0">
+    <dgm:fillClrLst meth="repeat">
+      <a:schemeClr val="accent1"/>
+    </dgm:fillClrLst>
+    <dgm:linClrLst meth="repeat">
+      <a:schemeClr val="lt1"/>
+    </dgm:linClrLst>
+    <dgm:effectClrLst/>
+    <dgm:txLinClrLst/>
+    <dgm:txFillClrLst/>
+    <dgm:txEffectClrLst/>
+  </dgm:styleLbl>
+  <dgm:styleLbl name="alignNode1">
+    <dgm:fillClrLst meth="repeat">
+      <a:schemeClr val="accent1"/>
+    </dgm:fillClrLst>
+    <dgm:linClrLst meth="repeat">
+      <a:schemeClr val="accent1"/>
+    </dgm:linClrLst>
+    <dgm:effectClrLst/>
+    <dgm:txLinClrLst/>
+    <dgm:txFillClrLst/>
+    <dgm:txEffectClrLst/>
+  </dgm:styleLbl>
+  <dgm:styleLbl name="node1">
+    <dgm:fillClrLst meth="repeat">
+      <a:schemeClr val="accent1"/>
+    </dgm:fillClrLst>
+    <dgm:linClrLst meth="repeat">
+      <a:schemeClr val="lt1"/>
+    </dgm:linClrLst>
+    <dgm:effectClrLst/>
+    <dgm:txLinClrLst/>
+    <dgm:txFillClrLst/>
+    <dgm:txEffectClrLst/>
+  </dgm:styleLbl>
+  <dgm:styleLbl name="lnNode1">
+    <dgm:fillClrLst meth="repeat">
+      <a:schemeClr val="accent1"/>
+    </dgm:fillClrLst>
+    <dgm:linClrLst meth="repeat">
+      <a:schemeClr val="lt1"/>
+    </dgm:linClrLst>
+    <dgm:effectClrLst/>
+    <dgm:txLinClrLst/>
+    <dgm:txFillClrLst/>
+    <dgm:txEffectClrLst/>
+  </dgm:styleLbl>
+  <dgm:styleLbl name="vennNode1">
+    <dgm:fillClrLst meth="repeat">
+      <a:schemeClr val="accent1">
+        <a:alpha val="50000"/>
+      </a:schemeClr>
+    </dgm:fillClrLst>
+    <dgm:linClrLst meth="repeat">
+      <a:schemeClr val="lt1"/>
+    </dgm:linClrLst>
+    <dgm:effectClrLst/>
+    <dgm:txLinClrLst/>
+    <dgm:txFillClrLst/>
+    <dgm:txEffectClrLst/>
+  </dgm:styleLbl>
+  <dgm:styleLbl name="node2">
+    <dgm:fillClrLst meth="repeat">
+      <a:schemeClr val="accent1"/>
+    </dgm:fillClrLst>
+    <dgm:linClrLst meth="repeat">
+      <a:schemeClr val="lt1"/>
+    </dgm:linClrLst>
+    <dgm:effectClrLst/>
+    <dgm:txLinClrLst/>
+    <dgm:txFillClrLst/>
+    <dgm:txEffectClrLst/>
+  </dgm:styleLbl>
+  <dgm:styleLbl name="node3">
+    <dgm:fillClrLst meth="repeat">
+      <a:schemeClr val="accent1"/>
+    </dgm:fillClrLst>
+    <dgm:linClrLst meth="repeat">
+      <a:schemeClr val="lt1"/>
+    </dgm:linClrLst>
+    <dgm:effectClrLst/>
+    <dgm:txLinClrLst/>
+    <dgm:txFillClrLst/>
+    <dgm:txEffectClrLst/>
+  </dgm:styleLbl>
+  <dgm:styleLbl name="node4">
+    <dgm:fillClrLst meth="repeat">
+      <a:schemeClr val="accent1"/>
+    </dgm:fillClrLst>
+    <dgm:linClrLst meth="repeat">
+      <a:schemeClr val="lt1"/>
+    </dgm:linClrLst>
+    <dgm:effectClrLst/>
+    <dgm:txLinClrLst/>
+    <dgm:txFillClrLst/>
+    <dgm:txEffectClrLst/>
+  </dgm:styleLbl>
+  <dgm:styleLbl name="fgImgPlace1">
+    <dgm:fillClrLst meth="repeat">
+      <a:schemeClr val="accent1">
+        <a:tint val="50000"/>
+      </a:schemeClr>
+    </dgm:fillClrLst>
+    <dgm:linClrLst meth="repeat">
+      <a:schemeClr val="lt1"/>
+    </dgm:linClrLst>
+    <dgm:effectClrLst/>
+    <dgm:txLinClrLst/>
+    <dgm:txFillClrLst meth="repeat">
+      <a:schemeClr val="lt1"/>
+    </dgm:txFillClrLst>
+    <dgm:txEffectClrLst/>
+  </dgm:styleLbl>
+  <dgm:styleLbl name="alignImgPlace1">
+    <dgm:fillClrLst meth="repeat">
+      <a:schemeClr val="accent1">
+        <a:tint val="50000"/>
+      </a:schemeClr>
+    </dgm:fillClrLst>
+    <dgm:linClrLst meth="repeat">
+      <a:schemeClr val="lt1"/>
+    </dgm:linClrLst>
+    <dgm:effectClrLst/>
+    <dgm:txLinClrLst/>
+    <dgm:txFillClrLst meth="repeat">
+      <a:schemeClr val="lt1"/>
+    </dgm:txFillClrLst>
+    <dgm:txEffectClrLst/>
+  </dgm:styleLbl>
+  <dgm:styleLbl name="bgImgPlace1">
+    <dgm:fillClrLst meth="repeat">
+      <a:schemeClr val="accent1">
+        <a:tint val="50000"/>
+      </a:schemeClr>
+    </dgm:fillClrLst>
+    <dgm:linClrLst meth="repeat">
+      <a:schemeClr val="lt1"/>
+    </dgm:linClrLst>
+    <dgm:effectClrLst/>
+    <dgm:txLinClrLst/>
+    <dgm:txFillClrLst meth="repeat">
+      <a:schemeClr val="lt1"/>
+    </dgm:txFillClrLst>
+    <dgm:txEffectClrLst/>
+  </dgm:styleLbl>
+  <dgm:styleLbl name="sibTrans2D1">
+    <dgm:fillClrLst meth="repeat">
+      <a:schemeClr val="accent1">
+        <a:tint val="60000"/>
+      </a:schemeClr>
+    </dgm:fillClrLst>
+    <dgm:linClrLst meth="repeat">
+      <a:schemeClr val="accent1">
+        <a:tint val="60000"/>
+      </a:schemeClr>
+    </dgm:linClrLst>
+    <dgm:effectClrLst/>
+    <dgm:txLinClrLst/>
+    <dgm:txFillClrLst/>
+    <dgm:txEffectClrLst/>
+  </dgm:styleLbl>
+  <dgm:styleLbl name="fgSibTrans2D1">
+    <dgm:fillClrLst meth="repeat">
+      <a:schemeClr val="accent1">
+        <a:tint val="60000"/>
+      </a:schemeClr>
+    </dgm:fillClrLst>
+    <dgm:linClrLst meth="repeat">
+      <a:schemeClr val="accent1">
+        <a:tint val="60000"/>
+      </a:schemeClr>
+    </dgm:linClrLst>
+    <dgm:effectClrLst/>
+    <dgm:txLinClrLst/>
+    <dgm:txFillClrLst/>
+    <dgm:txEffectClrLst/>
+  </dgm:styleLbl>
+  <dgm:styleLbl name="bgSibTrans2D1">
+    <dgm:fillClrLst meth="repeat">
+      <a:schemeClr val="accent1">
+        <a:tint val="60000"/>
+      </a:schemeClr>
+    </dgm:fillClrLst>
+    <dgm:linClrLst meth="repeat">
+      <a:schemeClr val="accent1">
+        <a:tint val="60000"/>
+      </a:schemeClr>
+    </dgm:linClrLst>
+    <dgm:effectClrLst/>
+    <dgm:txLinClrLst/>
+    <dgm:txFillClrLst/>
+    <dgm:txEffectClrLst/>
+  </dgm:styleLbl>
+  <dgm:styleLbl name="sibTrans1D1">
+    <dgm:fillClrLst meth="repeat">
+      <a:schemeClr val="accent1"/>
+    </dgm:fillClrLst>
+    <dgm:linClrLst meth="repeat">
+      <a:schemeClr val="accent1"/>
+    </dgm:linClrLst>
+    <dgm:effectClrLst/>
+    <dgm:txLinClrLst/>
+    <dgm:txFillClrLst meth="repeat">
+      <a:schemeClr val="tx1"/>
+    </dgm:txFillClrLst>
+    <dgm:txEffectClrLst/>
+  </dgm:styleLbl>
+  <dgm:styleLbl name="callout">
+    <dgm:fillClrLst meth="repeat">
+      <a:schemeClr val="accent1"/>
+    </dgm:fillClrLst>
+    <dgm:linClrLst meth="repeat">
+      <a:schemeClr val="accent1">
+        <a:tint val="50000"/>
+      </a:schemeClr>
+    </dgm:linClrLst>
+    <dgm:effectClrLst/>
+    <dgm:txLinClrLst/>
+    <dgm:txFillClrLst meth="repeat">
+      <a:schemeClr val="tx1"/>
+    </dgm:txFillClrLst>
+    <dgm:txEffectClrLst/>
+  </dgm:styleLbl>
+  <dgm:styleLbl name="asst0">
+    <dgm:fillClrLst meth="repeat">
+      <a:schemeClr val="accent1"/>
+    </dgm:fillClrLst>
+    <dgm:linClrLst meth="repeat">
+      <a:schemeClr val="lt1"/>
+    </dgm:linClrLst>
+    <dgm:effectClrLst/>
+    <dgm:txLinClrLst/>
+    <dgm:txFillClrLst/>
+    <dgm:txEffectClrLst/>
+  </dgm:styleLbl>
+  <dgm:styleLbl name="asst1">
+    <dgm:fillClrLst meth="repeat">
+      <a:schemeClr val="accent1"/>
+    </dgm:fillClrLst>
+    <dgm:linClrLst meth="repeat">
+      <a:schemeClr val="lt1"/>
+    </dgm:linClrLst>
+    <dgm:effectClrLst/>
+    <dgm:txLinClrLst/>
+    <dgm:txFillClrLst/>
+    <dgm:txEffectClrLst/>
+  </dgm:styleLbl>
+  <dgm:styleLbl name="asst2">
+    <dgm:fillClrLst meth="repeat">
+      <a:schemeClr val="accent1"/>
+    </dgm:fillClrLst>
+    <dgm:linClrLst meth="repeat">
+      <a:schemeClr val="lt1"/>
+    </dgm:linClrLst>
+    <dgm:effectClrLst/>
+    <dgm:txLinClrLst/>
+    <dgm:txFillClrLst/>
+    <dgm:txEffectClrLst/>
+  </dgm:styleLbl>
+  <dgm:styleLbl name="asst3">
+    <dgm:fillClrLst meth="repeat">
+      <a:schemeClr val="accent1"/>
+    </dgm:fillClrLst>
+    <dgm:linClrLst meth="repeat">
+      <a:schemeClr val="lt1"/>
+    </dgm:linClrLst>
+    <dgm:effectClrLst/>
+    <dgm:txLinClrLst/>
+    <dgm:txFillClrLst/>
+    <dgm:txEffectClrLst/>
+  </dgm:styleLbl>
+  <dgm:styleLbl name="asst4">
+    <dgm:fillClrLst meth="repeat">
+      <a:schemeClr val="accent1"/>
+    </dgm:fillClrLst>
+    <dgm:linClrLst meth="repeat">
+      <a:schemeClr val="lt1"/>
+    </dgm:linClrLst>
+    <dgm:effectClrLst/>
+    <dgm:txLinClrLst/>
+    <dgm:txFillClrLst/>
+    <dgm:txEffectClrLst/>
+  </dgm:styleLbl>
+  <dgm:styleLbl name="parChTrans2D1">
+    <dgm:fillClrLst meth="repeat">
+      <a:schemeClr val="accent1">
+        <a:tint val="60000"/>
+      </a:schemeClr>
+    </dgm:fillClrLst>
+    <dgm:linClrLst meth="repeat">
+      <a:schemeClr val="accent1">
+        <a:tint val="60000"/>
+      </a:schemeClr>
+    </dgm:linClrLst>
+    <dgm:effectClrLst/>
+    <dgm:txLinClrLst/>
+    <dgm:txFillClrLst meth="repeat">
+      <a:schemeClr val="lt1"/>
+    </dgm:txFillClrLst>
+    <dgm:txEffectClrLst/>
+  </dgm:styleLbl>
+  <dgm:styleLbl name="parChTrans2D2">
+    <dgm:fillClrLst meth="repeat">
+      <a:schemeClr val="accent1"/>
+    </dgm:fillClrLst>
+    <dgm:linClrLst meth="repeat">
+      <a:schemeClr val="accent1"/>
+    </dgm:linClrLst>
+    <dgm:effectClrLst/>
+    <dgm:txLinClrLst/>
+    <dgm:txFillClrLst meth="repeat">
+      <a:schemeClr val="lt1"/>
+    </dgm:txFillClrLst>
+    <dgm:txEffectClrLst/>
+  </dgm:styleLbl>
+  <dgm:styleLbl name="parChTrans2D3">
+    <dgm:fillClrLst meth="repeat">
+      <a:schemeClr val="accent1"/>
+    </dgm:fillClrLst>
+    <dgm:linClrLst meth="repeat">
+      <a:schemeClr val="accent1"/>
+    </dgm:linClrLst>
+    <dgm:effectClrLst/>
+    <dgm:txLinClrLst/>
+    <dgm:txFillClrLst meth="repeat">
+      <a:schemeClr val="lt1"/>
+    </dgm:txFillClrLst>
+    <dgm:txEffectClrLst/>
+  </dgm:styleLbl>
+  <dgm:styleLbl name="parChTrans2D4">
+    <dgm:fillClrLst meth="repeat">
+      <a:schemeClr val="accent1"/>
+    </dgm:fillClrLst>
+    <dgm:linClrLst meth="repeat">
+      <a:schemeClr val="accent1"/>
+    </dgm:linClrLst>
+    <dgm:effectClrLst/>
+    <dgm:txLinClrLst/>
+    <dgm:txFillClrLst meth="repeat">
+      <a:schemeClr val="lt1"/>
+    </dgm:txFillClrLst>
+    <dgm:txEffectClrLst/>
+  </dgm:styleLbl>
+  <dgm:styleLbl name="parChTrans1D1">
+    <dgm:fillClrLst meth="repeat">
+      <a:schemeClr val="accent1"/>
+    </dgm:fillClrLst>
+    <dgm:linClrLst meth="repeat">
+      <a:schemeClr val="accent1">
+        <a:shade val="60000"/>
+      </a:schemeClr>
+    </dgm:linClrLst>
+    <dgm:effectClrLst/>
+    <dgm:txLinClrLst/>
+    <dgm:txFillClrLst meth="repeat">
+      <a:schemeClr val="tx1"/>
+    </dgm:txFillClrLst>
+    <dgm:txEffectClrLst/>
+  </dgm:styleLbl>
+  <dgm:styleLbl name="parChTrans1D2">
+    <dgm:fillClrLst meth="repeat">
+      <a:schemeClr val="accent1"/>
+    </dgm:fillClrLst>
+    <dgm:linClrLst meth="repeat">
+      <a:schemeClr val="accent1">
+        <a:shade val="60000"/>
+      </a:schemeClr>
+    </dgm:linClrLst>
+    <dgm:effectClrLst/>
+    <dgm:txLinClrLst/>
+    <dgm:txFillClrLst meth="repeat">
+      <a:schemeClr val="tx1"/>
+    </dgm:txFillClrLst>
+    <dgm:txEffectClrLst/>
+  </dgm:styleLbl>
+  <dgm:styleLbl name="parChTrans1D3">
+    <dgm:fillClrLst meth="repeat">
+      <a:schemeClr val="accent1"/>
+    </dgm:fillClrLst>
+    <dgm:linClrLst meth="repeat">
+      <a:schemeClr val="accent1">
+        <a:shade val="80000"/>
+      </a:schemeClr>
+    </dgm:linClrLst>
+    <dgm:effectClrLst/>
+    <dgm:txLinClrLst/>
+    <dgm:txFillClrLst meth="repeat">
+      <a:schemeClr val="tx1"/>
+    </dgm:txFillClrLst>
+    <dgm:txEffectClrLst/>
+  </dgm:styleLbl>
+  <dgm:styleLbl name="parChTrans1D4">
+    <dgm:fillClrLst meth="repeat">
+      <a:schemeClr val="accent1"/>
+    </dgm:fillClrLst>
+    <dgm:linClrLst meth="repeat">
+      <a:schemeClr val="accent1">
+        <a:shade val="80000"/>
+      </a:schemeClr>
+    </dgm:linClrLst>
+    <dgm:effectClrLst/>
+    <dgm:txLinClrLst/>
+    <dgm:txFillClrLst meth="repeat">
+      <a:schemeClr val="tx1"/>
+    </dgm:txFillClrLst>
+    <dgm:txEffectClrLst/>
+  </dgm:styleLbl>
+  <dgm:styleLbl name="fgAcc1">
+    <dgm:fillClrLst meth="repeat">
+      <a:schemeClr val="lt1">
+        <a:alpha val="90000"/>
+      </a:schemeClr>
+    </dgm:fillClrLst>
+    <dgm:linClrLst meth="repeat">
+      <a:schemeClr val="accent1"/>
+    </dgm:linClrLst>
+    <dgm:effectClrLst/>
+    <dgm:txLinClrLst/>
+    <dgm:txFillClrLst meth="repeat">
+      <a:schemeClr val="dk1"/>
+    </dgm:txFillClrLst>
+    <dgm:txEffectClrLst/>
+  </dgm:styleLbl>
+  <dgm:styleLbl name="conFgAcc1">
+    <dgm:fillClrLst meth="repeat">
+      <a:schemeClr val="lt1">
+        <a:alpha val="90000"/>
+      </a:schemeClr>
+    </dgm:fillClrLst>
+    <dgm:linClrLst meth="repeat">
+      <a:schemeClr val="accent1"/>
+    </dgm:linClrLst>
+    <dgm:effectClrLst/>
+    <dgm:txLinClrLst/>
+    <dgm:txFillClrLst meth="repeat">
+      <a:schemeClr val="dk1"/>
+    </dgm:txFillClrLst>
+    <dgm:txEffectClrLst/>
+  </dgm:styleLbl>
+  <dgm:styleLbl name="alignAcc1">
+    <dgm:fillClrLst meth="repeat">
+      <a:schemeClr val="lt1">
+        <a:alpha val="90000"/>
+      </a:schemeClr>
+    </dgm:fillClrLst>
+    <dgm:linClrLst meth="repeat">
+      <a:schemeClr val="accent1"/>
+    </dgm:linClrLst>
+    <dgm:effectClrLst/>
+    <dgm:txLinClrLst/>
+    <dgm:txFillClrLst meth="repeat">
+      <a:schemeClr val="dk1"/>
+    </dgm:txFillClrLst>
+    <dgm:txEffectClrLst/>
+  </dgm:styleLbl>
+  <dgm:styleLbl name="trAlignAcc1">
+    <dgm:fillClrLst meth="repeat">
+      <a:schemeClr val="lt1">
+        <a:alpha val="40000"/>
+      </a:schemeClr>
+    </dgm:fillClrLst>
+    <dgm:linClrLst meth="repeat">
+      <a:schemeClr val="accent1"/>
+    </dgm:linClrLst>
+    <dgm:effectClrLst/>
+    <dgm:txLinClrLst/>
+    <dgm:txFillClrLst meth="repeat">
+      <a:schemeClr val="dk1"/>
+    </dgm:txFillClrLst>
+    <dgm:txEffectClrLst/>
+  </dgm:styleLbl>
+  <dgm:styleLbl name="bgAcc1">
+    <dgm:fillClrLst meth="repeat">
+      <a:schemeClr val="lt1">
+        <a:alpha val="90000"/>
+      </a:schemeClr>
+    </dgm:fillClrLst>
+    <dgm:linClrLst meth="repeat">
+      <a:schemeClr val="accent1"/>
+    </dgm:linClrLst>
+    <dgm:effectClrLst/>
+    <dgm:txLinClrLst/>
+    <dgm:txFillClrLst meth="repeat">
+      <a:schemeClr val="dk1"/>
+    </dgm:txFillClrLst>
+    <dgm:txEffectClrLst/>
+  </dgm:styleLbl>
+  <dgm:styleLbl name="solidFgAcc1">
+    <dgm:fillClrLst meth="repeat">
+      <a:schemeClr val="lt1"/>
+    </dgm:fillClrLst>
+    <dgm:linClrLst meth="repeat">
+      <a:schemeClr val="accent1"/>
+    </dgm:linClrLst>
+    <dgm:effectClrLst/>
+    <dgm:txLinClrLst/>
+    <dgm:txFillClrLst meth="repeat">
+      <a:schemeClr val="dk1"/>
+    </dgm:txFillClrLst>
+    <dgm:txEffectClrLst/>
+  </dgm:styleLbl>
+  <dgm:styleLbl name="solidAlignAcc1">
+    <dgm:fillClrLst meth="repeat">
+      <a:schemeClr val="lt1"/>
+    </dgm:fillClrLst>
+    <dgm:linClrLst meth="repeat">
+      <a:schemeClr val="accent1"/>
+    </dgm:linClrLst>
+    <dgm:effectClrLst/>
+    <dgm:txLinClrLst/>
+    <dgm:txFillClrLst meth="repeat">
+      <a:schemeClr val="dk1"/>
+    </dgm:txFillClrLst>
+    <dgm:txEffectClrLst/>
+  </dgm:styleLbl>
+  <dgm:styleLbl name="solidBgAcc1">
+    <dgm:fillClrLst meth="repeat">
+      <a:schemeClr val="lt1"/>
+    </dgm:fillClrLst>
+    <dgm:linClrLst meth="repeat">
+      <a:schemeClr val="accent1"/>
+    </dgm:linClrLst>
+    <dgm:effectClrLst/>
+    <dgm:txLinClrLst/>
+    <dgm:txFillClrLst meth="repeat">
+      <a:schemeClr val="dk1"/>
+    </dgm:txFillClrLst>
+    <dgm:txEffectClrLst/>
+  </dgm:styleLbl>
+  <dgm:styleLbl name="fgAccFollowNode1">
+    <dgm:fillClrLst meth="repeat">
+      <a:schemeClr val="accent1">
+        <a:alpha val="90000"/>
+        <a:tint val="40000"/>
+      </a:schemeClr>
+    </dgm:fillClrLst>
+    <dgm:linClrLst meth="repeat">
+      <a:schemeClr val="accent1">
+        <a:alpha val="90000"/>
+        <a:tint val="40000"/>
+      </a:schemeClr>
+    </dgm:linClrLst>
+    <dgm:effectClrLst/>
+    <dgm:txLinClrLst/>
+    <dgm:txFillClrLst meth="repeat">
+      <a:schemeClr val="dk1"/>
+    </dgm:txFillClrLst>
+    <dgm:txEffectClrLst/>
+  </dgm:styleLbl>
+  <dgm:styleLbl name="alignAccFollowNode1">
+    <dgm:fillClrLst meth="repeat">
+      <a:schemeClr val="accent1">
+        <a:alpha val="90000"/>
+        <a:tint val="40000"/>
+      </a:schemeClr>
+    </dgm:fillClrLst>
+    <dgm:linClrLst meth="repeat">
+      <a:schemeClr val="accent1">
+        <a:alpha val="90000"/>
+        <a:tint val="40000"/>
+      </a:schemeClr>
+    </dgm:linClrLst>
+    <dgm:effectClrLst/>
+    <dgm:txLinClrLst/>
+    <dgm:txFillClrLst meth="repeat">
+      <a:schemeClr val="dk1"/>
+    </dgm:txFillClrLst>
+    <dgm:txEffectClrLst/>
+  </dgm:styleLbl>
+  <dgm:styleLbl name="bgAccFollowNode1">
+    <dgm:fillClrLst meth="repeat">
+      <a:schemeClr val="accent1">
+        <a:alpha val="90000"/>
+        <a:tint val="40000"/>
+      </a:schemeClr>
+    </dgm:fillClrLst>
+    <dgm:linClrLst meth="repeat">
+      <a:schemeClr val="accent1">
+        <a:alpha val="90000"/>
+        <a:tint val="40000"/>
+      </a:schemeClr>
+    </dgm:linClrLst>
+    <dgm:effectClrLst/>
+    <dgm:txLinClrLst/>
+    <dgm:txFillClrLst meth="repeat">
+      <a:schemeClr val="dk1"/>
+    </dgm:txFillClrLst>
+    <dgm:txEffectClrLst/>
+  </dgm:styleLbl>
+  <dgm:styleLbl name="fgAcc0">
+    <dgm:fillClrLst meth="repeat">
+      <a:schemeClr val="lt1">
+        <a:alpha val="90000"/>
+      </a:schemeClr>
+    </dgm:fillClrLst>
+    <dgm:linClrLst meth="repeat">
+      <a:schemeClr val="accent1"/>
+    </dgm:linClrLst>
+    <dgm:effectClrLst/>
+    <dgm:txLinClrLst/>
+    <dgm:txFillClrLst meth="repeat">
+      <a:schemeClr val="dk1"/>
+    </dgm:txFillClrLst>
+    <dgm:txEffectClrLst/>
+  </dgm:styleLbl>
+  <dgm:styleLbl name="fgAcc2">
+    <dgm:fillClrLst meth="repeat">
+      <a:schemeClr val="lt1">
+        <a:alpha val="90000"/>
+      </a:schemeClr>
+    </dgm:fillClrLst>
+    <dgm:linClrLst meth="repeat">
+      <a:schemeClr val="accent1"/>
+    </dgm:linClrLst>
+    <dgm:effectClrLst/>
+    <dgm:txLinClrLst/>
+    <dgm:txFillClrLst meth="repeat">
+      <a:schemeClr val="dk1"/>
+    </dgm:txFillClrLst>
+    <dgm:txEffectClrLst/>
+  </dgm:styleLbl>
+  <dgm:styleLbl name="fgAcc3">
+    <dgm:fillClrLst meth="repeat">
+      <a:schemeClr val="lt1">
+        <a:alpha val="90000"/>
+      </a:schemeClr>
+    </dgm:fillClrLst>
+    <dgm:linClrLst meth="repeat">
+      <a:schemeClr val="accent1"/>
+    </dgm:linClrLst>
+    <dgm:effectClrLst/>
+    <dgm:txLinClrLst/>
+    <dgm:txFillClrLst meth="repeat">
+      <a:schemeClr val="dk1"/>
+    </dgm:txFillClrLst>
+    <dgm:txEffectClrLst/>
+  </dgm:styleLbl>
+  <dgm:styleLbl name="fgAcc4">
+    <dgm:fillClrLst meth="repeat">
+      <a:schemeClr val="lt1">
+        <a:alpha val="90000"/>
+      </a:schemeClr>
+    </dgm:fillClrLst>
+    <dgm:linClrLst meth="repeat">
+      <a:schemeClr val="accent1"/>
+    </dgm:linClrLst>
+    <dgm:effectClrLst/>
+    <dgm:txLinClrLst/>
+    <dgm:txFillClrLst meth="repeat">
+      <a:schemeClr val="dk1"/>
+    </dgm:txFillClrLst>
+    <dgm:txEffectClrLst/>
+  </dgm:styleLbl>
+  <dgm:styleLbl name="bgShp">
+    <dgm:fillClrLst meth="repeat">
+      <a:schemeClr val="accent1">
+        <a:tint val="40000"/>
+      </a:schemeClr>
+    </dgm:fillClrLst>
+    <dgm:linClrLst meth="repeat">
+      <a:schemeClr val="accent1"/>
+    </dgm:linClrLst>
+    <dgm:effectClrLst/>
+    <dgm:txLinClrLst/>
+    <dgm:txFillClrLst meth="repeat">
+      <a:schemeClr val="dk1"/>
+    </dgm:txFillClrLst>
+    <dgm:txEffectClrLst/>
+  </dgm:styleLbl>
+  <dgm:styleLbl name="dkBgShp">
+    <dgm:fillClrLst meth="repeat">
+      <a:schemeClr val="accent1">
+        <a:shade val="80000"/>
+      </a:schemeClr>
+    </dgm:fillClrLst>
+    <dgm:linClrLst meth="repeat">
+      <a:schemeClr val="accent1"/>
+    </dgm:linClrLst>
+    <dgm:effectClrLst/>
+    <dgm:txLinClrLst/>
+    <dgm:txFillClrLst meth="repeat">
+      <a:schemeClr val="lt1"/>
+    </dgm:txFillClrLst>
+    <dgm:txEffectClrLst/>
+  </dgm:styleLbl>
+  <dgm:styleLbl name="trBgShp">
+    <dgm:fillClrLst meth="repeat">
+      <a:schemeClr val="accent1">
+        <a:tint val="50000"/>
+        <a:alpha val="40000"/>
+      </a:schemeClr>
+    </dgm:fillClrLst>
+    <dgm:linClrLst meth="repeat">
+      <a:schemeClr val="accent1"/>
+    </dgm:linClrLst>
+    <dgm:effectClrLst/>
+    <dgm:txLinClrLst/>
+    <dgm:txFillClrLst meth="repeat">
+      <a:schemeClr val="lt1"/>
+    </dgm:txFillClrLst>
+    <dgm:txEffectClrLst/>
+  </dgm:styleLbl>
+  <dgm:styleLbl name="fgShp">
+    <dgm:fillClrLst meth="repeat">
+      <a:schemeClr val="accent1">
+        <a:tint val="60000"/>
+      </a:schemeClr>
+    </dgm:fillClrLst>
+    <dgm:linClrLst meth="repeat">
+      <a:schemeClr val="lt1"/>
+    </dgm:linClrLst>
+    <dgm:effectClrLst/>
+    <dgm:txLinClrLst/>
+    <dgm:txFillClrLst meth="repeat">
+      <a:schemeClr val="dk1"/>
+    </dgm:txFillClrLst>
+    <dgm:txEffectClrLst/>
+  </dgm:styleLbl>
+  <dgm:styleLbl name="revTx">
+    <dgm:fillClrLst meth="repeat">
+      <a:schemeClr val="lt1">
+        <a:alpha val="0"/>
+      </a:schemeClr>
+    </dgm:fillClrLst>
+    <dgm:linClrLst meth="repeat">
+      <a:schemeClr val="dk1">
+        <a:alpha val="0"/>
+      </a:schemeClr>
+    </dgm:linClrLst>
+    <dgm:effectClrLst/>
+    <dgm:txLinClrLst/>
+    <dgm:txFillClrLst meth="repeat">
+      <a:schemeClr val="tx1"/>
+    </dgm:txFillClrLst>
+    <dgm:txEffectClrLst/>
+  </dgm:styleLbl>
+</dgm:colorsDef>
+</file>
+
 <file path=ppt/diagrams/data1.xml><?xml version="1.0" encoding="utf-8"?>
 <dgm:dataModel xmlns:dgm="http://schemas.openxmlformats.org/drawingml/2006/diagram" xmlns:a="http://schemas.openxmlformats.org/drawingml/2006/main">
   <dgm:ptLst>
@@ -3196,10 +3944,24 @@
     <dgm:pt modelId="{AC7FA378-565C-4531-B122-7467B57978CD}" type="parTrans" cxnId="{2CFFF98B-1E89-4C24-888B-99F71B746E78}">
       <dgm:prSet/>
       <dgm:spPr/>
+      <dgm:t>
+        <a:bodyPr/>
+        <a:lstStyle/>
+        <a:p>
+          <a:endParaRPr lang="en-US"/>
+        </a:p>
+      </dgm:t>
     </dgm:pt>
     <dgm:pt modelId="{A292D539-E413-4099-8D00-A0E30F4FBFAF}" type="sibTrans" cxnId="{2CFFF98B-1E89-4C24-888B-99F71B746E78}">
       <dgm:prSet/>
       <dgm:spPr/>
+      <dgm:t>
+        <a:bodyPr/>
+        <a:lstStyle/>
+        <a:p>
+          <a:endParaRPr lang="en-US"/>
+        </a:p>
+      </dgm:t>
     </dgm:pt>
     <dgm:pt modelId="{7ED9CDDD-840D-4C18-9899-ACE37F4DDC37}" type="pres">
       <dgm:prSet presAssocID="{37BD702E-660E-4277-8183-4DD6AE9D2A57}" presName="mainComposite" presStyleCnt="0">
@@ -5831,6 +6593,1304 @@
     <dgm:cxn modelId="{5D8D170A-3F2E-4FBD-B203-1129B2F110AC}" type="presParOf" srcId="{FEFAED3C-6F5A-490E-BDA8-C8700379DE13}" destId="{9E78B80E-0EA6-43B7-A62D-233300ADB4C9}" srcOrd="5" destOrd="0" presId="urn:microsoft.com/office/officeart/2005/8/layout/hierarchy6"/>
     <dgm:cxn modelId="{490674D9-FCAA-4CA5-B6A8-7E6DFDB7EF02}" type="presParOf" srcId="{9E78B80E-0EA6-43B7-A62D-233300ADB4C9}" destId="{2E761711-A85E-4AB5-81D7-02001DD2FB6E}" srcOrd="0" destOrd="0" presId="urn:microsoft.com/office/officeart/2005/8/layout/hierarchy6"/>
     <dgm:cxn modelId="{EAD63E4C-F24A-4F85-A574-3597DF60245E}" type="presParOf" srcId="{9E78B80E-0EA6-43B7-A62D-233300ADB4C9}" destId="{A470777A-C8F5-494F-BCD4-8294A379C492}" srcOrd="1" destOrd="0" presId="urn:microsoft.com/office/officeart/2005/8/layout/hierarchy6"/>
+    <dgm:cxn modelId="{58611F67-D8E1-415C-9AEB-55F21125B670}" type="presParOf" srcId="{C7AC09FA-285B-4A53-92AF-67E5F1838A26}" destId="{8689255B-5BA2-4B1C-BB00-6AC5301505FD}" srcOrd="1" destOrd="0" presId="urn:microsoft.com/office/officeart/2005/8/layout/hierarchy6"/>
+  </dgm:cxnLst>
+  <dgm:bg/>
+  <dgm:whole/>
+  <dgm:extLst>
+    <a:ext uri="http://schemas.microsoft.com/office/drawing/2008/diagram">
+      <dsp:dataModelExt xmlns:dsp="http://schemas.microsoft.com/office/drawing/2008/diagram" relId="rId6" minVer="http://schemas.openxmlformats.org/drawingml/2006/diagram"/>
+    </a:ext>
+  </dgm:extLst>
+</dgm:dataModel>
+</file>
+
+<file path=ppt/diagrams/data4.xml><?xml version="1.0" encoding="utf-8"?>
+<dgm:dataModel xmlns:dgm="http://schemas.openxmlformats.org/drawingml/2006/diagram" xmlns:a="http://schemas.openxmlformats.org/drawingml/2006/main">
+  <dgm:ptLst>
+    <dgm:pt modelId="{37BD702E-660E-4277-8183-4DD6AE9D2A57}" type="doc">
+      <dgm:prSet loTypeId="urn:microsoft.com/office/officeart/2005/8/layout/hierarchy6" loCatId="hierarchy" qsTypeId="urn:microsoft.com/office/officeart/2005/8/quickstyle/simple1" qsCatId="simple" csTypeId="urn:microsoft.com/office/officeart/2005/8/colors/accent1_2" csCatId="accent1" phldr="1"/>
+      <dgm:spPr/>
+      <dgm:t>
+        <a:bodyPr/>
+        <a:lstStyle/>
+        <a:p>
+          <a:endParaRPr lang="en-US"/>
+        </a:p>
+      </dgm:t>
+    </dgm:pt>
+    <dgm:pt modelId="{E07F6448-8900-4AC5-A46C-B58AF4266010}">
+      <dgm:prSet phldrT="[Text]">
+        <dgm:style>
+          <a:lnRef idx="2">
+            <a:schemeClr val="accent2">
+              <a:shade val="50000"/>
+            </a:schemeClr>
+          </a:lnRef>
+          <a:fillRef idx="1">
+            <a:schemeClr val="accent2"/>
+          </a:fillRef>
+          <a:effectRef idx="0">
+            <a:schemeClr val="accent2"/>
+          </a:effectRef>
+          <a:fontRef idx="minor">
+            <a:schemeClr val="lt1"/>
+          </a:fontRef>
+        </dgm:style>
+      </dgm:prSet>
+      <dgm:spPr/>
+      <dgm:t>
+        <a:bodyPr/>
+        <a:lstStyle/>
+        <a:p>
+          <a:r>
+            <a:rPr lang="en-US" dirty="0"/>
+            <a:t>Genome</a:t>
+          </a:r>
+        </a:p>
+      </dgm:t>
+    </dgm:pt>
+    <dgm:pt modelId="{991CA309-93EE-4443-B27A-BE85E58236D6}" type="parTrans" cxnId="{C0369263-A5AF-4A38-9830-762E2897672A}">
+      <dgm:prSet/>
+      <dgm:spPr/>
+      <dgm:t>
+        <a:bodyPr/>
+        <a:lstStyle/>
+        <a:p>
+          <a:endParaRPr lang="en-US"/>
+        </a:p>
+      </dgm:t>
+    </dgm:pt>
+    <dgm:pt modelId="{EE7E490B-6FEA-4587-8FF2-84870701CFD1}" type="sibTrans" cxnId="{C0369263-A5AF-4A38-9830-762E2897672A}">
+      <dgm:prSet/>
+      <dgm:spPr/>
+      <dgm:t>
+        <a:bodyPr/>
+        <a:lstStyle/>
+        <a:p>
+          <a:endParaRPr lang="en-US"/>
+        </a:p>
+      </dgm:t>
+    </dgm:pt>
+    <dgm:pt modelId="{054378D9-2749-49D1-A461-37C6B2A4F149}">
+      <dgm:prSet phldrT="[Text]">
+        <dgm:style>
+          <a:lnRef idx="2">
+            <a:schemeClr val="accent6">
+              <a:shade val="50000"/>
+            </a:schemeClr>
+          </a:lnRef>
+          <a:fillRef idx="1">
+            <a:schemeClr val="accent6"/>
+          </a:fillRef>
+          <a:effectRef idx="0">
+            <a:schemeClr val="accent6"/>
+          </a:effectRef>
+          <a:fontRef idx="minor">
+            <a:schemeClr val="lt1"/>
+          </a:fontRef>
+        </dgm:style>
+      </dgm:prSet>
+      <dgm:spPr>
+        <a:ln>
+          <a:solidFill>
+            <a:srgbClr val="FF0000"/>
+          </a:solidFill>
+        </a:ln>
+      </dgm:spPr>
+      <dgm:t>
+        <a:bodyPr/>
+        <a:lstStyle/>
+        <a:p>
+          <a:r>
+            <a:rPr lang="en-US" dirty="0"/>
+            <a:t>Clients/Population</a:t>
+          </a:r>
+        </a:p>
+      </dgm:t>
+    </dgm:pt>
+    <dgm:pt modelId="{259D8CF3-64D7-4D83-B9DD-2DC13AB66FB8}" type="parTrans" cxnId="{6718052F-AA91-4768-8DB1-1E8ACDE05112}">
+      <dgm:prSet/>
+      <dgm:spPr/>
+      <dgm:t>
+        <a:bodyPr/>
+        <a:lstStyle/>
+        <a:p>
+          <a:endParaRPr lang="en-US"/>
+        </a:p>
+      </dgm:t>
+    </dgm:pt>
+    <dgm:pt modelId="{D4853387-648A-4DF7-9090-F8433906A8D7}" type="sibTrans" cxnId="{6718052F-AA91-4768-8DB1-1E8ACDE05112}">
+      <dgm:prSet/>
+      <dgm:spPr/>
+      <dgm:t>
+        <a:bodyPr/>
+        <a:lstStyle/>
+        <a:p>
+          <a:endParaRPr lang="en-US"/>
+        </a:p>
+      </dgm:t>
+    </dgm:pt>
+    <dgm:pt modelId="{6F25421D-FE4E-4EF4-831F-7D9FBCF8D5C1}">
+      <dgm:prSet phldrT="[Text]">
+        <dgm:style>
+          <a:lnRef idx="2">
+            <a:schemeClr val="accent4">
+              <a:shade val="50000"/>
+            </a:schemeClr>
+          </a:lnRef>
+          <a:fillRef idx="1">
+            <a:schemeClr val="accent4"/>
+          </a:fillRef>
+          <a:effectRef idx="0">
+            <a:schemeClr val="accent4"/>
+          </a:effectRef>
+          <a:fontRef idx="minor">
+            <a:schemeClr val="lt1"/>
+          </a:fontRef>
+        </dgm:style>
+      </dgm:prSet>
+      <dgm:spPr/>
+      <dgm:t>
+        <a:bodyPr/>
+        <a:lstStyle/>
+        <a:p>
+          <a:r>
+            <a:rPr lang="en-US" dirty="0"/>
+            <a:t>Species</a:t>
+          </a:r>
+        </a:p>
+      </dgm:t>
+    </dgm:pt>
+    <dgm:pt modelId="{767B0127-3FB7-49C0-941C-7FC559308A72}" type="parTrans" cxnId="{87CDC757-9A42-457E-8F83-104DCCE519DA}">
+      <dgm:prSet/>
+      <dgm:spPr/>
+      <dgm:t>
+        <a:bodyPr/>
+        <a:lstStyle/>
+        <a:p>
+          <a:endParaRPr lang="en-US"/>
+        </a:p>
+      </dgm:t>
+    </dgm:pt>
+    <dgm:pt modelId="{AEA97A94-36AC-4054-B671-173FFB244580}" type="sibTrans" cxnId="{87CDC757-9A42-457E-8F83-104DCCE519DA}">
+      <dgm:prSet/>
+      <dgm:spPr/>
+      <dgm:t>
+        <a:bodyPr/>
+        <a:lstStyle/>
+        <a:p>
+          <a:endParaRPr lang="en-US"/>
+        </a:p>
+      </dgm:t>
+    </dgm:pt>
+    <dgm:pt modelId="{FF90D0A9-5799-4B75-A241-7A7F6C206EAF}">
+      <dgm:prSet phldrT="[Text]">
+        <dgm:style>
+          <a:lnRef idx="3">
+            <a:schemeClr val="lt1"/>
+          </a:lnRef>
+          <a:fillRef idx="1">
+            <a:schemeClr val="accent1"/>
+          </a:fillRef>
+          <a:effectRef idx="1">
+            <a:schemeClr val="accent1"/>
+          </a:effectRef>
+          <a:fontRef idx="minor">
+            <a:schemeClr val="lt1"/>
+          </a:fontRef>
+        </dgm:style>
+      </dgm:prSet>
+      <dgm:spPr/>
+      <dgm:t>
+        <a:bodyPr/>
+        <a:lstStyle/>
+        <a:p>
+          <a:r>
+            <a:rPr lang="en-US" dirty="0"/>
+            <a:t>Neat (CNS)</a:t>
+          </a:r>
+        </a:p>
+      </dgm:t>
+    </dgm:pt>
+    <dgm:pt modelId="{30E08811-507D-4E58-BE89-625FE523E650}" type="parTrans" cxnId="{E893065A-6801-45A9-A44E-9B8D4310C215}">
+      <dgm:prSet/>
+      <dgm:spPr/>
+      <dgm:t>
+        <a:bodyPr/>
+        <a:lstStyle/>
+        <a:p>
+          <a:endParaRPr lang="en-US"/>
+        </a:p>
+      </dgm:t>
+    </dgm:pt>
+    <dgm:pt modelId="{BA86245B-E92F-4C79-A344-54A7477A15BF}" type="sibTrans" cxnId="{E893065A-6801-45A9-A44E-9B8D4310C215}">
+      <dgm:prSet/>
+      <dgm:spPr/>
+      <dgm:t>
+        <a:bodyPr/>
+        <a:lstStyle/>
+        <a:p>
+          <a:endParaRPr lang="en-US"/>
+        </a:p>
+      </dgm:t>
+    </dgm:pt>
+    <dgm:pt modelId="{03E595A6-C9F5-4584-B0DE-AF722B72D9BA}">
+      <dgm:prSet phldrT="[Text]"/>
+      <dgm:spPr/>
+      <dgm:t>
+        <a:bodyPr/>
+        <a:lstStyle/>
+        <a:p>
+          <a:r>
+            <a:rPr lang="en-US" dirty="0"/>
+            <a:t>Nodes</a:t>
+          </a:r>
+        </a:p>
+      </dgm:t>
+    </dgm:pt>
+    <dgm:pt modelId="{866FBE40-BB11-41FB-8227-13CB57534ACF}" type="parTrans" cxnId="{3D82E3EC-E29B-45D7-92B1-C817DDC8F3E3}">
+      <dgm:prSet/>
+      <dgm:spPr/>
+      <dgm:t>
+        <a:bodyPr/>
+        <a:lstStyle/>
+        <a:p>
+          <a:endParaRPr lang="en-US"/>
+        </a:p>
+      </dgm:t>
+    </dgm:pt>
+    <dgm:pt modelId="{EF348EF7-9CB1-4AC4-8271-2BE7DC3AF9AA}" type="sibTrans" cxnId="{3D82E3EC-E29B-45D7-92B1-C817DDC8F3E3}">
+      <dgm:prSet/>
+      <dgm:spPr/>
+      <dgm:t>
+        <a:bodyPr/>
+        <a:lstStyle/>
+        <a:p>
+          <a:endParaRPr lang="en-US"/>
+        </a:p>
+      </dgm:t>
+    </dgm:pt>
+    <dgm:pt modelId="{604A60B7-3578-4D62-9D02-9140DAB6227F}">
+      <dgm:prSet phldrT="[Text]"/>
+      <dgm:spPr/>
+      <dgm:t>
+        <a:bodyPr/>
+        <a:lstStyle/>
+        <a:p>
+          <a:r>
+            <a:rPr lang="en-US" dirty="0"/>
+            <a:t>Innovation Number</a:t>
+          </a:r>
+        </a:p>
+      </dgm:t>
+    </dgm:pt>
+    <dgm:pt modelId="{BE9C3469-69F7-4136-80B9-ADE0DEFAA2D3}" type="parTrans" cxnId="{83F71514-1CE1-43BC-B04E-276CD3D81AE2}">
+      <dgm:prSet/>
+      <dgm:spPr/>
+      <dgm:t>
+        <a:bodyPr/>
+        <a:lstStyle/>
+        <a:p>
+          <a:endParaRPr lang="en-US"/>
+        </a:p>
+      </dgm:t>
+    </dgm:pt>
+    <dgm:pt modelId="{66236A48-4E0A-494F-8685-B9175B97B179}" type="sibTrans" cxnId="{83F71514-1CE1-43BC-B04E-276CD3D81AE2}">
+      <dgm:prSet/>
+      <dgm:spPr/>
+      <dgm:t>
+        <a:bodyPr/>
+        <a:lstStyle/>
+        <a:p>
+          <a:endParaRPr lang="en-US"/>
+        </a:p>
+      </dgm:t>
+    </dgm:pt>
+    <dgm:pt modelId="{B8D402BE-11AD-492E-8DCA-335122B6E152}">
+      <dgm:prSet phldrT="[Text]"/>
+      <dgm:spPr/>
+      <dgm:t>
+        <a:bodyPr/>
+        <a:lstStyle/>
+        <a:p>
+          <a:r>
+            <a:rPr lang="en-US" dirty="0"/>
+            <a:t>Connections</a:t>
+          </a:r>
+        </a:p>
+      </dgm:t>
+    </dgm:pt>
+    <dgm:pt modelId="{50736BEE-6405-448F-8251-4C344CDBC5C7}" type="parTrans" cxnId="{78C5C27C-5099-4612-BA8F-CB8A97A3DA00}">
+      <dgm:prSet/>
+      <dgm:spPr/>
+      <dgm:t>
+        <a:bodyPr/>
+        <a:lstStyle/>
+        <a:p>
+          <a:endParaRPr lang="en-US"/>
+        </a:p>
+      </dgm:t>
+    </dgm:pt>
+    <dgm:pt modelId="{EE3EF4A2-0304-4D80-B5D7-00EB06835FFD}" type="sibTrans" cxnId="{78C5C27C-5099-4612-BA8F-CB8A97A3DA00}">
+      <dgm:prSet/>
+      <dgm:spPr/>
+      <dgm:t>
+        <a:bodyPr/>
+        <a:lstStyle/>
+        <a:p>
+          <a:endParaRPr lang="en-US"/>
+        </a:p>
+      </dgm:t>
+    </dgm:pt>
+    <dgm:pt modelId="{B8EAB49C-ABE4-4BB4-B883-272A6285DEA5}">
+      <dgm:prSet phldrT="[Text]"/>
+      <dgm:spPr/>
+      <dgm:t>
+        <a:bodyPr/>
+        <a:lstStyle/>
+        <a:p>
+          <a:r>
+            <a:rPr lang="en-US" dirty="0"/>
+            <a:t>From</a:t>
+          </a:r>
+        </a:p>
+      </dgm:t>
+    </dgm:pt>
+    <dgm:pt modelId="{F6C33896-FE7C-4BCC-9736-628EC409AECB}" type="parTrans" cxnId="{84C46F0D-3E15-4496-BD58-85B3900B9377}">
+      <dgm:prSet/>
+      <dgm:spPr/>
+      <dgm:t>
+        <a:bodyPr/>
+        <a:lstStyle/>
+        <a:p>
+          <a:endParaRPr lang="en-US"/>
+        </a:p>
+      </dgm:t>
+    </dgm:pt>
+    <dgm:pt modelId="{28172D54-A46E-4E11-99F0-89299CF0DF65}" type="sibTrans" cxnId="{84C46F0D-3E15-4496-BD58-85B3900B9377}">
+      <dgm:prSet/>
+      <dgm:spPr/>
+      <dgm:t>
+        <a:bodyPr/>
+        <a:lstStyle/>
+        <a:p>
+          <a:endParaRPr lang="en-US"/>
+        </a:p>
+      </dgm:t>
+    </dgm:pt>
+    <dgm:pt modelId="{6B597C5D-609A-421A-86E0-B5E09758FB6B}">
+      <dgm:prSet phldrT="[Text]"/>
+      <dgm:spPr/>
+      <dgm:t>
+        <a:bodyPr/>
+        <a:lstStyle/>
+        <a:p>
+          <a:r>
+            <a:rPr lang="en-US" dirty="0"/>
+            <a:t>To</a:t>
+          </a:r>
+        </a:p>
+      </dgm:t>
+    </dgm:pt>
+    <dgm:pt modelId="{F598EC38-BB44-461C-8459-250B2FEAB346}" type="parTrans" cxnId="{E26EDAE5-42BE-4C76-802B-DF75247664D8}">
+      <dgm:prSet/>
+      <dgm:spPr/>
+      <dgm:t>
+        <a:bodyPr/>
+        <a:lstStyle/>
+        <a:p>
+          <a:endParaRPr lang="en-US"/>
+        </a:p>
+      </dgm:t>
+    </dgm:pt>
+    <dgm:pt modelId="{B47BDD78-E820-4B03-A256-F8BA9F62943D}" type="sibTrans" cxnId="{E26EDAE5-42BE-4C76-802B-DF75247664D8}">
+      <dgm:prSet/>
+      <dgm:spPr/>
+      <dgm:t>
+        <a:bodyPr/>
+        <a:lstStyle/>
+        <a:p>
+          <a:endParaRPr lang="en-US"/>
+        </a:p>
+      </dgm:t>
+    </dgm:pt>
+    <dgm:pt modelId="{1F6555BE-D702-4F09-AE56-5B620E1BA045}">
+      <dgm:prSet phldrT="[Text]"/>
+      <dgm:spPr/>
+      <dgm:t>
+        <a:bodyPr/>
+        <a:lstStyle/>
+        <a:p>
+          <a:r>
+            <a:rPr lang="en-US" dirty="0"/>
+            <a:t>Weight</a:t>
+          </a:r>
+        </a:p>
+      </dgm:t>
+    </dgm:pt>
+    <dgm:pt modelId="{AD459252-5CCB-4BA1-B446-7FD6ABB9589C}" type="parTrans" cxnId="{8473EFEF-555C-4365-BB2F-C196B0AF220C}">
+      <dgm:prSet/>
+      <dgm:spPr/>
+      <dgm:t>
+        <a:bodyPr/>
+        <a:lstStyle/>
+        <a:p>
+          <a:endParaRPr lang="en-US"/>
+        </a:p>
+      </dgm:t>
+    </dgm:pt>
+    <dgm:pt modelId="{F453C540-A928-4F68-AAB1-D77E25F94882}" type="sibTrans" cxnId="{8473EFEF-555C-4365-BB2F-C196B0AF220C}">
+      <dgm:prSet/>
+      <dgm:spPr/>
+      <dgm:t>
+        <a:bodyPr/>
+        <a:lstStyle/>
+        <a:p>
+          <a:endParaRPr lang="en-US"/>
+        </a:p>
+      </dgm:t>
+    </dgm:pt>
+    <dgm:pt modelId="{9452BB44-BD98-440D-9793-794D80160618}">
+      <dgm:prSet phldrT="[Text]">
+        <dgm:style>
+          <a:lnRef idx="3">
+            <a:schemeClr val="lt1"/>
+          </a:lnRef>
+          <a:fillRef idx="1">
+            <a:schemeClr val="accent1"/>
+          </a:fillRef>
+          <a:effectRef idx="1">
+            <a:schemeClr val="accent1"/>
+          </a:effectRef>
+          <a:fontRef idx="minor">
+            <a:schemeClr val="lt1"/>
+          </a:fontRef>
+        </dgm:style>
+      </dgm:prSet>
+      <dgm:spPr/>
+      <dgm:t>
+        <a:bodyPr/>
+        <a:lstStyle/>
+        <a:p>
+          <a:r>
+            <a:rPr lang="en-US" dirty="0"/>
+            <a:t>Representative</a:t>
+          </a:r>
+        </a:p>
+      </dgm:t>
+    </dgm:pt>
+    <dgm:pt modelId="{17DEC2F4-8614-4C90-8D28-0D477284B485}" type="parTrans" cxnId="{07577536-A3E3-4184-9F54-6A5B3D99B659}">
+      <dgm:prSet/>
+      <dgm:spPr/>
+      <dgm:t>
+        <a:bodyPr/>
+        <a:lstStyle/>
+        <a:p>
+          <a:endParaRPr lang="en-US"/>
+        </a:p>
+      </dgm:t>
+    </dgm:pt>
+    <dgm:pt modelId="{C810A5E7-643E-4252-9732-89B41F374EE0}" type="sibTrans" cxnId="{07577536-A3E3-4184-9F54-6A5B3D99B659}">
+      <dgm:prSet/>
+      <dgm:spPr/>
+      <dgm:t>
+        <a:bodyPr/>
+        <a:lstStyle/>
+        <a:p>
+          <a:endParaRPr lang="en-US"/>
+        </a:p>
+      </dgm:t>
+    </dgm:pt>
+    <dgm:pt modelId="{D4306519-F590-49FA-BCA0-E14EAA6DD927}">
+      <dgm:prSet phldrT="[Text]">
+        <dgm:style>
+          <a:lnRef idx="3">
+            <a:schemeClr val="lt1"/>
+          </a:lnRef>
+          <a:fillRef idx="1">
+            <a:schemeClr val="accent1"/>
+          </a:fillRef>
+          <a:effectRef idx="1">
+            <a:schemeClr val="accent1"/>
+          </a:effectRef>
+          <a:fontRef idx="minor">
+            <a:schemeClr val="lt1"/>
+          </a:fontRef>
+        </dgm:style>
+      </dgm:prSet>
+      <dgm:spPr/>
+      <dgm:t>
+        <a:bodyPr/>
+        <a:lstStyle/>
+        <a:p>
+          <a:r>
+            <a:rPr lang="en-US" dirty="0"/>
+            <a:t>Score</a:t>
+          </a:r>
+        </a:p>
+      </dgm:t>
+    </dgm:pt>
+    <dgm:pt modelId="{705612D1-7896-4C44-9760-808D65B816EE}" type="parTrans" cxnId="{588F3921-3FED-4F9A-97A4-C05ED7F251A9}">
+      <dgm:prSet/>
+      <dgm:spPr/>
+      <dgm:t>
+        <a:bodyPr/>
+        <a:lstStyle/>
+        <a:p>
+          <a:endParaRPr lang="en-US"/>
+        </a:p>
+      </dgm:t>
+    </dgm:pt>
+    <dgm:pt modelId="{C598BFC8-A029-4855-9511-6F499F7124F5}" type="sibTrans" cxnId="{588F3921-3FED-4F9A-97A4-C05ED7F251A9}">
+      <dgm:prSet/>
+      <dgm:spPr/>
+      <dgm:t>
+        <a:bodyPr/>
+        <a:lstStyle/>
+        <a:p>
+          <a:endParaRPr lang="en-US"/>
+        </a:p>
+      </dgm:t>
+    </dgm:pt>
+    <dgm:pt modelId="{E960504A-0299-4614-8EBD-BE626F6EAC77}">
+      <dgm:prSet phldrT="[Text]">
+        <dgm:style>
+          <a:lnRef idx="3">
+            <a:schemeClr val="lt1"/>
+          </a:lnRef>
+          <a:fillRef idx="1">
+            <a:schemeClr val="accent1"/>
+          </a:fillRef>
+          <a:effectRef idx="1">
+            <a:schemeClr val="accent1"/>
+          </a:effectRef>
+          <a:fontRef idx="minor">
+            <a:schemeClr val="lt1"/>
+          </a:fontRef>
+        </dgm:style>
+      </dgm:prSet>
+      <dgm:spPr/>
+      <dgm:t>
+        <a:bodyPr/>
+        <a:lstStyle/>
+        <a:p>
+          <a:r>
+            <a:rPr lang="en-US" dirty="0"/>
+            <a:t>Calculator</a:t>
+          </a:r>
+        </a:p>
+      </dgm:t>
+    </dgm:pt>
+    <dgm:pt modelId="{17B3E8F5-642E-453B-AA65-DECA12BFEF7A}" type="parTrans" cxnId="{A9B3C162-525E-40DF-946B-485C89D8820F}">
+      <dgm:prSet/>
+      <dgm:spPr/>
+      <dgm:t>
+        <a:bodyPr/>
+        <a:lstStyle/>
+        <a:p>
+          <a:endParaRPr lang="en-US"/>
+        </a:p>
+      </dgm:t>
+    </dgm:pt>
+    <dgm:pt modelId="{10BF754F-D3CC-459F-9D30-43750D58AFA5}" type="sibTrans" cxnId="{A9B3C162-525E-40DF-946B-485C89D8820F}">
+      <dgm:prSet/>
+      <dgm:spPr/>
+      <dgm:t>
+        <a:bodyPr/>
+        <a:lstStyle/>
+        <a:p>
+          <a:endParaRPr lang="en-US"/>
+        </a:p>
+      </dgm:t>
+    </dgm:pt>
+    <dgm:pt modelId="{01655F1E-6D0F-40CA-AF2E-9374397295D0}">
+      <dgm:prSet phldrT="[Text]">
+        <dgm:style>
+          <a:lnRef idx="3">
+            <a:schemeClr val="lt1"/>
+          </a:lnRef>
+          <a:fillRef idx="1">
+            <a:schemeClr val="accent1"/>
+          </a:fillRef>
+          <a:effectRef idx="1">
+            <a:schemeClr val="accent1"/>
+          </a:effectRef>
+          <a:fontRef idx="minor">
+            <a:schemeClr val="lt1"/>
+          </a:fontRef>
+        </dgm:style>
+      </dgm:prSet>
+      <dgm:spPr/>
+      <dgm:t>
+        <a:bodyPr/>
+        <a:lstStyle/>
+        <a:p>
+          <a:r>
+            <a:rPr lang="en-US" dirty="0"/>
+            <a:t>Crossover</a:t>
+          </a:r>
+        </a:p>
+      </dgm:t>
+    </dgm:pt>
+    <dgm:pt modelId="{866FF2BE-6DA3-4BFF-A425-6D8AEDC2788C}" type="parTrans" cxnId="{1286D603-B0D0-4B63-838A-14DCE4DC7963}">
+      <dgm:prSet/>
+      <dgm:spPr/>
+      <dgm:t>
+        <a:bodyPr/>
+        <a:lstStyle/>
+        <a:p>
+          <a:endParaRPr lang="en-US"/>
+        </a:p>
+      </dgm:t>
+    </dgm:pt>
+    <dgm:pt modelId="{7FD19241-5EF1-4DD8-991C-3AD41F8A9F93}" type="sibTrans" cxnId="{1286D603-B0D0-4B63-838A-14DCE4DC7963}">
+      <dgm:prSet/>
+      <dgm:spPr/>
+      <dgm:t>
+        <a:bodyPr/>
+        <a:lstStyle/>
+        <a:p>
+          <a:endParaRPr lang="en-US"/>
+        </a:p>
+      </dgm:t>
+    </dgm:pt>
+    <dgm:pt modelId="{FED7F6F8-9557-4D79-814B-E133F404D2D4}">
+      <dgm:prSet phldrT="[Text]">
+        <dgm:style>
+          <a:lnRef idx="3">
+            <a:schemeClr val="lt1"/>
+          </a:lnRef>
+          <a:fillRef idx="1">
+            <a:schemeClr val="accent1"/>
+          </a:fillRef>
+          <a:effectRef idx="1">
+            <a:schemeClr val="accent1"/>
+          </a:effectRef>
+          <a:fontRef idx="minor">
+            <a:schemeClr val="lt1"/>
+          </a:fontRef>
+        </dgm:style>
+      </dgm:prSet>
+      <dgm:spPr/>
+      <dgm:t>
+        <a:bodyPr/>
+        <a:lstStyle/>
+        <a:p>
+          <a:r>
+            <a:rPr lang="en-US" dirty="0"/>
+            <a:t>Evolve</a:t>
+          </a:r>
+        </a:p>
+      </dgm:t>
+    </dgm:pt>
+    <dgm:pt modelId="{F4BF5055-D3DD-44D3-A6B0-D0A8FAA9DB38}" type="parTrans" cxnId="{5378B800-884E-41FB-A7C7-3A3ADA05DD63}">
+      <dgm:prSet/>
+      <dgm:spPr/>
+      <dgm:t>
+        <a:bodyPr/>
+        <a:lstStyle/>
+        <a:p>
+          <a:endParaRPr lang="en-US"/>
+        </a:p>
+      </dgm:t>
+    </dgm:pt>
+    <dgm:pt modelId="{3664C3C4-BC27-4376-9B34-28660CE390D3}" type="sibTrans" cxnId="{5378B800-884E-41FB-A7C7-3A3ADA05DD63}">
+      <dgm:prSet/>
+      <dgm:spPr/>
+      <dgm:t>
+        <a:bodyPr/>
+        <a:lstStyle/>
+        <a:p>
+          <a:endParaRPr lang="en-US"/>
+        </a:p>
+      </dgm:t>
+    </dgm:pt>
+    <dgm:pt modelId="{8EE82011-8157-41E3-ACB4-4C763BD1F4A7}">
+      <dgm:prSet phldrT="[Text]"/>
+      <dgm:spPr/>
+      <dgm:t>
+        <a:bodyPr/>
+        <a:lstStyle/>
+        <a:p>
+          <a:r>
+            <a:rPr lang="en-US" dirty="0"/>
+            <a:t>Mutation</a:t>
+          </a:r>
+        </a:p>
+      </dgm:t>
+    </dgm:pt>
+    <dgm:pt modelId="{F28AAB0C-26ED-41AD-AD31-EDE4088E14D0}" type="parTrans" cxnId="{305460F0-011C-41E3-B81B-5DD370FCE086}">
+      <dgm:prSet/>
+      <dgm:spPr/>
+      <dgm:t>
+        <a:bodyPr/>
+        <a:lstStyle/>
+        <a:p>
+          <a:endParaRPr lang="en-US"/>
+        </a:p>
+      </dgm:t>
+    </dgm:pt>
+    <dgm:pt modelId="{60FBA379-BA16-40E3-AB66-7E08394413DC}" type="sibTrans" cxnId="{305460F0-011C-41E3-B81B-5DD370FCE086}">
+      <dgm:prSet/>
+      <dgm:spPr/>
+      <dgm:t>
+        <a:bodyPr/>
+        <a:lstStyle/>
+        <a:p>
+          <a:endParaRPr lang="en-US"/>
+        </a:p>
+      </dgm:t>
+    </dgm:pt>
+    <dgm:pt modelId="{BB0DF3B9-9A5E-4D0F-A42D-2F08945EF1BD}">
+      <dgm:prSet phldrT="[Text]">
+        <dgm:style>
+          <a:lnRef idx="3">
+            <a:schemeClr val="lt1"/>
+          </a:lnRef>
+          <a:fillRef idx="1">
+            <a:schemeClr val="accent1"/>
+          </a:fillRef>
+          <a:effectRef idx="1">
+            <a:schemeClr val="accent1"/>
+          </a:effectRef>
+          <a:fontRef idx="minor">
+            <a:schemeClr val="lt1"/>
+          </a:fontRef>
+        </dgm:style>
+      </dgm:prSet>
+      <dgm:spPr/>
+      <dgm:t>
+        <a:bodyPr/>
+        <a:lstStyle/>
+        <a:p>
+          <a:r>
+            <a:rPr lang="en-US" dirty="0"/>
+            <a:t>Connections</a:t>
+          </a:r>
+        </a:p>
+      </dgm:t>
+    </dgm:pt>
+    <dgm:pt modelId="{3FF5A06C-8CF5-4506-BD3F-6135CA64DABA}" type="parTrans" cxnId="{ED127DCD-A492-4018-8295-052B4CCEBB2C}">
+      <dgm:prSet/>
+      <dgm:spPr/>
+      <dgm:t>
+        <a:bodyPr/>
+        <a:lstStyle/>
+        <a:p>
+          <a:endParaRPr lang="en-US"/>
+        </a:p>
+      </dgm:t>
+    </dgm:pt>
+    <dgm:pt modelId="{379A4FBC-270D-4654-BBC9-C9031C22E653}" type="sibTrans" cxnId="{ED127DCD-A492-4018-8295-052B4CCEBB2C}">
+      <dgm:prSet/>
+      <dgm:spPr/>
+      <dgm:t>
+        <a:bodyPr/>
+        <a:lstStyle/>
+        <a:p>
+          <a:endParaRPr lang="en-US"/>
+        </a:p>
+      </dgm:t>
+    </dgm:pt>
+    <dgm:pt modelId="{63A5B68F-7757-465B-BD97-D2E9270EA9BB}">
+      <dgm:prSet phldrT="[Text]">
+        <dgm:style>
+          <a:lnRef idx="3">
+            <a:schemeClr val="lt1"/>
+          </a:lnRef>
+          <a:fillRef idx="1">
+            <a:schemeClr val="accent1"/>
+          </a:fillRef>
+          <a:effectRef idx="1">
+            <a:schemeClr val="accent1"/>
+          </a:effectRef>
+          <a:fontRef idx="minor">
+            <a:schemeClr val="lt1"/>
+          </a:fontRef>
+        </dgm:style>
+      </dgm:prSet>
+      <dgm:spPr/>
+      <dgm:t>
+        <a:bodyPr/>
+        <a:lstStyle/>
+        <a:p>
+          <a:r>
+            <a:rPr lang="en-US" dirty="0"/>
+            <a:t>Nodes</a:t>
+          </a:r>
+        </a:p>
+      </dgm:t>
+    </dgm:pt>
+    <dgm:pt modelId="{169A2377-497A-400E-92B6-BB709F7D7DA2}" type="parTrans" cxnId="{CC4F6895-229B-42F5-91CB-AECCBF420DF8}">
+      <dgm:prSet/>
+      <dgm:spPr/>
+      <dgm:t>
+        <a:bodyPr/>
+        <a:lstStyle/>
+        <a:p>
+          <a:endParaRPr lang="en-US"/>
+        </a:p>
+      </dgm:t>
+    </dgm:pt>
+    <dgm:pt modelId="{218262CD-F29F-4549-BC82-3CAAEDA869BD}" type="sibTrans" cxnId="{CC4F6895-229B-42F5-91CB-AECCBF420DF8}">
+      <dgm:prSet/>
+      <dgm:spPr/>
+      <dgm:t>
+        <a:bodyPr/>
+        <a:lstStyle/>
+        <a:p>
+          <a:endParaRPr lang="en-US"/>
+        </a:p>
+      </dgm:t>
+    </dgm:pt>
+    <dgm:pt modelId="{C7AC09FA-285B-4A53-92AF-67E5F1838A26}" type="pres">
+      <dgm:prSet presAssocID="{37BD702E-660E-4277-8183-4DD6AE9D2A57}" presName="mainComposite" presStyleCnt="0">
+        <dgm:presLayoutVars>
+          <dgm:chPref val="1"/>
+          <dgm:dir/>
+          <dgm:animOne val="branch"/>
+          <dgm:animLvl val="lvl"/>
+          <dgm:resizeHandles val="exact"/>
+        </dgm:presLayoutVars>
+      </dgm:prSet>
+      <dgm:spPr/>
+    </dgm:pt>
+    <dgm:pt modelId="{94436D4B-103B-4271-A68D-0E0C125B6827}" type="pres">
+      <dgm:prSet presAssocID="{37BD702E-660E-4277-8183-4DD6AE9D2A57}" presName="hierFlow" presStyleCnt="0"/>
+      <dgm:spPr/>
+    </dgm:pt>
+    <dgm:pt modelId="{933E3AA3-2AF3-4EE6-AE55-5A53E30FB16D}" type="pres">
+      <dgm:prSet presAssocID="{37BD702E-660E-4277-8183-4DD6AE9D2A57}" presName="hierChild1" presStyleCnt="0">
+        <dgm:presLayoutVars>
+          <dgm:chPref val="1"/>
+          <dgm:animOne val="branch"/>
+          <dgm:animLvl val="lvl"/>
+        </dgm:presLayoutVars>
+      </dgm:prSet>
+      <dgm:spPr/>
+    </dgm:pt>
+    <dgm:pt modelId="{616C74C7-72D5-4F68-AD31-EF0F3D090B69}" type="pres">
+      <dgm:prSet presAssocID="{054378D9-2749-49D1-A461-37C6B2A4F149}" presName="Name14" presStyleCnt="0"/>
+      <dgm:spPr/>
+    </dgm:pt>
+    <dgm:pt modelId="{2822A21A-804E-4E59-AEB4-28B90FDF416D}" type="pres">
+      <dgm:prSet presAssocID="{054378D9-2749-49D1-A461-37C6B2A4F149}" presName="level1Shape" presStyleLbl="node0" presStyleIdx="0" presStyleCnt="1">
+        <dgm:presLayoutVars>
+          <dgm:chPref val="3"/>
+        </dgm:presLayoutVars>
+      </dgm:prSet>
+      <dgm:spPr/>
+    </dgm:pt>
+    <dgm:pt modelId="{E283B180-0170-40DC-9C66-43F25FC7E0D9}" type="pres">
+      <dgm:prSet presAssocID="{054378D9-2749-49D1-A461-37C6B2A4F149}" presName="hierChild2" presStyleCnt="0"/>
+      <dgm:spPr/>
+    </dgm:pt>
+    <dgm:pt modelId="{7C950FBD-90BC-4A27-B227-A079DE2321D3}" type="pres">
+      <dgm:prSet presAssocID="{767B0127-3FB7-49C0-941C-7FC559308A72}" presName="Name19" presStyleLbl="parChTrans1D2" presStyleIdx="0" presStyleCnt="1"/>
+      <dgm:spPr/>
+    </dgm:pt>
+    <dgm:pt modelId="{31463D65-F611-491D-ABB3-504BDFBFC329}" type="pres">
+      <dgm:prSet presAssocID="{6F25421D-FE4E-4EF4-831F-7D9FBCF8D5C1}" presName="Name21" presStyleCnt="0"/>
+      <dgm:spPr/>
+    </dgm:pt>
+    <dgm:pt modelId="{1C410DC4-DE26-4848-8CEB-1F788D0EA855}" type="pres">
+      <dgm:prSet presAssocID="{6F25421D-FE4E-4EF4-831F-7D9FBCF8D5C1}" presName="level2Shape" presStyleLbl="node2" presStyleIdx="0" presStyleCnt="1"/>
+      <dgm:spPr/>
+    </dgm:pt>
+    <dgm:pt modelId="{3804B618-E1CF-46EE-B776-2584621C7CFF}" type="pres">
+      <dgm:prSet presAssocID="{6F25421D-FE4E-4EF4-831F-7D9FBCF8D5C1}" presName="hierChild3" presStyleCnt="0"/>
+      <dgm:spPr/>
+    </dgm:pt>
+    <dgm:pt modelId="{F1FB9FBC-64EE-4FFB-8ACD-14A57B4DE8B2}" type="pres">
+      <dgm:prSet presAssocID="{F4BF5055-D3DD-44D3-A6B0-D0A8FAA9DB38}" presName="Name19" presStyleLbl="parChTrans1D3" presStyleIdx="0" presStyleCnt="4"/>
+      <dgm:spPr/>
+    </dgm:pt>
+    <dgm:pt modelId="{13D7766A-CA3A-46FD-8BE1-ACE5EDC5752D}" type="pres">
+      <dgm:prSet presAssocID="{FED7F6F8-9557-4D79-814B-E133F404D2D4}" presName="Name21" presStyleCnt="0"/>
+      <dgm:spPr/>
+    </dgm:pt>
+    <dgm:pt modelId="{3F32A1B1-840B-4CF7-98E4-7BB1BD0F9D48}" type="pres">
+      <dgm:prSet presAssocID="{FED7F6F8-9557-4D79-814B-E133F404D2D4}" presName="level2Shape" presStyleLbl="node3" presStyleIdx="0" presStyleCnt="4"/>
+      <dgm:spPr/>
+    </dgm:pt>
+    <dgm:pt modelId="{64F5B41A-0B06-4FDE-A8EC-9D7222BE59A3}" type="pres">
+      <dgm:prSet presAssocID="{FED7F6F8-9557-4D79-814B-E133F404D2D4}" presName="hierChild3" presStyleCnt="0"/>
+      <dgm:spPr/>
+    </dgm:pt>
+    <dgm:pt modelId="{17B3F5FB-71A9-4286-A8A2-DD389165186D}" type="pres">
+      <dgm:prSet presAssocID="{17DEC2F4-8614-4C90-8D28-0D477284B485}" presName="Name19" presStyleLbl="parChTrans1D3" presStyleIdx="1" presStyleCnt="4"/>
+      <dgm:spPr/>
+    </dgm:pt>
+    <dgm:pt modelId="{053E02EF-5EE4-4894-86BC-76648310A1C6}" type="pres">
+      <dgm:prSet presAssocID="{9452BB44-BD98-440D-9793-794D80160618}" presName="Name21" presStyleCnt="0"/>
+      <dgm:spPr/>
+    </dgm:pt>
+    <dgm:pt modelId="{A86792A7-B2E4-4A69-BA2F-295CC4C6D9E4}" type="pres">
+      <dgm:prSet presAssocID="{9452BB44-BD98-440D-9793-794D80160618}" presName="level2Shape" presStyleLbl="node3" presStyleIdx="1" presStyleCnt="4"/>
+      <dgm:spPr/>
+    </dgm:pt>
+    <dgm:pt modelId="{7CCFE0F6-D88D-41B1-A1B4-FA195E47E336}" type="pres">
+      <dgm:prSet presAssocID="{9452BB44-BD98-440D-9793-794D80160618}" presName="hierChild3" presStyleCnt="0"/>
+      <dgm:spPr/>
+    </dgm:pt>
+    <dgm:pt modelId="{74C05282-5E7E-4F7F-91FC-14FE553BFA24}" type="pres">
+      <dgm:prSet presAssocID="{991CA309-93EE-4443-B27A-BE85E58236D6}" presName="Name19" presStyleLbl="parChTrans1D3" presStyleIdx="2" presStyleCnt="4"/>
+      <dgm:spPr/>
+    </dgm:pt>
+    <dgm:pt modelId="{C445A209-01C2-4180-87AF-322E10EE9690}" type="pres">
+      <dgm:prSet presAssocID="{E07F6448-8900-4AC5-A46C-B58AF4266010}" presName="Name21" presStyleCnt="0"/>
+      <dgm:spPr/>
+    </dgm:pt>
+    <dgm:pt modelId="{301CFCC0-A3C2-4D25-A3AB-A5812BCE6116}" type="pres">
+      <dgm:prSet presAssocID="{E07F6448-8900-4AC5-A46C-B58AF4266010}" presName="level2Shape" presStyleLbl="node3" presStyleIdx="2" presStyleCnt="4"/>
+      <dgm:spPr/>
+    </dgm:pt>
+    <dgm:pt modelId="{052DF241-59DA-42A6-A33C-731E6015A814}" type="pres">
+      <dgm:prSet presAssocID="{E07F6448-8900-4AC5-A46C-B58AF4266010}" presName="hierChild3" presStyleCnt="0"/>
+      <dgm:spPr/>
+    </dgm:pt>
+    <dgm:pt modelId="{03F7C53C-6D4E-4829-909F-323AB91B1296}" type="pres">
+      <dgm:prSet presAssocID="{705612D1-7896-4C44-9760-808D65B816EE}" presName="Name19" presStyleLbl="parChTrans1D4" presStyleIdx="0" presStyleCnt="12"/>
+      <dgm:spPr/>
+    </dgm:pt>
+    <dgm:pt modelId="{34718241-C172-4CE6-8EF3-CE623537E20D}" type="pres">
+      <dgm:prSet presAssocID="{D4306519-F590-49FA-BCA0-E14EAA6DD927}" presName="Name21" presStyleCnt="0"/>
+      <dgm:spPr/>
+    </dgm:pt>
+    <dgm:pt modelId="{0ED10509-3646-4A3A-BD1F-1FC9EA9BC892}" type="pres">
+      <dgm:prSet presAssocID="{D4306519-F590-49FA-BCA0-E14EAA6DD927}" presName="level2Shape" presStyleLbl="node4" presStyleIdx="0" presStyleCnt="12"/>
+      <dgm:spPr/>
+    </dgm:pt>
+    <dgm:pt modelId="{8310FC2B-5B2D-4F51-9CA5-B1218E9CC6B6}" type="pres">
+      <dgm:prSet presAssocID="{D4306519-F590-49FA-BCA0-E14EAA6DD927}" presName="hierChild3" presStyleCnt="0"/>
+      <dgm:spPr/>
+    </dgm:pt>
+    <dgm:pt modelId="{0C8C9958-4820-4374-A922-DAF7D56A8E9E}" type="pres">
+      <dgm:prSet presAssocID="{3FF5A06C-8CF5-4506-BD3F-6135CA64DABA}" presName="Name19" presStyleLbl="parChTrans1D4" presStyleIdx="1" presStyleCnt="12"/>
+      <dgm:spPr/>
+    </dgm:pt>
+    <dgm:pt modelId="{740AB084-FE68-45B2-8332-16EFD1165138}" type="pres">
+      <dgm:prSet presAssocID="{BB0DF3B9-9A5E-4D0F-A42D-2F08945EF1BD}" presName="Name21" presStyleCnt="0"/>
+      <dgm:spPr/>
+    </dgm:pt>
+    <dgm:pt modelId="{1F834226-6D09-407A-A0BB-730835C412EE}" type="pres">
+      <dgm:prSet presAssocID="{BB0DF3B9-9A5E-4D0F-A42D-2F08945EF1BD}" presName="level2Shape" presStyleLbl="node4" presStyleIdx="1" presStyleCnt="12"/>
+      <dgm:spPr/>
+    </dgm:pt>
+    <dgm:pt modelId="{9982318B-2CC4-4105-A009-5837E829CC6A}" type="pres">
+      <dgm:prSet presAssocID="{BB0DF3B9-9A5E-4D0F-A42D-2F08945EF1BD}" presName="hierChild3" presStyleCnt="0"/>
+      <dgm:spPr/>
+    </dgm:pt>
+    <dgm:pt modelId="{841589F9-D596-4B9E-A097-D4BDD79ADD6F}" type="pres">
+      <dgm:prSet presAssocID="{169A2377-497A-400E-92B6-BB709F7D7DA2}" presName="Name19" presStyleLbl="parChTrans1D4" presStyleIdx="2" presStyleCnt="12"/>
+      <dgm:spPr/>
+    </dgm:pt>
+    <dgm:pt modelId="{3918EE8D-92B9-4334-BDAD-3BCBEAB6A433}" type="pres">
+      <dgm:prSet presAssocID="{63A5B68F-7757-465B-BD97-D2E9270EA9BB}" presName="Name21" presStyleCnt="0"/>
+      <dgm:spPr/>
+    </dgm:pt>
+    <dgm:pt modelId="{614BF0A0-EF04-4FBD-9D5C-687B2A3F24FE}" type="pres">
+      <dgm:prSet presAssocID="{63A5B68F-7757-465B-BD97-D2E9270EA9BB}" presName="level2Shape" presStyleLbl="node4" presStyleIdx="2" presStyleCnt="12"/>
+      <dgm:spPr/>
+    </dgm:pt>
+    <dgm:pt modelId="{5F2E39A5-EBFB-45EF-98AB-F3AA569B9344}" type="pres">
+      <dgm:prSet presAssocID="{63A5B68F-7757-465B-BD97-D2E9270EA9BB}" presName="hierChild3" presStyleCnt="0"/>
+      <dgm:spPr/>
+    </dgm:pt>
+    <dgm:pt modelId="{806F9B24-236B-4F64-BA4A-9CA41091028D}" type="pres">
+      <dgm:prSet presAssocID="{17B3E8F5-642E-453B-AA65-DECA12BFEF7A}" presName="Name19" presStyleLbl="parChTrans1D4" presStyleIdx="3" presStyleCnt="12"/>
+      <dgm:spPr/>
+    </dgm:pt>
+    <dgm:pt modelId="{7498D7CB-EEDF-4026-B978-ADD0ECF2BC44}" type="pres">
+      <dgm:prSet presAssocID="{E960504A-0299-4614-8EBD-BE626F6EAC77}" presName="Name21" presStyleCnt="0"/>
+      <dgm:spPr/>
+    </dgm:pt>
+    <dgm:pt modelId="{974B4D1A-519E-4F92-8D77-7280D2BA813B}" type="pres">
+      <dgm:prSet presAssocID="{E960504A-0299-4614-8EBD-BE626F6EAC77}" presName="level2Shape" presStyleLbl="node4" presStyleIdx="3" presStyleCnt="12"/>
+      <dgm:spPr/>
+    </dgm:pt>
+    <dgm:pt modelId="{6A797896-B2B7-45A5-9A95-26F43D2A9D44}" type="pres">
+      <dgm:prSet presAssocID="{E960504A-0299-4614-8EBD-BE626F6EAC77}" presName="hierChild3" presStyleCnt="0"/>
+      <dgm:spPr/>
+    </dgm:pt>
+    <dgm:pt modelId="{EF214BF8-97E4-495C-A81E-D90058BB819F}" type="pres">
+      <dgm:prSet presAssocID="{866FF2BE-6DA3-4BFF-A425-6D8AEDC2788C}" presName="Name19" presStyleLbl="parChTrans1D4" presStyleIdx="4" presStyleCnt="12"/>
+      <dgm:spPr/>
+    </dgm:pt>
+    <dgm:pt modelId="{C460B427-624A-4E66-B901-F89BAFF63F29}" type="pres">
+      <dgm:prSet presAssocID="{01655F1E-6D0F-40CA-AF2E-9374397295D0}" presName="Name21" presStyleCnt="0"/>
+      <dgm:spPr/>
+    </dgm:pt>
+    <dgm:pt modelId="{5B664757-A1C4-46D2-99E1-C008CF2D30E4}" type="pres">
+      <dgm:prSet presAssocID="{01655F1E-6D0F-40CA-AF2E-9374397295D0}" presName="level2Shape" presStyleLbl="node4" presStyleIdx="4" presStyleCnt="12"/>
+      <dgm:spPr/>
+    </dgm:pt>
+    <dgm:pt modelId="{D076B563-76F0-4DF3-9F85-786FBDDCF3E7}" type="pres">
+      <dgm:prSet presAssocID="{01655F1E-6D0F-40CA-AF2E-9374397295D0}" presName="hierChild3" presStyleCnt="0"/>
+      <dgm:spPr/>
+    </dgm:pt>
+    <dgm:pt modelId="{A90C518B-8860-46BC-95CD-F72AFFCFF895}" type="pres">
+      <dgm:prSet presAssocID="{30E08811-507D-4E58-BE89-625FE523E650}" presName="Name19" presStyleLbl="parChTrans1D3" presStyleIdx="3" presStyleCnt="4"/>
+      <dgm:spPr/>
+    </dgm:pt>
+    <dgm:pt modelId="{ED59822C-E2D1-4176-8121-6A31A6111372}" type="pres">
+      <dgm:prSet presAssocID="{FF90D0A9-5799-4B75-A241-7A7F6C206EAF}" presName="Name21" presStyleCnt="0"/>
+      <dgm:spPr/>
+    </dgm:pt>
+    <dgm:pt modelId="{270509E6-01AB-430D-9105-E235618AA76E}" type="pres">
+      <dgm:prSet presAssocID="{FF90D0A9-5799-4B75-A241-7A7F6C206EAF}" presName="level2Shape" presStyleLbl="node3" presStyleIdx="3" presStyleCnt="4"/>
+      <dgm:spPr/>
+    </dgm:pt>
+    <dgm:pt modelId="{E00CCC82-EE3A-4751-8E50-267DAC25B875}" type="pres">
+      <dgm:prSet presAssocID="{FF90D0A9-5799-4B75-A241-7A7F6C206EAF}" presName="hierChild3" presStyleCnt="0"/>
+      <dgm:spPr/>
+    </dgm:pt>
+    <dgm:pt modelId="{EDCC23CE-2473-490A-B607-794B4163372A}" type="pres">
+      <dgm:prSet presAssocID="{866FBE40-BB11-41FB-8227-13CB57534ACF}" presName="Name19" presStyleLbl="parChTrans1D4" presStyleIdx="5" presStyleCnt="12"/>
+      <dgm:spPr/>
+    </dgm:pt>
+    <dgm:pt modelId="{24322948-074B-44B6-896F-46F662452E47}" type="pres">
+      <dgm:prSet presAssocID="{03E595A6-C9F5-4584-B0DE-AF722B72D9BA}" presName="Name21" presStyleCnt="0"/>
+      <dgm:spPr/>
+    </dgm:pt>
+    <dgm:pt modelId="{08538414-C536-4829-920E-230292877389}" type="pres">
+      <dgm:prSet presAssocID="{03E595A6-C9F5-4584-B0DE-AF722B72D9BA}" presName="level2Shape" presStyleLbl="node4" presStyleIdx="5" presStyleCnt="12"/>
+      <dgm:spPr/>
+    </dgm:pt>
+    <dgm:pt modelId="{006A7682-D8F1-453C-9632-898385E50BFD}" type="pres">
+      <dgm:prSet presAssocID="{03E595A6-C9F5-4584-B0DE-AF722B72D9BA}" presName="hierChild3" presStyleCnt="0"/>
+      <dgm:spPr/>
+    </dgm:pt>
+    <dgm:pt modelId="{864A409B-14BC-492B-8E30-CCBE9EFC3697}" type="pres">
+      <dgm:prSet presAssocID="{BE9C3469-69F7-4136-80B9-ADE0DEFAA2D3}" presName="Name19" presStyleLbl="parChTrans1D4" presStyleIdx="6" presStyleCnt="12"/>
+      <dgm:spPr/>
+    </dgm:pt>
+    <dgm:pt modelId="{2292103E-E175-468A-92F3-E5CC334423CB}" type="pres">
+      <dgm:prSet presAssocID="{604A60B7-3578-4D62-9D02-9140DAB6227F}" presName="Name21" presStyleCnt="0"/>
+      <dgm:spPr/>
+    </dgm:pt>
+    <dgm:pt modelId="{88AAC106-EBB7-4C25-95AE-F8316817CDCA}" type="pres">
+      <dgm:prSet presAssocID="{604A60B7-3578-4D62-9D02-9140DAB6227F}" presName="level2Shape" presStyleLbl="node4" presStyleIdx="6" presStyleCnt="12"/>
+      <dgm:spPr/>
+    </dgm:pt>
+    <dgm:pt modelId="{5F3E8B95-7231-4D62-B87E-9CFC65285D78}" type="pres">
+      <dgm:prSet presAssocID="{604A60B7-3578-4D62-9D02-9140DAB6227F}" presName="hierChild3" presStyleCnt="0"/>
+      <dgm:spPr/>
+    </dgm:pt>
+    <dgm:pt modelId="{1231E146-B097-45D0-999A-D39F0040D400}" type="pres">
+      <dgm:prSet presAssocID="{50736BEE-6405-448F-8251-4C344CDBC5C7}" presName="Name19" presStyleLbl="parChTrans1D4" presStyleIdx="7" presStyleCnt="12"/>
+      <dgm:spPr/>
+    </dgm:pt>
+    <dgm:pt modelId="{0E7BBB43-4E5B-4281-9298-2F6F8A4B43BA}" type="pres">
+      <dgm:prSet presAssocID="{B8D402BE-11AD-492E-8DCA-335122B6E152}" presName="Name21" presStyleCnt="0"/>
+      <dgm:spPr/>
+    </dgm:pt>
+    <dgm:pt modelId="{536B2380-1EF4-4C8E-BE51-39379B52DB89}" type="pres">
+      <dgm:prSet presAssocID="{B8D402BE-11AD-492E-8DCA-335122B6E152}" presName="level2Shape" presStyleLbl="node4" presStyleIdx="7" presStyleCnt="12"/>
+      <dgm:spPr/>
+    </dgm:pt>
+    <dgm:pt modelId="{FEFAED3C-6F5A-490E-BDA8-C8700379DE13}" type="pres">
+      <dgm:prSet presAssocID="{B8D402BE-11AD-492E-8DCA-335122B6E152}" presName="hierChild3" presStyleCnt="0"/>
+      <dgm:spPr/>
+    </dgm:pt>
+    <dgm:pt modelId="{76E06DBF-7832-4049-8F84-70DA68FC4BA3}" type="pres">
+      <dgm:prSet presAssocID="{F6C33896-FE7C-4BCC-9736-628EC409AECB}" presName="Name19" presStyleLbl="parChTrans1D4" presStyleIdx="8" presStyleCnt="12"/>
+      <dgm:spPr/>
+    </dgm:pt>
+    <dgm:pt modelId="{B5C8E100-1E67-492D-8794-25A1F531AF1A}" type="pres">
+      <dgm:prSet presAssocID="{B8EAB49C-ABE4-4BB4-B883-272A6285DEA5}" presName="Name21" presStyleCnt="0"/>
+      <dgm:spPr/>
+    </dgm:pt>
+    <dgm:pt modelId="{898A83C1-449F-4097-9AB6-AC61BDED5285}" type="pres">
+      <dgm:prSet presAssocID="{B8EAB49C-ABE4-4BB4-B883-272A6285DEA5}" presName="level2Shape" presStyleLbl="node4" presStyleIdx="8" presStyleCnt="12"/>
+      <dgm:spPr/>
+    </dgm:pt>
+    <dgm:pt modelId="{9531A339-D7DF-4937-A6C9-A9182732695A}" type="pres">
+      <dgm:prSet presAssocID="{B8EAB49C-ABE4-4BB4-B883-272A6285DEA5}" presName="hierChild3" presStyleCnt="0"/>
+      <dgm:spPr/>
+    </dgm:pt>
+    <dgm:pt modelId="{990F566E-3690-42F2-8AFE-3A97963B6870}" type="pres">
+      <dgm:prSet presAssocID="{F598EC38-BB44-461C-8459-250B2FEAB346}" presName="Name19" presStyleLbl="parChTrans1D4" presStyleIdx="9" presStyleCnt="12"/>
+      <dgm:spPr/>
+    </dgm:pt>
+    <dgm:pt modelId="{C35C5970-8587-44EE-8935-3C46952EBF0F}" type="pres">
+      <dgm:prSet presAssocID="{6B597C5D-609A-421A-86E0-B5E09758FB6B}" presName="Name21" presStyleCnt="0"/>
+      <dgm:spPr/>
+    </dgm:pt>
+    <dgm:pt modelId="{F4745300-4DE8-45C4-BA5B-E69A357A5ECD}" type="pres">
+      <dgm:prSet presAssocID="{6B597C5D-609A-421A-86E0-B5E09758FB6B}" presName="level2Shape" presStyleLbl="node4" presStyleIdx="9" presStyleCnt="12"/>
+      <dgm:spPr/>
+    </dgm:pt>
+    <dgm:pt modelId="{7EE276E2-6A0D-46B0-9A2A-FB8DA2B9434E}" type="pres">
+      <dgm:prSet presAssocID="{6B597C5D-609A-421A-86E0-B5E09758FB6B}" presName="hierChild3" presStyleCnt="0"/>
+      <dgm:spPr/>
+    </dgm:pt>
+    <dgm:pt modelId="{3BC9BB75-2BB8-4FA1-8BED-59E9C8C1489E}" type="pres">
+      <dgm:prSet presAssocID="{AD459252-5CCB-4BA1-B446-7FD6ABB9589C}" presName="Name19" presStyleLbl="parChTrans1D4" presStyleIdx="10" presStyleCnt="12"/>
+      <dgm:spPr/>
+    </dgm:pt>
+    <dgm:pt modelId="{9E78B80E-0EA6-43B7-A62D-233300ADB4C9}" type="pres">
+      <dgm:prSet presAssocID="{1F6555BE-D702-4F09-AE56-5B620E1BA045}" presName="Name21" presStyleCnt="0"/>
+      <dgm:spPr/>
+    </dgm:pt>
+    <dgm:pt modelId="{2E761711-A85E-4AB5-81D7-02001DD2FB6E}" type="pres">
+      <dgm:prSet presAssocID="{1F6555BE-D702-4F09-AE56-5B620E1BA045}" presName="level2Shape" presStyleLbl="node4" presStyleIdx="10" presStyleCnt="12"/>
+      <dgm:spPr/>
+    </dgm:pt>
+    <dgm:pt modelId="{A470777A-C8F5-494F-BCD4-8294A379C492}" type="pres">
+      <dgm:prSet presAssocID="{1F6555BE-D702-4F09-AE56-5B620E1BA045}" presName="hierChild3" presStyleCnt="0"/>
+      <dgm:spPr/>
+    </dgm:pt>
+    <dgm:pt modelId="{4F7D69AE-E19A-42B7-B3B6-F6A9AD7B0FF2}" type="pres">
+      <dgm:prSet presAssocID="{F28AAB0C-26ED-41AD-AD31-EDE4088E14D0}" presName="Name19" presStyleLbl="parChTrans1D4" presStyleIdx="11" presStyleCnt="12"/>
+      <dgm:spPr/>
+    </dgm:pt>
+    <dgm:pt modelId="{BEE59D2D-D855-4BFC-9C9A-52772C739131}" type="pres">
+      <dgm:prSet presAssocID="{8EE82011-8157-41E3-ACB4-4C763BD1F4A7}" presName="Name21" presStyleCnt="0"/>
+      <dgm:spPr/>
+    </dgm:pt>
+    <dgm:pt modelId="{B6A25002-8933-4E25-8513-D71DA246165A}" type="pres">
+      <dgm:prSet presAssocID="{8EE82011-8157-41E3-ACB4-4C763BD1F4A7}" presName="level2Shape" presStyleLbl="node4" presStyleIdx="11" presStyleCnt="12"/>
+      <dgm:spPr/>
+    </dgm:pt>
+    <dgm:pt modelId="{C31C303B-A041-4992-ACF8-96C18FCB02C7}" type="pres">
+      <dgm:prSet presAssocID="{8EE82011-8157-41E3-ACB4-4C763BD1F4A7}" presName="hierChild3" presStyleCnt="0"/>
+      <dgm:spPr/>
+    </dgm:pt>
+    <dgm:pt modelId="{8689255B-5BA2-4B1C-BB00-6AC5301505FD}" type="pres">
+      <dgm:prSet presAssocID="{37BD702E-660E-4277-8183-4DD6AE9D2A57}" presName="bgShapesFlow" presStyleCnt="0"/>
+      <dgm:spPr/>
+    </dgm:pt>
+  </dgm:ptLst>
+  <dgm:cxnLst>
+    <dgm:cxn modelId="{5378B800-884E-41FB-A7C7-3A3ADA05DD63}" srcId="{6F25421D-FE4E-4EF4-831F-7D9FBCF8D5C1}" destId="{FED7F6F8-9557-4D79-814B-E133F404D2D4}" srcOrd="0" destOrd="0" parTransId="{F4BF5055-D3DD-44D3-A6B0-D0A8FAA9DB38}" sibTransId="{3664C3C4-BC27-4376-9B34-28660CE390D3}"/>
+    <dgm:cxn modelId="{1286D603-B0D0-4B63-838A-14DCE4DC7963}" srcId="{E07F6448-8900-4AC5-A46C-B58AF4266010}" destId="{01655F1E-6D0F-40CA-AF2E-9374397295D0}" srcOrd="4" destOrd="0" parTransId="{866FF2BE-6DA3-4BFF-A425-6D8AEDC2788C}" sibTransId="{7FD19241-5EF1-4DD8-991C-3AD41F8A9F93}"/>
+    <dgm:cxn modelId="{1C72930B-8495-4B3F-ACEC-F68B87D84C88}" type="presOf" srcId="{1F6555BE-D702-4F09-AE56-5B620E1BA045}" destId="{2E761711-A85E-4AB5-81D7-02001DD2FB6E}" srcOrd="0" destOrd="0" presId="urn:microsoft.com/office/officeart/2005/8/layout/hierarchy6"/>
+    <dgm:cxn modelId="{42DFD60B-3BA8-42E7-B78A-90F44E4A497C}" type="presOf" srcId="{6B597C5D-609A-421A-86E0-B5E09758FB6B}" destId="{F4745300-4DE8-45C4-BA5B-E69A357A5ECD}" srcOrd="0" destOrd="0" presId="urn:microsoft.com/office/officeart/2005/8/layout/hierarchy6"/>
+    <dgm:cxn modelId="{84C46F0D-3E15-4496-BD58-85B3900B9377}" srcId="{B8D402BE-11AD-492E-8DCA-335122B6E152}" destId="{B8EAB49C-ABE4-4BB4-B883-272A6285DEA5}" srcOrd="0" destOrd="0" parTransId="{F6C33896-FE7C-4BCC-9736-628EC409AECB}" sibTransId="{28172D54-A46E-4E11-99F0-89299CF0DF65}"/>
+    <dgm:cxn modelId="{83F71514-1CE1-43BC-B04E-276CD3D81AE2}" srcId="{03E595A6-C9F5-4584-B0DE-AF722B72D9BA}" destId="{604A60B7-3578-4D62-9D02-9140DAB6227F}" srcOrd="0" destOrd="0" parTransId="{BE9C3469-69F7-4136-80B9-ADE0DEFAA2D3}" sibTransId="{66236A48-4E0A-494F-8685-B9175B97B179}"/>
+    <dgm:cxn modelId="{58059420-C327-4622-935A-85C60757E549}" type="presOf" srcId="{AD459252-5CCB-4BA1-B446-7FD6ABB9589C}" destId="{3BC9BB75-2BB8-4FA1-8BED-59E9C8C1489E}" srcOrd="0" destOrd="0" presId="urn:microsoft.com/office/officeart/2005/8/layout/hierarchy6"/>
+    <dgm:cxn modelId="{588F3921-3FED-4F9A-97A4-C05ED7F251A9}" srcId="{E07F6448-8900-4AC5-A46C-B58AF4266010}" destId="{D4306519-F590-49FA-BCA0-E14EAA6DD927}" srcOrd="0" destOrd="0" parTransId="{705612D1-7896-4C44-9760-808D65B816EE}" sibTransId="{C598BFC8-A029-4855-9511-6F499F7124F5}"/>
+    <dgm:cxn modelId="{707FD124-DE06-4B1E-ABC1-DC638C0B7374}" type="presOf" srcId="{3FF5A06C-8CF5-4506-BD3F-6135CA64DABA}" destId="{0C8C9958-4820-4374-A922-DAF7D56A8E9E}" srcOrd="0" destOrd="0" presId="urn:microsoft.com/office/officeart/2005/8/layout/hierarchy6"/>
+    <dgm:cxn modelId="{88DFB027-C882-400F-9B3E-D6DA42F38EF9}" type="presOf" srcId="{866FF2BE-6DA3-4BFF-A425-6D8AEDC2788C}" destId="{EF214BF8-97E4-495C-A81E-D90058BB819F}" srcOrd="0" destOrd="0" presId="urn:microsoft.com/office/officeart/2005/8/layout/hierarchy6"/>
+    <dgm:cxn modelId="{C081442C-4D0F-48E8-BD18-5A353B1ECF1B}" type="presOf" srcId="{B8EAB49C-ABE4-4BB4-B883-272A6285DEA5}" destId="{898A83C1-449F-4097-9AB6-AC61BDED5285}" srcOrd="0" destOrd="0" presId="urn:microsoft.com/office/officeart/2005/8/layout/hierarchy6"/>
+    <dgm:cxn modelId="{6718052F-AA91-4768-8DB1-1E8ACDE05112}" srcId="{37BD702E-660E-4277-8183-4DD6AE9D2A57}" destId="{054378D9-2749-49D1-A461-37C6B2A4F149}" srcOrd="0" destOrd="0" parTransId="{259D8CF3-64D7-4D83-B9DD-2DC13AB66FB8}" sibTransId="{D4853387-648A-4DF7-9090-F8433906A8D7}"/>
+    <dgm:cxn modelId="{849EB333-4CDA-4386-888D-A57722D1E09C}" type="presOf" srcId="{37BD702E-660E-4277-8183-4DD6AE9D2A57}" destId="{C7AC09FA-285B-4A53-92AF-67E5F1838A26}" srcOrd="0" destOrd="0" presId="urn:microsoft.com/office/officeart/2005/8/layout/hierarchy6"/>
+    <dgm:cxn modelId="{07577536-A3E3-4184-9F54-6A5B3D99B659}" srcId="{6F25421D-FE4E-4EF4-831F-7D9FBCF8D5C1}" destId="{9452BB44-BD98-440D-9793-794D80160618}" srcOrd="1" destOrd="0" parTransId="{17DEC2F4-8614-4C90-8D28-0D477284B485}" sibTransId="{C810A5E7-643E-4252-9732-89B41F374EE0}"/>
+    <dgm:cxn modelId="{E204A137-1AE4-4EB2-8B0C-20184B061BB3}" type="presOf" srcId="{604A60B7-3578-4D62-9D02-9140DAB6227F}" destId="{88AAC106-EBB7-4C25-95AE-F8316817CDCA}" srcOrd="0" destOrd="0" presId="urn:microsoft.com/office/officeart/2005/8/layout/hierarchy6"/>
+    <dgm:cxn modelId="{D2FAAC38-D67E-4142-BEFE-EFE71AF72BCB}" type="presOf" srcId="{8EE82011-8157-41E3-ACB4-4C763BD1F4A7}" destId="{B6A25002-8933-4E25-8513-D71DA246165A}" srcOrd="0" destOrd="0" presId="urn:microsoft.com/office/officeart/2005/8/layout/hierarchy6"/>
+    <dgm:cxn modelId="{4ACCFF61-E0C4-4535-9DED-2A399E9F1DAB}" type="presOf" srcId="{BB0DF3B9-9A5E-4D0F-A42D-2F08945EF1BD}" destId="{1F834226-6D09-407A-A0BB-730835C412EE}" srcOrd="0" destOrd="0" presId="urn:microsoft.com/office/officeart/2005/8/layout/hierarchy6"/>
+    <dgm:cxn modelId="{A9B3C162-525E-40DF-946B-485C89D8820F}" srcId="{E07F6448-8900-4AC5-A46C-B58AF4266010}" destId="{E960504A-0299-4614-8EBD-BE626F6EAC77}" srcOrd="3" destOrd="0" parTransId="{17B3E8F5-642E-453B-AA65-DECA12BFEF7A}" sibTransId="{10BF754F-D3CC-459F-9D30-43750D58AFA5}"/>
+    <dgm:cxn modelId="{C0369263-A5AF-4A38-9830-762E2897672A}" srcId="{6F25421D-FE4E-4EF4-831F-7D9FBCF8D5C1}" destId="{E07F6448-8900-4AC5-A46C-B58AF4266010}" srcOrd="2" destOrd="0" parTransId="{991CA309-93EE-4443-B27A-BE85E58236D6}" sibTransId="{EE7E490B-6FEA-4587-8FF2-84870701CFD1}"/>
+    <dgm:cxn modelId="{825E9443-2885-48F6-B726-4904E6305F2A}" type="presOf" srcId="{B8D402BE-11AD-492E-8DCA-335122B6E152}" destId="{536B2380-1EF4-4C8E-BE51-39379B52DB89}" srcOrd="0" destOrd="0" presId="urn:microsoft.com/office/officeart/2005/8/layout/hierarchy6"/>
+    <dgm:cxn modelId="{60B71E46-BD1D-42E6-95A5-2DAA7D30C127}" type="presOf" srcId="{30E08811-507D-4E58-BE89-625FE523E650}" destId="{A90C518B-8860-46BC-95CD-F72AFFCFF895}" srcOrd="0" destOrd="0" presId="urn:microsoft.com/office/officeart/2005/8/layout/hierarchy6"/>
+    <dgm:cxn modelId="{5CE14E48-3562-4FF6-9648-721EA6C01940}" type="presOf" srcId="{705612D1-7896-4C44-9760-808D65B816EE}" destId="{03F7C53C-6D4E-4829-909F-323AB91B1296}" srcOrd="0" destOrd="0" presId="urn:microsoft.com/office/officeart/2005/8/layout/hierarchy6"/>
+    <dgm:cxn modelId="{6352C76A-AF99-4B9A-B57D-D8C54167753C}" type="presOf" srcId="{F598EC38-BB44-461C-8459-250B2FEAB346}" destId="{990F566E-3690-42F2-8AFE-3A97963B6870}" srcOrd="0" destOrd="0" presId="urn:microsoft.com/office/officeart/2005/8/layout/hierarchy6"/>
+    <dgm:cxn modelId="{2FB5636D-78C4-48ED-AAFB-A5F09FE8A1EA}" type="presOf" srcId="{6F25421D-FE4E-4EF4-831F-7D9FBCF8D5C1}" destId="{1C410DC4-DE26-4848-8CEB-1F788D0EA855}" srcOrd="0" destOrd="0" presId="urn:microsoft.com/office/officeart/2005/8/layout/hierarchy6"/>
+    <dgm:cxn modelId="{7DECAD4E-3106-451C-B071-7C8E8908E6B8}" type="presOf" srcId="{991CA309-93EE-4443-B27A-BE85E58236D6}" destId="{74C05282-5E7E-4F7F-91FC-14FE553BFA24}" srcOrd="0" destOrd="0" presId="urn:microsoft.com/office/officeart/2005/8/layout/hierarchy6"/>
+    <dgm:cxn modelId="{9DF1EB6E-DAEF-4689-8E31-F0F611603D41}" type="presOf" srcId="{01655F1E-6D0F-40CA-AF2E-9374397295D0}" destId="{5B664757-A1C4-46D2-99E1-C008CF2D30E4}" srcOrd="0" destOrd="0" presId="urn:microsoft.com/office/officeart/2005/8/layout/hierarchy6"/>
+    <dgm:cxn modelId="{AF728077-3F5B-4824-911B-31CE492211D7}" type="presOf" srcId="{63A5B68F-7757-465B-BD97-D2E9270EA9BB}" destId="{614BF0A0-EF04-4FBD-9D5C-687B2A3F24FE}" srcOrd="0" destOrd="0" presId="urn:microsoft.com/office/officeart/2005/8/layout/hierarchy6"/>
+    <dgm:cxn modelId="{87CDC757-9A42-457E-8F83-104DCCE519DA}" srcId="{054378D9-2749-49D1-A461-37C6B2A4F149}" destId="{6F25421D-FE4E-4EF4-831F-7D9FBCF8D5C1}" srcOrd="0" destOrd="0" parTransId="{767B0127-3FB7-49C0-941C-7FC559308A72}" sibTransId="{AEA97A94-36AC-4054-B671-173FFB244580}"/>
+    <dgm:cxn modelId="{6601DF58-6667-4C47-B5AC-F9FA13C2DD15}" type="presOf" srcId="{17B3E8F5-642E-453B-AA65-DECA12BFEF7A}" destId="{806F9B24-236B-4F64-BA4A-9CA41091028D}" srcOrd="0" destOrd="0" presId="urn:microsoft.com/office/officeart/2005/8/layout/hierarchy6"/>
+    <dgm:cxn modelId="{E893065A-6801-45A9-A44E-9B8D4310C215}" srcId="{6F25421D-FE4E-4EF4-831F-7D9FBCF8D5C1}" destId="{FF90D0A9-5799-4B75-A241-7A7F6C206EAF}" srcOrd="3" destOrd="0" parTransId="{30E08811-507D-4E58-BE89-625FE523E650}" sibTransId="{BA86245B-E92F-4C79-A344-54A7477A15BF}"/>
+    <dgm:cxn modelId="{DB8F225A-3DF6-433E-AAE4-1FB83BEF30DB}" type="presOf" srcId="{F6C33896-FE7C-4BCC-9736-628EC409AECB}" destId="{76E06DBF-7832-4049-8F84-70DA68FC4BA3}" srcOrd="0" destOrd="0" presId="urn:microsoft.com/office/officeart/2005/8/layout/hierarchy6"/>
+    <dgm:cxn modelId="{78C5C27C-5099-4612-BA8F-CB8A97A3DA00}" srcId="{FF90D0A9-5799-4B75-A241-7A7F6C206EAF}" destId="{B8D402BE-11AD-492E-8DCA-335122B6E152}" srcOrd="1" destOrd="0" parTransId="{50736BEE-6405-448F-8251-4C344CDBC5C7}" sibTransId="{EE3EF4A2-0304-4D80-B5D7-00EB06835FFD}"/>
+    <dgm:cxn modelId="{720EF582-3B03-42F2-A79B-3204742D6911}" type="presOf" srcId="{D4306519-F590-49FA-BCA0-E14EAA6DD927}" destId="{0ED10509-3646-4A3A-BD1F-1FC9EA9BC892}" srcOrd="0" destOrd="0" presId="urn:microsoft.com/office/officeart/2005/8/layout/hierarchy6"/>
+    <dgm:cxn modelId="{EAAAA58A-A63E-4C97-AC66-0739190C3EA1}" type="presOf" srcId="{054378D9-2749-49D1-A461-37C6B2A4F149}" destId="{2822A21A-804E-4E59-AEB4-28B90FDF416D}" srcOrd="0" destOrd="0" presId="urn:microsoft.com/office/officeart/2005/8/layout/hierarchy6"/>
+    <dgm:cxn modelId="{D1B73A95-87E2-44F9-9E54-663ABB95CFFF}" type="presOf" srcId="{F4BF5055-D3DD-44D3-A6B0-D0A8FAA9DB38}" destId="{F1FB9FBC-64EE-4FFB-8ACD-14A57B4DE8B2}" srcOrd="0" destOrd="0" presId="urn:microsoft.com/office/officeart/2005/8/layout/hierarchy6"/>
+    <dgm:cxn modelId="{5A3F6495-5231-4F55-B8C2-02FB769B5E1A}" type="presOf" srcId="{03E595A6-C9F5-4584-B0DE-AF722B72D9BA}" destId="{08538414-C536-4829-920E-230292877389}" srcOrd="0" destOrd="0" presId="urn:microsoft.com/office/officeart/2005/8/layout/hierarchy6"/>
+    <dgm:cxn modelId="{CC4F6895-229B-42F5-91CB-AECCBF420DF8}" srcId="{E07F6448-8900-4AC5-A46C-B58AF4266010}" destId="{63A5B68F-7757-465B-BD97-D2E9270EA9BB}" srcOrd="2" destOrd="0" parTransId="{169A2377-497A-400E-92B6-BB709F7D7DA2}" sibTransId="{218262CD-F29F-4549-BC82-3CAAEDA869BD}"/>
+    <dgm:cxn modelId="{8D60039E-FFD7-4C91-B6B6-C0EF0702ED06}" type="presOf" srcId="{9452BB44-BD98-440D-9793-794D80160618}" destId="{A86792A7-B2E4-4A69-BA2F-295CC4C6D9E4}" srcOrd="0" destOrd="0" presId="urn:microsoft.com/office/officeart/2005/8/layout/hierarchy6"/>
+    <dgm:cxn modelId="{380D44A5-9068-4322-AF1A-6552970BA214}" type="presOf" srcId="{E07F6448-8900-4AC5-A46C-B58AF4266010}" destId="{301CFCC0-A3C2-4D25-A3AB-A5812BCE6116}" srcOrd="0" destOrd="0" presId="urn:microsoft.com/office/officeart/2005/8/layout/hierarchy6"/>
+    <dgm:cxn modelId="{A78ECEA8-7D69-4939-AABC-0BAAA4201DAC}" type="presOf" srcId="{17DEC2F4-8614-4C90-8D28-0D477284B485}" destId="{17B3F5FB-71A9-4286-A8A2-DD389165186D}" srcOrd="0" destOrd="0" presId="urn:microsoft.com/office/officeart/2005/8/layout/hierarchy6"/>
+    <dgm:cxn modelId="{183438BF-10B5-4AAC-B154-FBAC386C8E63}" type="presOf" srcId="{E960504A-0299-4614-8EBD-BE626F6EAC77}" destId="{974B4D1A-519E-4F92-8D77-7280D2BA813B}" srcOrd="0" destOrd="0" presId="urn:microsoft.com/office/officeart/2005/8/layout/hierarchy6"/>
+    <dgm:cxn modelId="{2E177CC5-1F9F-4EC0-8FAF-0FD1214147A5}" type="presOf" srcId="{F28AAB0C-26ED-41AD-AD31-EDE4088E14D0}" destId="{4F7D69AE-E19A-42B7-B3B6-F6A9AD7B0FF2}" srcOrd="0" destOrd="0" presId="urn:microsoft.com/office/officeart/2005/8/layout/hierarchy6"/>
+    <dgm:cxn modelId="{02FACDC9-1B47-4DA9-9F6F-113E3AC59AD4}" type="presOf" srcId="{50736BEE-6405-448F-8251-4C344CDBC5C7}" destId="{1231E146-B097-45D0-999A-D39F0040D400}" srcOrd="0" destOrd="0" presId="urn:microsoft.com/office/officeart/2005/8/layout/hierarchy6"/>
+    <dgm:cxn modelId="{ED127DCD-A492-4018-8295-052B4CCEBB2C}" srcId="{E07F6448-8900-4AC5-A46C-B58AF4266010}" destId="{BB0DF3B9-9A5E-4D0F-A42D-2F08945EF1BD}" srcOrd="1" destOrd="0" parTransId="{3FF5A06C-8CF5-4506-BD3F-6135CA64DABA}" sibTransId="{379A4FBC-270D-4654-BBC9-C9031C22E653}"/>
+    <dgm:cxn modelId="{0B4300D1-4CB0-4FD3-9619-6BB8E1D6FAF2}" type="presOf" srcId="{767B0127-3FB7-49C0-941C-7FC559308A72}" destId="{7C950FBD-90BC-4A27-B227-A079DE2321D3}" srcOrd="0" destOrd="0" presId="urn:microsoft.com/office/officeart/2005/8/layout/hierarchy6"/>
+    <dgm:cxn modelId="{0887E0D9-FDE2-4F23-A4FC-9E8C302C81D1}" type="presOf" srcId="{866FBE40-BB11-41FB-8227-13CB57534ACF}" destId="{EDCC23CE-2473-490A-B607-794B4163372A}" srcOrd="0" destOrd="0" presId="urn:microsoft.com/office/officeart/2005/8/layout/hierarchy6"/>
+    <dgm:cxn modelId="{D298AADB-496C-4655-9A61-3EA4BCC53F9F}" type="presOf" srcId="{FF90D0A9-5799-4B75-A241-7A7F6C206EAF}" destId="{270509E6-01AB-430D-9105-E235618AA76E}" srcOrd="0" destOrd="0" presId="urn:microsoft.com/office/officeart/2005/8/layout/hierarchy6"/>
+    <dgm:cxn modelId="{E26EDAE5-42BE-4C76-802B-DF75247664D8}" srcId="{B8D402BE-11AD-492E-8DCA-335122B6E152}" destId="{6B597C5D-609A-421A-86E0-B5E09758FB6B}" srcOrd="1" destOrd="0" parTransId="{F598EC38-BB44-461C-8459-250B2FEAB346}" sibTransId="{B47BDD78-E820-4B03-A256-F8BA9F62943D}"/>
+    <dgm:cxn modelId="{D1A84BE8-B414-41E5-B958-077A66BC06A0}" type="presOf" srcId="{169A2377-497A-400E-92B6-BB709F7D7DA2}" destId="{841589F9-D596-4B9E-A097-D4BDD79ADD6F}" srcOrd="0" destOrd="0" presId="urn:microsoft.com/office/officeart/2005/8/layout/hierarchy6"/>
+    <dgm:cxn modelId="{9E7014E9-B711-4915-9F2D-446F10E8CF97}" type="presOf" srcId="{FED7F6F8-9557-4D79-814B-E133F404D2D4}" destId="{3F32A1B1-840B-4CF7-98E4-7BB1BD0F9D48}" srcOrd="0" destOrd="0" presId="urn:microsoft.com/office/officeart/2005/8/layout/hierarchy6"/>
+    <dgm:cxn modelId="{3D82E3EC-E29B-45D7-92B1-C817DDC8F3E3}" srcId="{FF90D0A9-5799-4B75-A241-7A7F6C206EAF}" destId="{03E595A6-C9F5-4584-B0DE-AF722B72D9BA}" srcOrd="0" destOrd="0" parTransId="{866FBE40-BB11-41FB-8227-13CB57534ACF}" sibTransId="{EF348EF7-9CB1-4AC4-8271-2BE7DC3AF9AA}"/>
+    <dgm:cxn modelId="{8473EFEF-555C-4365-BB2F-C196B0AF220C}" srcId="{B8D402BE-11AD-492E-8DCA-335122B6E152}" destId="{1F6555BE-D702-4F09-AE56-5B620E1BA045}" srcOrd="2" destOrd="0" parTransId="{AD459252-5CCB-4BA1-B446-7FD6ABB9589C}" sibTransId="{F453C540-A928-4F68-AAB1-D77E25F94882}"/>
+    <dgm:cxn modelId="{305460F0-011C-41E3-B81B-5DD370FCE086}" srcId="{FF90D0A9-5799-4B75-A241-7A7F6C206EAF}" destId="{8EE82011-8157-41E3-ACB4-4C763BD1F4A7}" srcOrd="2" destOrd="0" parTransId="{F28AAB0C-26ED-41AD-AD31-EDE4088E14D0}" sibTransId="{60FBA379-BA16-40E3-AB66-7E08394413DC}"/>
+    <dgm:cxn modelId="{AD7498F3-EAC0-4EB0-8B7E-66A2299CA4BB}" type="presOf" srcId="{BE9C3469-69F7-4136-80B9-ADE0DEFAA2D3}" destId="{864A409B-14BC-492B-8E30-CCBE9EFC3697}" srcOrd="0" destOrd="0" presId="urn:microsoft.com/office/officeart/2005/8/layout/hierarchy6"/>
+    <dgm:cxn modelId="{D05D2B24-B32C-49CC-ACB2-D553E53100AA}" type="presParOf" srcId="{C7AC09FA-285B-4A53-92AF-67E5F1838A26}" destId="{94436D4B-103B-4271-A68D-0E0C125B6827}" srcOrd="0" destOrd="0" presId="urn:microsoft.com/office/officeart/2005/8/layout/hierarchy6"/>
+    <dgm:cxn modelId="{4A151422-D08B-4876-A98C-39A57CDDACA8}" type="presParOf" srcId="{94436D4B-103B-4271-A68D-0E0C125B6827}" destId="{933E3AA3-2AF3-4EE6-AE55-5A53E30FB16D}" srcOrd="0" destOrd="0" presId="urn:microsoft.com/office/officeart/2005/8/layout/hierarchy6"/>
+    <dgm:cxn modelId="{D49C2E83-1BC0-4B89-849D-05F36E13B894}" type="presParOf" srcId="{933E3AA3-2AF3-4EE6-AE55-5A53E30FB16D}" destId="{616C74C7-72D5-4F68-AD31-EF0F3D090B69}" srcOrd="0" destOrd="0" presId="urn:microsoft.com/office/officeart/2005/8/layout/hierarchy6"/>
+    <dgm:cxn modelId="{B1DB9722-5FDD-445F-BD28-0B3B34DDF8E7}" type="presParOf" srcId="{616C74C7-72D5-4F68-AD31-EF0F3D090B69}" destId="{2822A21A-804E-4E59-AEB4-28B90FDF416D}" srcOrd="0" destOrd="0" presId="urn:microsoft.com/office/officeart/2005/8/layout/hierarchy6"/>
+    <dgm:cxn modelId="{62A22EF2-4E5E-4F7C-8F21-AD18833065AA}" type="presParOf" srcId="{616C74C7-72D5-4F68-AD31-EF0F3D090B69}" destId="{E283B180-0170-40DC-9C66-43F25FC7E0D9}" srcOrd="1" destOrd="0" presId="urn:microsoft.com/office/officeart/2005/8/layout/hierarchy6"/>
+    <dgm:cxn modelId="{EF11092F-9C9D-4EE1-972D-FF004200A967}" type="presParOf" srcId="{E283B180-0170-40DC-9C66-43F25FC7E0D9}" destId="{7C950FBD-90BC-4A27-B227-A079DE2321D3}" srcOrd="0" destOrd="0" presId="urn:microsoft.com/office/officeart/2005/8/layout/hierarchy6"/>
+    <dgm:cxn modelId="{56275B75-5A10-4DD9-8F8A-DAAF93EA3F6F}" type="presParOf" srcId="{E283B180-0170-40DC-9C66-43F25FC7E0D9}" destId="{31463D65-F611-491D-ABB3-504BDFBFC329}" srcOrd="1" destOrd="0" presId="urn:microsoft.com/office/officeart/2005/8/layout/hierarchy6"/>
+    <dgm:cxn modelId="{2F8B202F-6D8B-4EC9-99AA-66A994E69D48}" type="presParOf" srcId="{31463D65-F611-491D-ABB3-504BDFBFC329}" destId="{1C410DC4-DE26-4848-8CEB-1F788D0EA855}" srcOrd="0" destOrd="0" presId="urn:microsoft.com/office/officeart/2005/8/layout/hierarchy6"/>
+    <dgm:cxn modelId="{AC191251-F309-40B1-B00B-3ACFF8D25633}" type="presParOf" srcId="{31463D65-F611-491D-ABB3-504BDFBFC329}" destId="{3804B618-E1CF-46EE-B776-2584621C7CFF}" srcOrd="1" destOrd="0" presId="urn:microsoft.com/office/officeart/2005/8/layout/hierarchy6"/>
+    <dgm:cxn modelId="{2D26BD2C-1FF1-4679-A1DB-0A11DA8A2180}" type="presParOf" srcId="{3804B618-E1CF-46EE-B776-2584621C7CFF}" destId="{F1FB9FBC-64EE-4FFB-8ACD-14A57B4DE8B2}" srcOrd="0" destOrd="0" presId="urn:microsoft.com/office/officeart/2005/8/layout/hierarchy6"/>
+    <dgm:cxn modelId="{3544C1A0-09B5-4E75-9D41-9432E85E5B89}" type="presParOf" srcId="{3804B618-E1CF-46EE-B776-2584621C7CFF}" destId="{13D7766A-CA3A-46FD-8BE1-ACE5EDC5752D}" srcOrd="1" destOrd="0" presId="urn:microsoft.com/office/officeart/2005/8/layout/hierarchy6"/>
+    <dgm:cxn modelId="{D75EF31C-9333-4BDE-A972-0ADE85EE4D50}" type="presParOf" srcId="{13D7766A-CA3A-46FD-8BE1-ACE5EDC5752D}" destId="{3F32A1B1-840B-4CF7-98E4-7BB1BD0F9D48}" srcOrd="0" destOrd="0" presId="urn:microsoft.com/office/officeart/2005/8/layout/hierarchy6"/>
+    <dgm:cxn modelId="{70B3FCB7-0BDC-4649-BD26-C4997A3E89D7}" type="presParOf" srcId="{13D7766A-CA3A-46FD-8BE1-ACE5EDC5752D}" destId="{64F5B41A-0B06-4FDE-A8EC-9D7222BE59A3}" srcOrd="1" destOrd="0" presId="urn:microsoft.com/office/officeart/2005/8/layout/hierarchy6"/>
+    <dgm:cxn modelId="{BDA44C80-1278-4469-B3EB-885D31BD8CAD}" type="presParOf" srcId="{3804B618-E1CF-46EE-B776-2584621C7CFF}" destId="{17B3F5FB-71A9-4286-A8A2-DD389165186D}" srcOrd="2" destOrd="0" presId="urn:microsoft.com/office/officeart/2005/8/layout/hierarchy6"/>
+    <dgm:cxn modelId="{33BDAC00-D4CC-4513-B1A9-043C22D49365}" type="presParOf" srcId="{3804B618-E1CF-46EE-B776-2584621C7CFF}" destId="{053E02EF-5EE4-4894-86BC-76648310A1C6}" srcOrd="3" destOrd="0" presId="urn:microsoft.com/office/officeart/2005/8/layout/hierarchy6"/>
+    <dgm:cxn modelId="{F96E24C4-A690-4A88-ACE8-F315CBD2F463}" type="presParOf" srcId="{053E02EF-5EE4-4894-86BC-76648310A1C6}" destId="{A86792A7-B2E4-4A69-BA2F-295CC4C6D9E4}" srcOrd="0" destOrd="0" presId="urn:microsoft.com/office/officeart/2005/8/layout/hierarchy6"/>
+    <dgm:cxn modelId="{B3D13F28-093C-487A-AD77-32A84AC24F1A}" type="presParOf" srcId="{053E02EF-5EE4-4894-86BC-76648310A1C6}" destId="{7CCFE0F6-D88D-41B1-A1B4-FA195E47E336}" srcOrd="1" destOrd="0" presId="urn:microsoft.com/office/officeart/2005/8/layout/hierarchy6"/>
+    <dgm:cxn modelId="{0B32964C-1261-4786-BA03-C4F9906755B3}" type="presParOf" srcId="{3804B618-E1CF-46EE-B776-2584621C7CFF}" destId="{74C05282-5E7E-4F7F-91FC-14FE553BFA24}" srcOrd="4" destOrd="0" presId="urn:microsoft.com/office/officeart/2005/8/layout/hierarchy6"/>
+    <dgm:cxn modelId="{FFD8EF27-6FE3-4416-9DF1-B8A135385A50}" type="presParOf" srcId="{3804B618-E1CF-46EE-B776-2584621C7CFF}" destId="{C445A209-01C2-4180-87AF-322E10EE9690}" srcOrd="5" destOrd="0" presId="urn:microsoft.com/office/officeart/2005/8/layout/hierarchy6"/>
+    <dgm:cxn modelId="{C66CE05E-53AF-41D5-827D-BE3850258C10}" type="presParOf" srcId="{C445A209-01C2-4180-87AF-322E10EE9690}" destId="{301CFCC0-A3C2-4D25-A3AB-A5812BCE6116}" srcOrd="0" destOrd="0" presId="urn:microsoft.com/office/officeart/2005/8/layout/hierarchy6"/>
+    <dgm:cxn modelId="{333C7B33-338C-4501-9A18-E6F86A5079D3}" type="presParOf" srcId="{C445A209-01C2-4180-87AF-322E10EE9690}" destId="{052DF241-59DA-42A6-A33C-731E6015A814}" srcOrd="1" destOrd="0" presId="urn:microsoft.com/office/officeart/2005/8/layout/hierarchy6"/>
+    <dgm:cxn modelId="{81345C64-243C-405E-977B-EFCAB1300545}" type="presParOf" srcId="{052DF241-59DA-42A6-A33C-731E6015A814}" destId="{03F7C53C-6D4E-4829-909F-323AB91B1296}" srcOrd="0" destOrd="0" presId="urn:microsoft.com/office/officeart/2005/8/layout/hierarchy6"/>
+    <dgm:cxn modelId="{8AE5BCDB-5AEB-41FE-9097-9C31295A20DF}" type="presParOf" srcId="{052DF241-59DA-42A6-A33C-731E6015A814}" destId="{34718241-C172-4CE6-8EF3-CE623537E20D}" srcOrd="1" destOrd="0" presId="urn:microsoft.com/office/officeart/2005/8/layout/hierarchy6"/>
+    <dgm:cxn modelId="{849303A8-241D-4B79-9499-56793FB5C78A}" type="presParOf" srcId="{34718241-C172-4CE6-8EF3-CE623537E20D}" destId="{0ED10509-3646-4A3A-BD1F-1FC9EA9BC892}" srcOrd="0" destOrd="0" presId="urn:microsoft.com/office/officeart/2005/8/layout/hierarchy6"/>
+    <dgm:cxn modelId="{64B357DC-2E22-4500-95E5-32A7EAB6415A}" type="presParOf" srcId="{34718241-C172-4CE6-8EF3-CE623537E20D}" destId="{8310FC2B-5B2D-4F51-9CA5-B1218E9CC6B6}" srcOrd="1" destOrd="0" presId="urn:microsoft.com/office/officeart/2005/8/layout/hierarchy6"/>
+    <dgm:cxn modelId="{35A528BA-29E5-4CCC-9FD4-2A3D5716F8E7}" type="presParOf" srcId="{052DF241-59DA-42A6-A33C-731E6015A814}" destId="{0C8C9958-4820-4374-A922-DAF7D56A8E9E}" srcOrd="2" destOrd="0" presId="urn:microsoft.com/office/officeart/2005/8/layout/hierarchy6"/>
+    <dgm:cxn modelId="{0BEC8C71-4F97-4DEA-98CB-90BEDC5DAB67}" type="presParOf" srcId="{052DF241-59DA-42A6-A33C-731E6015A814}" destId="{740AB084-FE68-45B2-8332-16EFD1165138}" srcOrd="3" destOrd="0" presId="urn:microsoft.com/office/officeart/2005/8/layout/hierarchy6"/>
+    <dgm:cxn modelId="{1C22AFDF-348C-4B3B-A80B-D91A767FC077}" type="presParOf" srcId="{740AB084-FE68-45B2-8332-16EFD1165138}" destId="{1F834226-6D09-407A-A0BB-730835C412EE}" srcOrd="0" destOrd="0" presId="urn:microsoft.com/office/officeart/2005/8/layout/hierarchy6"/>
+    <dgm:cxn modelId="{0BBF40FD-CB97-449D-9FFE-8997B2911152}" type="presParOf" srcId="{740AB084-FE68-45B2-8332-16EFD1165138}" destId="{9982318B-2CC4-4105-A009-5837E829CC6A}" srcOrd="1" destOrd="0" presId="urn:microsoft.com/office/officeart/2005/8/layout/hierarchy6"/>
+    <dgm:cxn modelId="{AD378AE7-440C-4221-AED8-A7D0221A857F}" type="presParOf" srcId="{052DF241-59DA-42A6-A33C-731E6015A814}" destId="{841589F9-D596-4B9E-A097-D4BDD79ADD6F}" srcOrd="4" destOrd="0" presId="urn:microsoft.com/office/officeart/2005/8/layout/hierarchy6"/>
+    <dgm:cxn modelId="{D8BB567F-04AF-4191-A0C7-0C640D9A84BA}" type="presParOf" srcId="{052DF241-59DA-42A6-A33C-731E6015A814}" destId="{3918EE8D-92B9-4334-BDAD-3BCBEAB6A433}" srcOrd="5" destOrd="0" presId="urn:microsoft.com/office/officeart/2005/8/layout/hierarchy6"/>
+    <dgm:cxn modelId="{31B722F9-31FD-4C32-9819-981DFAF44ED4}" type="presParOf" srcId="{3918EE8D-92B9-4334-BDAD-3BCBEAB6A433}" destId="{614BF0A0-EF04-4FBD-9D5C-687B2A3F24FE}" srcOrd="0" destOrd="0" presId="urn:microsoft.com/office/officeart/2005/8/layout/hierarchy6"/>
+    <dgm:cxn modelId="{2E6B559B-D8CA-4E0C-927C-39EF42D151A7}" type="presParOf" srcId="{3918EE8D-92B9-4334-BDAD-3BCBEAB6A433}" destId="{5F2E39A5-EBFB-45EF-98AB-F3AA569B9344}" srcOrd="1" destOrd="0" presId="urn:microsoft.com/office/officeart/2005/8/layout/hierarchy6"/>
+    <dgm:cxn modelId="{B9F337BA-8C69-4664-965F-499C2A6F8E63}" type="presParOf" srcId="{052DF241-59DA-42A6-A33C-731E6015A814}" destId="{806F9B24-236B-4F64-BA4A-9CA41091028D}" srcOrd="6" destOrd="0" presId="urn:microsoft.com/office/officeart/2005/8/layout/hierarchy6"/>
+    <dgm:cxn modelId="{DE356872-BB04-4AB6-B43B-400B68CA2CB5}" type="presParOf" srcId="{052DF241-59DA-42A6-A33C-731E6015A814}" destId="{7498D7CB-EEDF-4026-B978-ADD0ECF2BC44}" srcOrd="7" destOrd="0" presId="urn:microsoft.com/office/officeart/2005/8/layout/hierarchy6"/>
+    <dgm:cxn modelId="{A026D7CF-5024-427C-9613-E824DABB7992}" type="presParOf" srcId="{7498D7CB-EEDF-4026-B978-ADD0ECF2BC44}" destId="{974B4D1A-519E-4F92-8D77-7280D2BA813B}" srcOrd="0" destOrd="0" presId="urn:microsoft.com/office/officeart/2005/8/layout/hierarchy6"/>
+    <dgm:cxn modelId="{D83ED152-4CBB-4D5F-9062-6E594BF17651}" type="presParOf" srcId="{7498D7CB-EEDF-4026-B978-ADD0ECF2BC44}" destId="{6A797896-B2B7-45A5-9A95-26F43D2A9D44}" srcOrd="1" destOrd="0" presId="urn:microsoft.com/office/officeart/2005/8/layout/hierarchy6"/>
+    <dgm:cxn modelId="{92AD0A34-A5BD-40BC-9CC5-A133B11118B9}" type="presParOf" srcId="{052DF241-59DA-42A6-A33C-731E6015A814}" destId="{EF214BF8-97E4-495C-A81E-D90058BB819F}" srcOrd="8" destOrd="0" presId="urn:microsoft.com/office/officeart/2005/8/layout/hierarchy6"/>
+    <dgm:cxn modelId="{99213A00-0E33-47A0-9B50-BB88107AF71C}" type="presParOf" srcId="{052DF241-59DA-42A6-A33C-731E6015A814}" destId="{C460B427-624A-4E66-B901-F89BAFF63F29}" srcOrd="9" destOrd="0" presId="urn:microsoft.com/office/officeart/2005/8/layout/hierarchy6"/>
+    <dgm:cxn modelId="{EE2F47CF-6C30-41EB-A557-9BC199C51297}" type="presParOf" srcId="{C460B427-624A-4E66-B901-F89BAFF63F29}" destId="{5B664757-A1C4-46D2-99E1-C008CF2D30E4}" srcOrd="0" destOrd="0" presId="urn:microsoft.com/office/officeart/2005/8/layout/hierarchy6"/>
+    <dgm:cxn modelId="{B968FD7F-170B-4066-8168-DCBC2113A6BF}" type="presParOf" srcId="{C460B427-624A-4E66-B901-F89BAFF63F29}" destId="{D076B563-76F0-4DF3-9F85-786FBDDCF3E7}" srcOrd="1" destOrd="0" presId="urn:microsoft.com/office/officeart/2005/8/layout/hierarchy6"/>
+    <dgm:cxn modelId="{CF2CB501-00F5-44AF-9E38-24B93F003CDD}" type="presParOf" srcId="{3804B618-E1CF-46EE-B776-2584621C7CFF}" destId="{A90C518B-8860-46BC-95CD-F72AFFCFF895}" srcOrd="6" destOrd="0" presId="urn:microsoft.com/office/officeart/2005/8/layout/hierarchy6"/>
+    <dgm:cxn modelId="{AAEF3190-137D-400E-ADC9-21C39CC4A7D4}" type="presParOf" srcId="{3804B618-E1CF-46EE-B776-2584621C7CFF}" destId="{ED59822C-E2D1-4176-8121-6A31A6111372}" srcOrd="7" destOrd="0" presId="urn:microsoft.com/office/officeart/2005/8/layout/hierarchy6"/>
+    <dgm:cxn modelId="{9663F59E-8377-4CFE-8685-696EAE3B3582}" type="presParOf" srcId="{ED59822C-E2D1-4176-8121-6A31A6111372}" destId="{270509E6-01AB-430D-9105-E235618AA76E}" srcOrd="0" destOrd="0" presId="urn:microsoft.com/office/officeart/2005/8/layout/hierarchy6"/>
+    <dgm:cxn modelId="{61037DCB-ADB2-4526-BCDF-0791DEBBCF90}" type="presParOf" srcId="{ED59822C-E2D1-4176-8121-6A31A6111372}" destId="{E00CCC82-EE3A-4751-8E50-267DAC25B875}" srcOrd="1" destOrd="0" presId="urn:microsoft.com/office/officeart/2005/8/layout/hierarchy6"/>
+    <dgm:cxn modelId="{68BE4E9C-97D9-49E9-B904-F0CBA697A847}" type="presParOf" srcId="{E00CCC82-EE3A-4751-8E50-267DAC25B875}" destId="{EDCC23CE-2473-490A-B607-794B4163372A}" srcOrd="0" destOrd="0" presId="urn:microsoft.com/office/officeart/2005/8/layout/hierarchy6"/>
+    <dgm:cxn modelId="{A120BC0E-E537-4620-A170-2A8886CD49A8}" type="presParOf" srcId="{E00CCC82-EE3A-4751-8E50-267DAC25B875}" destId="{24322948-074B-44B6-896F-46F662452E47}" srcOrd="1" destOrd="0" presId="urn:microsoft.com/office/officeart/2005/8/layout/hierarchy6"/>
+    <dgm:cxn modelId="{27EC79BF-EA1D-414B-BE8A-D95B90996D78}" type="presParOf" srcId="{24322948-074B-44B6-896F-46F662452E47}" destId="{08538414-C536-4829-920E-230292877389}" srcOrd="0" destOrd="0" presId="urn:microsoft.com/office/officeart/2005/8/layout/hierarchy6"/>
+    <dgm:cxn modelId="{0131B3F4-77BA-4725-8524-6D54BE7C8628}" type="presParOf" srcId="{24322948-074B-44B6-896F-46F662452E47}" destId="{006A7682-D8F1-453C-9632-898385E50BFD}" srcOrd="1" destOrd="0" presId="urn:microsoft.com/office/officeart/2005/8/layout/hierarchy6"/>
+    <dgm:cxn modelId="{45CFC1A7-98C4-469A-A29F-46612C9549BA}" type="presParOf" srcId="{006A7682-D8F1-453C-9632-898385E50BFD}" destId="{864A409B-14BC-492B-8E30-CCBE9EFC3697}" srcOrd="0" destOrd="0" presId="urn:microsoft.com/office/officeart/2005/8/layout/hierarchy6"/>
+    <dgm:cxn modelId="{3EA37641-3353-4611-B62A-C0E75CB62C39}" type="presParOf" srcId="{006A7682-D8F1-453C-9632-898385E50BFD}" destId="{2292103E-E175-468A-92F3-E5CC334423CB}" srcOrd="1" destOrd="0" presId="urn:microsoft.com/office/officeart/2005/8/layout/hierarchy6"/>
+    <dgm:cxn modelId="{3B8F24D9-2774-4DD4-AD44-30F2B6AF34A9}" type="presParOf" srcId="{2292103E-E175-468A-92F3-E5CC334423CB}" destId="{88AAC106-EBB7-4C25-95AE-F8316817CDCA}" srcOrd="0" destOrd="0" presId="urn:microsoft.com/office/officeart/2005/8/layout/hierarchy6"/>
+    <dgm:cxn modelId="{6786758E-9BE4-463B-AB3A-5E29C73C7457}" type="presParOf" srcId="{2292103E-E175-468A-92F3-E5CC334423CB}" destId="{5F3E8B95-7231-4D62-B87E-9CFC65285D78}" srcOrd="1" destOrd="0" presId="urn:microsoft.com/office/officeart/2005/8/layout/hierarchy6"/>
+    <dgm:cxn modelId="{7FB5A93E-BC3A-4953-A30E-D3D7B83645C5}" type="presParOf" srcId="{E00CCC82-EE3A-4751-8E50-267DAC25B875}" destId="{1231E146-B097-45D0-999A-D39F0040D400}" srcOrd="2" destOrd="0" presId="urn:microsoft.com/office/officeart/2005/8/layout/hierarchy6"/>
+    <dgm:cxn modelId="{3D385863-9D44-4F49-B58E-D1584604AC1F}" type="presParOf" srcId="{E00CCC82-EE3A-4751-8E50-267DAC25B875}" destId="{0E7BBB43-4E5B-4281-9298-2F6F8A4B43BA}" srcOrd="3" destOrd="0" presId="urn:microsoft.com/office/officeart/2005/8/layout/hierarchy6"/>
+    <dgm:cxn modelId="{61E77858-BB0F-4163-A804-C121548830A7}" type="presParOf" srcId="{0E7BBB43-4E5B-4281-9298-2F6F8A4B43BA}" destId="{536B2380-1EF4-4C8E-BE51-39379B52DB89}" srcOrd="0" destOrd="0" presId="urn:microsoft.com/office/officeart/2005/8/layout/hierarchy6"/>
+    <dgm:cxn modelId="{75B19752-2EBC-45E7-9DA1-4017945C2885}" type="presParOf" srcId="{0E7BBB43-4E5B-4281-9298-2F6F8A4B43BA}" destId="{FEFAED3C-6F5A-490E-BDA8-C8700379DE13}" srcOrd="1" destOrd="0" presId="urn:microsoft.com/office/officeart/2005/8/layout/hierarchy6"/>
+    <dgm:cxn modelId="{BD004669-A103-4573-A58C-6FDA6EFAE1F3}" type="presParOf" srcId="{FEFAED3C-6F5A-490E-BDA8-C8700379DE13}" destId="{76E06DBF-7832-4049-8F84-70DA68FC4BA3}" srcOrd="0" destOrd="0" presId="urn:microsoft.com/office/officeart/2005/8/layout/hierarchy6"/>
+    <dgm:cxn modelId="{DD22AEFF-7BE7-4072-8608-AAA058D4A55F}" type="presParOf" srcId="{FEFAED3C-6F5A-490E-BDA8-C8700379DE13}" destId="{B5C8E100-1E67-492D-8794-25A1F531AF1A}" srcOrd="1" destOrd="0" presId="urn:microsoft.com/office/officeart/2005/8/layout/hierarchy6"/>
+    <dgm:cxn modelId="{EDC20635-072E-47A7-BDC4-CA5377A4661D}" type="presParOf" srcId="{B5C8E100-1E67-492D-8794-25A1F531AF1A}" destId="{898A83C1-449F-4097-9AB6-AC61BDED5285}" srcOrd="0" destOrd="0" presId="urn:microsoft.com/office/officeart/2005/8/layout/hierarchy6"/>
+    <dgm:cxn modelId="{7ACD53B2-8D55-4C67-BD4F-A0C5498B2180}" type="presParOf" srcId="{B5C8E100-1E67-492D-8794-25A1F531AF1A}" destId="{9531A339-D7DF-4937-A6C9-A9182732695A}" srcOrd="1" destOrd="0" presId="urn:microsoft.com/office/officeart/2005/8/layout/hierarchy6"/>
+    <dgm:cxn modelId="{6DEA658C-8CD5-4BB6-AD4F-161AA2A04737}" type="presParOf" srcId="{FEFAED3C-6F5A-490E-BDA8-C8700379DE13}" destId="{990F566E-3690-42F2-8AFE-3A97963B6870}" srcOrd="2" destOrd="0" presId="urn:microsoft.com/office/officeart/2005/8/layout/hierarchy6"/>
+    <dgm:cxn modelId="{7F855EF5-97C6-4362-9EF3-5A279D69062E}" type="presParOf" srcId="{FEFAED3C-6F5A-490E-BDA8-C8700379DE13}" destId="{C35C5970-8587-44EE-8935-3C46952EBF0F}" srcOrd="3" destOrd="0" presId="urn:microsoft.com/office/officeart/2005/8/layout/hierarchy6"/>
+    <dgm:cxn modelId="{4304341B-3A07-4706-A36F-7823AC3CFE89}" type="presParOf" srcId="{C35C5970-8587-44EE-8935-3C46952EBF0F}" destId="{F4745300-4DE8-45C4-BA5B-E69A357A5ECD}" srcOrd="0" destOrd="0" presId="urn:microsoft.com/office/officeart/2005/8/layout/hierarchy6"/>
+    <dgm:cxn modelId="{FE542D54-4DC9-4A66-9676-5A6E3D427CD9}" type="presParOf" srcId="{C35C5970-8587-44EE-8935-3C46952EBF0F}" destId="{7EE276E2-6A0D-46B0-9A2A-FB8DA2B9434E}" srcOrd="1" destOrd="0" presId="urn:microsoft.com/office/officeart/2005/8/layout/hierarchy6"/>
+    <dgm:cxn modelId="{78684CFF-6053-4555-8D66-184D9EA77D3F}" type="presParOf" srcId="{FEFAED3C-6F5A-490E-BDA8-C8700379DE13}" destId="{3BC9BB75-2BB8-4FA1-8BED-59E9C8C1489E}" srcOrd="4" destOrd="0" presId="urn:microsoft.com/office/officeart/2005/8/layout/hierarchy6"/>
+    <dgm:cxn modelId="{23225629-F899-4BFE-B7C6-146FA126F410}" type="presParOf" srcId="{FEFAED3C-6F5A-490E-BDA8-C8700379DE13}" destId="{9E78B80E-0EA6-43B7-A62D-233300ADB4C9}" srcOrd="5" destOrd="0" presId="urn:microsoft.com/office/officeart/2005/8/layout/hierarchy6"/>
+    <dgm:cxn modelId="{38502196-24F0-4964-9539-B434B882C5D7}" type="presParOf" srcId="{9E78B80E-0EA6-43B7-A62D-233300ADB4C9}" destId="{2E761711-A85E-4AB5-81D7-02001DD2FB6E}" srcOrd="0" destOrd="0" presId="urn:microsoft.com/office/officeart/2005/8/layout/hierarchy6"/>
+    <dgm:cxn modelId="{2B6399C4-8D93-4C99-93B0-39EE40A1E03E}" type="presParOf" srcId="{9E78B80E-0EA6-43B7-A62D-233300ADB4C9}" destId="{A470777A-C8F5-494F-BCD4-8294A379C492}" srcOrd="1" destOrd="0" presId="urn:microsoft.com/office/officeart/2005/8/layout/hierarchy6"/>
+    <dgm:cxn modelId="{B28C2F34-C35D-4C60-A4FF-3E009A505562}" type="presParOf" srcId="{E00CCC82-EE3A-4751-8E50-267DAC25B875}" destId="{4F7D69AE-E19A-42B7-B3B6-F6A9AD7B0FF2}" srcOrd="4" destOrd="0" presId="urn:microsoft.com/office/officeart/2005/8/layout/hierarchy6"/>
+    <dgm:cxn modelId="{0A2671C6-3CCF-428A-9DEF-2F76BA8C7613}" type="presParOf" srcId="{E00CCC82-EE3A-4751-8E50-267DAC25B875}" destId="{BEE59D2D-D855-4BFC-9C9A-52772C739131}" srcOrd="5" destOrd="0" presId="urn:microsoft.com/office/officeart/2005/8/layout/hierarchy6"/>
+    <dgm:cxn modelId="{B64D61BF-F274-4358-B540-CFB17A2B879D}" type="presParOf" srcId="{BEE59D2D-D855-4BFC-9C9A-52772C739131}" destId="{B6A25002-8933-4E25-8513-D71DA246165A}" srcOrd="0" destOrd="0" presId="urn:microsoft.com/office/officeart/2005/8/layout/hierarchy6"/>
+    <dgm:cxn modelId="{0E4B7B74-A4BF-45EC-95E1-94284CEECC87}" type="presParOf" srcId="{BEE59D2D-D855-4BFC-9C9A-52772C739131}" destId="{C31C303B-A041-4992-ACF8-96C18FCB02C7}" srcOrd="1" destOrd="0" presId="urn:microsoft.com/office/officeart/2005/8/layout/hierarchy6"/>
     <dgm:cxn modelId="{58611F67-D8E1-415C-9AEB-55F21125B670}" type="presParOf" srcId="{C7AC09FA-285B-4A53-92AF-67E5F1838A26}" destId="{8689255B-5BA2-4B1C-BB00-6AC5301505FD}" srcOrd="1" destOrd="0" presId="urn:microsoft.com/office/officeart/2005/8/layout/hierarchy6"/>
   </dgm:cxnLst>
   <dgm:bg/>
@@ -12204,6 +14264,2388 @@
 </dsp:drawing>
 </file>
 
+<file path=ppt/diagrams/drawing4.xml><?xml version="1.0" encoding="utf-8"?>
+<dsp:drawing xmlns:dgm="http://schemas.openxmlformats.org/drawingml/2006/diagram" xmlns:dsp="http://schemas.microsoft.com/office/drawing/2008/diagram" xmlns:a="http://schemas.openxmlformats.org/drawingml/2006/main">
+  <dsp:spTree>
+    <dsp:nvGrpSpPr>
+      <dsp:cNvPr id="0" name=""/>
+      <dsp:cNvGrpSpPr/>
+    </dsp:nvGrpSpPr>
+    <dsp:grpSpPr/>
+    <dsp:sp modelId="{2822A21A-804E-4E59-AEB4-28B90FDF416D}">
+      <dsp:nvSpPr>
+        <dsp:cNvPr id="0" name=""/>
+        <dsp:cNvSpPr/>
+      </dsp:nvSpPr>
+      <dsp:spPr>
+        <a:xfrm>
+          <a:off x="4348814" y="860204"/>
+          <a:ext cx="1028152" cy="685435"/>
+        </a:xfrm>
+        <a:prstGeom prst="roundRect">
+          <a:avLst>
+            <a:gd name="adj" fmla="val 10000"/>
+          </a:avLst>
+        </a:prstGeom>
+        <a:solidFill>
+          <a:schemeClr val="accent6"/>
+        </a:solidFill>
+        <a:ln w="12700" cap="flat" cmpd="sng" algn="ctr">
+          <a:solidFill>
+            <a:srgbClr val="FF0000"/>
+          </a:solidFill>
+          <a:prstDash val="solid"/>
+          <a:miter lim="800000"/>
+        </a:ln>
+        <a:effectLst/>
+      </dsp:spPr>
+      <dsp:style>
+        <a:lnRef idx="2">
+          <a:schemeClr val="accent6">
+            <a:shade val="50000"/>
+          </a:schemeClr>
+        </a:lnRef>
+        <a:fillRef idx="1">
+          <a:schemeClr val="accent6"/>
+        </a:fillRef>
+        <a:effectRef idx="0">
+          <a:schemeClr val="accent6"/>
+        </a:effectRef>
+        <a:fontRef idx="minor">
+          <a:schemeClr val="lt1"/>
+        </a:fontRef>
+      </dsp:style>
+      <dsp:txBody>
+        <a:bodyPr spcFirstLastPara="0" vert="horz" wrap="square" lIns="34290" tIns="34290" rIns="34290" bIns="34290" numCol="1" spcCol="1270" anchor="ctr" anchorCtr="0">
+          <a:noAutofit/>
+        </a:bodyPr>
+        <a:lstStyle/>
+        <a:p>
+          <a:pPr marL="0" lvl="0" indent="0" algn="ctr" defTabSz="400050">
+            <a:lnSpc>
+              <a:spcPct val="90000"/>
+            </a:lnSpc>
+            <a:spcBef>
+              <a:spcPct val="0"/>
+            </a:spcBef>
+            <a:spcAft>
+              <a:spcPct val="35000"/>
+            </a:spcAft>
+            <a:buNone/>
+          </a:pPr>
+          <a:r>
+            <a:rPr lang="en-US" sz="900" kern="1200" dirty="0"/>
+            <a:t>Clients/Population</a:t>
+          </a:r>
+        </a:p>
+      </dsp:txBody>
+      <dsp:txXfrm>
+        <a:off x="4368890" y="880280"/>
+        <a:ext cx="988000" cy="645283"/>
+      </dsp:txXfrm>
+    </dsp:sp>
+    <dsp:sp modelId="{7C950FBD-90BC-4A27-B227-A079DE2321D3}">
+      <dsp:nvSpPr>
+        <dsp:cNvPr id="0" name=""/>
+        <dsp:cNvSpPr/>
+      </dsp:nvSpPr>
+      <dsp:spPr>
+        <a:xfrm>
+          <a:off x="4817171" y="1545639"/>
+          <a:ext cx="91440" cy="274174"/>
+        </a:xfrm>
+        <a:custGeom>
+          <a:avLst/>
+          <a:gdLst/>
+          <a:ahLst/>
+          <a:cxnLst/>
+          <a:rect l="0" t="0" r="0" b="0"/>
+          <a:pathLst>
+            <a:path>
+              <a:moveTo>
+                <a:pt x="45720" y="0"/>
+              </a:moveTo>
+              <a:lnTo>
+                <a:pt x="45720" y="274174"/>
+              </a:lnTo>
+            </a:path>
+          </a:pathLst>
+        </a:custGeom>
+        <a:noFill/>
+        <a:ln w="12700" cap="flat" cmpd="sng" algn="ctr">
+          <a:solidFill>
+            <a:schemeClr val="accent1">
+              <a:shade val="60000"/>
+              <a:hueOff val="0"/>
+              <a:satOff val="0"/>
+              <a:lumOff val="0"/>
+              <a:alphaOff val="0"/>
+            </a:schemeClr>
+          </a:solidFill>
+          <a:prstDash val="solid"/>
+          <a:miter lim="800000"/>
+        </a:ln>
+        <a:effectLst/>
+      </dsp:spPr>
+      <dsp:style>
+        <a:lnRef idx="2">
+          <a:scrgbClr r="0" g="0" b="0"/>
+        </a:lnRef>
+        <a:fillRef idx="0">
+          <a:scrgbClr r="0" g="0" b="0"/>
+        </a:fillRef>
+        <a:effectRef idx="0">
+          <a:scrgbClr r="0" g="0" b="0"/>
+        </a:effectRef>
+        <a:fontRef idx="minor"/>
+      </dsp:style>
+    </dsp:sp>
+    <dsp:sp modelId="{1C410DC4-DE26-4848-8CEB-1F788D0EA855}">
+      <dsp:nvSpPr>
+        <dsp:cNvPr id="0" name=""/>
+        <dsp:cNvSpPr/>
+      </dsp:nvSpPr>
+      <dsp:spPr>
+        <a:xfrm>
+          <a:off x="4348814" y="1819813"/>
+          <a:ext cx="1028152" cy="685435"/>
+        </a:xfrm>
+        <a:prstGeom prst="roundRect">
+          <a:avLst>
+            <a:gd name="adj" fmla="val 10000"/>
+          </a:avLst>
+        </a:prstGeom>
+        <a:solidFill>
+          <a:schemeClr val="accent4"/>
+        </a:solidFill>
+        <a:ln w="12700" cap="flat" cmpd="sng" algn="ctr">
+          <a:solidFill>
+            <a:schemeClr val="accent4">
+              <a:shade val="50000"/>
+            </a:schemeClr>
+          </a:solidFill>
+          <a:prstDash val="solid"/>
+          <a:miter lim="800000"/>
+        </a:ln>
+        <a:effectLst/>
+      </dsp:spPr>
+      <dsp:style>
+        <a:lnRef idx="2">
+          <a:schemeClr val="accent4">
+            <a:shade val="50000"/>
+          </a:schemeClr>
+        </a:lnRef>
+        <a:fillRef idx="1">
+          <a:schemeClr val="accent4"/>
+        </a:fillRef>
+        <a:effectRef idx="0">
+          <a:schemeClr val="accent4"/>
+        </a:effectRef>
+        <a:fontRef idx="minor">
+          <a:schemeClr val="lt1"/>
+        </a:fontRef>
+      </dsp:style>
+      <dsp:txBody>
+        <a:bodyPr spcFirstLastPara="0" vert="horz" wrap="square" lIns="34290" tIns="34290" rIns="34290" bIns="34290" numCol="1" spcCol="1270" anchor="ctr" anchorCtr="0">
+          <a:noAutofit/>
+        </a:bodyPr>
+        <a:lstStyle/>
+        <a:p>
+          <a:pPr marL="0" lvl="0" indent="0" algn="ctr" defTabSz="400050">
+            <a:lnSpc>
+              <a:spcPct val="90000"/>
+            </a:lnSpc>
+            <a:spcBef>
+              <a:spcPct val="0"/>
+            </a:spcBef>
+            <a:spcAft>
+              <a:spcPct val="35000"/>
+            </a:spcAft>
+            <a:buNone/>
+          </a:pPr>
+          <a:r>
+            <a:rPr lang="en-US" sz="900" kern="1200" dirty="0"/>
+            <a:t>Species</a:t>
+          </a:r>
+        </a:p>
+      </dsp:txBody>
+      <dsp:txXfrm>
+        <a:off x="4368890" y="1839889"/>
+        <a:ext cx="988000" cy="645283"/>
+      </dsp:txXfrm>
+    </dsp:sp>
+    <dsp:sp modelId="{F1FB9FBC-64EE-4FFB-8ACD-14A57B4DE8B2}">
+      <dsp:nvSpPr>
+        <dsp:cNvPr id="0" name=""/>
+        <dsp:cNvSpPr/>
+      </dsp:nvSpPr>
+      <dsp:spPr>
+        <a:xfrm>
+          <a:off x="518945" y="2505248"/>
+          <a:ext cx="4343946" cy="274174"/>
+        </a:xfrm>
+        <a:custGeom>
+          <a:avLst/>
+          <a:gdLst/>
+          <a:ahLst/>
+          <a:cxnLst/>
+          <a:rect l="0" t="0" r="0" b="0"/>
+          <a:pathLst>
+            <a:path>
+              <a:moveTo>
+                <a:pt x="4343946" y="0"/>
+              </a:moveTo>
+              <a:lnTo>
+                <a:pt x="4343946" y="137087"/>
+              </a:lnTo>
+              <a:lnTo>
+                <a:pt x="0" y="137087"/>
+              </a:lnTo>
+              <a:lnTo>
+                <a:pt x="0" y="274174"/>
+              </a:lnTo>
+            </a:path>
+          </a:pathLst>
+        </a:custGeom>
+        <a:noFill/>
+        <a:ln w="12700" cap="flat" cmpd="sng" algn="ctr">
+          <a:solidFill>
+            <a:schemeClr val="accent1">
+              <a:shade val="80000"/>
+              <a:hueOff val="0"/>
+              <a:satOff val="0"/>
+              <a:lumOff val="0"/>
+              <a:alphaOff val="0"/>
+            </a:schemeClr>
+          </a:solidFill>
+          <a:prstDash val="solid"/>
+          <a:miter lim="800000"/>
+        </a:ln>
+        <a:effectLst/>
+      </dsp:spPr>
+      <dsp:style>
+        <a:lnRef idx="2">
+          <a:scrgbClr r="0" g="0" b="0"/>
+        </a:lnRef>
+        <a:fillRef idx="0">
+          <a:scrgbClr r="0" g="0" b="0"/>
+        </a:fillRef>
+        <a:effectRef idx="0">
+          <a:scrgbClr r="0" g="0" b="0"/>
+        </a:effectRef>
+        <a:fontRef idx="minor"/>
+      </dsp:style>
+    </dsp:sp>
+    <dsp:sp modelId="{3F32A1B1-840B-4CF7-98E4-7BB1BD0F9D48}">
+      <dsp:nvSpPr>
+        <dsp:cNvPr id="0" name=""/>
+        <dsp:cNvSpPr/>
+      </dsp:nvSpPr>
+      <dsp:spPr>
+        <a:xfrm>
+          <a:off x="4868" y="2779422"/>
+          <a:ext cx="1028152" cy="685435"/>
+        </a:xfrm>
+        <a:prstGeom prst="roundRect">
+          <a:avLst>
+            <a:gd name="adj" fmla="val 10000"/>
+          </a:avLst>
+        </a:prstGeom>
+        <a:solidFill>
+          <a:schemeClr val="accent1"/>
+        </a:solidFill>
+        <a:ln w="19050" cap="flat" cmpd="sng" algn="ctr">
+          <a:solidFill>
+            <a:schemeClr val="lt1"/>
+          </a:solidFill>
+          <a:prstDash val="solid"/>
+          <a:miter lim="800000"/>
+        </a:ln>
+        <a:effectLst/>
+      </dsp:spPr>
+      <dsp:style>
+        <a:lnRef idx="3">
+          <a:schemeClr val="lt1"/>
+        </a:lnRef>
+        <a:fillRef idx="1">
+          <a:schemeClr val="accent1"/>
+        </a:fillRef>
+        <a:effectRef idx="1">
+          <a:schemeClr val="accent1"/>
+        </a:effectRef>
+        <a:fontRef idx="minor">
+          <a:schemeClr val="lt1"/>
+        </a:fontRef>
+      </dsp:style>
+      <dsp:txBody>
+        <a:bodyPr spcFirstLastPara="0" vert="horz" wrap="square" lIns="34290" tIns="34290" rIns="34290" bIns="34290" numCol="1" spcCol="1270" anchor="ctr" anchorCtr="0">
+          <a:noAutofit/>
+        </a:bodyPr>
+        <a:lstStyle/>
+        <a:p>
+          <a:pPr marL="0" lvl="0" indent="0" algn="ctr" defTabSz="400050">
+            <a:lnSpc>
+              <a:spcPct val="90000"/>
+            </a:lnSpc>
+            <a:spcBef>
+              <a:spcPct val="0"/>
+            </a:spcBef>
+            <a:spcAft>
+              <a:spcPct val="35000"/>
+            </a:spcAft>
+            <a:buNone/>
+          </a:pPr>
+          <a:r>
+            <a:rPr lang="en-US" sz="900" kern="1200" dirty="0"/>
+            <a:t>Evolve</a:t>
+          </a:r>
+        </a:p>
+      </dsp:txBody>
+      <dsp:txXfrm>
+        <a:off x="24944" y="2799498"/>
+        <a:ext cx="988000" cy="645283"/>
+      </dsp:txXfrm>
+    </dsp:sp>
+    <dsp:sp modelId="{17B3F5FB-71A9-4286-A8A2-DD389165186D}">
+      <dsp:nvSpPr>
+        <dsp:cNvPr id="0" name=""/>
+        <dsp:cNvSpPr/>
+      </dsp:nvSpPr>
+      <dsp:spPr>
+        <a:xfrm>
+          <a:off x="1855543" y="2505248"/>
+          <a:ext cx="3007347" cy="274174"/>
+        </a:xfrm>
+        <a:custGeom>
+          <a:avLst/>
+          <a:gdLst/>
+          <a:ahLst/>
+          <a:cxnLst/>
+          <a:rect l="0" t="0" r="0" b="0"/>
+          <a:pathLst>
+            <a:path>
+              <a:moveTo>
+                <a:pt x="3007347" y="0"/>
+              </a:moveTo>
+              <a:lnTo>
+                <a:pt x="3007347" y="137087"/>
+              </a:lnTo>
+              <a:lnTo>
+                <a:pt x="0" y="137087"/>
+              </a:lnTo>
+              <a:lnTo>
+                <a:pt x="0" y="274174"/>
+              </a:lnTo>
+            </a:path>
+          </a:pathLst>
+        </a:custGeom>
+        <a:noFill/>
+        <a:ln w="12700" cap="flat" cmpd="sng" algn="ctr">
+          <a:solidFill>
+            <a:schemeClr val="accent1">
+              <a:shade val="80000"/>
+              <a:hueOff val="0"/>
+              <a:satOff val="0"/>
+              <a:lumOff val="0"/>
+              <a:alphaOff val="0"/>
+            </a:schemeClr>
+          </a:solidFill>
+          <a:prstDash val="solid"/>
+          <a:miter lim="800000"/>
+        </a:ln>
+        <a:effectLst/>
+      </dsp:spPr>
+      <dsp:style>
+        <a:lnRef idx="2">
+          <a:scrgbClr r="0" g="0" b="0"/>
+        </a:lnRef>
+        <a:fillRef idx="0">
+          <a:scrgbClr r="0" g="0" b="0"/>
+        </a:fillRef>
+        <a:effectRef idx="0">
+          <a:scrgbClr r="0" g="0" b="0"/>
+        </a:effectRef>
+        <a:fontRef idx="minor"/>
+      </dsp:style>
+    </dsp:sp>
+    <dsp:sp modelId="{A86792A7-B2E4-4A69-BA2F-295CC4C6D9E4}">
+      <dsp:nvSpPr>
+        <dsp:cNvPr id="0" name=""/>
+        <dsp:cNvSpPr/>
+      </dsp:nvSpPr>
+      <dsp:spPr>
+        <a:xfrm>
+          <a:off x="1341467" y="2779422"/>
+          <a:ext cx="1028152" cy="685435"/>
+        </a:xfrm>
+        <a:prstGeom prst="roundRect">
+          <a:avLst>
+            <a:gd name="adj" fmla="val 10000"/>
+          </a:avLst>
+        </a:prstGeom>
+        <a:solidFill>
+          <a:schemeClr val="accent1"/>
+        </a:solidFill>
+        <a:ln w="19050" cap="flat" cmpd="sng" algn="ctr">
+          <a:solidFill>
+            <a:schemeClr val="lt1"/>
+          </a:solidFill>
+          <a:prstDash val="solid"/>
+          <a:miter lim="800000"/>
+        </a:ln>
+        <a:effectLst/>
+      </dsp:spPr>
+      <dsp:style>
+        <a:lnRef idx="3">
+          <a:schemeClr val="lt1"/>
+        </a:lnRef>
+        <a:fillRef idx="1">
+          <a:schemeClr val="accent1"/>
+        </a:fillRef>
+        <a:effectRef idx="1">
+          <a:schemeClr val="accent1"/>
+        </a:effectRef>
+        <a:fontRef idx="minor">
+          <a:schemeClr val="lt1"/>
+        </a:fontRef>
+      </dsp:style>
+      <dsp:txBody>
+        <a:bodyPr spcFirstLastPara="0" vert="horz" wrap="square" lIns="34290" tIns="34290" rIns="34290" bIns="34290" numCol="1" spcCol="1270" anchor="ctr" anchorCtr="0">
+          <a:noAutofit/>
+        </a:bodyPr>
+        <a:lstStyle/>
+        <a:p>
+          <a:pPr marL="0" lvl="0" indent="0" algn="ctr" defTabSz="400050">
+            <a:lnSpc>
+              <a:spcPct val="90000"/>
+            </a:lnSpc>
+            <a:spcBef>
+              <a:spcPct val="0"/>
+            </a:spcBef>
+            <a:spcAft>
+              <a:spcPct val="35000"/>
+            </a:spcAft>
+            <a:buNone/>
+          </a:pPr>
+          <a:r>
+            <a:rPr lang="en-US" sz="900" kern="1200" dirty="0"/>
+            <a:t>Representative</a:t>
+          </a:r>
+        </a:p>
+      </dsp:txBody>
+      <dsp:txXfrm>
+        <a:off x="1361543" y="2799498"/>
+        <a:ext cx="988000" cy="645283"/>
+      </dsp:txXfrm>
+    </dsp:sp>
+    <dsp:sp modelId="{74C05282-5E7E-4F7F-91FC-14FE553BFA24}">
+      <dsp:nvSpPr>
+        <dsp:cNvPr id="0" name=""/>
+        <dsp:cNvSpPr/>
+      </dsp:nvSpPr>
+      <dsp:spPr>
+        <a:xfrm>
+          <a:off x="3192142" y="2505248"/>
+          <a:ext cx="1670748" cy="274174"/>
+        </a:xfrm>
+        <a:custGeom>
+          <a:avLst/>
+          <a:gdLst/>
+          <a:ahLst/>
+          <a:cxnLst/>
+          <a:rect l="0" t="0" r="0" b="0"/>
+          <a:pathLst>
+            <a:path>
+              <a:moveTo>
+                <a:pt x="1670748" y="0"/>
+              </a:moveTo>
+              <a:lnTo>
+                <a:pt x="1670748" y="137087"/>
+              </a:lnTo>
+              <a:lnTo>
+                <a:pt x="0" y="137087"/>
+              </a:lnTo>
+              <a:lnTo>
+                <a:pt x="0" y="274174"/>
+              </a:lnTo>
+            </a:path>
+          </a:pathLst>
+        </a:custGeom>
+        <a:noFill/>
+        <a:ln w="12700" cap="flat" cmpd="sng" algn="ctr">
+          <a:solidFill>
+            <a:schemeClr val="accent1">
+              <a:shade val="80000"/>
+              <a:hueOff val="0"/>
+              <a:satOff val="0"/>
+              <a:lumOff val="0"/>
+              <a:alphaOff val="0"/>
+            </a:schemeClr>
+          </a:solidFill>
+          <a:prstDash val="solid"/>
+          <a:miter lim="800000"/>
+        </a:ln>
+        <a:effectLst/>
+      </dsp:spPr>
+      <dsp:style>
+        <a:lnRef idx="2">
+          <a:scrgbClr r="0" g="0" b="0"/>
+        </a:lnRef>
+        <a:fillRef idx="0">
+          <a:scrgbClr r="0" g="0" b="0"/>
+        </a:fillRef>
+        <a:effectRef idx="0">
+          <a:scrgbClr r="0" g="0" b="0"/>
+        </a:effectRef>
+        <a:fontRef idx="minor"/>
+      </dsp:style>
+    </dsp:sp>
+    <dsp:sp modelId="{301CFCC0-A3C2-4D25-A3AB-A5812BCE6116}">
+      <dsp:nvSpPr>
+        <dsp:cNvPr id="0" name=""/>
+        <dsp:cNvSpPr/>
+      </dsp:nvSpPr>
+      <dsp:spPr>
+        <a:xfrm>
+          <a:off x="2678066" y="2779422"/>
+          <a:ext cx="1028152" cy="685435"/>
+        </a:xfrm>
+        <a:prstGeom prst="roundRect">
+          <a:avLst>
+            <a:gd name="adj" fmla="val 10000"/>
+          </a:avLst>
+        </a:prstGeom>
+        <a:solidFill>
+          <a:schemeClr val="accent2"/>
+        </a:solidFill>
+        <a:ln w="12700" cap="flat" cmpd="sng" algn="ctr">
+          <a:solidFill>
+            <a:schemeClr val="accent2">
+              <a:shade val="50000"/>
+            </a:schemeClr>
+          </a:solidFill>
+          <a:prstDash val="solid"/>
+          <a:miter lim="800000"/>
+        </a:ln>
+        <a:effectLst/>
+      </dsp:spPr>
+      <dsp:style>
+        <a:lnRef idx="2">
+          <a:schemeClr val="accent2">
+            <a:shade val="50000"/>
+          </a:schemeClr>
+        </a:lnRef>
+        <a:fillRef idx="1">
+          <a:schemeClr val="accent2"/>
+        </a:fillRef>
+        <a:effectRef idx="0">
+          <a:schemeClr val="accent2"/>
+        </a:effectRef>
+        <a:fontRef idx="minor">
+          <a:schemeClr val="lt1"/>
+        </a:fontRef>
+      </dsp:style>
+      <dsp:txBody>
+        <a:bodyPr spcFirstLastPara="0" vert="horz" wrap="square" lIns="34290" tIns="34290" rIns="34290" bIns="34290" numCol="1" spcCol="1270" anchor="ctr" anchorCtr="0">
+          <a:noAutofit/>
+        </a:bodyPr>
+        <a:lstStyle/>
+        <a:p>
+          <a:pPr marL="0" lvl="0" indent="0" algn="ctr" defTabSz="400050">
+            <a:lnSpc>
+              <a:spcPct val="90000"/>
+            </a:lnSpc>
+            <a:spcBef>
+              <a:spcPct val="0"/>
+            </a:spcBef>
+            <a:spcAft>
+              <a:spcPct val="35000"/>
+            </a:spcAft>
+            <a:buNone/>
+          </a:pPr>
+          <a:r>
+            <a:rPr lang="en-US" sz="900" kern="1200" dirty="0"/>
+            <a:t>Genome</a:t>
+          </a:r>
+        </a:p>
+      </dsp:txBody>
+      <dsp:txXfrm>
+        <a:off x="2698142" y="2799498"/>
+        <a:ext cx="988000" cy="645283"/>
+      </dsp:txXfrm>
+    </dsp:sp>
+    <dsp:sp modelId="{03F7C53C-6D4E-4829-909F-323AB91B1296}">
+      <dsp:nvSpPr>
+        <dsp:cNvPr id="0" name=""/>
+        <dsp:cNvSpPr/>
+      </dsp:nvSpPr>
+      <dsp:spPr>
+        <a:xfrm>
+          <a:off x="518945" y="3464858"/>
+          <a:ext cx="2673197" cy="274174"/>
+        </a:xfrm>
+        <a:custGeom>
+          <a:avLst/>
+          <a:gdLst/>
+          <a:ahLst/>
+          <a:cxnLst/>
+          <a:rect l="0" t="0" r="0" b="0"/>
+          <a:pathLst>
+            <a:path>
+              <a:moveTo>
+                <a:pt x="2673197" y="0"/>
+              </a:moveTo>
+              <a:lnTo>
+                <a:pt x="2673197" y="137087"/>
+              </a:lnTo>
+              <a:lnTo>
+                <a:pt x="0" y="137087"/>
+              </a:lnTo>
+              <a:lnTo>
+                <a:pt x="0" y="274174"/>
+              </a:lnTo>
+            </a:path>
+          </a:pathLst>
+        </a:custGeom>
+        <a:noFill/>
+        <a:ln w="12700" cap="flat" cmpd="sng" algn="ctr">
+          <a:solidFill>
+            <a:schemeClr val="accent1">
+              <a:shade val="80000"/>
+              <a:hueOff val="0"/>
+              <a:satOff val="0"/>
+              <a:lumOff val="0"/>
+              <a:alphaOff val="0"/>
+            </a:schemeClr>
+          </a:solidFill>
+          <a:prstDash val="solid"/>
+          <a:miter lim="800000"/>
+        </a:ln>
+        <a:effectLst/>
+      </dsp:spPr>
+      <dsp:style>
+        <a:lnRef idx="2">
+          <a:scrgbClr r="0" g="0" b="0"/>
+        </a:lnRef>
+        <a:fillRef idx="0">
+          <a:scrgbClr r="0" g="0" b="0"/>
+        </a:fillRef>
+        <a:effectRef idx="0">
+          <a:scrgbClr r="0" g="0" b="0"/>
+        </a:effectRef>
+        <a:fontRef idx="minor"/>
+      </dsp:style>
+    </dsp:sp>
+    <dsp:sp modelId="{0ED10509-3646-4A3A-BD1F-1FC9EA9BC892}">
+      <dsp:nvSpPr>
+        <dsp:cNvPr id="0" name=""/>
+        <dsp:cNvSpPr/>
+      </dsp:nvSpPr>
+      <dsp:spPr>
+        <a:xfrm>
+          <a:off x="4868" y="3739032"/>
+          <a:ext cx="1028152" cy="685435"/>
+        </a:xfrm>
+        <a:prstGeom prst="roundRect">
+          <a:avLst>
+            <a:gd name="adj" fmla="val 10000"/>
+          </a:avLst>
+        </a:prstGeom>
+        <a:solidFill>
+          <a:schemeClr val="accent1"/>
+        </a:solidFill>
+        <a:ln w="19050" cap="flat" cmpd="sng" algn="ctr">
+          <a:solidFill>
+            <a:schemeClr val="lt1"/>
+          </a:solidFill>
+          <a:prstDash val="solid"/>
+          <a:miter lim="800000"/>
+        </a:ln>
+        <a:effectLst/>
+      </dsp:spPr>
+      <dsp:style>
+        <a:lnRef idx="3">
+          <a:schemeClr val="lt1"/>
+        </a:lnRef>
+        <a:fillRef idx="1">
+          <a:schemeClr val="accent1"/>
+        </a:fillRef>
+        <a:effectRef idx="1">
+          <a:schemeClr val="accent1"/>
+        </a:effectRef>
+        <a:fontRef idx="minor">
+          <a:schemeClr val="lt1"/>
+        </a:fontRef>
+      </dsp:style>
+      <dsp:txBody>
+        <a:bodyPr spcFirstLastPara="0" vert="horz" wrap="square" lIns="34290" tIns="34290" rIns="34290" bIns="34290" numCol="1" spcCol="1270" anchor="ctr" anchorCtr="0">
+          <a:noAutofit/>
+        </a:bodyPr>
+        <a:lstStyle/>
+        <a:p>
+          <a:pPr marL="0" lvl="0" indent="0" algn="ctr" defTabSz="400050">
+            <a:lnSpc>
+              <a:spcPct val="90000"/>
+            </a:lnSpc>
+            <a:spcBef>
+              <a:spcPct val="0"/>
+            </a:spcBef>
+            <a:spcAft>
+              <a:spcPct val="35000"/>
+            </a:spcAft>
+            <a:buNone/>
+          </a:pPr>
+          <a:r>
+            <a:rPr lang="en-US" sz="900" kern="1200" dirty="0"/>
+            <a:t>Score</a:t>
+          </a:r>
+        </a:p>
+      </dsp:txBody>
+      <dsp:txXfrm>
+        <a:off x="24944" y="3759108"/>
+        <a:ext cx="988000" cy="645283"/>
+      </dsp:txXfrm>
+    </dsp:sp>
+    <dsp:sp modelId="{0C8C9958-4820-4374-A922-DAF7D56A8E9E}">
+      <dsp:nvSpPr>
+        <dsp:cNvPr id="0" name=""/>
+        <dsp:cNvSpPr/>
+      </dsp:nvSpPr>
+      <dsp:spPr>
+        <a:xfrm>
+          <a:off x="1855543" y="3464858"/>
+          <a:ext cx="1336598" cy="274174"/>
+        </a:xfrm>
+        <a:custGeom>
+          <a:avLst/>
+          <a:gdLst/>
+          <a:ahLst/>
+          <a:cxnLst/>
+          <a:rect l="0" t="0" r="0" b="0"/>
+          <a:pathLst>
+            <a:path>
+              <a:moveTo>
+                <a:pt x="1336598" y="0"/>
+              </a:moveTo>
+              <a:lnTo>
+                <a:pt x="1336598" y="137087"/>
+              </a:lnTo>
+              <a:lnTo>
+                <a:pt x="0" y="137087"/>
+              </a:lnTo>
+              <a:lnTo>
+                <a:pt x="0" y="274174"/>
+              </a:lnTo>
+            </a:path>
+          </a:pathLst>
+        </a:custGeom>
+        <a:noFill/>
+        <a:ln w="12700" cap="flat" cmpd="sng" algn="ctr">
+          <a:solidFill>
+            <a:schemeClr val="accent1">
+              <a:shade val="80000"/>
+              <a:hueOff val="0"/>
+              <a:satOff val="0"/>
+              <a:lumOff val="0"/>
+              <a:alphaOff val="0"/>
+            </a:schemeClr>
+          </a:solidFill>
+          <a:prstDash val="solid"/>
+          <a:miter lim="800000"/>
+        </a:ln>
+        <a:effectLst/>
+      </dsp:spPr>
+      <dsp:style>
+        <a:lnRef idx="2">
+          <a:scrgbClr r="0" g="0" b="0"/>
+        </a:lnRef>
+        <a:fillRef idx="0">
+          <a:scrgbClr r="0" g="0" b="0"/>
+        </a:fillRef>
+        <a:effectRef idx="0">
+          <a:scrgbClr r="0" g="0" b="0"/>
+        </a:effectRef>
+        <a:fontRef idx="minor"/>
+      </dsp:style>
+    </dsp:sp>
+    <dsp:sp modelId="{1F834226-6D09-407A-A0BB-730835C412EE}">
+      <dsp:nvSpPr>
+        <dsp:cNvPr id="0" name=""/>
+        <dsp:cNvSpPr/>
+      </dsp:nvSpPr>
+      <dsp:spPr>
+        <a:xfrm>
+          <a:off x="1341467" y="3739032"/>
+          <a:ext cx="1028152" cy="685435"/>
+        </a:xfrm>
+        <a:prstGeom prst="roundRect">
+          <a:avLst>
+            <a:gd name="adj" fmla="val 10000"/>
+          </a:avLst>
+        </a:prstGeom>
+        <a:solidFill>
+          <a:schemeClr val="accent1"/>
+        </a:solidFill>
+        <a:ln w="19050" cap="flat" cmpd="sng" algn="ctr">
+          <a:solidFill>
+            <a:schemeClr val="lt1"/>
+          </a:solidFill>
+          <a:prstDash val="solid"/>
+          <a:miter lim="800000"/>
+        </a:ln>
+        <a:effectLst/>
+      </dsp:spPr>
+      <dsp:style>
+        <a:lnRef idx="3">
+          <a:schemeClr val="lt1"/>
+        </a:lnRef>
+        <a:fillRef idx="1">
+          <a:schemeClr val="accent1"/>
+        </a:fillRef>
+        <a:effectRef idx="1">
+          <a:schemeClr val="accent1"/>
+        </a:effectRef>
+        <a:fontRef idx="minor">
+          <a:schemeClr val="lt1"/>
+        </a:fontRef>
+      </dsp:style>
+      <dsp:txBody>
+        <a:bodyPr spcFirstLastPara="0" vert="horz" wrap="square" lIns="34290" tIns="34290" rIns="34290" bIns="34290" numCol="1" spcCol="1270" anchor="ctr" anchorCtr="0">
+          <a:noAutofit/>
+        </a:bodyPr>
+        <a:lstStyle/>
+        <a:p>
+          <a:pPr marL="0" lvl="0" indent="0" algn="ctr" defTabSz="400050">
+            <a:lnSpc>
+              <a:spcPct val="90000"/>
+            </a:lnSpc>
+            <a:spcBef>
+              <a:spcPct val="0"/>
+            </a:spcBef>
+            <a:spcAft>
+              <a:spcPct val="35000"/>
+            </a:spcAft>
+            <a:buNone/>
+          </a:pPr>
+          <a:r>
+            <a:rPr lang="en-US" sz="900" kern="1200" dirty="0"/>
+            <a:t>Connections</a:t>
+          </a:r>
+        </a:p>
+      </dsp:txBody>
+      <dsp:txXfrm>
+        <a:off x="1361543" y="3759108"/>
+        <a:ext cx="988000" cy="645283"/>
+      </dsp:txXfrm>
+    </dsp:sp>
+    <dsp:sp modelId="{841589F9-D596-4B9E-A097-D4BDD79ADD6F}">
+      <dsp:nvSpPr>
+        <dsp:cNvPr id="0" name=""/>
+        <dsp:cNvSpPr/>
+      </dsp:nvSpPr>
+      <dsp:spPr>
+        <a:xfrm>
+          <a:off x="3146422" y="3464858"/>
+          <a:ext cx="91440" cy="274174"/>
+        </a:xfrm>
+        <a:custGeom>
+          <a:avLst/>
+          <a:gdLst/>
+          <a:ahLst/>
+          <a:cxnLst/>
+          <a:rect l="0" t="0" r="0" b="0"/>
+          <a:pathLst>
+            <a:path>
+              <a:moveTo>
+                <a:pt x="45720" y="0"/>
+              </a:moveTo>
+              <a:lnTo>
+                <a:pt x="45720" y="274174"/>
+              </a:lnTo>
+            </a:path>
+          </a:pathLst>
+        </a:custGeom>
+        <a:noFill/>
+        <a:ln w="12700" cap="flat" cmpd="sng" algn="ctr">
+          <a:solidFill>
+            <a:schemeClr val="accent1">
+              <a:shade val="80000"/>
+              <a:hueOff val="0"/>
+              <a:satOff val="0"/>
+              <a:lumOff val="0"/>
+              <a:alphaOff val="0"/>
+            </a:schemeClr>
+          </a:solidFill>
+          <a:prstDash val="solid"/>
+          <a:miter lim="800000"/>
+        </a:ln>
+        <a:effectLst/>
+      </dsp:spPr>
+      <dsp:style>
+        <a:lnRef idx="2">
+          <a:scrgbClr r="0" g="0" b="0"/>
+        </a:lnRef>
+        <a:fillRef idx="0">
+          <a:scrgbClr r="0" g="0" b="0"/>
+        </a:fillRef>
+        <a:effectRef idx="0">
+          <a:scrgbClr r="0" g="0" b="0"/>
+        </a:effectRef>
+        <a:fontRef idx="minor"/>
+      </dsp:style>
+    </dsp:sp>
+    <dsp:sp modelId="{614BF0A0-EF04-4FBD-9D5C-687B2A3F24FE}">
+      <dsp:nvSpPr>
+        <dsp:cNvPr id="0" name=""/>
+        <dsp:cNvSpPr/>
+      </dsp:nvSpPr>
+      <dsp:spPr>
+        <a:xfrm>
+          <a:off x="2678066" y="3739032"/>
+          <a:ext cx="1028152" cy="685435"/>
+        </a:xfrm>
+        <a:prstGeom prst="roundRect">
+          <a:avLst>
+            <a:gd name="adj" fmla="val 10000"/>
+          </a:avLst>
+        </a:prstGeom>
+        <a:solidFill>
+          <a:schemeClr val="accent1"/>
+        </a:solidFill>
+        <a:ln w="19050" cap="flat" cmpd="sng" algn="ctr">
+          <a:solidFill>
+            <a:schemeClr val="lt1"/>
+          </a:solidFill>
+          <a:prstDash val="solid"/>
+          <a:miter lim="800000"/>
+        </a:ln>
+        <a:effectLst/>
+      </dsp:spPr>
+      <dsp:style>
+        <a:lnRef idx="3">
+          <a:schemeClr val="lt1"/>
+        </a:lnRef>
+        <a:fillRef idx="1">
+          <a:schemeClr val="accent1"/>
+        </a:fillRef>
+        <a:effectRef idx="1">
+          <a:schemeClr val="accent1"/>
+        </a:effectRef>
+        <a:fontRef idx="minor">
+          <a:schemeClr val="lt1"/>
+        </a:fontRef>
+      </dsp:style>
+      <dsp:txBody>
+        <a:bodyPr spcFirstLastPara="0" vert="horz" wrap="square" lIns="34290" tIns="34290" rIns="34290" bIns="34290" numCol="1" spcCol="1270" anchor="ctr" anchorCtr="0">
+          <a:noAutofit/>
+        </a:bodyPr>
+        <a:lstStyle/>
+        <a:p>
+          <a:pPr marL="0" lvl="0" indent="0" algn="ctr" defTabSz="400050">
+            <a:lnSpc>
+              <a:spcPct val="90000"/>
+            </a:lnSpc>
+            <a:spcBef>
+              <a:spcPct val="0"/>
+            </a:spcBef>
+            <a:spcAft>
+              <a:spcPct val="35000"/>
+            </a:spcAft>
+            <a:buNone/>
+          </a:pPr>
+          <a:r>
+            <a:rPr lang="en-US" sz="900" kern="1200" dirty="0"/>
+            <a:t>Nodes</a:t>
+          </a:r>
+        </a:p>
+      </dsp:txBody>
+      <dsp:txXfrm>
+        <a:off x="2698142" y="3759108"/>
+        <a:ext cx="988000" cy="645283"/>
+      </dsp:txXfrm>
+    </dsp:sp>
+    <dsp:sp modelId="{806F9B24-236B-4F64-BA4A-9CA41091028D}">
+      <dsp:nvSpPr>
+        <dsp:cNvPr id="0" name=""/>
+        <dsp:cNvSpPr/>
+      </dsp:nvSpPr>
+      <dsp:spPr>
+        <a:xfrm>
+          <a:off x="3192142" y="3464858"/>
+          <a:ext cx="1336598" cy="274174"/>
+        </a:xfrm>
+        <a:custGeom>
+          <a:avLst/>
+          <a:gdLst/>
+          <a:ahLst/>
+          <a:cxnLst/>
+          <a:rect l="0" t="0" r="0" b="0"/>
+          <a:pathLst>
+            <a:path>
+              <a:moveTo>
+                <a:pt x="0" y="0"/>
+              </a:moveTo>
+              <a:lnTo>
+                <a:pt x="0" y="137087"/>
+              </a:lnTo>
+              <a:lnTo>
+                <a:pt x="1336598" y="137087"/>
+              </a:lnTo>
+              <a:lnTo>
+                <a:pt x="1336598" y="274174"/>
+              </a:lnTo>
+            </a:path>
+          </a:pathLst>
+        </a:custGeom>
+        <a:noFill/>
+        <a:ln w="12700" cap="flat" cmpd="sng" algn="ctr">
+          <a:solidFill>
+            <a:schemeClr val="accent1">
+              <a:shade val="80000"/>
+              <a:hueOff val="0"/>
+              <a:satOff val="0"/>
+              <a:lumOff val="0"/>
+              <a:alphaOff val="0"/>
+            </a:schemeClr>
+          </a:solidFill>
+          <a:prstDash val="solid"/>
+          <a:miter lim="800000"/>
+        </a:ln>
+        <a:effectLst/>
+      </dsp:spPr>
+      <dsp:style>
+        <a:lnRef idx="2">
+          <a:scrgbClr r="0" g="0" b="0"/>
+        </a:lnRef>
+        <a:fillRef idx="0">
+          <a:scrgbClr r="0" g="0" b="0"/>
+        </a:fillRef>
+        <a:effectRef idx="0">
+          <a:scrgbClr r="0" g="0" b="0"/>
+        </a:effectRef>
+        <a:fontRef idx="minor"/>
+      </dsp:style>
+    </dsp:sp>
+    <dsp:sp modelId="{974B4D1A-519E-4F92-8D77-7280D2BA813B}">
+      <dsp:nvSpPr>
+        <dsp:cNvPr id="0" name=""/>
+        <dsp:cNvSpPr/>
+      </dsp:nvSpPr>
+      <dsp:spPr>
+        <a:xfrm>
+          <a:off x="4014665" y="3739032"/>
+          <a:ext cx="1028152" cy="685435"/>
+        </a:xfrm>
+        <a:prstGeom prst="roundRect">
+          <a:avLst>
+            <a:gd name="adj" fmla="val 10000"/>
+          </a:avLst>
+        </a:prstGeom>
+        <a:solidFill>
+          <a:schemeClr val="accent1"/>
+        </a:solidFill>
+        <a:ln w="19050" cap="flat" cmpd="sng" algn="ctr">
+          <a:solidFill>
+            <a:schemeClr val="lt1"/>
+          </a:solidFill>
+          <a:prstDash val="solid"/>
+          <a:miter lim="800000"/>
+        </a:ln>
+        <a:effectLst/>
+      </dsp:spPr>
+      <dsp:style>
+        <a:lnRef idx="3">
+          <a:schemeClr val="lt1"/>
+        </a:lnRef>
+        <a:fillRef idx="1">
+          <a:schemeClr val="accent1"/>
+        </a:fillRef>
+        <a:effectRef idx="1">
+          <a:schemeClr val="accent1"/>
+        </a:effectRef>
+        <a:fontRef idx="minor">
+          <a:schemeClr val="lt1"/>
+        </a:fontRef>
+      </dsp:style>
+      <dsp:txBody>
+        <a:bodyPr spcFirstLastPara="0" vert="horz" wrap="square" lIns="34290" tIns="34290" rIns="34290" bIns="34290" numCol="1" spcCol="1270" anchor="ctr" anchorCtr="0">
+          <a:noAutofit/>
+        </a:bodyPr>
+        <a:lstStyle/>
+        <a:p>
+          <a:pPr marL="0" lvl="0" indent="0" algn="ctr" defTabSz="400050">
+            <a:lnSpc>
+              <a:spcPct val="90000"/>
+            </a:lnSpc>
+            <a:spcBef>
+              <a:spcPct val="0"/>
+            </a:spcBef>
+            <a:spcAft>
+              <a:spcPct val="35000"/>
+            </a:spcAft>
+            <a:buNone/>
+          </a:pPr>
+          <a:r>
+            <a:rPr lang="en-US" sz="900" kern="1200" dirty="0"/>
+            <a:t>Calculator</a:t>
+          </a:r>
+        </a:p>
+      </dsp:txBody>
+      <dsp:txXfrm>
+        <a:off x="4034741" y="3759108"/>
+        <a:ext cx="988000" cy="645283"/>
+      </dsp:txXfrm>
+    </dsp:sp>
+    <dsp:sp modelId="{EF214BF8-97E4-495C-A81E-D90058BB819F}">
+      <dsp:nvSpPr>
+        <dsp:cNvPr id="0" name=""/>
+        <dsp:cNvSpPr/>
+      </dsp:nvSpPr>
+      <dsp:spPr>
+        <a:xfrm>
+          <a:off x="3192142" y="3464858"/>
+          <a:ext cx="2673197" cy="274174"/>
+        </a:xfrm>
+        <a:custGeom>
+          <a:avLst/>
+          <a:gdLst/>
+          <a:ahLst/>
+          <a:cxnLst/>
+          <a:rect l="0" t="0" r="0" b="0"/>
+          <a:pathLst>
+            <a:path>
+              <a:moveTo>
+                <a:pt x="0" y="0"/>
+              </a:moveTo>
+              <a:lnTo>
+                <a:pt x="0" y="137087"/>
+              </a:lnTo>
+              <a:lnTo>
+                <a:pt x="2673197" y="137087"/>
+              </a:lnTo>
+              <a:lnTo>
+                <a:pt x="2673197" y="274174"/>
+              </a:lnTo>
+            </a:path>
+          </a:pathLst>
+        </a:custGeom>
+        <a:noFill/>
+        <a:ln w="12700" cap="flat" cmpd="sng" algn="ctr">
+          <a:solidFill>
+            <a:schemeClr val="accent1">
+              <a:shade val="80000"/>
+              <a:hueOff val="0"/>
+              <a:satOff val="0"/>
+              <a:lumOff val="0"/>
+              <a:alphaOff val="0"/>
+            </a:schemeClr>
+          </a:solidFill>
+          <a:prstDash val="solid"/>
+          <a:miter lim="800000"/>
+        </a:ln>
+        <a:effectLst/>
+      </dsp:spPr>
+      <dsp:style>
+        <a:lnRef idx="2">
+          <a:scrgbClr r="0" g="0" b="0"/>
+        </a:lnRef>
+        <a:fillRef idx="0">
+          <a:scrgbClr r="0" g="0" b="0"/>
+        </a:fillRef>
+        <a:effectRef idx="0">
+          <a:scrgbClr r="0" g="0" b="0"/>
+        </a:effectRef>
+        <a:fontRef idx="minor"/>
+      </dsp:style>
+    </dsp:sp>
+    <dsp:sp modelId="{5B664757-A1C4-46D2-99E1-C008CF2D30E4}">
+      <dsp:nvSpPr>
+        <dsp:cNvPr id="0" name=""/>
+        <dsp:cNvSpPr/>
+      </dsp:nvSpPr>
+      <dsp:spPr>
+        <a:xfrm>
+          <a:off x="5351264" y="3739032"/>
+          <a:ext cx="1028152" cy="685435"/>
+        </a:xfrm>
+        <a:prstGeom prst="roundRect">
+          <a:avLst>
+            <a:gd name="adj" fmla="val 10000"/>
+          </a:avLst>
+        </a:prstGeom>
+        <a:solidFill>
+          <a:schemeClr val="accent1"/>
+        </a:solidFill>
+        <a:ln w="19050" cap="flat" cmpd="sng" algn="ctr">
+          <a:solidFill>
+            <a:schemeClr val="lt1"/>
+          </a:solidFill>
+          <a:prstDash val="solid"/>
+          <a:miter lim="800000"/>
+        </a:ln>
+        <a:effectLst/>
+      </dsp:spPr>
+      <dsp:style>
+        <a:lnRef idx="3">
+          <a:schemeClr val="lt1"/>
+        </a:lnRef>
+        <a:fillRef idx="1">
+          <a:schemeClr val="accent1"/>
+        </a:fillRef>
+        <a:effectRef idx="1">
+          <a:schemeClr val="accent1"/>
+        </a:effectRef>
+        <a:fontRef idx="minor">
+          <a:schemeClr val="lt1"/>
+        </a:fontRef>
+      </dsp:style>
+      <dsp:txBody>
+        <a:bodyPr spcFirstLastPara="0" vert="horz" wrap="square" lIns="34290" tIns="34290" rIns="34290" bIns="34290" numCol="1" spcCol="1270" anchor="ctr" anchorCtr="0">
+          <a:noAutofit/>
+        </a:bodyPr>
+        <a:lstStyle/>
+        <a:p>
+          <a:pPr marL="0" lvl="0" indent="0" algn="ctr" defTabSz="400050">
+            <a:lnSpc>
+              <a:spcPct val="90000"/>
+            </a:lnSpc>
+            <a:spcBef>
+              <a:spcPct val="0"/>
+            </a:spcBef>
+            <a:spcAft>
+              <a:spcPct val="35000"/>
+            </a:spcAft>
+            <a:buNone/>
+          </a:pPr>
+          <a:r>
+            <a:rPr lang="en-US" sz="900" kern="1200" dirty="0"/>
+            <a:t>Crossover</a:t>
+          </a:r>
+        </a:p>
+      </dsp:txBody>
+      <dsp:txXfrm>
+        <a:off x="5371340" y="3759108"/>
+        <a:ext cx="988000" cy="645283"/>
+      </dsp:txXfrm>
+    </dsp:sp>
+    <dsp:sp modelId="{A90C518B-8860-46BC-95CD-F72AFFCFF895}">
+      <dsp:nvSpPr>
+        <dsp:cNvPr id="0" name=""/>
+        <dsp:cNvSpPr/>
+      </dsp:nvSpPr>
+      <dsp:spPr>
+        <a:xfrm>
+          <a:off x="4862891" y="2505248"/>
+          <a:ext cx="4343946" cy="274174"/>
+        </a:xfrm>
+        <a:custGeom>
+          <a:avLst/>
+          <a:gdLst/>
+          <a:ahLst/>
+          <a:cxnLst/>
+          <a:rect l="0" t="0" r="0" b="0"/>
+          <a:pathLst>
+            <a:path>
+              <a:moveTo>
+                <a:pt x="0" y="0"/>
+              </a:moveTo>
+              <a:lnTo>
+                <a:pt x="0" y="137087"/>
+              </a:lnTo>
+              <a:lnTo>
+                <a:pt x="4343946" y="137087"/>
+              </a:lnTo>
+              <a:lnTo>
+                <a:pt x="4343946" y="274174"/>
+              </a:lnTo>
+            </a:path>
+          </a:pathLst>
+        </a:custGeom>
+        <a:noFill/>
+        <a:ln w="12700" cap="flat" cmpd="sng" algn="ctr">
+          <a:solidFill>
+            <a:schemeClr val="accent1">
+              <a:shade val="80000"/>
+              <a:hueOff val="0"/>
+              <a:satOff val="0"/>
+              <a:lumOff val="0"/>
+              <a:alphaOff val="0"/>
+            </a:schemeClr>
+          </a:solidFill>
+          <a:prstDash val="solid"/>
+          <a:miter lim="800000"/>
+        </a:ln>
+        <a:effectLst/>
+      </dsp:spPr>
+      <dsp:style>
+        <a:lnRef idx="2">
+          <a:scrgbClr r="0" g="0" b="0"/>
+        </a:lnRef>
+        <a:fillRef idx="0">
+          <a:scrgbClr r="0" g="0" b="0"/>
+        </a:fillRef>
+        <a:effectRef idx="0">
+          <a:scrgbClr r="0" g="0" b="0"/>
+        </a:effectRef>
+        <a:fontRef idx="minor"/>
+      </dsp:style>
+    </dsp:sp>
+    <dsp:sp modelId="{270509E6-01AB-430D-9105-E235618AA76E}">
+      <dsp:nvSpPr>
+        <dsp:cNvPr id="0" name=""/>
+        <dsp:cNvSpPr/>
+      </dsp:nvSpPr>
+      <dsp:spPr>
+        <a:xfrm>
+          <a:off x="8692761" y="2779422"/>
+          <a:ext cx="1028152" cy="685435"/>
+        </a:xfrm>
+        <a:prstGeom prst="roundRect">
+          <a:avLst>
+            <a:gd name="adj" fmla="val 10000"/>
+          </a:avLst>
+        </a:prstGeom>
+        <a:solidFill>
+          <a:schemeClr val="accent1"/>
+        </a:solidFill>
+        <a:ln w="19050" cap="flat" cmpd="sng" algn="ctr">
+          <a:solidFill>
+            <a:schemeClr val="lt1"/>
+          </a:solidFill>
+          <a:prstDash val="solid"/>
+          <a:miter lim="800000"/>
+        </a:ln>
+        <a:effectLst/>
+      </dsp:spPr>
+      <dsp:style>
+        <a:lnRef idx="3">
+          <a:schemeClr val="lt1"/>
+        </a:lnRef>
+        <a:fillRef idx="1">
+          <a:schemeClr val="accent1"/>
+        </a:fillRef>
+        <a:effectRef idx="1">
+          <a:schemeClr val="accent1"/>
+        </a:effectRef>
+        <a:fontRef idx="minor">
+          <a:schemeClr val="lt1"/>
+        </a:fontRef>
+      </dsp:style>
+      <dsp:txBody>
+        <a:bodyPr spcFirstLastPara="0" vert="horz" wrap="square" lIns="34290" tIns="34290" rIns="34290" bIns="34290" numCol="1" spcCol="1270" anchor="ctr" anchorCtr="0">
+          <a:noAutofit/>
+        </a:bodyPr>
+        <a:lstStyle/>
+        <a:p>
+          <a:pPr marL="0" lvl="0" indent="0" algn="ctr" defTabSz="400050">
+            <a:lnSpc>
+              <a:spcPct val="90000"/>
+            </a:lnSpc>
+            <a:spcBef>
+              <a:spcPct val="0"/>
+            </a:spcBef>
+            <a:spcAft>
+              <a:spcPct val="35000"/>
+            </a:spcAft>
+            <a:buNone/>
+          </a:pPr>
+          <a:r>
+            <a:rPr lang="en-US" sz="900" kern="1200" dirty="0"/>
+            <a:t>Neat (CNS)</a:t>
+          </a:r>
+        </a:p>
+      </dsp:txBody>
+      <dsp:txXfrm>
+        <a:off x="8712837" y="2799498"/>
+        <a:ext cx="988000" cy="645283"/>
+      </dsp:txXfrm>
+    </dsp:sp>
+    <dsp:sp modelId="{EDCC23CE-2473-490A-B607-794B4163372A}">
+      <dsp:nvSpPr>
+        <dsp:cNvPr id="0" name=""/>
+        <dsp:cNvSpPr/>
+      </dsp:nvSpPr>
+      <dsp:spPr>
+        <a:xfrm>
+          <a:off x="7201939" y="3464858"/>
+          <a:ext cx="2004898" cy="274174"/>
+        </a:xfrm>
+        <a:custGeom>
+          <a:avLst/>
+          <a:gdLst/>
+          <a:ahLst/>
+          <a:cxnLst/>
+          <a:rect l="0" t="0" r="0" b="0"/>
+          <a:pathLst>
+            <a:path>
+              <a:moveTo>
+                <a:pt x="2004898" y="0"/>
+              </a:moveTo>
+              <a:lnTo>
+                <a:pt x="2004898" y="137087"/>
+              </a:lnTo>
+              <a:lnTo>
+                <a:pt x="0" y="137087"/>
+              </a:lnTo>
+              <a:lnTo>
+                <a:pt x="0" y="274174"/>
+              </a:lnTo>
+            </a:path>
+          </a:pathLst>
+        </a:custGeom>
+        <a:noFill/>
+        <a:ln w="12700" cap="flat" cmpd="sng" algn="ctr">
+          <a:solidFill>
+            <a:schemeClr val="accent1">
+              <a:shade val="80000"/>
+              <a:hueOff val="0"/>
+              <a:satOff val="0"/>
+              <a:lumOff val="0"/>
+              <a:alphaOff val="0"/>
+            </a:schemeClr>
+          </a:solidFill>
+          <a:prstDash val="solid"/>
+          <a:miter lim="800000"/>
+        </a:ln>
+        <a:effectLst/>
+      </dsp:spPr>
+      <dsp:style>
+        <a:lnRef idx="2">
+          <a:scrgbClr r="0" g="0" b="0"/>
+        </a:lnRef>
+        <a:fillRef idx="0">
+          <a:scrgbClr r="0" g="0" b="0"/>
+        </a:fillRef>
+        <a:effectRef idx="0">
+          <a:scrgbClr r="0" g="0" b="0"/>
+        </a:effectRef>
+        <a:fontRef idx="minor"/>
+      </dsp:style>
+    </dsp:sp>
+    <dsp:sp modelId="{08538414-C536-4829-920E-230292877389}">
+      <dsp:nvSpPr>
+        <dsp:cNvPr id="0" name=""/>
+        <dsp:cNvSpPr/>
+      </dsp:nvSpPr>
+      <dsp:spPr>
+        <a:xfrm>
+          <a:off x="6687862" y="3739032"/>
+          <a:ext cx="1028152" cy="685435"/>
+        </a:xfrm>
+        <a:prstGeom prst="roundRect">
+          <a:avLst>
+            <a:gd name="adj" fmla="val 10000"/>
+          </a:avLst>
+        </a:prstGeom>
+        <a:solidFill>
+          <a:schemeClr val="accent1">
+            <a:hueOff val="0"/>
+            <a:satOff val="0"/>
+            <a:lumOff val="0"/>
+            <a:alphaOff val="0"/>
+          </a:schemeClr>
+        </a:solidFill>
+        <a:ln w="12700" cap="flat" cmpd="sng" algn="ctr">
+          <a:solidFill>
+            <a:schemeClr val="lt1">
+              <a:hueOff val="0"/>
+              <a:satOff val="0"/>
+              <a:lumOff val="0"/>
+              <a:alphaOff val="0"/>
+            </a:schemeClr>
+          </a:solidFill>
+          <a:prstDash val="solid"/>
+          <a:miter lim="800000"/>
+        </a:ln>
+        <a:effectLst/>
+      </dsp:spPr>
+      <dsp:style>
+        <a:lnRef idx="2">
+          <a:scrgbClr r="0" g="0" b="0"/>
+        </a:lnRef>
+        <a:fillRef idx="1">
+          <a:scrgbClr r="0" g="0" b="0"/>
+        </a:fillRef>
+        <a:effectRef idx="0">
+          <a:scrgbClr r="0" g="0" b="0"/>
+        </a:effectRef>
+        <a:fontRef idx="minor">
+          <a:schemeClr val="lt1"/>
+        </a:fontRef>
+      </dsp:style>
+      <dsp:txBody>
+        <a:bodyPr spcFirstLastPara="0" vert="horz" wrap="square" lIns="34290" tIns="34290" rIns="34290" bIns="34290" numCol="1" spcCol="1270" anchor="ctr" anchorCtr="0">
+          <a:noAutofit/>
+        </a:bodyPr>
+        <a:lstStyle/>
+        <a:p>
+          <a:pPr marL="0" lvl="0" indent="0" algn="ctr" defTabSz="400050">
+            <a:lnSpc>
+              <a:spcPct val="90000"/>
+            </a:lnSpc>
+            <a:spcBef>
+              <a:spcPct val="0"/>
+            </a:spcBef>
+            <a:spcAft>
+              <a:spcPct val="35000"/>
+            </a:spcAft>
+            <a:buNone/>
+          </a:pPr>
+          <a:r>
+            <a:rPr lang="en-US" sz="900" kern="1200" dirty="0"/>
+            <a:t>Nodes</a:t>
+          </a:r>
+        </a:p>
+      </dsp:txBody>
+      <dsp:txXfrm>
+        <a:off x="6707938" y="3759108"/>
+        <a:ext cx="988000" cy="645283"/>
+      </dsp:txXfrm>
+    </dsp:sp>
+    <dsp:sp modelId="{864A409B-14BC-492B-8E30-CCBE9EFC3697}">
+      <dsp:nvSpPr>
+        <dsp:cNvPr id="0" name=""/>
+        <dsp:cNvSpPr/>
+      </dsp:nvSpPr>
+      <dsp:spPr>
+        <a:xfrm>
+          <a:off x="7156219" y="4424467"/>
+          <a:ext cx="91440" cy="274174"/>
+        </a:xfrm>
+        <a:custGeom>
+          <a:avLst/>
+          <a:gdLst/>
+          <a:ahLst/>
+          <a:cxnLst/>
+          <a:rect l="0" t="0" r="0" b="0"/>
+          <a:pathLst>
+            <a:path>
+              <a:moveTo>
+                <a:pt x="45720" y="0"/>
+              </a:moveTo>
+              <a:lnTo>
+                <a:pt x="45720" y="274174"/>
+              </a:lnTo>
+            </a:path>
+          </a:pathLst>
+        </a:custGeom>
+        <a:noFill/>
+        <a:ln w="12700" cap="flat" cmpd="sng" algn="ctr">
+          <a:solidFill>
+            <a:schemeClr val="accent1">
+              <a:shade val="80000"/>
+              <a:hueOff val="0"/>
+              <a:satOff val="0"/>
+              <a:lumOff val="0"/>
+              <a:alphaOff val="0"/>
+            </a:schemeClr>
+          </a:solidFill>
+          <a:prstDash val="solid"/>
+          <a:miter lim="800000"/>
+        </a:ln>
+        <a:effectLst/>
+      </dsp:spPr>
+      <dsp:style>
+        <a:lnRef idx="2">
+          <a:scrgbClr r="0" g="0" b="0"/>
+        </a:lnRef>
+        <a:fillRef idx="0">
+          <a:scrgbClr r="0" g="0" b="0"/>
+        </a:fillRef>
+        <a:effectRef idx="0">
+          <a:scrgbClr r="0" g="0" b="0"/>
+        </a:effectRef>
+        <a:fontRef idx="minor"/>
+      </dsp:style>
+    </dsp:sp>
+    <dsp:sp modelId="{88AAC106-EBB7-4C25-95AE-F8316817CDCA}">
+      <dsp:nvSpPr>
+        <dsp:cNvPr id="0" name=""/>
+        <dsp:cNvSpPr/>
+      </dsp:nvSpPr>
+      <dsp:spPr>
+        <a:xfrm>
+          <a:off x="6687862" y="4698641"/>
+          <a:ext cx="1028152" cy="685435"/>
+        </a:xfrm>
+        <a:prstGeom prst="roundRect">
+          <a:avLst>
+            <a:gd name="adj" fmla="val 10000"/>
+          </a:avLst>
+        </a:prstGeom>
+        <a:solidFill>
+          <a:schemeClr val="accent1">
+            <a:hueOff val="0"/>
+            <a:satOff val="0"/>
+            <a:lumOff val="0"/>
+            <a:alphaOff val="0"/>
+          </a:schemeClr>
+        </a:solidFill>
+        <a:ln w="12700" cap="flat" cmpd="sng" algn="ctr">
+          <a:solidFill>
+            <a:schemeClr val="lt1">
+              <a:hueOff val="0"/>
+              <a:satOff val="0"/>
+              <a:lumOff val="0"/>
+              <a:alphaOff val="0"/>
+            </a:schemeClr>
+          </a:solidFill>
+          <a:prstDash val="solid"/>
+          <a:miter lim="800000"/>
+        </a:ln>
+        <a:effectLst/>
+      </dsp:spPr>
+      <dsp:style>
+        <a:lnRef idx="2">
+          <a:scrgbClr r="0" g="0" b="0"/>
+        </a:lnRef>
+        <a:fillRef idx="1">
+          <a:scrgbClr r="0" g="0" b="0"/>
+        </a:fillRef>
+        <a:effectRef idx="0">
+          <a:scrgbClr r="0" g="0" b="0"/>
+        </a:effectRef>
+        <a:fontRef idx="minor">
+          <a:schemeClr val="lt1"/>
+        </a:fontRef>
+      </dsp:style>
+      <dsp:txBody>
+        <a:bodyPr spcFirstLastPara="0" vert="horz" wrap="square" lIns="34290" tIns="34290" rIns="34290" bIns="34290" numCol="1" spcCol="1270" anchor="ctr" anchorCtr="0">
+          <a:noAutofit/>
+        </a:bodyPr>
+        <a:lstStyle/>
+        <a:p>
+          <a:pPr marL="0" lvl="0" indent="0" algn="ctr" defTabSz="400050">
+            <a:lnSpc>
+              <a:spcPct val="90000"/>
+            </a:lnSpc>
+            <a:spcBef>
+              <a:spcPct val="0"/>
+            </a:spcBef>
+            <a:spcAft>
+              <a:spcPct val="35000"/>
+            </a:spcAft>
+            <a:buNone/>
+          </a:pPr>
+          <a:r>
+            <a:rPr lang="en-US" sz="900" kern="1200" dirty="0"/>
+            <a:t>Innovation Number</a:t>
+          </a:r>
+        </a:p>
+      </dsp:txBody>
+      <dsp:txXfrm>
+        <a:off x="6707938" y="4718717"/>
+        <a:ext cx="988000" cy="645283"/>
+      </dsp:txXfrm>
+    </dsp:sp>
+    <dsp:sp modelId="{1231E146-B097-45D0-999A-D39F0040D400}">
+      <dsp:nvSpPr>
+        <dsp:cNvPr id="0" name=""/>
+        <dsp:cNvSpPr/>
+      </dsp:nvSpPr>
+      <dsp:spPr>
+        <a:xfrm>
+          <a:off x="9206837" y="3464858"/>
+          <a:ext cx="668299" cy="274174"/>
+        </a:xfrm>
+        <a:custGeom>
+          <a:avLst/>
+          <a:gdLst/>
+          <a:ahLst/>
+          <a:cxnLst/>
+          <a:rect l="0" t="0" r="0" b="0"/>
+          <a:pathLst>
+            <a:path>
+              <a:moveTo>
+                <a:pt x="0" y="0"/>
+              </a:moveTo>
+              <a:lnTo>
+                <a:pt x="0" y="137087"/>
+              </a:lnTo>
+              <a:lnTo>
+                <a:pt x="668299" y="137087"/>
+              </a:lnTo>
+              <a:lnTo>
+                <a:pt x="668299" y="274174"/>
+              </a:lnTo>
+            </a:path>
+          </a:pathLst>
+        </a:custGeom>
+        <a:noFill/>
+        <a:ln w="12700" cap="flat" cmpd="sng" algn="ctr">
+          <a:solidFill>
+            <a:schemeClr val="accent1">
+              <a:shade val="80000"/>
+              <a:hueOff val="0"/>
+              <a:satOff val="0"/>
+              <a:lumOff val="0"/>
+              <a:alphaOff val="0"/>
+            </a:schemeClr>
+          </a:solidFill>
+          <a:prstDash val="solid"/>
+          <a:miter lim="800000"/>
+        </a:ln>
+        <a:effectLst/>
+      </dsp:spPr>
+      <dsp:style>
+        <a:lnRef idx="2">
+          <a:scrgbClr r="0" g="0" b="0"/>
+        </a:lnRef>
+        <a:fillRef idx="0">
+          <a:scrgbClr r="0" g="0" b="0"/>
+        </a:fillRef>
+        <a:effectRef idx="0">
+          <a:scrgbClr r="0" g="0" b="0"/>
+        </a:effectRef>
+        <a:fontRef idx="minor"/>
+      </dsp:style>
+    </dsp:sp>
+    <dsp:sp modelId="{536B2380-1EF4-4C8E-BE51-39379B52DB89}">
+      <dsp:nvSpPr>
+        <dsp:cNvPr id="0" name=""/>
+        <dsp:cNvSpPr/>
+      </dsp:nvSpPr>
+      <dsp:spPr>
+        <a:xfrm>
+          <a:off x="9361060" y="3739032"/>
+          <a:ext cx="1028152" cy="685435"/>
+        </a:xfrm>
+        <a:prstGeom prst="roundRect">
+          <a:avLst>
+            <a:gd name="adj" fmla="val 10000"/>
+          </a:avLst>
+        </a:prstGeom>
+        <a:solidFill>
+          <a:schemeClr val="accent1">
+            <a:hueOff val="0"/>
+            <a:satOff val="0"/>
+            <a:lumOff val="0"/>
+            <a:alphaOff val="0"/>
+          </a:schemeClr>
+        </a:solidFill>
+        <a:ln w="12700" cap="flat" cmpd="sng" algn="ctr">
+          <a:solidFill>
+            <a:schemeClr val="lt1">
+              <a:hueOff val="0"/>
+              <a:satOff val="0"/>
+              <a:lumOff val="0"/>
+              <a:alphaOff val="0"/>
+            </a:schemeClr>
+          </a:solidFill>
+          <a:prstDash val="solid"/>
+          <a:miter lim="800000"/>
+        </a:ln>
+        <a:effectLst/>
+      </dsp:spPr>
+      <dsp:style>
+        <a:lnRef idx="2">
+          <a:scrgbClr r="0" g="0" b="0"/>
+        </a:lnRef>
+        <a:fillRef idx="1">
+          <a:scrgbClr r="0" g="0" b="0"/>
+        </a:fillRef>
+        <a:effectRef idx="0">
+          <a:scrgbClr r="0" g="0" b="0"/>
+        </a:effectRef>
+        <a:fontRef idx="minor">
+          <a:schemeClr val="lt1"/>
+        </a:fontRef>
+      </dsp:style>
+      <dsp:txBody>
+        <a:bodyPr spcFirstLastPara="0" vert="horz" wrap="square" lIns="34290" tIns="34290" rIns="34290" bIns="34290" numCol="1" spcCol="1270" anchor="ctr" anchorCtr="0">
+          <a:noAutofit/>
+        </a:bodyPr>
+        <a:lstStyle/>
+        <a:p>
+          <a:pPr marL="0" lvl="0" indent="0" algn="ctr" defTabSz="400050">
+            <a:lnSpc>
+              <a:spcPct val="90000"/>
+            </a:lnSpc>
+            <a:spcBef>
+              <a:spcPct val="0"/>
+            </a:spcBef>
+            <a:spcAft>
+              <a:spcPct val="35000"/>
+            </a:spcAft>
+            <a:buNone/>
+          </a:pPr>
+          <a:r>
+            <a:rPr lang="en-US" sz="900" kern="1200" dirty="0"/>
+            <a:t>Connections</a:t>
+          </a:r>
+        </a:p>
+      </dsp:txBody>
+      <dsp:txXfrm>
+        <a:off x="9381136" y="3759108"/>
+        <a:ext cx="988000" cy="645283"/>
+      </dsp:txXfrm>
+    </dsp:sp>
+    <dsp:sp modelId="{76E06DBF-7832-4049-8F84-70DA68FC4BA3}">
+      <dsp:nvSpPr>
+        <dsp:cNvPr id="0" name=""/>
+        <dsp:cNvSpPr/>
+      </dsp:nvSpPr>
+      <dsp:spPr>
+        <a:xfrm>
+          <a:off x="8538538" y="4424467"/>
+          <a:ext cx="1336598" cy="274174"/>
+        </a:xfrm>
+        <a:custGeom>
+          <a:avLst/>
+          <a:gdLst/>
+          <a:ahLst/>
+          <a:cxnLst/>
+          <a:rect l="0" t="0" r="0" b="0"/>
+          <a:pathLst>
+            <a:path>
+              <a:moveTo>
+                <a:pt x="1336598" y="0"/>
+              </a:moveTo>
+              <a:lnTo>
+                <a:pt x="1336598" y="137087"/>
+              </a:lnTo>
+              <a:lnTo>
+                <a:pt x="0" y="137087"/>
+              </a:lnTo>
+              <a:lnTo>
+                <a:pt x="0" y="274174"/>
+              </a:lnTo>
+            </a:path>
+          </a:pathLst>
+        </a:custGeom>
+        <a:noFill/>
+        <a:ln w="12700" cap="flat" cmpd="sng" algn="ctr">
+          <a:solidFill>
+            <a:schemeClr val="accent1">
+              <a:shade val="80000"/>
+              <a:hueOff val="0"/>
+              <a:satOff val="0"/>
+              <a:lumOff val="0"/>
+              <a:alphaOff val="0"/>
+            </a:schemeClr>
+          </a:solidFill>
+          <a:prstDash val="solid"/>
+          <a:miter lim="800000"/>
+        </a:ln>
+        <a:effectLst/>
+      </dsp:spPr>
+      <dsp:style>
+        <a:lnRef idx="2">
+          <a:scrgbClr r="0" g="0" b="0"/>
+        </a:lnRef>
+        <a:fillRef idx="0">
+          <a:scrgbClr r="0" g="0" b="0"/>
+        </a:fillRef>
+        <a:effectRef idx="0">
+          <a:scrgbClr r="0" g="0" b="0"/>
+        </a:effectRef>
+        <a:fontRef idx="minor"/>
+      </dsp:style>
+    </dsp:sp>
+    <dsp:sp modelId="{898A83C1-449F-4097-9AB6-AC61BDED5285}">
+      <dsp:nvSpPr>
+        <dsp:cNvPr id="0" name=""/>
+        <dsp:cNvSpPr/>
+      </dsp:nvSpPr>
+      <dsp:spPr>
+        <a:xfrm>
+          <a:off x="8024461" y="4698641"/>
+          <a:ext cx="1028152" cy="685435"/>
+        </a:xfrm>
+        <a:prstGeom prst="roundRect">
+          <a:avLst>
+            <a:gd name="adj" fmla="val 10000"/>
+          </a:avLst>
+        </a:prstGeom>
+        <a:solidFill>
+          <a:schemeClr val="accent1">
+            <a:hueOff val="0"/>
+            <a:satOff val="0"/>
+            <a:lumOff val="0"/>
+            <a:alphaOff val="0"/>
+          </a:schemeClr>
+        </a:solidFill>
+        <a:ln w="12700" cap="flat" cmpd="sng" algn="ctr">
+          <a:solidFill>
+            <a:schemeClr val="lt1">
+              <a:hueOff val="0"/>
+              <a:satOff val="0"/>
+              <a:lumOff val="0"/>
+              <a:alphaOff val="0"/>
+            </a:schemeClr>
+          </a:solidFill>
+          <a:prstDash val="solid"/>
+          <a:miter lim="800000"/>
+        </a:ln>
+        <a:effectLst/>
+      </dsp:spPr>
+      <dsp:style>
+        <a:lnRef idx="2">
+          <a:scrgbClr r="0" g="0" b="0"/>
+        </a:lnRef>
+        <a:fillRef idx="1">
+          <a:scrgbClr r="0" g="0" b="0"/>
+        </a:fillRef>
+        <a:effectRef idx="0">
+          <a:scrgbClr r="0" g="0" b="0"/>
+        </a:effectRef>
+        <a:fontRef idx="minor">
+          <a:schemeClr val="lt1"/>
+        </a:fontRef>
+      </dsp:style>
+      <dsp:txBody>
+        <a:bodyPr spcFirstLastPara="0" vert="horz" wrap="square" lIns="34290" tIns="34290" rIns="34290" bIns="34290" numCol="1" spcCol="1270" anchor="ctr" anchorCtr="0">
+          <a:noAutofit/>
+        </a:bodyPr>
+        <a:lstStyle/>
+        <a:p>
+          <a:pPr marL="0" lvl="0" indent="0" algn="ctr" defTabSz="400050">
+            <a:lnSpc>
+              <a:spcPct val="90000"/>
+            </a:lnSpc>
+            <a:spcBef>
+              <a:spcPct val="0"/>
+            </a:spcBef>
+            <a:spcAft>
+              <a:spcPct val="35000"/>
+            </a:spcAft>
+            <a:buNone/>
+          </a:pPr>
+          <a:r>
+            <a:rPr lang="en-US" sz="900" kern="1200" dirty="0"/>
+            <a:t>From</a:t>
+          </a:r>
+        </a:p>
+      </dsp:txBody>
+      <dsp:txXfrm>
+        <a:off x="8044537" y="4718717"/>
+        <a:ext cx="988000" cy="645283"/>
+      </dsp:txXfrm>
+    </dsp:sp>
+    <dsp:sp modelId="{990F566E-3690-42F2-8AFE-3A97963B6870}">
+      <dsp:nvSpPr>
+        <dsp:cNvPr id="0" name=""/>
+        <dsp:cNvSpPr/>
+      </dsp:nvSpPr>
+      <dsp:spPr>
+        <a:xfrm>
+          <a:off x="9829417" y="4424467"/>
+          <a:ext cx="91440" cy="274174"/>
+        </a:xfrm>
+        <a:custGeom>
+          <a:avLst/>
+          <a:gdLst/>
+          <a:ahLst/>
+          <a:cxnLst/>
+          <a:rect l="0" t="0" r="0" b="0"/>
+          <a:pathLst>
+            <a:path>
+              <a:moveTo>
+                <a:pt x="45720" y="0"/>
+              </a:moveTo>
+              <a:lnTo>
+                <a:pt x="45720" y="274174"/>
+              </a:lnTo>
+            </a:path>
+          </a:pathLst>
+        </a:custGeom>
+        <a:noFill/>
+        <a:ln w="12700" cap="flat" cmpd="sng" algn="ctr">
+          <a:solidFill>
+            <a:schemeClr val="accent1">
+              <a:shade val="80000"/>
+              <a:hueOff val="0"/>
+              <a:satOff val="0"/>
+              <a:lumOff val="0"/>
+              <a:alphaOff val="0"/>
+            </a:schemeClr>
+          </a:solidFill>
+          <a:prstDash val="solid"/>
+          <a:miter lim="800000"/>
+        </a:ln>
+        <a:effectLst/>
+      </dsp:spPr>
+      <dsp:style>
+        <a:lnRef idx="2">
+          <a:scrgbClr r="0" g="0" b="0"/>
+        </a:lnRef>
+        <a:fillRef idx="0">
+          <a:scrgbClr r="0" g="0" b="0"/>
+        </a:fillRef>
+        <a:effectRef idx="0">
+          <a:scrgbClr r="0" g="0" b="0"/>
+        </a:effectRef>
+        <a:fontRef idx="minor"/>
+      </dsp:style>
+    </dsp:sp>
+    <dsp:sp modelId="{F4745300-4DE8-45C4-BA5B-E69A357A5ECD}">
+      <dsp:nvSpPr>
+        <dsp:cNvPr id="0" name=""/>
+        <dsp:cNvSpPr/>
+      </dsp:nvSpPr>
+      <dsp:spPr>
+        <a:xfrm>
+          <a:off x="9361060" y="4698641"/>
+          <a:ext cx="1028152" cy="685435"/>
+        </a:xfrm>
+        <a:prstGeom prst="roundRect">
+          <a:avLst>
+            <a:gd name="adj" fmla="val 10000"/>
+          </a:avLst>
+        </a:prstGeom>
+        <a:solidFill>
+          <a:schemeClr val="accent1">
+            <a:hueOff val="0"/>
+            <a:satOff val="0"/>
+            <a:lumOff val="0"/>
+            <a:alphaOff val="0"/>
+          </a:schemeClr>
+        </a:solidFill>
+        <a:ln w="12700" cap="flat" cmpd="sng" algn="ctr">
+          <a:solidFill>
+            <a:schemeClr val="lt1">
+              <a:hueOff val="0"/>
+              <a:satOff val="0"/>
+              <a:lumOff val="0"/>
+              <a:alphaOff val="0"/>
+            </a:schemeClr>
+          </a:solidFill>
+          <a:prstDash val="solid"/>
+          <a:miter lim="800000"/>
+        </a:ln>
+        <a:effectLst/>
+      </dsp:spPr>
+      <dsp:style>
+        <a:lnRef idx="2">
+          <a:scrgbClr r="0" g="0" b="0"/>
+        </a:lnRef>
+        <a:fillRef idx="1">
+          <a:scrgbClr r="0" g="0" b="0"/>
+        </a:fillRef>
+        <a:effectRef idx="0">
+          <a:scrgbClr r="0" g="0" b="0"/>
+        </a:effectRef>
+        <a:fontRef idx="minor">
+          <a:schemeClr val="lt1"/>
+        </a:fontRef>
+      </dsp:style>
+      <dsp:txBody>
+        <a:bodyPr spcFirstLastPara="0" vert="horz" wrap="square" lIns="34290" tIns="34290" rIns="34290" bIns="34290" numCol="1" spcCol="1270" anchor="ctr" anchorCtr="0">
+          <a:noAutofit/>
+        </a:bodyPr>
+        <a:lstStyle/>
+        <a:p>
+          <a:pPr marL="0" lvl="0" indent="0" algn="ctr" defTabSz="400050">
+            <a:lnSpc>
+              <a:spcPct val="90000"/>
+            </a:lnSpc>
+            <a:spcBef>
+              <a:spcPct val="0"/>
+            </a:spcBef>
+            <a:spcAft>
+              <a:spcPct val="35000"/>
+            </a:spcAft>
+            <a:buNone/>
+          </a:pPr>
+          <a:r>
+            <a:rPr lang="en-US" sz="900" kern="1200" dirty="0"/>
+            <a:t>To</a:t>
+          </a:r>
+        </a:p>
+      </dsp:txBody>
+      <dsp:txXfrm>
+        <a:off x="9381136" y="4718717"/>
+        <a:ext cx="988000" cy="645283"/>
+      </dsp:txXfrm>
+    </dsp:sp>
+    <dsp:sp modelId="{3BC9BB75-2BB8-4FA1-8BED-59E9C8C1489E}">
+      <dsp:nvSpPr>
+        <dsp:cNvPr id="0" name=""/>
+        <dsp:cNvSpPr/>
+      </dsp:nvSpPr>
+      <dsp:spPr>
+        <a:xfrm>
+          <a:off x="9875137" y="4424467"/>
+          <a:ext cx="1336598" cy="274174"/>
+        </a:xfrm>
+        <a:custGeom>
+          <a:avLst/>
+          <a:gdLst/>
+          <a:ahLst/>
+          <a:cxnLst/>
+          <a:rect l="0" t="0" r="0" b="0"/>
+          <a:pathLst>
+            <a:path>
+              <a:moveTo>
+                <a:pt x="0" y="0"/>
+              </a:moveTo>
+              <a:lnTo>
+                <a:pt x="0" y="137087"/>
+              </a:lnTo>
+              <a:lnTo>
+                <a:pt x="1336598" y="137087"/>
+              </a:lnTo>
+              <a:lnTo>
+                <a:pt x="1336598" y="274174"/>
+              </a:lnTo>
+            </a:path>
+          </a:pathLst>
+        </a:custGeom>
+        <a:noFill/>
+        <a:ln w="12700" cap="flat" cmpd="sng" algn="ctr">
+          <a:solidFill>
+            <a:schemeClr val="accent1">
+              <a:shade val="80000"/>
+              <a:hueOff val="0"/>
+              <a:satOff val="0"/>
+              <a:lumOff val="0"/>
+              <a:alphaOff val="0"/>
+            </a:schemeClr>
+          </a:solidFill>
+          <a:prstDash val="solid"/>
+          <a:miter lim="800000"/>
+        </a:ln>
+        <a:effectLst/>
+      </dsp:spPr>
+      <dsp:style>
+        <a:lnRef idx="2">
+          <a:scrgbClr r="0" g="0" b="0"/>
+        </a:lnRef>
+        <a:fillRef idx="0">
+          <a:scrgbClr r="0" g="0" b="0"/>
+        </a:fillRef>
+        <a:effectRef idx="0">
+          <a:scrgbClr r="0" g="0" b="0"/>
+        </a:effectRef>
+        <a:fontRef idx="minor"/>
+      </dsp:style>
+    </dsp:sp>
+    <dsp:sp modelId="{2E761711-A85E-4AB5-81D7-02001DD2FB6E}">
+      <dsp:nvSpPr>
+        <dsp:cNvPr id="0" name=""/>
+        <dsp:cNvSpPr/>
+      </dsp:nvSpPr>
+      <dsp:spPr>
+        <a:xfrm>
+          <a:off x="10697659" y="4698641"/>
+          <a:ext cx="1028152" cy="685435"/>
+        </a:xfrm>
+        <a:prstGeom prst="roundRect">
+          <a:avLst>
+            <a:gd name="adj" fmla="val 10000"/>
+          </a:avLst>
+        </a:prstGeom>
+        <a:solidFill>
+          <a:schemeClr val="accent1">
+            <a:hueOff val="0"/>
+            <a:satOff val="0"/>
+            <a:lumOff val="0"/>
+            <a:alphaOff val="0"/>
+          </a:schemeClr>
+        </a:solidFill>
+        <a:ln w="12700" cap="flat" cmpd="sng" algn="ctr">
+          <a:solidFill>
+            <a:schemeClr val="lt1">
+              <a:hueOff val="0"/>
+              <a:satOff val="0"/>
+              <a:lumOff val="0"/>
+              <a:alphaOff val="0"/>
+            </a:schemeClr>
+          </a:solidFill>
+          <a:prstDash val="solid"/>
+          <a:miter lim="800000"/>
+        </a:ln>
+        <a:effectLst/>
+      </dsp:spPr>
+      <dsp:style>
+        <a:lnRef idx="2">
+          <a:scrgbClr r="0" g="0" b="0"/>
+        </a:lnRef>
+        <a:fillRef idx="1">
+          <a:scrgbClr r="0" g="0" b="0"/>
+        </a:fillRef>
+        <a:effectRef idx="0">
+          <a:scrgbClr r="0" g="0" b="0"/>
+        </a:effectRef>
+        <a:fontRef idx="minor">
+          <a:schemeClr val="lt1"/>
+        </a:fontRef>
+      </dsp:style>
+      <dsp:txBody>
+        <a:bodyPr spcFirstLastPara="0" vert="horz" wrap="square" lIns="34290" tIns="34290" rIns="34290" bIns="34290" numCol="1" spcCol="1270" anchor="ctr" anchorCtr="0">
+          <a:noAutofit/>
+        </a:bodyPr>
+        <a:lstStyle/>
+        <a:p>
+          <a:pPr marL="0" lvl="0" indent="0" algn="ctr" defTabSz="400050">
+            <a:lnSpc>
+              <a:spcPct val="90000"/>
+            </a:lnSpc>
+            <a:spcBef>
+              <a:spcPct val="0"/>
+            </a:spcBef>
+            <a:spcAft>
+              <a:spcPct val="35000"/>
+            </a:spcAft>
+            <a:buNone/>
+          </a:pPr>
+          <a:r>
+            <a:rPr lang="en-US" sz="900" kern="1200" dirty="0"/>
+            <a:t>Weight</a:t>
+          </a:r>
+        </a:p>
+      </dsp:txBody>
+      <dsp:txXfrm>
+        <a:off x="10717735" y="4718717"/>
+        <a:ext cx="988000" cy="645283"/>
+      </dsp:txXfrm>
+    </dsp:sp>
+    <dsp:sp modelId="{4F7D69AE-E19A-42B7-B3B6-F6A9AD7B0FF2}">
+      <dsp:nvSpPr>
+        <dsp:cNvPr id="0" name=""/>
+        <dsp:cNvSpPr/>
+      </dsp:nvSpPr>
+      <dsp:spPr>
+        <a:xfrm>
+          <a:off x="9206837" y="3464858"/>
+          <a:ext cx="2004898" cy="274174"/>
+        </a:xfrm>
+        <a:custGeom>
+          <a:avLst/>
+          <a:gdLst/>
+          <a:ahLst/>
+          <a:cxnLst/>
+          <a:rect l="0" t="0" r="0" b="0"/>
+          <a:pathLst>
+            <a:path>
+              <a:moveTo>
+                <a:pt x="0" y="0"/>
+              </a:moveTo>
+              <a:lnTo>
+                <a:pt x="0" y="137087"/>
+              </a:lnTo>
+              <a:lnTo>
+                <a:pt x="2004898" y="137087"/>
+              </a:lnTo>
+              <a:lnTo>
+                <a:pt x="2004898" y="274174"/>
+              </a:lnTo>
+            </a:path>
+          </a:pathLst>
+        </a:custGeom>
+        <a:noFill/>
+        <a:ln w="12700" cap="flat" cmpd="sng" algn="ctr">
+          <a:solidFill>
+            <a:schemeClr val="accent1">
+              <a:shade val="80000"/>
+              <a:hueOff val="0"/>
+              <a:satOff val="0"/>
+              <a:lumOff val="0"/>
+              <a:alphaOff val="0"/>
+            </a:schemeClr>
+          </a:solidFill>
+          <a:prstDash val="solid"/>
+          <a:miter lim="800000"/>
+        </a:ln>
+        <a:effectLst/>
+      </dsp:spPr>
+      <dsp:style>
+        <a:lnRef idx="2">
+          <a:scrgbClr r="0" g="0" b="0"/>
+        </a:lnRef>
+        <a:fillRef idx="0">
+          <a:scrgbClr r="0" g="0" b="0"/>
+        </a:fillRef>
+        <a:effectRef idx="0">
+          <a:scrgbClr r="0" g="0" b="0"/>
+        </a:effectRef>
+        <a:fontRef idx="minor"/>
+      </dsp:style>
+    </dsp:sp>
+    <dsp:sp modelId="{B6A25002-8933-4E25-8513-D71DA246165A}">
+      <dsp:nvSpPr>
+        <dsp:cNvPr id="0" name=""/>
+        <dsp:cNvSpPr/>
+      </dsp:nvSpPr>
+      <dsp:spPr>
+        <a:xfrm>
+          <a:off x="10697659" y="3739032"/>
+          <a:ext cx="1028152" cy="685435"/>
+        </a:xfrm>
+        <a:prstGeom prst="roundRect">
+          <a:avLst>
+            <a:gd name="adj" fmla="val 10000"/>
+          </a:avLst>
+        </a:prstGeom>
+        <a:solidFill>
+          <a:schemeClr val="accent1">
+            <a:hueOff val="0"/>
+            <a:satOff val="0"/>
+            <a:lumOff val="0"/>
+            <a:alphaOff val="0"/>
+          </a:schemeClr>
+        </a:solidFill>
+        <a:ln w="12700" cap="flat" cmpd="sng" algn="ctr">
+          <a:solidFill>
+            <a:schemeClr val="lt1">
+              <a:hueOff val="0"/>
+              <a:satOff val="0"/>
+              <a:lumOff val="0"/>
+              <a:alphaOff val="0"/>
+            </a:schemeClr>
+          </a:solidFill>
+          <a:prstDash val="solid"/>
+          <a:miter lim="800000"/>
+        </a:ln>
+        <a:effectLst/>
+      </dsp:spPr>
+      <dsp:style>
+        <a:lnRef idx="2">
+          <a:scrgbClr r="0" g="0" b="0"/>
+        </a:lnRef>
+        <a:fillRef idx="1">
+          <a:scrgbClr r="0" g="0" b="0"/>
+        </a:fillRef>
+        <a:effectRef idx="0">
+          <a:scrgbClr r="0" g="0" b="0"/>
+        </a:effectRef>
+        <a:fontRef idx="minor">
+          <a:schemeClr val="lt1"/>
+        </a:fontRef>
+      </dsp:style>
+      <dsp:txBody>
+        <a:bodyPr spcFirstLastPara="0" vert="horz" wrap="square" lIns="34290" tIns="34290" rIns="34290" bIns="34290" numCol="1" spcCol="1270" anchor="ctr" anchorCtr="0">
+          <a:noAutofit/>
+        </a:bodyPr>
+        <a:lstStyle/>
+        <a:p>
+          <a:pPr marL="0" lvl="0" indent="0" algn="ctr" defTabSz="400050">
+            <a:lnSpc>
+              <a:spcPct val="90000"/>
+            </a:lnSpc>
+            <a:spcBef>
+              <a:spcPct val="0"/>
+            </a:spcBef>
+            <a:spcAft>
+              <a:spcPct val="35000"/>
+            </a:spcAft>
+            <a:buNone/>
+          </a:pPr>
+          <a:r>
+            <a:rPr lang="en-US" sz="900" kern="1200" dirty="0"/>
+            <a:t>Mutation</a:t>
+          </a:r>
+        </a:p>
+      </dsp:txBody>
+      <dsp:txXfrm>
+        <a:off x="10717735" y="3759108"/>
+        <a:ext cx="988000" cy="645283"/>
+      </dsp:txXfrm>
+    </dsp:sp>
+  </dsp:spTree>
+</dsp:drawing>
+</file>
+
 <file path=ppt/diagrams/layout1.xml><?xml version="1.0" encoding="utf-8"?>
 <dgm:layoutDef xmlns:dgm="http://schemas.openxmlformats.org/drawingml/2006/diagram" xmlns:a="http://schemas.openxmlformats.org/drawingml/2006/main" uniqueId="urn:microsoft.com/office/officeart/2005/8/layout/hierarchy6">
   <dgm:title val=""/>
@@ -13737,6 +18179,517 @@
 </dgm:layoutDef>
 </file>
 
+<file path=ppt/diagrams/layout4.xml><?xml version="1.0" encoding="utf-8"?>
+<dgm:layoutDef xmlns:dgm="http://schemas.openxmlformats.org/drawingml/2006/diagram" xmlns:a="http://schemas.openxmlformats.org/drawingml/2006/main" uniqueId="urn:microsoft.com/office/officeart/2005/8/layout/hierarchy6">
+  <dgm:title val=""/>
+  <dgm:desc val=""/>
+  <dgm:catLst>
+    <dgm:cat type="hierarchy" pri="3000"/>
+  </dgm:catLst>
+  <dgm:sampData>
+    <dgm:dataModel>
+      <dgm:ptLst>
+        <dgm:pt modelId="0" type="doc"/>
+        <dgm:pt modelId="1">
+          <dgm:prSet phldr="1"/>
+        </dgm:pt>
+        <dgm:pt modelId="2">
+          <dgm:prSet phldr="1"/>
+        </dgm:pt>
+        <dgm:pt modelId="21">
+          <dgm:prSet phldr="1"/>
+        </dgm:pt>
+        <dgm:pt modelId="22">
+          <dgm:prSet phldr="1"/>
+        </dgm:pt>
+        <dgm:pt modelId="3">
+          <dgm:prSet phldr="1"/>
+        </dgm:pt>
+        <dgm:pt modelId="31">
+          <dgm:prSet phldr="1"/>
+        </dgm:pt>
+        <dgm:pt modelId="4">
+          <dgm:prSet phldr="1"/>
+        </dgm:pt>
+        <dgm:pt modelId="5">
+          <dgm:prSet phldr="1"/>
+        </dgm:pt>
+        <dgm:pt modelId="6">
+          <dgm:prSet phldr="1"/>
+        </dgm:pt>
+      </dgm:ptLst>
+      <dgm:cxnLst>
+        <dgm:cxn modelId="7" srcId="0" destId="1" srcOrd="0" destOrd="0"/>
+        <dgm:cxn modelId="8" srcId="1" destId="2" srcOrd="0" destOrd="0"/>
+        <dgm:cxn modelId="9" srcId="1" destId="3" srcOrd="1" destOrd="0"/>
+        <dgm:cxn modelId="23" srcId="2" destId="21" srcOrd="0" destOrd="0"/>
+        <dgm:cxn modelId="24" srcId="2" destId="22" srcOrd="1" destOrd="0"/>
+        <dgm:cxn modelId="33" srcId="3" destId="31" srcOrd="0" destOrd="0"/>
+        <dgm:cxn modelId="10" srcId="0" destId="4" srcOrd="1" destOrd="0"/>
+        <dgm:cxn modelId="11" srcId="0" destId="5" srcOrd="2" destOrd="0"/>
+        <dgm:cxn modelId="12" srcId="0" destId="6" srcOrd="3" destOrd="0"/>
+      </dgm:cxnLst>
+      <dgm:bg/>
+      <dgm:whole/>
+    </dgm:dataModel>
+  </dgm:sampData>
+  <dgm:styleData>
+    <dgm:dataModel>
+      <dgm:ptLst>
+        <dgm:pt modelId="0" type="doc"/>
+        <dgm:pt modelId="1"/>
+        <dgm:pt modelId="11"/>
+        <dgm:pt modelId="12"/>
+        <dgm:pt modelId="2"/>
+        <dgm:pt modelId="3"/>
+      </dgm:ptLst>
+      <dgm:cxnLst>
+        <dgm:cxn modelId="4" srcId="0" destId="1" srcOrd="0" destOrd="0"/>
+        <dgm:cxn modelId="13" srcId="1" destId="11" srcOrd="0" destOrd="0"/>
+        <dgm:cxn modelId="14" srcId="1" destId="12" srcOrd="1" destOrd="0"/>
+        <dgm:cxn modelId="5" srcId="0" destId="2" srcOrd="1" destOrd="0"/>
+        <dgm:cxn modelId="6" srcId="0" destId="3" srcOrd="2" destOrd="0"/>
+      </dgm:cxnLst>
+      <dgm:bg/>
+      <dgm:whole/>
+    </dgm:dataModel>
+  </dgm:styleData>
+  <dgm:clrData>
+    <dgm:dataModel>
+      <dgm:ptLst>
+        <dgm:pt modelId="0" type="doc"/>
+        <dgm:pt modelId="1"/>
+        <dgm:pt modelId="2"/>
+        <dgm:pt modelId="21"/>
+        <dgm:pt modelId="211"/>
+        <dgm:pt modelId="3"/>
+        <dgm:pt modelId="31"/>
+        <dgm:pt modelId="311"/>
+        <dgm:pt modelId="4"/>
+        <dgm:pt modelId="5"/>
+        <dgm:pt modelId="6"/>
+        <dgm:pt modelId="7"/>
+      </dgm:ptLst>
+      <dgm:cxnLst>
+        <dgm:cxn modelId="8" srcId="0" destId="1" srcOrd="0" destOrd="0"/>
+        <dgm:cxn modelId="9" srcId="1" destId="2" srcOrd="0" destOrd="0"/>
+        <dgm:cxn modelId="10" srcId="1" destId="3" srcOrd="1" destOrd="0"/>
+        <dgm:cxn modelId="23" srcId="2" destId="21" srcOrd="0" destOrd="0"/>
+        <dgm:cxn modelId="24" srcId="21" destId="211" srcOrd="0" destOrd="0"/>
+        <dgm:cxn modelId="33" srcId="3" destId="31" srcOrd="0" destOrd="0"/>
+        <dgm:cxn modelId="34" srcId="31" destId="311" srcOrd="0" destOrd="0"/>
+        <dgm:cxn modelId="11" srcId="0" destId="4" srcOrd="1" destOrd="0"/>
+        <dgm:cxn modelId="12" srcId="0" destId="5" srcOrd="2" destOrd="0"/>
+        <dgm:cxn modelId="13" srcId="0" destId="6" srcOrd="3" destOrd="0"/>
+        <dgm:cxn modelId="14" srcId="0" destId="7" srcOrd="4" destOrd="0"/>
+      </dgm:cxnLst>
+      <dgm:bg/>
+      <dgm:whole/>
+    </dgm:dataModel>
+  </dgm:clrData>
+  <dgm:layoutNode name="mainComposite">
+    <dgm:varLst>
+      <dgm:chPref val="1"/>
+      <dgm:dir/>
+      <dgm:animOne val="branch"/>
+      <dgm:animLvl val="lvl"/>
+      <dgm:resizeHandles val="exact"/>
+    </dgm:varLst>
+    <dgm:alg type="composite">
+      <dgm:param type="vertAlign" val="mid"/>
+      <dgm:param type="horzAlign" val="ctr"/>
+    </dgm:alg>
+    <dgm:shape xmlns:r="http://schemas.openxmlformats.org/officeDocument/2006/relationships" r:blip="">
+      <dgm:adjLst/>
+    </dgm:shape>
+    <dgm:presOf/>
+    <dgm:choose name="Name0">
+      <dgm:if name="Name1" axis="ch" ptType="node" func="cnt" op="gte" val="2">
+        <dgm:choose name="Name2">
+          <dgm:if name="Name3" func="var" arg="dir" op="equ" val="norm">
+            <dgm:constrLst>
+              <dgm:constr type="l" for="ch" forName="hierFlow" refType="w" fact="0.3"/>
+              <dgm:constr type="t" for="ch" forName="hierFlow"/>
+              <dgm:constr type="r" for="ch" forName="hierFlow" refType="w" fact="0.98"/>
+              <dgm:constr type="b" for="ch" forName="hierFlow" refType="h" fact="0.98"/>
+              <dgm:constr type="l" for="ch" forName="bgShapesFlow"/>
+              <dgm:constr type="t" for="ch" forName="bgShapesFlow"/>
+              <dgm:constr type="r" for="ch" forName="bgShapesFlow" refType="w"/>
+              <dgm:constr type="b" for="ch" forName="bgShapesFlow" refType="h"/>
+              <dgm:constr type="w" for="des" forName="level1Shape" refType="w"/>
+              <dgm:constr type="h" for="des" forName="level1Shape" refType="w" refFor="des" refForName="level1Shape" fact="0.66667"/>
+              <dgm:constr type="w" for="des" forName="level2Shape" refType="w" refFor="des" refForName="level1Shape" op="equ"/>
+              <dgm:constr type="h" for="des" forName="level2Shape" refType="h" refFor="des" refForName="level1Shape" op="equ"/>
+              <dgm:constr type="sp" for="des" refType="h" refFor="des" refForName="level1Shape" op="equ" fact="0.4"/>
+              <dgm:constr type="sibSp" for="des" forName="hierChild1" refType="w" refFor="des" refForName="level1Shape" op="equ" fact="0.3"/>
+              <dgm:constr type="sibSp" for="des" forName="hierChild2" refType="sibSp" refFor="des" refForName="hierChild1" op="equ"/>
+              <dgm:constr type="sibSp" for="des" forName="hierChild3" refType="sibSp" refFor="des" refForName="hierChild1" op="equ"/>
+              <dgm:constr type="userA" for="des" refType="h" refFor="des" refForName="level1Shape" op="equ"/>
+              <dgm:constr type="userB" for="des" refType="sp" refFor="des" op="equ"/>
+              <dgm:constr type="h" for="des" forName="firstBuf" refType="h" refFor="des" refForName="level1Shape" fact="0.1"/>
+            </dgm:constrLst>
+          </dgm:if>
+          <dgm:else name="Name4">
+            <dgm:constrLst>
+              <dgm:constr type="l" for="ch" forName="hierFlow" refType="w" fact="0.02"/>
+              <dgm:constr type="t" for="ch" forName="hierFlow"/>
+              <dgm:constr type="r" for="ch" forName="hierFlow" refType="w" fact="0.7"/>
+              <dgm:constr type="b" for="ch" forName="hierFlow" refType="h" fact="0.98"/>
+              <dgm:constr type="l" for="ch" forName="bgShapesFlow"/>
+              <dgm:constr type="t" for="ch" forName="bgShapesFlow"/>
+              <dgm:constr type="r" for="ch" forName="bgShapesFlow" refType="w"/>
+              <dgm:constr type="b" for="ch" forName="bgShapesFlow" refType="h"/>
+              <dgm:constr type="w" for="des" forName="level1Shape" refType="w"/>
+              <dgm:constr type="h" for="des" forName="level1Shape" refType="w" refFor="des" refForName="level1Shape" fact="0.66667"/>
+              <dgm:constr type="w" for="des" forName="level2Shape" refType="w" refFor="des" refForName="level1Shape" op="equ"/>
+              <dgm:constr type="h" for="des" forName="level2Shape" refType="h" refFor="des" refForName="level1Shape" op="equ"/>
+              <dgm:constr type="sp" for="des" refType="h" refFor="des" refForName="level1Shape" op="equ" fact="0.4"/>
+              <dgm:constr type="sibSp" for="des" forName="hierChild1" refType="w" refFor="des" refForName="level1Shape" op="equ" fact="0.3"/>
+              <dgm:constr type="sibSp" for="des" forName="hierChild2" refType="sibSp" refFor="des" refForName="hierChild1" op="equ"/>
+              <dgm:constr type="sibSp" for="des" forName="hierChild3" refType="sibSp" refFor="des" refForName="hierChild1" op="equ"/>
+              <dgm:constr type="userA" for="des" refType="h" refFor="des" refForName="level1Shape" op="equ"/>
+              <dgm:constr type="userB" for="des" refType="sp" refFor="des" op="equ"/>
+              <dgm:constr type="h" for="des" forName="firstBuf" refType="h" refFor="des" refForName="level1Shape" fact="0.1"/>
+            </dgm:constrLst>
+          </dgm:else>
+        </dgm:choose>
+      </dgm:if>
+      <dgm:else name="Name5">
+        <dgm:constrLst>
+          <dgm:constr type="l" for="ch" forName="hierFlow"/>
+          <dgm:constr type="t" for="ch" forName="hierFlow"/>
+          <dgm:constr type="r" for="ch" forName="hierFlow" refType="w"/>
+          <dgm:constr type="b" for="ch" forName="hierFlow" refType="h"/>
+          <dgm:constr type="l" for="ch" forName="bgShapesFlow"/>
+          <dgm:constr type="t" for="ch" forName="bgShapesFlow"/>
+          <dgm:constr type="r" for="ch" forName="bgShapesFlow" refType="w"/>
+          <dgm:constr type="b" for="ch" forName="bgShapesFlow" refType="h"/>
+          <dgm:constr type="w" for="des" forName="level1Shape" refType="w"/>
+          <dgm:constr type="h" for="des" forName="level1Shape" refType="w" refFor="des" refForName="level1Shape" fact="0.66667"/>
+          <dgm:constr type="w" for="des" forName="level2Shape" refType="w" refFor="des" refForName="level1Shape" op="equ"/>
+          <dgm:constr type="h" for="des" forName="level2Shape" refType="h" refFor="des" refForName="level1Shape" op="equ"/>
+          <dgm:constr type="sp" for="des" refType="h" refFor="des" refForName="level1Shape" op="equ" fact="0.4"/>
+          <dgm:constr type="sibSp" for="des" forName="hierChild1" refType="w" refFor="des" refForName="level1Shape" op="equ" fact="0.3"/>
+          <dgm:constr type="sibSp" for="des" forName="hierChild2" refType="sibSp" refFor="des" refForName="hierChild1" op="equ"/>
+          <dgm:constr type="sibSp" for="des" forName="hierChild3" refType="sibSp" refFor="des" refForName="hierChild1" op="equ"/>
+          <dgm:constr type="userA" for="des" refType="h" refFor="des" refForName="level1Shape" op="equ"/>
+          <dgm:constr type="userB" for="des" refType="sp" refFor="des" op="equ"/>
+          <dgm:constr type="h" for="des" forName="firstBuf" refType="h" refFor="des" refForName="level1Shape" fact="0.1"/>
+        </dgm:constrLst>
+      </dgm:else>
+    </dgm:choose>
+    <dgm:ruleLst/>
+    <dgm:layoutNode name="hierFlow">
+      <dgm:alg type="lin">
+        <dgm:param type="linDir" val="fromT"/>
+        <dgm:param type="nodeVertAlign" val="t"/>
+        <dgm:param type="vertAlign" val="t"/>
+        <dgm:param type="nodeHorzAlign" val="ctr"/>
+        <dgm:param type="fallback" val="2D"/>
+      </dgm:alg>
+      <dgm:shape xmlns:r="http://schemas.openxmlformats.org/officeDocument/2006/relationships" r:blip="">
+        <dgm:adjLst/>
+      </dgm:shape>
+      <dgm:presOf/>
+      <dgm:constrLst/>
+      <dgm:ruleLst/>
+      <dgm:choose name="Name6">
+        <dgm:if name="Name7" axis="ch" ptType="node" func="cnt" op="gte" val="2">
+          <dgm:layoutNode name="firstBuf">
+            <dgm:alg type="sp"/>
+            <dgm:shape xmlns:r="http://schemas.openxmlformats.org/officeDocument/2006/relationships" r:blip="">
+              <dgm:adjLst/>
+            </dgm:shape>
+            <dgm:presOf/>
+            <dgm:constrLst/>
+            <dgm:ruleLst/>
+          </dgm:layoutNode>
+        </dgm:if>
+        <dgm:else name="Name8"/>
+      </dgm:choose>
+      <dgm:layoutNode name="hierChild1">
+        <dgm:varLst>
+          <dgm:chPref val="1"/>
+          <dgm:animOne val="branch"/>
+          <dgm:animLvl val="lvl"/>
+        </dgm:varLst>
+        <dgm:choose name="Name9">
+          <dgm:if name="Name10" func="var" arg="dir" op="equ" val="norm">
+            <dgm:alg type="hierChild">
+              <dgm:param type="linDir" val="fromL"/>
+              <dgm:param type="vertAlign" val="t"/>
+            </dgm:alg>
+          </dgm:if>
+          <dgm:else name="Name11">
+            <dgm:alg type="hierChild">
+              <dgm:param type="linDir" val="fromR"/>
+              <dgm:param type="vertAlign" val="t"/>
+            </dgm:alg>
+          </dgm:else>
+        </dgm:choose>
+        <dgm:shape xmlns:r="http://schemas.openxmlformats.org/officeDocument/2006/relationships" r:blip="">
+          <dgm:adjLst/>
+        </dgm:shape>
+        <dgm:presOf/>
+        <dgm:constrLst>
+          <dgm:constr type="primFontSz" for="des" ptType="node" op="equ"/>
+        </dgm:constrLst>
+        <dgm:ruleLst/>
+        <dgm:forEach name="Name12" axis="ch" cnt="3">
+          <dgm:forEach name="Name13" axis="self" ptType="node">
+            <dgm:layoutNode name="Name14">
+              <dgm:alg type="hierRoot"/>
+              <dgm:shape xmlns:r="http://schemas.openxmlformats.org/officeDocument/2006/relationships" r:blip="">
+                <dgm:adjLst/>
+              </dgm:shape>
+              <dgm:presOf/>
+              <dgm:constrLst/>
+              <dgm:ruleLst/>
+              <dgm:layoutNode name="level1Shape" styleLbl="node0">
+                <dgm:varLst>
+                  <dgm:chPref val="3"/>
+                </dgm:varLst>
+                <dgm:alg type="tx"/>
+                <dgm:shape xmlns:r="http://schemas.openxmlformats.org/officeDocument/2006/relationships" type="roundRect" r:blip="">
+                  <dgm:adjLst>
+                    <dgm:adj idx="1" val="0.1"/>
+                  </dgm:adjLst>
+                </dgm:shape>
+                <dgm:presOf axis="self"/>
+                <dgm:constrLst>
+                  <dgm:constr type="primFontSz" val="65"/>
+                  <dgm:constr type="tMarg" refType="primFontSz" fact="0.3"/>
+                  <dgm:constr type="bMarg" refType="primFontSz" fact="0.3"/>
+                  <dgm:constr type="lMarg" refType="primFontSz" fact="0.3"/>
+                  <dgm:constr type="rMarg" refType="primFontSz" fact="0.3"/>
+                </dgm:constrLst>
+                <dgm:ruleLst>
+                  <dgm:rule type="primFontSz" val="5" fact="NaN" max="NaN"/>
+                </dgm:ruleLst>
+              </dgm:layoutNode>
+              <dgm:layoutNode name="hierChild2">
+                <dgm:choose name="Name15">
+                  <dgm:if name="Name16" func="var" arg="dir" op="equ" val="norm">
+                    <dgm:alg type="hierChild">
+                      <dgm:param type="linDir" val="fromL"/>
+                    </dgm:alg>
+                  </dgm:if>
+                  <dgm:else name="Name17">
+                    <dgm:alg type="hierChild">
+                      <dgm:param type="linDir" val="fromR"/>
+                    </dgm:alg>
+                  </dgm:else>
+                </dgm:choose>
+                <dgm:shape xmlns:r="http://schemas.openxmlformats.org/officeDocument/2006/relationships" r:blip="">
+                  <dgm:adjLst/>
+                </dgm:shape>
+                <dgm:presOf/>
+                <dgm:constrLst/>
+                <dgm:ruleLst/>
+                <dgm:forEach name="repeat" axis="ch">
+                  <dgm:forEach name="Name18" axis="self" ptType="parTrans" cnt="1">
+                    <dgm:layoutNode name="Name19">
+                      <dgm:alg type="conn">
+                        <dgm:param type="dim" val="1D"/>
+                        <dgm:param type="endSty" val="noArr"/>
+                        <dgm:param type="connRout" val="bend"/>
+                        <dgm:param type="begPts" val="bCtr"/>
+                        <dgm:param type="endPts" val="tCtr"/>
+                      </dgm:alg>
+                      <dgm:shape xmlns:r="http://schemas.openxmlformats.org/officeDocument/2006/relationships" type="conn" r:blip="">
+                        <dgm:adjLst/>
+                      </dgm:shape>
+                      <dgm:presOf axis="self"/>
+                      <dgm:constrLst>
+                        <dgm:constr type="w" val="1"/>
+                        <dgm:constr type="h" val="1"/>
+                        <dgm:constr type="begPad"/>
+                        <dgm:constr type="endPad"/>
+                      </dgm:constrLst>
+                      <dgm:ruleLst/>
+                    </dgm:layoutNode>
+                  </dgm:forEach>
+                  <dgm:forEach name="Name20" axis="self" ptType="node">
+                    <dgm:layoutNode name="Name21">
+                      <dgm:alg type="hierRoot"/>
+                      <dgm:shape xmlns:r="http://schemas.openxmlformats.org/officeDocument/2006/relationships" r:blip="">
+                        <dgm:adjLst/>
+                      </dgm:shape>
+                      <dgm:presOf/>
+                      <dgm:constrLst/>
+                      <dgm:ruleLst/>
+                      <dgm:layoutNode name="level2Shape">
+                        <dgm:alg type="tx"/>
+                        <dgm:shape xmlns:r="http://schemas.openxmlformats.org/officeDocument/2006/relationships" type="roundRect" r:blip="">
+                          <dgm:adjLst>
+                            <dgm:adj idx="1" val="0.1"/>
+                          </dgm:adjLst>
+                        </dgm:shape>
+                        <dgm:presOf axis="self"/>
+                        <dgm:constrLst>
+                          <dgm:constr type="primFontSz" val="65"/>
+                          <dgm:constr type="tMarg" refType="primFontSz" fact="0.3"/>
+                          <dgm:constr type="bMarg" refType="primFontSz" fact="0.3"/>
+                          <dgm:constr type="lMarg" refType="primFontSz" fact="0.3"/>
+                          <dgm:constr type="rMarg" refType="primFontSz" fact="0.3"/>
+                        </dgm:constrLst>
+                        <dgm:ruleLst>
+                          <dgm:rule type="primFontSz" val="5" fact="NaN" max="NaN"/>
+                        </dgm:ruleLst>
+                      </dgm:layoutNode>
+                      <dgm:layoutNode name="hierChild3">
+                        <dgm:choose name="Name22">
+                          <dgm:if name="Name23" func="var" arg="dir" op="equ" val="norm">
+                            <dgm:alg type="hierChild">
+                              <dgm:param type="linDir" val="fromL"/>
+                            </dgm:alg>
+                          </dgm:if>
+                          <dgm:else name="Name24">
+                            <dgm:alg type="hierChild">
+                              <dgm:param type="linDir" val="fromR"/>
+                            </dgm:alg>
+                          </dgm:else>
+                        </dgm:choose>
+                        <dgm:shape xmlns:r="http://schemas.openxmlformats.org/officeDocument/2006/relationships" r:blip="">
+                          <dgm:adjLst/>
+                        </dgm:shape>
+                        <dgm:presOf/>
+                        <dgm:constrLst/>
+                        <dgm:ruleLst/>
+                        <dgm:forEach name="Name25" ref="repeat"/>
+                      </dgm:layoutNode>
+                    </dgm:layoutNode>
+                  </dgm:forEach>
+                </dgm:forEach>
+              </dgm:layoutNode>
+            </dgm:layoutNode>
+          </dgm:forEach>
+        </dgm:forEach>
+      </dgm:layoutNode>
+    </dgm:layoutNode>
+    <dgm:layoutNode name="bgShapesFlow">
+      <dgm:alg type="lin">
+        <dgm:param type="linDir" val="fromT"/>
+        <dgm:param type="nodeVertAlign" val="t"/>
+        <dgm:param type="vertAlign" val="t"/>
+        <dgm:param type="nodeHorzAlign" val="ctr"/>
+      </dgm:alg>
+      <dgm:shape xmlns:r="http://schemas.openxmlformats.org/officeDocument/2006/relationships" r:blip="">
+        <dgm:adjLst/>
+      </dgm:shape>
+      <dgm:presOf/>
+      <dgm:constrLst>
+        <dgm:constr type="userB"/>
+        <dgm:constr type="w" for="ch" forName="rectComp" refType="w"/>
+        <dgm:constr type="h" for="ch" forName="rectComp" refType="h"/>
+        <dgm:constr type="w" for="des" forName="bgRect" refType="w"/>
+        <dgm:constr type="primFontSz" for="des" forName="bgRectTx" op="equ"/>
+      </dgm:constrLst>
+      <dgm:ruleLst/>
+      <dgm:forEach name="Name26" axis="ch" ptType="node" st="2">
+        <dgm:layoutNode name="rectComp">
+          <dgm:alg type="composite">
+            <dgm:param type="vertAlign" val="t"/>
+            <dgm:param type="horzAlign" val="ctr"/>
+          </dgm:alg>
+          <dgm:shape xmlns:r="http://schemas.openxmlformats.org/officeDocument/2006/relationships" r:blip="">
+            <dgm:adjLst/>
+          </dgm:shape>
+          <dgm:presOf/>
+          <dgm:choose name="Name27">
+            <dgm:if name="Name28" func="var" arg="dir" op="equ" val="norm">
+              <dgm:constrLst>
+                <dgm:constr type="userA"/>
+                <dgm:constr type="l" for="ch" forName="bgRect"/>
+                <dgm:constr type="t" for="ch" forName="bgRect"/>
+                <dgm:constr type="h" for="ch" forName="bgRect" refType="userA" fact="1.2"/>
+                <dgm:constr type="l" for="ch" forName="bgRectTx"/>
+                <dgm:constr type="t" for="ch" forName="bgRectTx"/>
+                <dgm:constr type="w" for="ch" forName="bgRectTx" refType="w" refFor="ch" refForName="bgRect" fact="0.3"/>
+                <dgm:constr type="h" for="ch" forName="bgRectTx" refType="h" refFor="ch" refForName="bgRect" op="equ"/>
+              </dgm:constrLst>
+            </dgm:if>
+            <dgm:else name="Name29">
+              <dgm:constrLst>
+                <dgm:constr type="userA"/>
+                <dgm:constr type="l" for="ch" forName="bgRect"/>
+                <dgm:constr type="t" for="ch" forName="bgRect"/>
+                <dgm:constr type="h" for="ch" forName="bgRect" refType="userA" fact="1.2"/>
+                <dgm:constr type="r" for="ch" forName="bgRectTx" refType="w"/>
+                <dgm:constr type="t" for="ch" forName="bgRectTx"/>
+                <dgm:constr type="w" for="ch" forName="bgRectTx" refType="w" refFor="ch" refForName="bgRect" fact="0.3"/>
+                <dgm:constr type="h" for="ch" forName="bgRectTx" refType="h" refFor="ch" refForName="bgRect" op="equ"/>
+              </dgm:constrLst>
+            </dgm:else>
+          </dgm:choose>
+          <dgm:ruleLst/>
+          <dgm:layoutNode name="bgRect" styleLbl="bgShp">
+            <dgm:alg type="sp"/>
+            <dgm:shape xmlns:r="http://schemas.openxmlformats.org/officeDocument/2006/relationships" type="roundRect" r:blip="" zOrderOff="-999">
+              <dgm:adjLst>
+                <dgm:adj idx="1" val="0.1"/>
+              </dgm:adjLst>
+            </dgm:shape>
+            <dgm:presOf axis="desOrSelf" ptType="node"/>
+            <dgm:constrLst/>
+            <dgm:ruleLst/>
+          </dgm:layoutNode>
+          <dgm:layoutNode name="bgRectTx" styleLbl="bgShp">
+            <dgm:varLst>
+              <dgm:bulletEnabled val="1"/>
+            </dgm:varLst>
+            <dgm:alg type="tx"/>
+            <dgm:presOf axis="desOrSelf" ptType="node"/>
+            <dgm:shape xmlns:r="http://schemas.openxmlformats.org/officeDocument/2006/relationships" type="rect" r:blip="" zOrderOff="-999" hideGeom="1">
+              <dgm:adjLst/>
+            </dgm:shape>
+            <dgm:constrLst>
+              <dgm:constr type="primFontSz" val="65"/>
+            </dgm:constrLst>
+            <dgm:ruleLst>
+              <dgm:rule type="primFontSz" val="5" fact="NaN" max="NaN"/>
+            </dgm:ruleLst>
+          </dgm:layoutNode>
+        </dgm:layoutNode>
+        <dgm:choose name="Name30">
+          <dgm:if name="Name31" axis="self" ptType="node" func="revPos" op="gte" val="2">
+            <dgm:layoutNode name="spComp">
+              <dgm:alg type="composite">
+                <dgm:param type="vertAlign" val="t"/>
+                <dgm:param type="horzAlign" val="ctr"/>
+              </dgm:alg>
+              <dgm:shape xmlns:r="http://schemas.openxmlformats.org/officeDocument/2006/relationships" r:blip="">
+                <dgm:adjLst/>
+              </dgm:shape>
+              <dgm:presOf/>
+              <dgm:constrLst>
+                <dgm:constr type="userA"/>
+                <dgm:constr type="userB"/>
+                <dgm:constr type="l" for="ch" forName="vSp"/>
+                <dgm:constr type="t" for="ch" forName="vSp"/>
+                <dgm:constr type="h" for="ch" forName="vSp" refType="userB"/>
+                <dgm:constr type="hOff" for="ch" forName="vSp" refType="userA" fact="-0.2"/>
+              </dgm:constrLst>
+              <dgm:ruleLst/>
+              <dgm:layoutNode name="vSp">
+                <dgm:alg type="sp"/>
+                <dgm:shape xmlns:r="http://schemas.openxmlformats.org/officeDocument/2006/relationships" r:blip="">
+                  <dgm:adjLst/>
+                </dgm:shape>
+                <dgm:presOf/>
+                <dgm:constrLst/>
+                <dgm:ruleLst/>
+              </dgm:layoutNode>
+            </dgm:layoutNode>
+          </dgm:if>
+          <dgm:else name="Name32"/>
+        </dgm:choose>
+      </dgm:forEach>
+    </dgm:layoutNode>
+  </dgm:layoutNode>
+</dgm:layoutDef>
+</file>
+
 <file path=ppt/diagrams/quickStyle1.xml><?xml version="1.0" encoding="utf-8"?>
 <dgm:styleDef xmlns:dgm="http://schemas.openxmlformats.org/drawingml/2006/diagram" xmlns:a="http://schemas.openxmlformats.org/drawingml/2006/main" uniqueId="urn:microsoft.com/office/officeart/2005/8/quickstyle/simple1">
   <dgm:title val=""/>
@@ -15806,6 +20759,1040 @@
 </file>
 
 <file path=ppt/diagrams/quickStyle3.xml><?xml version="1.0" encoding="utf-8"?>
+<dgm:styleDef xmlns:dgm="http://schemas.openxmlformats.org/drawingml/2006/diagram" xmlns:a="http://schemas.openxmlformats.org/drawingml/2006/main" uniqueId="urn:microsoft.com/office/officeart/2005/8/quickstyle/simple1">
+  <dgm:title val=""/>
+  <dgm:desc val=""/>
+  <dgm:catLst>
+    <dgm:cat type="simple" pri="10100"/>
+  </dgm:catLst>
+  <dgm:scene3d>
+    <a:camera prst="orthographicFront"/>
+    <a:lightRig rig="threePt" dir="t"/>
+  </dgm:scene3d>
+  <dgm:styleLbl name="node0">
+    <dgm:scene3d>
+      <a:camera prst="orthographicFront"/>
+      <a:lightRig rig="threePt" dir="t"/>
+    </dgm:scene3d>
+    <dgm:sp3d/>
+    <dgm:txPr/>
+    <dgm:style>
+      <a:lnRef idx="2">
+        <a:scrgbClr r="0" g="0" b="0"/>
+      </a:lnRef>
+      <a:fillRef idx="1">
+        <a:scrgbClr r="0" g="0" b="0"/>
+      </a:fillRef>
+      <a:effectRef idx="0">
+        <a:scrgbClr r="0" g="0" b="0"/>
+      </a:effectRef>
+      <a:fontRef idx="minor">
+        <a:schemeClr val="lt1"/>
+      </a:fontRef>
+    </dgm:style>
+  </dgm:styleLbl>
+  <dgm:styleLbl name="lnNode1">
+    <dgm:scene3d>
+      <a:camera prst="orthographicFront"/>
+      <a:lightRig rig="threePt" dir="t"/>
+    </dgm:scene3d>
+    <dgm:sp3d/>
+    <dgm:txPr/>
+    <dgm:style>
+      <a:lnRef idx="2">
+        <a:scrgbClr r="0" g="0" b="0"/>
+      </a:lnRef>
+      <a:fillRef idx="1">
+        <a:scrgbClr r="0" g="0" b="0"/>
+      </a:fillRef>
+      <a:effectRef idx="0">
+        <a:scrgbClr r="0" g="0" b="0"/>
+      </a:effectRef>
+      <a:fontRef idx="minor">
+        <a:schemeClr val="lt1"/>
+      </a:fontRef>
+    </dgm:style>
+  </dgm:styleLbl>
+  <dgm:styleLbl name="vennNode1">
+    <dgm:scene3d>
+      <a:camera prst="orthographicFront"/>
+      <a:lightRig rig="threePt" dir="t"/>
+    </dgm:scene3d>
+    <dgm:sp3d/>
+    <dgm:txPr/>
+    <dgm:style>
+      <a:lnRef idx="2">
+        <a:scrgbClr r="0" g="0" b="0"/>
+      </a:lnRef>
+      <a:fillRef idx="1">
+        <a:scrgbClr r="0" g="0" b="0"/>
+      </a:fillRef>
+      <a:effectRef idx="0">
+        <a:scrgbClr r="0" g="0" b="0"/>
+      </a:effectRef>
+      <a:fontRef idx="minor">
+        <a:schemeClr val="tx1"/>
+      </a:fontRef>
+    </dgm:style>
+  </dgm:styleLbl>
+  <dgm:styleLbl name="alignNode1">
+    <dgm:scene3d>
+      <a:camera prst="orthographicFront"/>
+      <a:lightRig rig="threePt" dir="t"/>
+    </dgm:scene3d>
+    <dgm:sp3d/>
+    <dgm:txPr/>
+    <dgm:style>
+      <a:lnRef idx="2">
+        <a:scrgbClr r="0" g="0" b="0"/>
+      </a:lnRef>
+      <a:fillRef idx="1">
+        <a:scrgbClr r="0" g="0" b="0"/>
+      </a:fillRef>
+      <a:effectRef idx="0">
+        <a:scrgbClr r="0" g="0" b="0"/>
+      </a:effectRef>
+      <a:fontRef idx="minor">
+        <a:schemeClr val="lt1"/>
+      </a:fontRef>
+    </dgm:style>
+  </dgm:styleLbl>
+  <dgm:styleLbl name="node1">
+    <dgm:scene3d>
+      <a:camera prst="orthographicFront"/>
+      <a:lightRig rig="threePt" dir="t"/>
+    </dgm:scene3d>
+    <dgm:sp3d/>
+    <dgm:txPr/>
+    <dgm:style>
+      <a:lnRef idx="2">
+        <a:scrgbClr r="0" g="0" b="0"/>
+      </a:lnRef>
+      <a:fillRef idx="1">
+        <a:scrgbClr r="0" g="0" b="0"/>
+      </a:fillRef>
+      <a:effectRef idx="0">
+        <a:scrgbClr r="0" g="0" b="0"/>
+      </a:effectRef>
+      <a:fontRef idx="minor">
+        <a:schemeClr val="lt1"/>
+      </a:fontRef>
+    </dgm:style>
+  </dgm:styleLbl>
+  <dgm:styleLbl name="node2">
+    <dgm:scene3d>
+      <a:camera prst="orthographicFront"/>
+      <a:lightRig rig="threePt" dir="t"/>
+    </dgm:scene3d>
+    <dgm:sp3d/>
+    <dgm:txPr/>
+    <dgm:style>
+      <a:lnRef idx="2">
+        <a:scrgbClr r="0" g="0" b="0"/>
+      </a:lnRef>
+      <a:fillRef idx="1">
+        <a:scrgbClr r="0" g="0" b="0"/>
+      </a:fillRef>
+      <a:effectRef idx="0">
+        <a:scrgbClr r="0" g="0" b="0"/>
+      </a:effectRef>
+      <a:fontRef idx="minor">
+        <a:schemeClr val="lt1"/>
+      </a:fontRef>
+    </dgm:style>
+  </dgm:styleLbl>
+  <dgm:styleLbl name="node3">
+    <dgm:scene3d>
+      <a:camera prst="orthographicFront"/>
+      <a:lightRig rig="threePt" dir="t"/>
+    </dgm:scene3d>
+    <dgm:sp3d/>
+    <dgm:txPr/>
+    <dgm:style>
+      <a:lnRef idx="2">
+        <a:scrgbClr r="0" g="0" b="0"/>
+      </a:lnRef>
+      <a:fillRef idx="1">
+        <a:scrgbClr r="0" g="0" b="0"/>
+      </a:fillRef>
+      <a:effectRef idx="0">
+        <a:scrgbClr r="0" g="0" b="0"/>
+      </a:effectRef>
+      <a:fontRef idx="minor">
+        <a:schemeClr val="lt1"/>
+      </a:fontRef>
+    </dgm:style>
+  </dgm:styleLbl>
+  <dgm:styleLbl name="node4">
+    <dgm:scene3d>
+      <a:camera prst="orthographicFront"/>
+      <a:lightRig rig="threePt" dir="t"/>
+    </dgm:scene3d>
+    <dgm:sp3d/>
+    <dgm:txPr/>
+    <dgm:style>
+      <a:lnRef idx="2">
+        <a:scrgbClr r="0" g="0" b="0"/>
+      </a:lnRef>
+      <a:fillRef idx="1">
+        <a:scrgbClr r="0" g="0" b="0"/>
+      </a:fillRef>
+      <a:effectRef idx="0">
+        <a:scrgbClr r="0" g="0" b="0"/>
+      </a:effectRef>
+      <a:fontRef idx="minor">
+        <a:schemeClr val="lt1"/>
+      </a:fontRef>
+    </dgm:style>
+  </dgm:styleLbl>
+  <dgm:styleLbl name="fgImgPlace1">
+    <dgm:scene3d>
+      <a:camera prst="orthographicFront"/>
+      <a:lightRig rig="threePt" dir="t"/>
+    </dgm:scene3d>
+    <dgm:sp3d/>
+    <dgm:txPr/>
+    <dgm:style>
+      <a:lnRef idx="2">
+        <a:scrgbClr r="0" g="0" b="0"/>
+      </a:lnRef>
+      <a:fillRef idx="1">
+        <a:scrgbClr r="0" g="0" b="0"/>
+      </a:fillRef>
+      <a:effectRef idx="0">
+        <a:scrgbClr r="0" g="0" b="0"/>
+      </a:effectRef>
+      <a:fontRef idx="minor"/>
+    </dgm:style>
+  </dgm:styleLbl>
+  <dgm:styleLbl name="alignImgPlace1">
+    <dgm:scene3d>
+      <a:camera prst="orthographicFront"/>
+      <a:lightRig rig="threePt" dir="t"/>
+    </dgm:scene3d>
+    <dgm:sp3d/>
+    <dgm:txPr/>
+    <dgm:style>
+      <a:lnRef idx="2">
+        <a:scrgbClr r="0" g="0" b="0"/>
+      </a:lnRef>
+      <a:fillRef idx="1">
+        <a:scrgbClr r="0" g="0" b="0"/>
+      </a:fillRef>
+      <a:effectRef idx="0">
+        <a:scrgbClr r="0" g="0" b="0"/>
+      </a:effectRef>
+      <a:fontRef idx="minor"/>
+    </dgm:style>
+  </dgm:styleLbl>
+  <dgm:styleLbl name="bgImgPlace1">
+    <dgm:scene3d>
+      <a:camera prst="orthographicFront"/>
+      <a:lightRig rig="threePt" dir="t"/>
+    </dgm:scene3d>
+    <dgm:sp3d/>
+    <dgm:txPr/>
+    <dgm:style>
+      <a:lnRef idx="2">
+        <a:scrgbClr r="0" g="0" b="0"/>
+      </a:lnRef>
+      <a:fillRef idx="1">
+        <a:scrgbClr r="0" g="0" b="0"/>
+      </a:fillRef>
+      <a:effectRef idx="0">
+        <a:scrgbClr r="0" g="0" b="0"/>
+      </a:effectRef>
+      <a:fontRef idx="minor"/>
+    </dgm:style>
+  </dgm:styleLbl>
+  <dgm:styleLbl name="sibTrans2D1">
+    <dgm:scene3d>
+      <a:camera prst="orthographicFront"/>
+      <a:lightRig rig="threePt" dir="t"/>
+    </dgm:scene3d>
+    <dgm:sp3d/>
+    <dgm:txPr/>
+    <dgm:style>
+      <a:lnRef idx="0">
+        <a:scrgbClr r="0" g="0" b="0"/>
+      </a:lnRef>
+      <a:fillRef idx="1">
+        <a:scrgbClr r="0" g="0" b="0"/>
+      </a:fillRef>
+      <a:effectRef idx="0">
+        <a:scrgbClr r="0" g="0" b="0"/>
+      </a:effectRef>
+      <a:fontRef idx="minor">
+        <a:schemeClr val="lt1"/>
+      </a:fontRef>
+    </dgm:style>
+  </dgm:styleLbl>
+  <dgm:styleLbl name="fgSibTrans2D1">
+    <dgm:scene3d>
+      <a:camera prst="orthographicFront"/>
+      <a:lightRig rig="threePt" dir="t"/>
+    </dgm:scene3d>
+    <dgm:sp3d/>
+    <dgm:txPr/>
+    <dgm:style>
+      <a:lnRef idx="0">
+        <a:scrgbClr r="0" g="0" b="0"/>
+      </a:lnRef>
+      <a:fillRef idx="1">
+        <a:scrgbClr r="0" g="0" b="0"/>
+      </a:fillRef>
+      <a:effectRef idx="0">
+        <a:scrgbClr r="0" g="0" b="0"/>
+      </a:effectRef>
+      <a:fontRef idx="minor">
+        <a:schemeClr val="lt1"/>
+      </a:fontRef>
+    </dgm:style>
+  </dgm:styleLbl>
+  <dgm:styleLbl name="bgSibTrans2D1">
+    <dgm:scene3d>
+      <a:camera prst="orthographicFront"/>
+      <a:lightRig rig="threePt" dir="t"/>
+    </dgm:scene3d>
+    <dgm:sp3d/>
+    <dgm:txPr/>
+    <dgm:style>
+      <a:lnRef idx="0">
+        <a:scrgbClr r="0" g="0" b="0"/>
+      </a:lnRef>
+      <a:fillRef idx="1">
+        <a:scrgbClr r="0" g="0" b="0"/>
+      </a:fillRef>
+      <a:effectRef idx="0">
+        <a:scrgbClr r="0" g="0" b="0"/>
+      </a:effectRef>
+      <a:fontRef idx="minor">
+        <a:schemeClr val="lt1"/>
+      </a:fontRef>
+    </dgm:style>
+  </dgm:styleLbl>
+  <dgm:styleLbl name="sibTrans1D1">
+    <dgm:scene3d>
+      <a:camera prst="orthographicFront"/>
+      <a:lightRig rig="threePt" dir="t"/>
+    </dgm:scene3d>
+    <dgm:sp3d/>
+    <dgm:txPr/>
+    <dgm:style>
+      <a:lnRef idx="1">
+        <a:scrgbClr r="0" g="0" b="0"/>
+      </a:lnRef>
+      <a:fillRef idx="0">
+        <a:scrgbClr r="0" g="0" b="0"/>
+      </a:fillRef>
+      <a:effectRef idx="0">
+        <a:scrgbClr r="0" g="0" b="0"/>
+      </a:effectRef>
+      <a:fontRef idx="minor"/>
+    </dgm:style>
+  </dgm:styleLbl>
+  <dgm:styleLbl name="callout">
+    <dgm:scene3d>
+      <a:camera prst="orthographicFront"/>
+      <a:lightRig rig="threePt" dir="t"/>
+    </dgm:scene3d>
+    <dgm:sp3d/>
+    <dgm:txPr/>
+    <dgm:style>
+      <a:lnRef idx="2">
+        <a:scrgbClr r="0" g="0" b="0"/>
+      </a:lnRef>
+      <a:fillRef idx="1">
+        <a:scrgbClr r="0" g="0" b="0"/>
+      </a:fillRef>
+      <a:effectRef idx="0">
+        <a:scrgbClr r="0" g="0" b="0"/>
+      </a:effectRef>
+      <a:fontRef idx="minor"/>
+    </dgm:style>
+  </dgm:styleLbl>
+  <dgm:styleLbl name="asst0">
+    <dgm:scene3d>
+      <a:camera prst="orthographicFront"/>
+      <a:lightRig rig="threePt" dir="t"/>
+    </dgm:scene3d>
+    <dgm:sp3d/>
+    <dgm:txPr/>
+    <dgm:style>
+      <a:lnRef idx="2">
+        <a:scrgbClr r="0" g="0" b="0"/>
+      </a:lnRef>
+      <a:fillRef idx="1">
+        <a:scrgbClr r="0" g="0" b="0"/>
+      </a:fillRef>
+      <a:effectRef idx="0">
+        <a:scrgbClr r="0" g="0" b="0"/>
+      </a:effectRef>
+      <a:fontRef idx="minor">
+        <a:schemeClr val="lt1"/>
+      </a:fontRef>
+    </dgm:style>
+  </dgm:styleLbl>
+  <dgm:styleLbl name="asst1">
+    <dgm:scene3d>
+      <a:camera prst="orthographicFront"/>
+      <a:lightRig rig="threePt" dir="t"/>
+    </dgm:scene3d>
+    <dgm:sp3d/>
+    <dgm:txPr/>
+    <dgm:style>
+      <a:lnRef idx="2">
+        <a:scrgbClr r="0" g="0" b="0"/>
+      </a:lnRef>
+      <a:fillRef idx="1">
+        <a:scrgbClr r="0" g="0" b="0"/>
+      </a:fillRef>
+      <a:effectRef idx="0">
+        <a:scrgbClr r="0" g="0" b="0"/>
+      </a:effectRef>
+      <a:fontRef idx="minor">
+        <a:schemeClr val="lt1"/>
+      </a:fontRef>
+    </dgm:style>
+  </dgm:styleLbl>
+  <dgm:styleLbl name="asst2">
+    <dgm:scene3d>
+      <a:camera prst="orthographicFront"/>
+      <a:lightRig rig="threePt" dir="t"/>
+    </dgm:scene3d>
+    <dgm:sp3d/>
+    <dgm:txPr/>
+    <dgm:style>
+      <a:lnRef idx="2">
+        <a:scrgbClr r="0" g="0" b="0"/>
+      </a:lnRef>
+      <a:fillRef idx="1">
+        <a:scrgbClr r="0" g="0" b="0"/>
+      </a:fillRef>
+      <a:effectRef idx="0">
+        <a:scrgbClr r="0" g="0" b="0"/>
+      </a:effectRef>
+      <a:fontRef idx="minor">
+        <a:schemeClr val="lt1"/>
+      </a:fontRef>
+    </dgm:style>
+  </dgm:styleLbl>
+  <dgm:styleLbl name="asst3">
+    <dgm:scene3d>
+      <a:camera prst="orthographicFront"/>
+      <a:lightRig rig="threePt" dir="t"/>
+    </dgm:scene3d>
+    <dgm:sp3d/>
+    <dgm:txPr/>
+    <dgm:style>
+      <a:lnRef idx="2">
+        <a:scrgbClr r="0" g="0" b="0"/>
+      </a:lnRef>
+      <a:fillRef idx="1">
+        <a:scrgbClr r="0" g="0" b="0"/>
+      </a:fillRef>
+      <a:effectRef idx="0">
+        <a:scrgbClr r="0" g="0" b="0"/>
+      </a:effectRef>
+      <a:fontRef idx="minor">
+        <a:schemeClr val="lt1"/>
+      </a:fontRef>
+    </dgm:style>
+  </dgm:styleLbl>
+  <dgm:styleLbl name="asst4">
+    <dgm:scene3d>
+      <a:camera prst="orthographicFront"/>
+      <a:lightRig rig="threePt" dir="t"/>
+    </dgm:scene3d>
+    <dgm:sp3d/>
+    <dgm:txPr/>
+    <dgm:style>
+      <a:lnRef idx="2">
+        <a:scrgbClr r="0" g="0" b="0"/>
+      </a:lnRef>
+      <a:fillRef idx="1">
+        <a:scrgbClr r="0" g="0" b="0"/>
+      </a:fillRef>
+      <a:effectRef idx="0">
+        <a:scrgbClr r="0" g="0" b="0"/>
+      </a:effectRef>
+      <a:fontRef idx="minor">
+        <a:schemeClr val="lt1"/>
+      </a:fontRef>
+    </dgm:style>
+  </dgm:styleLbl>
+  <dgm:styleLbl name="parChTrans2D1">
+    <dgm:scene3d>
+      <a:camera prst="orthographicFront"/>
+      <a:lightRig rig="threePt" dir="t"/>
+    </dgm:scene3d>
+    <dgm:sp3d/>
+    <dgm:txPr/>
+    <dgm:style>
+      <a:lnRef idx="2">
+        <a:scrgbClr r="0" g="0" b="0"/>
+      </a:lnRef>
+      <a:fillRef idx="1">
+        <a:scrgbClr r="0" g="0" b="0"/>
+      </a:fillRef>
+      <a:effectRef idx="0">
+        <a:scrgbClr r="0" g="0" b="0"/>
+      </a:effectRef>
+      <a:fontRef idx="minor">
+        <a:schemeClr val="lt1"/>
+      </a:fontRef>
+    </dgm:style>
+  </dgm:styleLbl>
+  <dgm:styleLbl name="parChTrans2D2">
+    <dgm:scene3d>
+      <a:camera prst="orthographicFront"/>
+      <a:lightRig rig="threePt" dir="t"/>
+    </dgm:scene3d>
+    <dgm:sp3d/>
+    <dgm:txPr/>
+    <dgm:style>
+      <a:lnRef idx="2">
+        <a:scrgbClr r="0" g="0" b="0"/>
+      </a:lnRef>
+      <a:fillRef idx="1">
+        <a:scrgbClr r="0" g="0" b="0"/>
+      </a:fillRef>
+      <a:effectRef idx="0">
+        <a:scrgbClr r="0" g="0" b="0"/>
+      </a:effectRef>
+      <a:fontRef idx="minor">
+        <a:schemeClr val="lt1"/>
+      </a:fontRef>
+    </dgm:style>
+  </dgm:styleLbl>
+  <dgm:styleLbl name="parChTrans2D3">
+    <dgm:scene3d>
+      <a:camera prst="orthographicFront"/>
+      <a:lightRig rig="threePt" dir="t"/>
+    </dgm:scene3d>
+    <dgm:sp3d/>
+    <dgm:txPr/>
+    <dgm:style>
+      <a:lnRef idx="2">
+        <a:scrgbClr r="0" g="0" b="0"/>
+      </a:lnRef>
+      <a:fillRef idx="1">
+        <a:scrgbClr r="0" g="0" b="0"/>
+      </a:fillRef>
+      <a:effectRef idx="0">
+        <a:scrgbClr r="0" g="0" b="0"/>
+      </a:effectRef>
+      <a:fontRef idx="minor">
+        <a:schemeClr val="lt1"/>
+      </a:fontRef>
+    </dgm:style>
+  </dgm:styleLbl>
+  <dgm:styleLbl name="parChTrans2D4">
+    <dgm:scene3d>
+      <a:camera prst="orthographicFront"/>
+      <a:lightRig rig="threePt" dir="t"/>
+    </dgm:scene3d>
+    <dgm:sp3d/>
+    <dgm:txPr/>
+    <dgm:style>
+      <a:lnRef idx="2">
+        <a:scrgbClr r="0" g="0" b="0"/>
+      </a:lnRef>
+      <a:fillRef idx="1">
+        <a:scrgbClr r="0" g="0" b="0"/>
+      </a:fillRef>
+      <a:effectRef idx="0">
+        <a:scrgbClr r="0" g="0" b="0"/>
+      </a:effectRef>
+      <a:fontRef idx="minor">
+        <a:schemeClr val="lt1"/>
+      </a:fontRef>
+    </dgm:style>
+  </dgm:styleLbl>
+  <dgm:styleLbl name="parChTrans1D1">
+    <dgm:scene3d>
+      <a:camera prst="orthographicFront"/>
+      <a:lightRig rig="threePt" dir="t"/>
+    </dgm:scene3d>
+    <dgm:sp3d/>
+    <dgm:txPr/>
+    <dgm:style>
+      <a:lnRef idx="2">
+        <a:scrgbClr r="0" g="0" b="0"/>
+      </a:lnRef>
+      <a:fillRef idx="0">
+        <a:scrgbClr r="0" g="0" b="0"/>
+      </a:fillRef>
+      <a:effectRef idx="0">
+        <a:scrgbClr r="0" g="0" b="0"/>
+      </a:effectRef>
+      <a:fontRef idx="minor"/>
+    </dgm:style>
+  </dgm:styleLbl>
+  <dgm:styleLbl name="parChTrans1D2">
+    <dgm:scene3d>
+      <a:camera prst="orthographicFront"/>
+      <a:lightRig rig="threePt" dir="t"/>
+    </dgm:scene3d>
+    <dgm:sp3d/>
+    <dgm:txPr/>
+    <dgm:style>
+      <a:lnRef idx="2">
+        <a:scrgbClr r="0" g="0" b="0"/>
+      </a:lnRef>
+      <a:fillRef idx="0">
+        <a:scrgbClr r="0" g="0" b="0"/>
+      </a:fillRef>
+      <a:effectRef idx="0">
+        <a:scrgbClr r="0" g="0" b="0"/>
+      </a:effectRef>
+      <a:fontRef idx="minor"/>
+    </dgm:style>
+  </dgm:styleLbl>
+  <dgm:styleLbl name="parChTrans1D3">
+    <dgm:scene3d>
+      <a:camera prst="orthographicFront"/>
+      <a:lightRig rig="threePt" dir="t"/>
+    </dgm:scene3d>
+    <dgm:sp3d/>
+    <dgm:txPr/>
+    <dgm:style>
+      <a:lnRef idx="2">
+        <a:scrgbClr r="0" g="0" b="0"/>
+      </a:lnRef>
+      <a:fillRef idx="0">
+        <a:scrgbClr r="0" g="0" b="0"/>
+      </a:fillRef>
+      <a:effectRef idx="0">
+        <a:scrgbClr r="0" g="0" b="0"/>
+      </a:effectRef>
+      <a:fontRef idx="minor"/>
+    </dgm:style>
+  </dgm:styleLbl>
+  <dgm:styleLbl name="parChTrans1D4">
+    <dgm:scene3d>
+      <a:camera prst="orthographicFront"/>
+      <a:lightRig rig="threePt" dir="t"/>
+    </dgm:scene3d>
+    <dgm:sp3d/>
+    <dgm:txPr/>
+    <dgm:style>
+      <a:lnRef idx="2">
+        <a:scrgbClr r="0" g="0" b="0"/>
+      </a:lnRef>
+      <a:fillRef idx="0">
+        <a:scrgbClr r="0" g="0" b="0"/>
+      </a:fillRef>
+      <a:effectRef idx="0">
+        <a:scrgbClr r="0" g="0" b="0"/>
+      </a:effectRef>
+      <a:fontRef idx="minor"/>
+    </dgm:style>
+  </dgm:styleLbl>
+  <dgm:styleLbl name="fgAcc1">
+    <dgm:scene3d>
+      <a:camera prst="orthographicFront"/>
+      <a:lightRig rig="threePt" dir="t"/>
+    </dgm:scene3d>
+    <dgm:sp3d/>
+    <dgm:txPr/>
+    <dgm:style>
+      <a:lnRef idx="2">
+        <a:scrgbClr r="0" g="0" b="0"/>
+      </a:lnRef>
+      <a:fillRef idx="1">
+        <a:scrgbClr r="0" g="0" b="0"/>
+      </a:fillRef>
+      <a:effectRef idx="0">
+        <a:scrgbClr r="0" g="0" b="0"/>
+      </a:effectRef>
+      <a:fontRef idx="minor"/>
+    </dgm:style>
+  </dgm:styleLbl>
+  <dgm:styleLbl name="conFgAcc1">
+    <dgm:scene3d>
+      <a:camera prst="orthographicFront"/>
+      <a:lightRig rig="threePt" dir="t"/>
+    </dgm:scene3d>
+    <dgm:sp3d/>
+    <dgm:txPr/>
+    <dgm:style>
+      <a:lnRef idx="2">
+        <a:scrgbClr r="0" g="0" b="0"/>
+      </a:lnRef>
+      <a:fillRef idx="1">
+        <a:scrgbClr r="0" g="0" b="0"/>
+      </a:fillRef>
+      <a:effectRef idx="0">
+        <a:scrgbClr r="0" g="0" b="0"/>
+      </a:effectRef>
+      <a:fontRef idx="minor"/>
+    </dgm:style>
+  </dgm:styleLbl>
+  <dgm:styleLbl name="alignAcc1">
+    <dgm:scene3d>
+      <a:camera prst="orthographicFront"/>
+      <a:lightRig rig="threePt" dir="t"/>
+    </dgm:scene3d>
+    <dgm:sp3d/>
+    <dgm:txPr/>
+    <dgm:style>
+      <a:lnRef idx="2">
+        <a:scrgbClr r="0" g="0" b="0"/>
+      </a:lnRef>
+      <a:fillRef idx="1">
+        <a:scrgbClr r="0" g="0" b="0"/>
+      </a:fillRef>
+      <a:effectRef idx="0">
+        <a:scrgbClr r="0" g="0" b="0"/>
+      </a:effectRef>
+      <a:fontRef idx="minor"/>
+    </dgm:style>
+  </dgm:styleLbl>
+  <dgm:styleLbl name="trAlignAcc1">
+    <dgm:scene3d>
+      <a:camera prst="orthographicFront"/>
+      <a:lightRig rig="threePt" dir="t"/>
+    </dgm:scene3d>
+    <dgm:sp3d/>
+    <dgm:txPr/>
+    <dgm:style>
+      <a:lnRef idx="1">
+        <a:scrgbClr r="0" g="0" b="0"/>
+      </a:lnRef>
+      <a:fillRef idx="1">
+        <a:scrgbClr r="0" g="0" b="0"/>
+      </a:fillRef>
+      <a:effectRef idx="0">
+        <a:scrgbClr r="0" g="0" b="0"/>
+      </a:effectRef>
+      <a:fontRef idx="minor"/>
+    </dgm:style>
+  </dgm:styleLbl>
+  <dgm:styleLbl name="bgAcc1">
+    <dgm:scene3d>
+      <a:camera prst="orthographicFront"/>
+      <a:lightRig rig="threePt" dir="t"/>
+    </dgm:scene3d>
+    <dgm:sp3d/>
+    <dgm:txPr/>
+    <dgm:style>
+      <a:lnRef idx="2">
+        <a:scrgbClr r="0" g="0" b="0"/>
+      </a:lnRef>
+      <a:fillRef idx="1">
+        <a:scrgbClr r="0" g="0" b="0"/>
+      </a:fillRef>
+      <a:effectRef idx="0">
+        <a:scrgbClr r="0" g="0" b="0"/>
+      </a:effectRef>
+      <a:fontRef idx="minor"/>
+    </dgm:style>
+  </dgm:styleLbl>
+  <dgm:styleLbl name="solidFgAcc1">
+    <dgm:scene3d>
+      <a:camera prst="orthographicFront"/>
+      <a:lightRig rig="threePt" dir="t"/>
+    </dgm:scene3d>
+    <dgm:sp3d/>
+    <dgm:txPr/>
+    <dgm:style>
+      <a:lnRef idx="2">
+        <a:scrgbClr r="0" g="0" b="0"/>
+      </a:lnRef>
+      <a:fillRef idx="1">
+        <a:scrgbClr r="0" g="0" b="0"/>
+      </a:fillRef>
+      <a:effectRef idx="0">
+        <a:scrgbClr r="0" g="0" b="0"/>
+      </a:effectRef>
+      <a:fontRef idx="minor"/>
+    </dgm:style>
+  </dgm:styleLbl>
+  <dgm:styleLbl name="solidAlignAcc1">
+    <dgm:scene3d>
+      <a:camera prst="orthographicFront"/>
+      <a:lightRig rig="threePt" dir="t"/>
+    </dgm:scene3d>
+    <dgm:sp3d/>
+    <dgm:txPr/>
+    <dgm:style>
+      <a:lnRef idx="2">
+        <a:scrgbClr r="0" g="0" b="0"/>
+      </a:lnRef>
+      <a:fillRef idx="1">
+        <a:scrgbClr r="0" g="0" b="0"/>
+      </a:fillRef>
+      <a:effectRef idx="0">
+        <a:scrgbClr r="0" g="0" b="0"/>
+      </a:effectRef>
+      <a:fontRef idx="minor"/>
+    </dgm:style>
+  </dgm:styleLbl>
+  <dgm:styleLbl name="solidBgAcc1">
+    <dgm:scene3d>
+      <a:camera prst="orthographicFront"/>
+      <a:lightRig rig="threePt" dir="t"/>
+    </dgm:scene3d>
+    <dgm:sp3d/>
+    <dgm:txPr/>
+    <dgm:style>
+      <a:lnRef idx="2">
+        <a:scrgbClr r="0" g="0" b="0"/>
+      </a:lnRef>
+      <a:fillRef idx="1">
+        <a:scrgbClr r="0" g="0" b="0"/>
+      </a:fillRef>
+      <a:effectRef idx="0">
+        <a:scrgbClr r="0" g="0" b="0"/>
+      </a:effectRef>
+      <a:fontRef idx="minor"/>
+    </dgm:style>
+  </dgm:styleLbl>
+  <dgm:styleLbl name="fgAccFollowNode1">
+    <dgm:scene3d>
+      <a:camera prst="orthographicFront"/>
+      <a:lightRig rig="threePt" dir="t"/>
+    </dgm:scene3d>
+    <dgm:sp3d/>
+    <dgm:txPr/>
+    <dgm:style>
+      <a:lnRef idx="2">
+        <a:scrgbClr r="0" g="0" b="0"/>
+      </a:lnRef>
+      <a:fillRef idx="1">
+        <a:scrgbClr r="0" g="0" b="0"/>
+      </a:fillRef>
+      <a:effectRef idx="0">
+        <a:scrgbClr r="0" g="0" b="0"/>
+      </a:effectRef>
+      <a:fontRef idx="minor"/>
+    </dgm:style>
+  </dgm:styleLbl>
+  <dgm:styleLbl name="alignAccFollowNode1">
+    <dgm:scene3d>
+      <a:camera prst="orthographicFront"/>
+      <a:lightRig rig="threePt" dir="t"/>
+    </dgm:scene3d>
+    <dgm:sp3d/>
+    <dgm:txPr/>
+    <dgm:style>
+      <a:lnRef idx="2">
+        <a:scrgbClr r="0" g="0" b="0"/>
+      </a:lnRef>
+      <a:fillRef idx="1">
+        <a:scrgbClr r="0" g="0" b="0"/>
+      </a:fillRef>
+      <a:effectRef idx="0">
+        <a:scrgbClr r="0" g="0" b="0"/>
+      </a:effectRef>
+      <a:fontRef idx="minor"/>
+    </dgm:style>
+  </dgm:styleLbl>
+  <dgm:styleLbl name="bgAccFollowNode1">
+    <dgm:scene3d>
+      <a:camera prst="orthographicFront"/>
+      <a:lightRig rig="threePt" dir="t"/>
+    </dgm:scene3d>
+    <dgm:sp3d/>
+    <dgm:txPr/>
+    <dgm:style>
+      <a:lnRef idx="2">
+        <a:scrgbClr r="0" g="0" b="0"/>
+      </a:lnRef>
+      <a:fillRef idx="1">
+        <a:scrgbClr r="0" g="0" b="0"/>
+      </a:fillRef>
+      <a:effectRef idx="0">
+        <a:scrgbClr r="0" g="0" b="0"/>
+      </a:effectRef>
+      <a:fontRef idx="minor"/>
+    </dgm:style>
+  </dgm:styleLbl>
+  <dgm:styleLbl name="fgAcc0">
+    <dgm:scene3d>
+      <a:camera prst="orthographicFront"/>
+      <a:lightRig rig="threePt" dir="t"/>
+    </dgm:scene3d>
+    <dgm:sp3d/>
+    <dgm:txPr/>
+    <dgm:style>
+      <a:lnRef idx="2">
+        <a:scrgbClr r="0" g="0" b="0"/>
+      </a:lnRef>
+      <a:fillRef idx="1">
+        <a:scrgbClr r="0" g="0" b="0"/>
+      </a:fillRef>
+      <a:effectRef idx="0">
+        <a:scrgbClr r="0" g="0" b="0"/>
+      </a:effectRef>
+      <a:fontRef idx="minor"/>
+    </dgm:style>
+  </dgm:styleLbl>
+  <dgm:styleLbl name="fgAcc2">
+    <dgm:scene3d>
+      <a:camera prst="orthographicFront"/>
+      <a:lightRig rig="threePt" dir="t"/>
+    </dgm:scene3d>
+    <dgm:sp3d/>
+    <dgm:txPr/>
+    <dgm:style>
+      <a:lnRef idx="2">
+        <a:scrgbClr r="0" g="0" b="0"/>
+      </a:lnRef>
+      <a:fillRef idx="1">
+        <a:scrgbClr r="0" g="0" b="0"/>
+      </a:fillRef>
+      <a:effectRef idx="0">
+        <a:scrgbClr r="0" g="0" b="0"/>
+      </a:effectRef>
+      <a:fontRef idx="minor"/>
+    </dgm:style>
+  </dgm:styleLbl>
+  <dgm:styleLbl name="fgAcc3">
+    <dgm:scene3d>
+      <a:camera prst="orthographicFront"/>
+      <a:lightRig rig="threePt" dir="t"/>
+    </dgm:scene3d>
+    <dgm:sp3d/>
+    <dgm:txPr/>
+    <dgm:style>
+      <a:lnRef idx="2">
+        <a:scrgbClr r="0" g="0" b="0"/>
+      </a:lnRef>
+      <a:fillRef idx="1">
+        <a:scrgbClr r="0" g="0" b="0"/>
+      </a:fillRef>
+      <a:effectRef idx="0">
+        <a:scrgbClr r="0" g="0" b="0"/>
+      </a:effectRef>
+      <a:fontRef idx="minor"/>
+    </dgm:style>
+  </dgm:styleLbl>
+  <dgm:styleLbl name="fgAcc4">
+    <dgm:scene3d>
+      <a:camera prst="orthographicFront"/>
+      <a:lightRig rig="threePt" dir="t"/>
+    </dgm:scene3d>
+    <dgm:sp3d/>
+    <dgm:txPr/>
+    <dgm:style>
+      <a:lnRef idx="2">
+        <a:scrgbClr r="0" g="0" b="0"/>
+      </a:lnRef>
+      <a:fillRef idx="1">
+        <a:scrgbClr r="0" g="0" b="0"/>
+      </a:fillRef>
+      <a:effectRef idx="0">
+        <a:scrgbClr r="0" g="0" b="0"/>
+      </a:effectRef>
+      <a:fontRef idx="minor"/>
+    </dgm:style>
+  </dgm:styleLbl>
+  <dgm:styleLbl name="bgShp">
+    <dgm:scene3d>
+      <a:camera prst="orthographicFront"/>
+      <a:lightRig rig="threePt" dir="t"/>
+    </dgm:scene3d>
+    <dgm:sp3d/>
+    <dgm:txPr/>
+    <dgm:style>
+      <a:lnRef idx="0">
+        <a:scrgbClr r="0" g="0" b="0"/>
+      </a:lnRef>
+      <a:fillRef idx="1">
+        <a:scrgbClr r="0" g="0" b="0"/>
+      </a:fillRef>
+      <a:effectRef idx="0">
+        <a:scrgbClr r="0" g="0" b="0"/>
+      </a:effectRef>
+      <a:fontRef idx="minor"/>
+    </dgm:style>
+  </dgm:styleLbl>
+  <dgm:styleLbl name="dkBgShp">
+    <dgm:scene3d>
+      <a:camera prst="orthographicFront"/>
+      <a:lightRig rig="threePt" dir="t"/>
+    </dgm:scene3d>
+    <dgm:sp3d/>
+    <dgm:txPr/>
+    <dgm:style>
+      <a:lnRef idx="0">
+        <a:scrgbClr r="0" g="0" b="0"/>
+      </a:lnRef>
+      <a:fillRef idx="1">
+        <a:scrgbClr r="0" g="0" b="0"/>
+      </a:fillRef>
+      <a:effectRef idx="0">
+        <a:scrgbClr r="0" g="0" b="0"/>
+      </a:effectRef>
+      <a:fontRef idx="minor"/>
+    </dgm:style>
+  </dgm:styleLbl>
+  <dgm:styleLbl name="trBgShp">
+    <dgm:scene3d>
+      <a:camera prst="orthographicFront"/>
+      <a:lightRig rig="threePt" dir="t"/>
+    </dgm:scene3d>
+    <dgm:sp3d/>
+    <dgm:txPr/>
+    <dgm:style>
+      <a:lnRef idx="0">
+        <a:scrgbClr r="0" g="0" b="0"/>
+      </a:lnRef>
+      <a:fillRef idx="1">
+        <a:scrgbClr r="0" g="0" b="0"/>
+      </a:fillRef>
+      <a:effectRef idx="0">
+        <a:scrgbClr r="0" g="0" b="0"/>
+      </a:effectRef>
+      <a:fontRef idx="minor"/>
+    </dgm:style>
+  </dgm:styleLbl>
+  <dgm:styleLbl name="fgShp">
+    <dgm:scene3d>
+      <a:camera prst="orthographicFront"/>
+      <a:lightRig rig="threePt" dir="t"/>
+    </dgm:scene3d>
+    <dgm:sp3d/>
+    <dgm:txPr/>
+    <dgm:style>
+      <a:lnRef idx="2">
+        <a:scrgbClr r="0" g="0" b="0"/>
+      </a:lnRef>
+      <a:fillRef idx="1">
+        <a:scrgbClr r="0" g="0" b="0"/>
+      </a:fillRef>
+      <a:effectRef idx="0">
+        <a:scrgbClr r="0" g="0" b="0"/>
+      </a:effectRef>
+      <a:fontRef idx="minor"/>
+    </dgm:style>
+  </dgm:styleLbl>
+  <dgm:styleLbl name="revTx">
+    <dgm:scene3d>
+      <a:camera prst="orthographicFront"/>
+      <a:lightRig rig="threePt" dir="t"/>
+    </dgm:scene3d>
+    <dgm:sp3d/>
+    <dgm:txPr/>
+    <dgm:style>
+      <a:lnRef idx="0">
+        <a:scrgbClr r="0" g="0" b="0"/>
+      </a:lnRef>
+      <a:fillRef idx="0">
+        <a:scrgbClr r="0" g="0" b="0"/>
+      </a:fillRef>
+      <a:effectRef idx="0">
+        <a:scrgbClr r="0" g="0" b="0"/>
+      </a:effectRef>
+      <a:fontRef idx="minor"/>
+    </dgm:style>
+  </dgm:styleLbl>
+</dgm:styleDef>
+</file>
+
+<file path=ppt/diagrams/quickStyle4.xml><?xml version="1.0" encoding="utf-8"?>
 <dgm:styleDef xmlns:dgm="http://schemas.openxmlformats.org/drawingml/2006/diagram" xmlns:a="http://schemas.openxmlformats.org/drawingml/2006/main" uniqueId="urn:microsoft.com/office/officeart/2005/8/quickstyle/simple1">
   <dgm:title val=""/>
   <dgm:desc val=""/>
@@ -20081,6 +26068,42 @@
           </a:graphicData>
         </a:graphic>
       </p:graphicFrame>
+      <p:sp>
+        <p:nvSpPr>
+          <p:cNvPr id="3" name="TextBox 2">
+            <a:extLst>
+              <a:ext uri="{FF2B5EF4-FFF2-40B4-BE49-F238E27FC236}">
+                <a16:creationId xmlns:a16="http://schemas.microsoft.com/office/drawing/2014/main" id="{97146D0B-A2B4-4C81-886D-148752FF3D48}"/>
+              </a:ext>
+            </a:extLst>
+          </p:cNvPr>
+          <p:cNvSpPr txBox="1"/>
+          <p:nvPr/>
+        </p:nvSpPr>
+        <p:spPr>
+          <a:xfrm>
+            <a:off x="11376454" y="8238"/>
+            <a:ext cx="815546" cy="369332"/>
+          </a:xfrm>
+          <a:prstGeom prst="rect">
+            <a:avLst/>
+          </a:prstGeom>
+          <a:noFill/>
+        </p:spPr>
+        <p:txBody>
+          <a:bodyPr wrap="square" rtlCol="0">
+            <a:spAutoFit/>
+          </a:bodyPr>
+          <a:lstStyle/>
+          <a:p>
+            <a:pPr algn="ctr"/>
+            <a:r>
+              <a:rPr lang="en-US" dirty="0"/>
+              <a:t>0.0</a:t>
+            </a:r>
+          </a:p>
+        </p:txBody>
+      </p:sp>
     </p:spTree>
     <p:extLst>
       <p:ext uri="{BB962C8B-B14F-4D97-AF65-F5344CB8AC3E}">
@@ -20139,6 +26162,42 @@
           </a:graphicData>
         </a:graphic>
       </p:graphicFrame>
+      <p:sp>
+        <p:nvSpPr>
+          <p:cNvPr id="2" name="TextBox 1">
+            <a:extLst>
+              <a:ext uri="{FF2B5EF4-FFF2-40B4-BE49-F238E27FC236}">
+                <a16:creationId xmlns:a16="http://schemas.microsoft.com/office/drawing/2014/main" id="{38C97505-514E-4308-8259-3C796F5C7FBC}"/>
+              </a:ext>
+            </a:extLst>
+          </p:cNvPr>
+          <p:cNvSpPr txBox="1"/>
+          <p:nvPr/>
+        </p:nvSpPr>
+        <p:spPr>
+          <a:xfrm>
+            <a:off x="11376454" y="8238"/>
+            <a:ext cx="815546" cy="369332"/>
+          </a:xfrm>
+          <a:prstGeom prst="rect">
+            <a:avLst/>
+          </a:prstGeom>
+          <a:noFill/>
+        </p:spPr>
+        <p:txBody>
+          <a:bodyPr wrap="square" rtlCol="0">
+            <a:spAutoFit/>
+          </a:bodyPr>
+          <a:lstStyle/>
+          <a:p>
+            <a:pPr algn="ctr"/>
+            <a:r>
+              <a:rPr lang="en-US" dirty="0"/>
+              <a:t>1.0</a:t>
+            </a:r>
+          </a:p>
+        </p:txBody>
+      </p:sp>
     </p:spTree>
     <p:extLst>
       <p:ext uri="{BB962C8B-B14F-4D97-AF65-F5344CB8AC3E}">
@@ -20286,6 +26345,42 @@
           </a:p>
         </p:txBody>
       </p:sp>
+      <p:sp>
+        <p:nvSpPr>
+          <p:cNvPr id="5" name="TextBox 4">
+            <a:extLst>
+              <a:ext uri="{FF2B5EF4-FFF2-40B4-BE49-F238E27FC236}">
+                <a16:creationId xmlns:a16="http://schemas.microsoft.com/office/drawing/2014/main" id="{51B2F49A-5AF0-4D29-936D-42F9E7F15163}"/>
+              </a:ext>
+            </a:extLst>
+          </p:cNvPr>
+          <p:cNvSpPr txBox="1"/>
+          <p:nvPr/>
+        </p:nvSpPr>
+        <p:spPr>
+          <a:xfrm>
+            <a:off x="11376454" y="8238"/>
+            <a:ext cx="815546" cy="369332"/>
+          </a:xfrm>
+          <a:prstGeom prst="rect">
+            <a:avLst/>
+          </a:prstGeom>
+          <a:noFill/>
+        </p:spPr>
+        <p:txBody>
+          <a:bodyPr wrap="square" rtlCol="0">
+            <a:spAutoFit/>
+          </a:bodyPr>
+          <a:lstStyle/>
+          <a:p>
+            <a:pPr algn="ctr"/>
+            <a:r>
+              <a:rPr lang="en-US" dirty="0"/>
+              <a:t>1.0b</a:t>
+            </a:r>
+          </a:p>
+        </p:txBody>
+      </p:sp>
     </p:spTree>
     <p:extLst>
       <p:ext uri="{BB962C8B-B14F-4D97-AF65-F5344CB8AC3E}">
@@ -20300,6 +26395,100 @@
 </file>
 
 <file path=ppt/slides/slide4.xml><?xml version="1.0" encoding="utf-8"?>
+<p:sld xmlns:a="http://schemas.openxmlformats.org/drawingml/2006/main" xmlns:r="http://schemas.openxmlformats.org/officeDocument/2006/relationships" xmlns:p="http://schemas.openxmlformats.org/presentationml/2006/main">
+  <p:cSld>
+    <p:spTree>
+      <p:nvGrpSpPr>
+        <p:cNvPr id="1" name=""/>
+        <p:cNvGrpSpPr/>
+        <p:nvPr/>
+      </p:nvGrpSpPr>
+      <p:grpSpPr>
+        <a:xfrm>
+          <a:off x="0" y="0"/>
+          <a:ext cx="0" cy="0"/>
+          <a:chOff x="0" y="0"/>
+          <a:chExt cx="0" cy="0"/>
+        </a:xfrm>
+      </p:grpSpPr>
+      <p:graphicFrame>
+        <p:nvGraphicFramePr>
+          <p:cNvPr id="19" name="Diagram 18">
+            <a:extLst>
+              <a:ext uri="{FF2B5EF4-FFF2-40B4-BE49-F238E27FC236}">
+                <a16:creationId xmlns:a16="http://schemas.microsoft.com/office/drawing/2014/main" id="{5BF09880-6327-4DC2-8921-DE3480A9F54C}"/>
+              </a:ext>
+            </a:extLst>
+          </p:cNvPr>
+          <p:cNvGraphicFramePr/>
+          <p:nvPr>
+            <p:extLst>
+              <p:ext uri="{D42A27DB-BD31-4B8C-83A1-F6EECF244321}">
+                <p14:modId xmlns:p14="http://schemas.microsoft.com/office/powerpoint/2010/main" val="1238180471"/>
+              </p:ext>
+            </p:extLst>
+          </p:nvPr>
+        </p:nvGraphicFramePr>
+        <p:xfrm>
+          <a:off x="172995" y="306859"/>
+          <a:ext cx="11730681" cy="6244281"/>
+        </p:xfrm>
+        <a:graphic>
+          <a:graphicData uri="http://schemas.openxmlformats.org/drawingml/2006/diagram">
+            <dgm:relIds xmlns:dgm="http://schemas.openxmlformats.org/drawingml/2006/diagram" xmlns:r="http://schemas.openxmlformats.org/officeDocument/2006/relationships" r:dm="rId2" r:lo="rId3" r:qs="rId4" r:cs="rId5"/>
+          </a:graphicData>
+        </a:graphic>
+      </p:graphicFrame>
+      <p:sp>
+        <p:nvSpPr>
+          <p:cNvPr id="3" name="TextBox 2">
+            <a:extLst>
+              <a:ext uri="{FF2B5EF4-FFF2-40B4-BE49-F238E27FC236}">
+                <a16:creationId xmlns:a16="http://schemas.microsoft.com/office/drawing/2014/main" id="{0B4B6665-8D48-4F5C-B075-2B9D31B6C7C4}"/>
+              </a:ext>
+            </a:extLst>
+          </p:cNvPr>
+          <p:cNvSpPr txBox="1"/>
+          <p:nvPr/>
+        </p:nvSpPr>
+        <p:spPr>
+          <a:xfrm>
+            <a:off x="11376454" y="8238"/>
+            <a:ext cx="815546" cy="369332"/>
+          </a:xfrm>
+          <a:prstGeom prst="rect">
+            <a:avLst/>
+          </a:prstGeom>
+          <a:noFill/>
+        </p:spPr>
+        <p:txBody>
+          <a:bodyPr wrap="square" rtlCol="0">
+            <a:spAutoFit/>
+          </a:bodyPr>
+          <a:lstStyle/>
+          <a:p>
+            <a:pPr algn="ctr"/>
+            <a:r>
+              <a:rPr lang="en-US" dirty="0"/>
+              <a:t>1.1</a:t>
+            </a:r>
+          </a:p>
+        </p:txBody>
+      </p:sp>
+    </p:spTree>
+    <p:extLst>
+      <p:ext uri="{BB962C8B-B14F-4D97-AF65-F5344CB8AC3E}">
+        <p14:creationId xmlns:p14="http://schemas.microsoft.com/office/powerpoint/2010/main" val="2610546752"/>
+      </p:ext>
+    </p:extLst>
+  </p:cSld>
+  <p:clrMapOvr>
+    <a:masterClrMapping/>
+  </p:clrMapOvr>
+</p:sld>
+</file>
+
+<file path=ppt/slides/slide5.xml><?xml version="1.0" encoding="utf-8"?>
 <p:sld xmlns:a="http://schemas.openxmlformats.org/drawingml/2006/main" xmlns:r="http://schemas.openxmlformats.org/officeDocument/2006/relationships" xmlns:p="http://schemas.openxmlformats.org/presentationml/2006/main">
   <p:cSld>
     <p:spTree>
@@ -20359,7 +26548,7 @@
 </p:sld>
 </file>
 
-<file path=ppt/slides/slide5.xml><?xml version="1.0" encoding="utf-8"?>
+<file path=ppt/slides/slide6.xml><?xml version="1.0" encoding="utf-8"?>
 <p:sld xmlns:a="http://schemas.openxmlformats.org/drawingml/2006/main" xmlns:r="http://schemas.openxmlformats.org/officeDocument/2006/relationships" xmlns:p="http://schemas.openxmlformats.org/presentationml/2006/main">
   <p:cSld>
     <p:spTree>
@@ -20419,7 +26608,7 @@
 </p:sld>
 </file>
 
-<file path=ppt/slides/slide6.xml><?xml version="1.0" encoding="utf-8"?>
+<file path=ppt/slides/slide7.xml><?xml version="1.0" encoding="utf-8"?>
 <p:sld xmlns:a="http://schemas.openxmlformats.org/drawingml/2006/main" xmlns:r="http://schemas.openxmlformats.org/officeDocument/2006/relationships" xmlns:p="http://schemas.openxmlformats.org/presentationml/2006/main">
   <p:cSld>
     <p:spTree>
@@ -20479,7 +26668,7 @@
 </p:sld>
 </file>
 
-<file path=ppt/slides/slide7.xml><?xml version="1.0" encoding="utf-8"?>
+<file path=ppt/slides/slide8.xml><?xml version="1.0" encoding="utf-8"?>
 <p:sld xmlns:a="http://schemas.openxmlformats.org/drawingml/2006/main" xmlns:r="http://schemas.openxmlformats.org/officeDocument/2006/relationships" xmlns:p="http://schemas.openxmlformats.org/presentationml/2006/main">
   <p:cSld>
     <p:spTree>

--- a/Dependency.pptx
+++ b/Dependency.pptx
@@ -13,6 +13,8 @@
     <p:sldId id="261" r:id="rId7"/>
     <p:sldId id="262" r:id="rId8"/>
     <p:sldId id="263" r:id="rId9"/>
+    <p:sldId id="265" r:id="rId10"/>
+    <p:sldId id="266" r:id="rId11"/>
   </p:sldIdLst>
   <p:sldSz cx="12192000" cy="6858000"/>
   <p:notesSz cx="6858000" cy="9144000"/>
@@ -22973,7 +22975,7 @@
           <a:p>
             <a:fld id="{01AEE574-9909-4634-A770-018BF7608A2E}" type="datetimeFigureOut">
               <a:rPr lang="en-US" smtClean="0"/>
-              <a:t>2/17/2020</a:t>
+              <a:t>2/19/2020</a:t>
             </a:fld>
             <a:endParaRPr lang="en-US"/>
           </a:p>
@@ -23171,7 +23173,7 @@
           <a:p>
             <a:fld id="{01AEE574-9909-4634-A770-018BF7608A2E}" type="datetimeFigureOut">
               <a:rPr lang="en-US" smtClean="0"/>
-              <a:t>2/17/2020</a:t>
+              <a:t>2/19/2020</a:t>
             </a:fld>
             <a:endParaRPr lang="en-US"/>
           </a:p>
@@ -23379,7 +23381,7 @@
           <a:p>
             <a:fld id="{01AEE574-9909-4634-A770-018BF7608A2E}" type="datetimeFigureOut">
               <a:rPr lang="en-US" smtClean="0"/>
-              <a:t>2/17/2020</a:t>
+              <a:t>2/19/2020</a:t>
             </a:fld>
             <a:endParaRPr lang="en-US"/>
           </a:p>
@@ -23577,7 +23579,7 @@
           <a:p>
             <a:fld id="{01AEE574-9909-4634-A770-018BF7608A2E}" type="datetimeFigureOut">
               <a:rPr lang="en-US" smtClean="0"/>
-              <a:t>2/17/2020</a:t>
+              <a:t>2/19/2020</a:t>
             </a:fld>
             <a:endParaRPr lang="en-US"/>
           </a:p>
@@ -23852,7 +23854,7 @@
           <a:p>
             <a:fld id="{01AEE574-9909-4634-A770-018BF7608A2E}" type="datetimeFigureOut">
               <a:rPr lang="en-US" smtClean="0"/>
-              <a:t>2/17/2020</a:t>
+              <a:t>2/19/2020</a:t>
             </a:fld>
             <a:endParaRPr lang="en-US"/>
           </a:p>
@@ -24117,7 +24119,7 @@
           <a:p>
             <a:fld id="{01AEE574-9909-4634-A770-018BF7608A2E}" type="datetimeFigureOut">
               <a:rPr lang="en-US" smtClean="0"/>
-              <a:t>2/17/2020</a:t>
+              <a:t>2/19/2020</a:t>
             </a:fld>
             <a:endParaRPr lang="en-US"/>
           </a:p>
@@ -24529,7 +24531,7 @@
           <a:p>
             <a:fld id="{01AEE574-9909-4634-A770-018BF7608A2E}" type="datetimeFigureOut">
               <a:rPr lang="en-US" smtClean="0"/>
-              <a:t>2/17/2020</a:t>
+              <a:t>2/19/2020</a:t>
             </a:fld>
             <a:endParaRPr lang="en-US"/>
           </a:p>
@@ -24670,7 +24672,7 @@
           <a:p>
             <a:fld id="{01AEE574-9909-4634-A770-018BF7608A2E}" type="datetimeFigureOut">
               <a:rPr lang="en-US" smtClean="0"/>
-              <a:t>2/17/2020</a:t>
+              <a:t>2/19/2020</a:t>
             </a:fld>
             <a:endParaRPr lang="en-US"/>
           </a:p>
@@ -24783,7 +24785,7 @@
           <a:p>
             <a:fld id="{01AEE574-9909-4634-A770-018BF7608A2E}" type="datetimeFigureOut">
               <a:rPr lang="en-US" smtClean="0"/>
-              <a:t>2/17/2020</a:t>
+              <a:t>2/19/2020</a:t>
             </a:fld>
             <a:endParaRPr lang="en-US"/>
           </a:p>
@@ -25094,7 +25096,7 @@
           <a:p>
             <a:fld id="{01AEE574-9909-4634-A770-018BF7608A2E}" type="datetimeFigureOut">
               <a:rPr lang="en-US" smtClean="0"/>
-              <a:t>2/17/2020</a:t>
+              <a:t>2/19/2020</a:t>
             </a:fld>
             <a:endParaRPr lang="en-US"/>
           </a:p>
@@ -25382,7 +25384,7 @@
           <a:p>
             <a:fld id="{01AEE574-9909-4634-A770-018BF7608A2E}" type="datetimeFigureOut">
               <a:rPr lang="en-US" smtClean="0"/>
-              <a:t>2/17/2020</a:t>
+              <a:t>2/19/2020</a:t>
             </a:fld>
             <a:endParaRPr lang="en-US"/>
           </a:p>
@@ -25623,7 +25625,7 @@
           <a:p>
             <a:fld id="{01AEE574-9909-4634-A770-018BF7608A2E}" type="datetimeFigureOut">
               <a:rPr lang="en-US" smtClean="0"/>
-              <a:t>2/17/2020</a:t>
+              <a:t>2/19/2020</a:t>
             </a:fld>
             <a:endParaRPr lang="en-US"/>
           </a:p>
@@ -26108,6 +26110,66 @@
     <p:extLst>
       <p:ext uri="{BB962C8B-B14F-4D97-AF65-F5344CB8AC3E}">
         <p14:creationId xmlns:p14="http://schemas.microsoft.com/office/powerpoint/2010/main" val="3972504486"/>
+      </p:ext>
+    </p:extLst>
+  </p:cSld>
+  <p:clrMapOvr>
+    <a:masterClrMapping/>
+  </p:clrMapOvr>
+</p:sld>
+</file>
+
+<file path=ppt/slides/slide10.xml><?xml version="1.0" encoding="utf-8"?>
+<p:sld xmlns:a="http://schemas.openxmlformats.org/drawingml/2006/main" xmlns:r="http://schemas.openxmlformats.org/officeDocument/2006/relationships" xmlns:p="http://schemas.openxmlformats.org/presentationml/2006/main">
+  <p:cSld>
+    <p:spTree>
+      <p:nvGrpSpPr>
+        <p:cNvPr id="1" name=""/>
+        <p:cNvGrpSpPr/>
+        <p:nvPr/>
+      </p:nvGrpSpPr>
+      <p:grpSpPr>
+        <a:xfrm>
+          <a:off x="0" y="0"/>
+          <a:ext cx="0" cy="0"/>
+          <a:chOff x="0" y="0"/>
+          <a:chExt cx="0" cy="0"/>
+        </a:xfrm>
+      </p:grpSpPr>
+      <p:pic>
+        <p:nvPicPr>
+          <p:cNvPr id="12" name="Picture 11">
+            <a:extLst>
+              <a:ext uri="{FF2B5EF4-FFF2-40B4-BE49-F238E27FC236}">
+                <a16:creationId xmlns:a16="http://schemas.microsoft.com/office/drawing/2014/main" id="{A97F2CF4-C01E-499C-87FB-A65C676BFA64}"/>
+              </a:ext>
+            </a:extLst>
+          </p:cNvPr>
+          <p:cNvPicPr>
+            <a:picLocks noChangeAspect="1"/>
+          </p:cNvPicPr>
+          <p:nvPr/>
+        </p:nvPicPr>
+        <p:blipFill>
+          <a:blip r:embed="rId2"/>
+          <a:stretch>
+            <a:fillRect/>
+          </a:stretch>
+        </p:blipFill>
+        <p:spPr>
+          <a:xfrm>
+            <a:off x="557212" y="357187"/>
+            <a:ext cx="11077575" cy="6143625"/>
+          </a:xfrm>
+          <a:prstGeom prst="rect">
+            <a:avLst/>
+          </a:prstGeom>
+        </p:spPr>
+      </p:pic>
+    </p:spTree>
+    <p:extLst>
+      <p:ext uri="{BB962C8B-B14F-4D97-AF65-F5344CB8AC3E}">
+        <p14:creationId xmlns:p14="http://schemas.microsoft.com/office/powerpoint/2010/main" val="1398972238"/>
       </p:ext>
     </p:extLst>
   </p:cSld>
@@ -26728,6 +26790,66 @@
 </p:sld>
 </file>
 
+<file path=ppt/slides/slide9.xml><?xml version="1.0" encoding="utf-8"?>
+<p:sld xmlns:a="http://schemas.openxmlformats.org/drawingml/2006/main" xmlns:r="http://schemas.openxmlformats.org/officeDocument/2006/relationships" xmlns:p="http://schemas.openxmlformats.org/presentationml/2006/main">
+  <p:cSld>
+    <p:spTree>
+      <p:nvGrpSpPr>
+        <p:cNvPr id="1" name=""/>
+        <p:cNvGrpSpPr/>
+        <p:nvPr/>
+      </p:nvGrpSpPr>
+      <p:grpSpPr>
+        <a:xfrm>
+          <a:off x="0" y="0"/>
+          <a:ext cx="0" cy="0"/>
+          <a:chOff x="0" y="0"/>
+          <a:chExt cx="0" cy="0"/>
+        </a:xfrm>
+      </p:grpSpPr>
+      <p:pic>
+        <p:nvPicPr>
+          <p:cNvPr id="4" name="Picture 3">
+            <a:extLst>
+              <a:ext uri="{FF2B5EF4-FFF2-40B4-BE49-F238E27FC236}">
+                <a16:creationId xmlns:a16="http://schemas.microsoft.com/office/drawing/2014/main" id="{3DCEE36A-3CBA-4592-A751-988F880E8E2D}"/>
+              </a:ext>
+            </a:extLst>
+          </p:cNvPr>
+          <p:cNvPicPr>
+            <a:picLocks noChangeAspect="1"/>
+          </p:cNvPicPr>
+          <p:nvPr/>
+        </p:nvPicPr>
+        <p:blipFill>
+          <a:blip r:embed="rId2"/>
+          <a:stretch>
+            <a:fillRect/>
+          </a:stretch>
+        </p:blipFill>
+        <p:spPr>
+          <a:xfrm>
+            <a:off x="4467225" y="2324100"/>
+            <a:ext cx="3257550" cy="2209800"/>
+          </a:xfrm>
+          <a:prstGeom prst="rect">
+            <a:avLst/>
+          </a:prstGeom>
+        </p:spPr>
+      </p:pic>
+    </p:spTree>
+    <p:extLst>
+      <p:ext uri="{BB962C8B-B14F-4D97-AF65-F5344CB8AC3E}">
+        <p14:creationId xmlns:p14="http://schemas.microsoft.com/office/powerpoint/2010/main" val="975656695"/>
+      </p:ext>
+    </p:extLst>
+  </p:cSld>
+  <p:clrMapOvr>
+    <a:masterClrMapping/>
+  </p:clrMapOvr>
+</p:sld>
+</file>
+
 <file path=ppt/theme/theme1.xml><?xml version="1.0" encoding="utf-8"?>
 <a:theme xmlns:a="http://schemas.openxmlformats.org/drawingml/2006/main" name="Office Theme">
   <a:themeElements>
